--- a/doc/DataWorkFlow-chart.pptx
+++ b/doc/DataWorkFlow-chart.pptx
@@ -1,15 +1,28 @@
 
 <file path=ppt/presentation.xml><?xml version="1.0" encoding="utf-8"?>
-<p:presentation xmlns:a="http://schemas.openxmlformats.org/drawingml/2006/main" xmlns:r="http://schemas.openxmlformats.org/officeDocument/2006/relationships" xmlns:p="http://schemas.openxmlformats.org/presentationml/2006/main" saveSubsetFonts="1">
+<p:presentation xmlns:a="http://schemas.openxmlformats.org/drawingml/2006/main" xmlns:r="http://schemas.openxmlformats.org/officeDocument/2006/relationships" xmlns:p="http://schemas.openxmlformats.org/presentationml/2006/main">
   <p:sldMasterIdLst>
     <p:sldMasterId id="2147483648" r:id="rId1"/>
   </p:sldMasterIdLst>
   <p:sldIdLst>
-    <p:sldId id="256" r:id="rId2"/>
-    <p:sldId id="257" r:id="rId3"/>
+    <p:sldId id="256" r:id="rId3"/>
+    <p:sldId id="258" r:id="rId4"/>
+    <p:sldId id="260" r:id="rId5"/>
+    <p:sldId id="261" r:id="rId6"/>
+    <p:sldId id="265" r:id="rId7"/>
+    <p:sldId id="262" r:id="rId8"/>
+    <p:sldId id="263" r:id="rId9"/>
+    <p:sldId id="264" r:id="rId10"/>
+    <p:sldId id="266" r:id="rId11"/>
+    <p:sldId id="267" r:id="rId12"/>
+    <p:sldId id="268" r:id="rId13"/>
+    <p:sldId id="269" r:id="rId14"/>
   </p:sldIdLst>
   <p:sldSz cx="12192000" cy="6858000"/>
   <p:notesSz cx="6858000" cy="9144000"/>
+  <p:custDataLst>
+    <p:tags r:id="rId18"/>
+  </p:custDataLst>
   <p:defaultTextStyle>
     <a:defPPr>
       <a:defRPr lang="zh-CN"/>
@@ -105,11 +118,6 @@
       </a:defRPr>
     </a:lvl9pPr>
   </p:defaultTextStyle>
-  <p:extLst>
-    <p:ext uri="{EFAFB233-063F-42B5-8137-9DF3F51BA10A}">
-      <p15:sldGuideLst xmlns:p15="http://schemas.microsoft.com/office/powerpoint/2012/main"/>
-    </p:ext>
-  </p:extLst>
 </p:presentation>
 </file>
 
@@ -244,7 +252,6 @@
           <a:p>
             <a:fld id="{7804261C-5E25-4443-94A5-10973B317534}" type="datetimeFigureOut">
               <a:rPr lang="zh-CN" altLang="en-US" smtClean="0"/>
-              <a:t>2022/2/2</a:t>
             </a:fld>
             <a:endParaRPr lang="zh-CN" altLang="en-US"/>
           </a:p>
@@ -286,18 +293,12 @@
           <a:p>
             <a:fld id="{C2A42F82-3F11-463F-BB88-80E062B620A3}" type="slidenum">
               <a:rPr lang="zh-CN" altLang="en-US" smtClean="0"/>
-              <a:t>‹#›</a:t>
             </a:fld>
             <a:endParaRPr lang="zh-CN" altLang="en-US"/>
           </a:p>
         </p:txBody>
       </p:sp>
     </p:spTree>
-    <p:extLst>
-      <p:ext uri="{BB962C8B-B14F-4D97-AF65-F5344CB8AC3E}">
-        <p14:creationId xmlns:p14="http://schemas.microsoft.com/office/powerpoint/2010/main" val="1933177571"/>
-      </p:ext>
-    </p:extLst>
   </p:cSld>
   <p:clrMapOvr>
     <a:masterClrMapping/>
@@ -365,6 +366,7 @@
               <a:rPr lang="zh-CN" altLang="en-US" smtClean="0"/>
               <a:t>单击此处编辑母版文本样式</a:t>
             </a:r>
+            <a:endParaRPr lang="zh-CN" altLang="en-US" smtClean="0"/>
           </a:p>
           <a:p>
             <a:pPr lvl="1"/>
@@ -372,6 +374,7 @@
               <a:rPr lang="zh-CN" altLang="en-US" smtClean="0"/>
               <a:t>第二级</a:t>
             </a:r>
+            <a:endParaRPr lang="zh-CN" altLang="en-US" smtClean="0"/>
           </a:p>
           <a:p>
             <a:pPr lvl="2"/>
@@ -379,6 +382,7 @@
               <a:rPr lang="zh-CN" altLang="en-US" smtClean="0"/>
               <a:t>第三级</a:t>
             </a:r>
+            <a:endParaRPr lang="zh-CN" altLang="en-US" smtClean="0"/>
           </a:p>
           <a:p>
             <a:pPr lvl="3"/>
@@ -386,6 +390,7 @@
               <a:rPr lang="zh-CN" altLang="en-US" smtClean="0"/>
               <a:t>第四级</a:t>
             </a:r>
+            <a:endParaRPr lang="zh-CN" altLang="en-US" smtClean="0"/>
           </a:p>
           <a:p>
             <a:pPr lvl="4"/>
@@ -414,7 +419,6 @@
           <a:p>
             <a:fld id="{7804261C-5E25-4443-94A5-10973B317534}" type="datetimeFigureOut">
               <a:rPr lang="zh-CN" altLang="en-US" smtClean="0"/>
-              <a:t>2022/2/2</a:t>
             </a:fld>
             <a:endParaRPr lang="zh-CN" altLang="en-US"/>
           </a:p>
@@ -456,18 +460,12 @@
           <a:p>
             <a:fld id="{C2A42F82-3F11-463F-BB88-80E062B620A3}" type="slidenum">
               <a:rPr lang="zh-CN" altLang="en-US" smtClean="0"/>
-              <a:t>‹#›</a:t>
             </a:fld>
             <a:endParaRPr lang="zh-CN" altLang="en-US"/>
           </a:p>
         </p:txBody>
       </p:sp>
     </p:spTree>
-    <p:extLst>
-      <p:ext uri="{BB962C8B-B14F-4D97-AF65-F5344CB8AC3E}">
-        <p14:creationId xmlns:p14="http://schemas.microsoft.com/office/powerpoint/2010/main" val="2518407490"/>
-      </p:ext>
-    </p:extLst>
   </p:cSld>
   <p:clrMapOvr>
     <a:masterClrMapping/>
@@ -545,6 +543,7 @@
               <a:rPr lang="zh-CN" altLang="en-US" smtClean="0"/>
               <a:t>单击此处编辑母版文本样式</a:t>
             </a:r>
+            <a:endParaRPr lang="zh-CN" altLang="en-US" smtClean="0"/>
           </a:p>
           <a:p>
             <a:pPr lvl="1"/>
@@ -552,6 +551,7 @@
               <a:rPr lang="zh-CN" altLang="en-US" smtClean="0"/>
               <a:t>第二级</a:t>
             </a:r>
+            <a:endParaRPr lang="zh-CN" altLang="en-US" smtClean="0"/>
           </a:p>
           <a:p>
             <a:pPr lvl="2"/>
@@ -559,6 +559,7 @@
               <a:rPr lang="zh-CN" altLang="en-US" smtClean="0"/>
               <a:t>第三级</a:t>
             </a:r>
+            <a:endParaRPr lang="zh-CN" altLang="en-US" smtClean="0"/>
           </a:p>
           <a:p>
             <a:pPr lvl="3"/>
@@ -566,6 +567,7 @@
               <a:rPr lang="zh-CN" altLang="en-US" smtClean="0"/>
               <a:t>第四级</a:t>
             </a:r>
+            <a:endParaRPr lang="zh-CN" altLang="en-US" smtClean="0"/>
           </a:p>
           <a:p>
             <a:pPr lvl="4"/>
@@ -594,7 +596,6 @@
           <a:p>
             <a:fld id="{7804261C-5E25-4443-94A5-10973B317534}" type="datetimeFigureOut">
               <a:rPr lang="zh-CN" altLang="en-US" smtClean="0"/>
-              <a:t>2022/2/2</a:t>
             </a:fld>
             <a:endParaRPr lang="zh-CN" altLang="en-US"/>
           </a:p>
@@ -636,18 +637,12 @@
           <a:p>
             <a:fld id="{C2A42F82-3F11-463F-BB88-80E062B620A3}" type="slidenum">
               <a:rPr lang="zh-CN" altLang="en-US" smtClean="0"/>
-              <a:t>‹#›</a:t>
             </a:fld>
             <a:endParaRPr lang="zh-CN" altLang="en-US"/>
           </a:p>
         </p:txBody>
       </p:sp>
     </p:spTree>
-    <p:extLst>
-      <p:ext uri="{BB962C8B-B14F-4D97-AF65-F5344CB8AC3E}">
-        <p14:creationId xmlns:p14="http://schemas.microsoft.com/office/powerpoint/2010/main" val="2091161722"/>
-      </p:ext>
-    </p:extLst>
   </p:cSld>
   <p:clrMapOvr>
     <a:masterClrMapping/>
@@ -715,6 +710,7 @@
               <a:rPr lang="zh-CN" altLang="en-US" smtClean="0"/>
               <a:t>单击此处编辑母版文本样式</a:t>
             </a:r>
+            <a:endParaRPr lang="zh-CN" altLang="en-US" smtClean="0"/>
           </a:p>
           <a:p>
             <a:pPr lvl="1"/>
@@ -722,6 +718,7 @@
               <a:rPr lang="zh-CN" altLang="en-US" smtClean="0"/>
               <a:t>第二级</a:t>
             </a:r>
+            <a:endParaRPr lang="zh-CN" altLang="en-US" smtClean="0"/>
           </a:p>
           <a:p>
             <a:pPr lvl="2"/>
@@ -729,6 +726,7 @@
               <a:rPr lang="zh-CN" altLang="en-US" smtClean="0"/>
               <a:t>第三级</a:t>
             </a:r>
+            <a:endParaRPr lang="zh-CN" altLang="en-US" smtClean="0"/>
           </a:p>
           <a:p>
             <a:pPr lvl="3"/>
@@ -736,6 +734,7 @@
               <a:rPr lang="zh-CN" altLang="en-US" smtClean="0"/>
               <a:t>第四级</a:t>
             </a:r>
+            <a:endParaRPr lang="zh-CN" altLang="en-US" smtClean="0"/>
           </a:p>
           <a:p>
             <a:pPr lvl="4"/>
@@ -764,7 +763,6 @@
           <a:p>
             <a:fld id="{7804261C-5E25-4443-94A5-10973B317534}" type="datetimeFigureOut">
               <a:rPr lang="zh-CN" altLang="en-US" smtClean="0"/>
-              <a:t>2022/2/2</a:t>
             </a:fld>
             <a:endParaRPr lang="zh-CN" altLang="en-US"/>
           </a:p>
@@ -806,18 +804,12 @@
           <a:p>
             <a:fld id="{C2A42F82-3F11-463F-BB88-80E062B620A3}" type="slidenum">
               <a:rPr lang="zh-CN" altLang="en-US" smtClean="0"/>
-              <a:t>‹#›</a:t>
             </a:fld>
             <a:endParaRPr lang="zh-CN" altLang="en-US"/>
           </a:p>
         </p:txBody>
       </p:sp>
     </p:spTree>
-    <p:extLst>
-      <p:ext uri="{BB962C8B-B14F-4D97-AF65-F5344CB8AC3E}">
-        <p14:creationId xmlns:p14="http://schemas.microsoft.com/office/powerpoint/2010/main" val="3080616581"/>
-      </p:ext>
-    </p:extLst>
   </p:cSld>
   <p:clrMapOvr>
     <a:masterClrMapping/>
@@ -990,6 +982,7 @@
               <a:rPr lang="zh-CN" altLang="en-US" smtClean="0"/>
               <a:t>单击此处编辑母版文本样式</a:t>
             </a:r>
+            <a:endParaRPr lang="zh-CN" altLang="en-US" smtClean="0"/>
           </a:p>
         </p:txBody>
       </p:sp>
@@ -1010,7 +1003,6 @@
           <a:p>
             <a:fld id="{7804261C-5E25-4443-94A5-10973B317534}" type="datetimeFigureOut">
               <a:rPr lang="zh-CN" altLang="en-US" smtClean="0"/>
-              <a:t>2022/2/2</a:t>
             </a:fld>
             <a:endParaRPr lang="zh-CN" altLang="en-US"/>
           </a:p>
@@ -1052,18 +1044,12 @@
           <a:p>
             <a:fld id="{C2A42F82-3F11-463F-BB88-80E062B620A3}" type="slidenum">
               <a:rPr lang="zh-CN" altLang="en-US" smtClean="0"/>
-              <a:t>‹#›</a:t>
             </a:fld>
             <a:endParaRPr lang="zh-CN" altLang="en-US"/>
           </a:p>
         </p:txBody>
       </p:sp>
     </p:spTree>
-    <p:extLst>
-      <p:ext uri="{BB962C8B-B14F-4D97-AF65-F5344CB8AC3E}">
-        <p14:creationId xmlns:p14="http://schemas.microsoft.com/office/powerpoint/2010/main" val="2731578807"/>
-      </p:ext>
-    </p:extLst>
   </p:cSld>
   <p:clrMapOvr>
     <a:masterClrMapping/>
@@ -1136,6 +1122,7 @@
               <a:rPr lang="zh-CN" altLang="en-US" smtClean="0"/>
               <a:t>单击此处编辑母版文本样式</a:t>
             </a:r>
+            <a:endParaRPr lang="zh-CN" altLang="en-US" smtClean="0"/>
           </a:p>
           <a:p>
             <a:pPr lvl="1"/>
@@ -1143,6 +1130,7 @@
               <a:rPr lang="zh-CN" altLang="en-US" smtClean="0"/>
               <a:t>第二级</a:t>
             </a:r>
+            <a:endParaRPr lang="zh-CN" altLang="en-US" smtClean="0"/>
           </a:p>
           <a:p>
             <a:pPr lvl="2"/>
@@ -1150,6 +1138,7 @@
               <a:rPr lang="zh-CN" altLang="en-US" smtClean="0"/>
               <a:t>第三级</a:t>
             </a:r>
+            <a:endParaRPr lang="zh-CN" altLang="en-US" smtClean="0"/>
           </a:p>
           <a:p>
             <a:pPr lvl="3"/>
@@ -1157,6 +1146,7 @@
               <a:rPr lang="zh-CN" altLang="en-US" smtClean="0"/>
               <a:t>第四级</a:t>
             </a:r>
+            <a:endParaRPr lang="zh-CN" altLang="en-US" smtClean="0"/>
           </a:p>
           <a:p>
             <a:pPr lvl="4"/>
@@ -1193,6 +1183,7 @@
               <a:rPr lang="zh-CN" altLang="en-US" smtClean="0"/>
               <a:t>单击此处编辑母版文本样式</a:t>
             </a:r>
+            <a:endParaRPr lang="zh-CN" altLang="en-US" smtClean="0"/>
           </a:p>
           <a:p>
             <a:pPr lvl="1"/>
@@ -1200,6 +1191,7 @@
               <a:rPr lang="zh-CN" altLang="en-US" smtClean="0"/>
               <a:t>第二级</a:t>
             </a:r>
+            <a:endParaRPr lang="zh-CN" altLang="en-US" smtClean="0"/>
           </a:p>
           <a:p>
             <a:pPr lvl="2"/>
@@ -1207,6 +1199,7 @@
               <a:rPr lang="zh-CN" altLang="en-US" smtClean="0"/>
               <a:t>第三级</a:t>
             </a:r>
+            <a:endParaRPr lang="zh-CN" altLang="en-US" smtClean="0"/>
           </a:p>
           <a:p>
             <a:pPr lvl="3"/>
@@ -1214,6 +1207,7 @@
               <a:rPr lang="zh-CN" altLang="en-US" smtClean="0"/>
               <a:t>第四级</a:t>
             </a:r>
+            <a:endParaRPr lang="zh-CN" altLang="en-US" smtClean="0"/>
           </a:p>
           <a:p>
             <a:pPr lvl="4"/>
@@ -1242,7 +1236,6 @@
           <a:p>
             <a:fld id="{7804261C-5E25-4443-94A5-10973B317534}" type="datetimeFigureOut">
               <a:rPr lang="zh-CN" altLang="en-US" smtClean="0"/>
-              <a:t>2022/2/2</a:t>
             </a:fld>
             <a:endParaRPr lang="zh-CN" altLang="en-US"/>
           </a:p>
@@ -1284,18 +1277,12 @@
           <a:p>
             <a:fld id="{C2A42F82-3F11-463F-BB88-80E062B620A3}" type="slidenum">
               <a:rPr lang="zh-CN" altLang="en-US" smtClean="0"/>
-              <a:t>‹#›</a:t>
             </a:fld>
             <a:endParaRPr lang="zh-CN" altLang="en-US"/>
           </a:p>
         </p:txBody>
       </p:sp>
     </p:spTree>
-    <p:extLst>
-      <p:ext uri="{BB962C8B-B14F-4D97-AF65-F5344CB8AC3E}">
-        <p14:creationId xmlns:p14="http://schemas.microsoft.com/office/powerpoint/2010/main" val="412246337"/>
-      </p:ext>
-    </p:extLst>
   </p:cSld>
   <p:clrMapOvr>
     <a:masterClrMapping/>
@@ -1410,6 +1397,7 @@
               <a:rPr lang="zh-CN" altLang="en-US" smtClean="0"/>
               <a:t>单击此处编辑母版文本样式</a:t>
             </a:r>
+            <a:endParaRPr lang="zh-CN" altLang="en-US" smtClean="0"/>
           </a:p>
         </p:txBody>
       </p:sp>
@@ -1438,6 +1426,7 @@
               <a:rPr lang="zh-CN" altLang="en-US" smtClean="0"/>
               <a:t>单击此处编辑母版文本样式</a:t>
             </a:r>
+            <a:endParaRPr lang="zh-CN" altLang="en-US" smtClean="0"/>
           </a:p>
           <a:p>
             <a:pPr lvl="1"/>
@@ -1445,6 +1434,7 @@
               <a:rPr lang="zh-CN" altLang="en-US" smtClean="0"/>
               <a:t>第二级</a:t>
             </a:r>
+            <a:endParaRPr lang="zh-CN" altLang="en-US" smtClean="0"/>
           </a:p>
           <a:p>
             <a:pPr lvl="2"/>
@@ -1452,6 +1442,7 @@
               <a:rPr lang="zh-CN" altLang="en-US" smtClean="0"/>
               <a:t>第三级</a:t>
             </a:r>
+            <a:endParaRPr lang="zh-CN" altLang="en-US" smtClean="0"/>
           </a:p>
           <a:p>
             <a:pPr lvl="3"/>
@@ -1459,6 +1450,7 @@
               <a:rPr lang="zh-CN" altLang="en-US" smtClean="0"/>
               <a:t>第四级</a:t>
             </a:r>
+            <a:endParaRPr lang="zh-CN" altLang="en-US" smtClean="0"/>
           </a:p>
           <a:p>
             <a:pPr lvl="4"/>
@@ -1532,6 +1524,7 @@
               <a:rPr lang="zh-CN" altLang="en-US" smtClean="0"/>
               <a:t>单击此处编辑母版文本样式</a:t>
             </a:r>
+            <a:endParaRPr lang="zh-CN" altLang="en-US" smtClean="0"/>
           </a:p>
         </p:txBody>
       </p:sp>
@@ -1560,6 +1553,7 @@
               <a:rPr lang="zh-CN" altLang="en-US" smtClean="0"/>
               <a:t>单击此处编辑母版文本样式</a:t>
             </a:r>
+            <a:endParaRPr lang="zh-CN" altLang="en-US" smtClean="0"/>
           </a:p>
           <a:p>
             <a:pPr lvl="1"/>
@@ -1567,6 +1561,7 @@
               <a:rPr lang="zh-CN" altLang="en-US" smtClean="0"/>
               <a:t>第二级</a:t>
             </a:r>
+            <a:endParaRPr lang="zh-CN" altLang="en-US" smtClean="0"/>
           </a:p>
           <a:p>
             <a:pPr lvl="2"/>
@@ -1574,6 +1569,7 @@
               <a:rPr lang="zh-CN" altLang="en-US" smtClean="0"/>
               <a:t>第三级</a:t>
             </a:r>
+            <a:endParaRPr lang="zh-CN" altLang="en-US" smtClean="0"/>
           </a:p>
           <a:p>
             <a:pPr lvl="3"/>
@@ -1581,6 +1577,7 @@
               <a:rPr lang="zh-CN" altLang="en-US" smtClean="0"/>
               <a:t>第四级</a:t>
             </a:r>
+            <a:endParaRPr lang="zh-CN" altLang="en-US" smtClean="0"/>
           </a:p>
           <a:p>
             <a:pPr lvl="4"/>
@@ -1609,7 +1606,6 @@
           <a:p>
             <a:fld id="{7804261C-5E25-4443-94A5-10973B317534}" type="datetimeFigureOut">
               <a:rPr lang="zh-CN" altLang="en-US" smtClean="0"/>
-              <a:t>2022/2/2</a:t>
             </a:fld>
             <a:endParaRPr lang="zh-CN" altLang="en-US"/>
           </a:p>
@@ -1651,18 +1647,12 @@
           <a:p>
             <a:fld id="{C2A42F82-3F11-463F-BB88-80E062B620A3}" type="slidenum">
               <a:rPr lang="zh-CN" altLang="en-US" smtClean="0"/>
-              <a:t>‹#›</a:t>
             </a:fld>
             <a:endParaRPr lang="zh-CN" altLang="en-US"/>
           </a:p>
         </p:txBody>
       </p:sp>
     </p:spTree>
-    <p:extLst>
-      <p:ext uri="{BB962C8B-B14F-4D97-AF65-F5344CB8AC3E}">
-        <p14:creationId xmlns:p14="http://schemas.microsoft.com/office/powerpoint/2010/main" val="1753177019"/>
-      </p:ext>
-    </p:extLst>
   </p:cSld>
   <p:clrMapOvr>
     <a:masterClrMapping/>
@@ -1727,7 +1717,6 @@
           <a:p>
             <a:fld id="{7804261C-5E25-4443-94A5-10973B317534}" type="datetimeFigureOut">
               <a:rPr lang="zh-CN" altLang="en-US" smtClean="0"/>
-              <a:t>2022/2/2</a:t>
             </a:fld>
             <a:endParaRPr lang="zh-CN" altLang="en-US"/>
           </a:p>
@@ -1769,18 +1758,12 @@
           <a:p>
             <a:fld id="{C2A42F82-3F11-463F-BB88-80E062B620A3}" type="slidenum">
               <a:rPr lang="zh-CN" altLang="en-US" smtClean="0"/>
-              <a:t>‹#›</a:t>
             </a:fld>
             <a:endParaRPr lang="zh-CN" altLang="en-US"/>
           </a:p>
         </p:txBody>
       </p:sp>
     </p:spTree>
-    <p:extLst>
-      <p:ext uri="{BB962C8B-B14F-4D97-AF65-F5344CB8AC3E}">
-        <p14:creationId xmlns:p14="http://schemas.microsoft.com/office/powerpoint/2010/main" val="3855792377"/>
-      </p:ext>
-    </p:extLst>
   </p:cSld>
   <p:clrMapOvr>
     <a:masterClrMapping/>
@@ -1822,7 +1805,6 @@
           <a:p>
             <a:fld id="{7804261C-5E25-4443-94A5-10973B317534}" type="datetimeFigureOut">
               <a:rPr lang="zh-CN" altLang="en-US" smtClean="0"/>
-              <a:t>2022/2/2</a:t>
             </a:fld>
             <a:endParaRPr lang="zh-CN" altLang="en-US"/>
           </a:p>
@@ -1864,18 +1846,12 @@
           <a:p>
             <a:fld id="{C2A42F82-3F11-463F-BB88-80E062B620A3}" type="slidenum">
               <a:rPr lang="zh-CN" altLang="en-US" smtClean="0"/>
-              <a:t>‹#›</a:t>
             </a:fld>
             <a:endParaRPr lang="zh-CN" altLang="en-US"/>
           </a:p>
         </p:txBody>
       </p:sp>
     </p:spTree>
-    <p:extLst>
-      <p:ext uri="{BB962C8B-B14F-4D97-AF65-F5344CB8AC3E}">
-        <p14:creationId xmlns:p14="http://schemas.microsoft.com/office/powerpoint/2010/main" val="1088633507"/>
-      </p:ext>
-    </p:extLst>
   </p:cSld>
   <p:clrMapOvr>
     <a:masterClrMapping/>
@@ -1985,6 +1961,7 @@
               <a:rPr lang="zh-CN" altLang="en-US" smtClean="0"/>
               <a:t>单击此处编辑母版文本样式</a:t>
             </a:r>
+            <a:endParaRPr lang="zh-CN" altLang="en-US" smtClean="0"/>
           </a:p>
           <a:p>
             <a:pPr lvl="1"/>
@@ -1992,6 +1969,7 @@
               <a:rPr lang="zh-CN" altLang="en-US" smtClean="0"/>
               <a:t>第二级</a:t>
             </a:r>
+            <a:endParaRPr lang="zh-CN" altLang="en-US" smtClean="0"/>
           </a:p>
           <a:p>
             <a:pPr lvl="2"/>
@@ -1999,6 +1977,7 @@
               <a:rPr lang="zh-CN" altLang="en-US" smtClean="0"/>
               <a:t>第三级</a:t>
             </a:r>
+            <a:endParaRPr lang="zh-CN" altLang="en-US" smtClean="0"/>
           </a:p>
           <a:p>
             <a:pPr lvl="3"/>
@@ -2006,6 +1985,7 @@
               <a:rPr lang="zh-CN" altLang="en-US" smtClean="0"/>
               <a:t>第四级</a:t>
             </a:r>
+            <a:endParaRPr lang="zh-CN" altLang="en-US" smtClean="0"/>
           </a:p>
           <a:p>
             <a:pPr lvl="4"/>
@@ -2079,6 +2059,7 @@
               <a:rPr lang="zh-CN" altLang="en-US" smtClean="0"/>
               <a:t>单击此处编辑母版文本样式</a:t>
             </a:r>
+            <a:endParaRPr lang="zh-CN" altLang="en-US" smtClean="0"/>
           </a:p>
         </p:txBody>
       </p:sp>
@@ -2099,7 +2080,6 @@
           <a:p>
             <a:fld id="{7804261C-5E25-4443-94A5-10973B317534}" type="datetimeFigureOut">
               <a:rPr lang="zh-CN" altLang="en-US" smtClean="0"/>
-              <a:t>2022/2/2</a:t>
             </a:fld>
             <a:endParaRPr lang="zh-CN" altLang="en-US"/>
           </a:p>
@@ -2141,18 +2121,12 @@
           <a:p>
             <a:fld id="{C2A42F82-3F11-463F-BB88-80E062B620A3}" type="slidenum">
               <a:rPr lang="zh-CN" altLang="en-US" smtClean="0"/>
-              <a:t>‹#›</a:t>
             </a:fld>
             <a:endParaRPr lang="zh-CN" altLang="en-US"/>
           </a:p>
         </p:txBody>
       </p:sp>
     </p:spTree>
-    <p:extLst>
-      <p:ext uri="{BB962C8B-B14F-4D97-AF65-F5344CB8AC3E}">
-        <p14:creationId xmlns:p14="http://schemas.microsoft.com/office/powerpoint/2010/main" val="2420849573"/>
-      </p:ext>
-    </p:extLst>
   </p:cSld>
   <p:clrMapOvr>
     <a:masterClrMapping/>
@@ -2332,6 +2306,7 @@
               <a:rPr lang="zh-CN" altLang="en-US" smtClean="0"/>
               <a:t>单击此处编辑母版文本样式</a:t>
             </a:r>
+            <a:endParaRPr lang="zh-CN" altLang="en-US" smtClean="0"/>
           </a:p>
         </p:txBody>
       </p:sp>
@@ -2352,7 +2327,6 @@
           <a:p>
             <a:fld id="{7804261C-5E25-4443-94A5-10973B317534}" type="datetimeFigureOut">
               <a:rPr lang="zh-CN" altLang="en-US" smtClean="0"/>
-              <a:t>2022/2/2</a:t>
             </a:fld>
             <a:endParaRPr lang="zh-CN" altLang="en-US"/>
           </a:p>
@@ -2394,18 +2368,12 @@
           <a:p>
             <a:fld id="{C2A42F82-3F11-463F-BB88-80E062B620A3}" type="slidenum">
               <a:rPr lang="zh-CN" altLang="en-US" smtClean="0"/>
-              <a:t>‹#›</a:t>
             </a:fld>
             <a:endParaRPr lang="zh-CN" altLang="en-US"/>
           </a:p>
         </p:txBody>
       </p:sp>
     </p:spTree>
-    <p:extLst>
-      <p:ext uri="{BB962C8B-B14F-4D97-AF65-F5344CB8AC3E}">
-        <p14:creationId xmlns:p14="http://schemas.microsoft.com/office/powerpoint/2010/main" val="970863999"/>
-      </p:ext>
-    </p:extLst>
   </p:cSld>
   <p:clrMapOvr>
     <a:masterClrMapping/>
@@ -2498,6 +2466,7 @@
               <a:rPr lang="zh-CN" altLang="en-US" smtClean="0"/>
               <a:t>单击此处编辑母版文本样式</a:t>
             </a:r>
+            <a:endParaRPr lang="zh-CN" altLang="en-US" smtClean="0"/>
           </a:p>
           <a:p>
             <a:pPr lvl="1"/>
@@ -2505,6 +2474,7 @@
               <a:rPr lang="zh-CN" altLang="en-US" smtClean="0"/>
               <a:t>第二级</a:t>
             </a:r>
+            <a:endParaRPr lang="zh-CN" altLang="en-US" smtClean="0"/>
           </a:p>
           <a:p>
             <a:pPr lvl="2"/>
@@ -2512,6 +2482,7 @@
               <a:rPr lang="zh-CN" altLang="en-US" smtClean="0"/>
               <a:t>第三级</a:t>
             </a:r>
+            <a:endParaRPr lang="zh-CN" altLang="en-US" smtClean="0"/>
           </a:p>
           <a:p>
             <a:pPr lvl="3"/>
@@ -2519,6 +2490,7 @@
               <a:rPr lang="zh-CN" altLang="en-US" smtClean="0"/>
               <a:t>第四级</a:t>
             </a:r>
+            <a:endParaRPr lang="zh-CN" altLang="en-US" smtClean="0"/>
           </a:p>
           <a:p>
             <a:pPr lvl="4"/>
@@ -2565,7 +2537,6 @@
           <a:p>
             <a:fld id="{7804261C-5E25-4443-94A5-10973B317534}" type="datetimeFigureOut">
               <a:rPr lang="zh-CN" altLang="en-US" smtClean="0"/>
-              <a:t>2022/2/2</a:t>
             </a:fld>
             <a:endParaRPr lang="zh-CN" altLang="en-US"/>
           </a:p>
@@ -2643,18 +2614,12 @@
           <a:p>
             <a:fld id="{C2A42F82-3F11-463F-BB88-80E062B620A3}" type="slidenum">
               <a:rPr lang="zh-CN" altLang="en-US" smtClean="0"/>
-              <a:t>‹#›</a:t>
             </a:fld>
             <a:endParaRPr lang="zh-CN" altLang="en-US"/>
           </a:p>
         </p:txBody>
       </p:sp>
     </p:spTree>
-    <p:extLst>
-      <p:ext uri="{BB962C8B-B14F-4D97-AF65-F5344CB8AC3E}">
-        <p14:creationId xmlns:p14="http://schemas.microsoft.com/office/powerpoint/2010/main" val="3945840615"/>
-      </p:ext>
-    </p:extLst>
   </p:cSld>
   <p:clrMap bg1="lt1" tx1="dk1" bg2="lt2" tx2="dk2" accent1="accent1" accent2="accent2" accent3="accent3" accent4="accent4" accent5="accent5" accent6="accent6" hlink="hlink" folHlink="folHlink"/>
   <p:sldLayoutIdLst>
@@ -3422,11 +3387,286 @@
         </p:txBody>
       </p:sp>
     </p:spTree>
-    <p:extLst>
-      <p:ext uri="{BB962C8B-B14F-4D97-AF65-F5344CB8AC3E}">
-        <p14:creationId xmlns:p14="http://schemas.microsoft.com/office/powerpoint/2010/main" val="3005077540"/>
-      </p:ext>
-    </p:extLst>
+  </p:cSld>
+  <p:clrMapOvr>
+    <a:masterClrMapping/>
+  </p:clrMapOvr>
+</p:sld>
+</file>
+
+<file path=ppt/slides/slide10.xml><?xml version="1.0" encoding="utf-8"?>
+<p:sld xmlns:a="http://schemas.openxmlformats.org/drawingml/2006/main" xmlns:r="http://schemas.openxmlformats.org/officeDocument/2006/relationships" xmlns:p="http://schemas.openxmlformats.org/presentationml/2006/main">
+  <p:cSld>
+    <p:spTree>
+      <p:nvGrpSpPr>
+        <p:cNvPr id="1" name=""/>
+        <p:cNvGrpSpPr/>
+        <p:nvPr/>
+      </p:nvGrpSpPr>
+      <p:grpSpPr>
+        <a:xfrm>
+          <a:off x="0" y="0"/>
+          <a:ext cx="0" cy="0"/>
+          <a:chOff x="0" y="0"/>
+          <a:chExt cx="0" cy="0"/>
+        </a:xfrm>
+      </p:grpSpPr>
+      <p:pic>
+        <p:nvPicPr>
+          <p:cNvPr id="3" name="图片 2" descr="about-data-work-flow"/>
+          <p:cNvPicPr>
+            <a:picLocks noChangeAspect="1"/>
+          </p:cNvPicPr>
+          <p:nvPr/>
+        </p:nvPicPr>
+        <p:blipFill>
+          <a:blip r:embed="rId1"/>
+          <a:stretch>
+            <a:fillRect/>
+          </a:stretch>
+        </p:blipFill>
+        <p:spPr>
+          <a:xfrm>
+            <a:off x="1398270" y="1058545"/>
+            <a:ext cx="9395460" cy="4657725"/>
+          </a:xfrm>
+          <a:prstGeom prst="rect">
+            <a:avLst/>
+          </a:prstGeom>
+        </p:spPr>
+      </p:pic>
+      <p:sp>
+        <p:nvSpPr>
+          <p:cNvPr id="4" name="文本框 3"/>
+          <p:cNvSpPr txBox="1"/>
+          <p:nvPr>
+            <p:custDataLst>
+              <p:tags r:id="rId2"/>
+            </p:custDataLst>
+          </p:nvPr>
+        </p:nvSpPr>
+        <p:spPr>
+          <a:xfrm>
+            <a:off x="783590" y="5827395"/>
+            <a:ext cx="10133330" cy="829945"/>
+          </a:xfrm>
+          <a:prstGeom prst="rect">
+            <a:avLst/>
+          </a:prstGeom>
+          <a:noFill/>
+        </p:spPr>
+        <p:txBody>
+          <a:bodyPr wrap="square" rtlCol="0">
+            <a:spAutoFit/>
+          </a:bodyPr>
+          <a:p>
+            <a:pPr algn="l"/>
+            <a:r>
+              <a:rPr lang="zh-CN" sz="2400" b="1">
+                <a:latin typeface="微软雅黑" panose="020B0503020204020204" pitchFamily="34" charset="-122"/>
+                <a:ea typeface="微软雅黑" panose="020B0503020204020204" pitchFamily="34" charset="-122"/>
+                <a:cs typeface="微软雅黑" panose="020B0503020204020204" pitchFamily="34" charset="-122"/>
+              </a:rPr>
+              <a:t>数据</a:t>
+            </a:r>
+            <a:r>
+              <a:rPr lang="en-US" altLang="zh-CN" sz="2400" b="1">
+                <a:latin typeface="微软雅黑" panose="020B0503020204020204" pitchFamily="34" charset="-122"/>
+                <a:ea typeface="微软雅黑" panose="020B0503020204020204" pitchFamily="34" charset="-122"/>
+                <a:cs typeface="微软雅黑" panose="020B0503020204020204" pitchFamily="34" charset="-122"/>
+              </a:rPr>
+              <a:t>(Data)——</a:t>
+            </a:r>
+            <a:r>
+              <a:rPr lang="zh-CN" altLang="en-US" sz="2400" b="1">
+                <a:latin typeface="微软雅黑" panose="020B0503020204020204" pitchFamily="34" charset="-122"/>
+                <a:ea typeface="微软雅黑" panose="020B0503020204020204" pitchFamily="34" charset="-122"/>
+                <a:cs typeface="微软雅黑" panose="020B0503020204020204" pitchFamily="34" charset="-122"/>
+              </a:rPr>
+              <a:t>进行精细的数据治理</a:t>
+            </a:r>
+            <a:endParaRPr lang="zh-CN" sz="2400" b="1">
+              <a:latin typeface="微软雅黑" panose="020B0503020204020204" pitchFamily="34" charset="-122"/>
+              <a:ea typeface="微软雅黑" panose="020B0503020204020204" pitchFamily="34" charset="-122"/>
+              <a:cs typeface="微软雅黑" panose="020B0503020204020204" pitchFamily="34" charset="-122"/>
+            </a:endParaRPr>
+          </a:p>
+          <a:p>
+            <a:pPr algn="l"/>
+            <a:r>
+              <a:rPr lang="zh-CN" sz="2400">
+                <a:latin typeface="微软雅黑" panose="020B0503020204020204" pitchFamily="34" charset="-122"/>
+                <a:ea typeface="微软雅黑" panose="020B0503020204020204" pitchFamily="34" charset="-122"/>
+                <a:cs typeface="微软雅黑" panose="020B0503020204020204" pitchFamily="34" charset="-122"/>
+              </a:rPr>
+              <a:t>适合对数据进行精细调整，对行列执行函数等操作</a:t>
+            </a:r>
+            <a:endParaRPr lang="zh-CN" sz="2400">
+              <a:latin typeface="微软雅黑" panose="020B0503020204020204" pitchFamily="34" charset="-122"/>
+              <a:ea typeface="微软雅黑" panose="020B0503020204020204" pitchFamily="34" charset="-122"/>
+              <a:cs typeface="微软雅黑" panose="020B0503020204020204" pitchFamily="34" charset="-122"/>
+            </a:endParaRPr>
+          </a:p>
+        </p:txBody>
+      </p:sp>
+    </p:spTree>
+    <p:custDataLst>
+      <p:tags r:id="rId3"/>
+    </p:custDataLst>
+  </p:cSld>
+  <p:clrMapOvr>
+    <a:masterClrMapping/>
+  </p:clrMapOvr>
+</p:sld>
+</file>
+
+<file path=ppt/slides/slide11.xml><?xml version="1.0" encoding="utf-8"?>
+<p:sld xmlns:a="http://schemas.openxmlformats.org/drawingml/2006/main" xmlns:r="http://schemas.openxmlformats.org/officeDocument/2006/relationships" xmlns:p="http://schemas.openxmlformats.org/presentationml/2006/main">
+  <p:cSld>
+    <p:spTree>
+      <p:nvGrpSpPr>
+        <p:cNvPr id="1" name=""/>
+        <p:cNvGrpSpPr/>
+        <p:nvPr/>
+      </p:nvGrpSpPr>
+      <p:grpSpPr>
+        <a:xfrm>
+          <a:off x="0" y="0"/>
+          <a:ext cx="0" cy="0"/>
+          <a:chOff x="0" y="0"/>
+          <a:chExt cx="0" cy="0"/>
+        </a:xfrm>
+      </p:grpSpPr>
+      <p:pic>
+        <p:nvPicPr>
+          <p:cNvPr id="3" name="图片 2" descr="about-data-work-flow"/>
+          <p:cNvPicPr>
+            <a:picLocks noChangeAspect="1"/>
+          </p:cNvPicPr>
+          <p:nvPr/>
+        </p:nvPicPr>
+        <p:blipFill>
+          <a:blip r:embed="rId1"/>
+          <a:stretch>
+            <a:fillRect/>
+          </a:stretch>
+        </p:blipFill>
+        <p:spPr>
+          <a:xfrm>
+            <a:off x="1398270" y="1058545"/>
+            <a:ext cx="9395460" cy="4657725"/>
+          </a:xfrm>
+          <a:prstGeom prst="rect">
+            <a:avLst/>
+          </a:prstGeom>
+        </p:spPr>
+      </p:pic>
+      <p:sp>
+        <p:nvSpPr>
+          <p:cNvPr id="4" name="文本框 3"/>
+          <p:cNvSpPr txBox="1"/>
+          <p:nvPr>
+            <p:custDataLst>
+              <p:tags r:id="rId2"/>
+            </p:custDataLst>
+          </p:nvPr>
+        </p:nvSpPr>
+        <p:spPr>
+          <a:xfrm>
+            <a:off x="783590" y="5827395"/>
+            <a:ext cx="10133330" cy="829945"/>
+          </a:xfrm>
+          <a:prstGeom prst="rect">
+            <a:avLst/>
+          </a:prstGeom>
+          <a:noFill/>
+        </p:spPr>
+        <p:txBody>
+          <a:bodyPr wrap="square" rtlCol="0">
+            <a:spAutoFit/>
+          </a:bodyPr>
+          <a:p>
+            <a:pPr algn="l"/>
+            <a:r>
+              <a:rPr lang="zh-CN" sz="2400" b="1">
+                <a:latin typeface="微软雅黑" panose="020B0503020204020204" pitchFamily="34" charset="-122"/>
+                <a:ea typeface="微软雅黑" panose="020B0503020204020204" pitchFamily="34" charset="-122"/>
+                <a:cs typeface="微软雅黑" panose="020B0503020204020204" pitchFamily="34" charset="-122"/>
+              </a:rPr>
+              <a:t>绘图</a:t>
+            </a:r>
+            <a:r>
+              <a:rPr lang="en-US" altLang="zh-CN" sz="2400" b="1">
+                <a:latin typeface="微软雅黑" panose="020B0503020204020204" pitchFamily="34" charset="-122"/>
+                <a:ea typeface="微软雅黑" panose="020B0503020204020204" pitchFamily="34" charset="-122"/>
+                <a:cs typeface="微软雅黑" panose="020B0503020204020204" pitchFamily="34" charset="-122"/>
+              </a:rPr>
+              <a:t>(Chart)——</a:t>
+            </a:r>
+            <a:r>
+              <a:rPr lang="zh-CN" altLang="en-US" sz="2400" b="1">
+                <a:latin typeface="微软雅黑" panose="020B0503020204020204" pitchFamily="34" charset="-122"/>
+                <a:ea typeface="微软雅黑" panose="020B0503020204020204" pitchFamily="34" charset="-122"/>
+                <a:cs typeface="微软雅黑" panose="020B0503020204020204" pitchFamily="34" charset="-122"/>
+              </a:rPr>
+              <a:t>进行精细的绘图操作</a:t>
+            </a:r>
+            <a:endParaRPr lang="zh-CN" sz="2400" b="1">
+              <a:latin typeface="微软雅黑" panose="020B0503020204020204" pitchFamily="34" charset="-122"/>
+              <a:ea typeface="微软雅黑" panose="020B0503020204020204" pitchFamily="34" charset="-122"/>
+              <a:cs typeface="微软雅黑" panose="020B0503020204020204" pitchFamily="34" charset="-122"/>
+            </a:endParaRPr>
+          </a:p>
+          <a:p>
+            <a:pPr algn="l"/>
+            <a:r>
+              <a:rPr lang="zh-CN" sz="2400">
+                <a:latin typeface="微软雅黑" panose="020B0503020204020204" pitchFamily="34" charset="-122"/>
+                <a:ea typeface="微软雅黑" panose="020B0503020204020204" pitchFamily="34" charset="-122"/>
+                <a:cs typeface="微软雅黑" panose="020B0503020204020204" pitchFamily="34" charset="-122"/>
+              </a:rPr>
+              <a:t>对图表进行排版，进行论文级别的出图以及交互式的图表查看</a:t>
+            </a:r>
+            <a:endParaRPr lang="zh-CN" sz="2400">
+              <a:latin typeface="微软雅黑" panose="020B0503020204020204" pitchFamily="34" charset="-122"/>
+              <a:ea typeface="微软雅黑" panose="020B0503020204020204" pitchFamily="34" charset="-122"/>
+              <a:cs typeface="微软雅黑" panose="020B0503020204020204" pitchFamily="34" charset="-122"/>
+            </a:endParaRPr>
+          </a:p>
+        </p:txBody>
+      </p:sp>
+    </p:spTree>
+    <p:custDataLst>
+      <p:tags r:id="rId3"/>
+    </p:custDataLst>
+  </p:cSld>
+  <p:clrMapOvr>
+    <a:masterClrMapping/>
+  </p:clrMapOvr>
+</p:sld>
+</file>
+
+<file path=ppt/slides/slide12.xml><?xml version="1.0" encoding="utf-8"?>
+<p:sld xmlns:a="http://schemas.openxmlformats.org/drawingml/2006/main" xmlns:r="http://schemas.openxmlformats.org/officeDocument/2006/relationships" xmlns:p="http://schemas.openxmlformats.org/presentationml/2006/main">
+  <p:cSld>
+    <p:spTree>
+      <p:nvGrpSpPr>
+        <p:cNvPr id="1" name=""/>
+        <p:cNvGrpSpPr/>
+        <p:nvPr/>
+      </p:nvGrpSpPr>
+      <p:grpSpPr>
+        <a:xfrm>
+          <a:off x="0" y="0"/>
+          <a:ext cx="0" cy="0"/>
+          <a:chOff x="0" y="0"/>
+          <a:chExt cx="0" cy="0"/>
+        </a:xfrm>
+      </p:grpSpPr>
+    </p:spTree>
+    <p:custDataLst>
+      <p:tags r:id="rId1"/>
+    </p:custDataLst>
   </p:cSld>
   <p:clrMapOvr>
     <a:masterClrMapping/>
@@ -4748,16 +4988,1972 @@
         </p:txBody>
       </p:sp>
     </p:spTree>
-    <p:extLst>
-      <p:ext uri="{BB962C8B-B14F-4D97-AF65-F5344CB8AC3E}">
-        <p14:creationId xmlns:p14="http://schemas.microsoft.com/office/powerpoint/2010/main" val="1134800322"/>
-      </p:ext>
-    </p:extLst>
   </p:cSld>
   <p:clrMapOvr>
     <a:masterClrMapping/>
   </p:clrMapOvr>
 </p:sld>
+</file>
+
+<file path=ppt/slides/slide3.xml><?xml version="1.0" encoding="utf-8"?>
+<p:sld xmlns:a="http://schemas.openxmlformats.org/drawingml/2006/main" xmlns:r="http://schemas.openxmlformats.org/officeDocument/2006/relationships" xmlns:p="http://schemas.openxmlformats.org/presentationml/2006/main">
+  <p:cSld>
+    <p:spTree>
+      <p:nvGrpSpPr>
+        <p:cNvPr id="1" name=""/>
+        <p:cNvGrpSpPr/>
+        <p:nvPr/>
+      </p:nvGrpSpPr>
+      <p:grpSpPr>
+        <a:xfrm>
+          <a:off x="0" y="0"/>
+          <a:ext cx="0" cy="0"/>
+          <a:chOff x="0" y="0"/>
+          <a:chExt cx="0" cy="0"/>
+        </a:xfrm>
+      </p:grpSpPr>
+      <p:sp>
+        <p:nvSpPr>
+          <p:cNvPr id="14" name="任意多边形: 形状 11"/>
+          <p:cNvSpPr/>
+          <p:nvPr>
+            <p:custDataLst>
+              <p:tags r:id="rId1"/>
+            </p:custDataLst>
+          </p:nvPr>
+        </p:nvSpPr>
+        <p:spPr>
+          <a:xfrm rot="10800000">
+            <a:off x="10774045" y="4718050"/>
+            <a:ext cx="313690" cy="383540"/>
+          </a:xfrm>
+          <a:custGeom>
+            <a:avLst/>
+            <a:gdLst>
+              <a:gd name="connsiteX0" fmla="*/ 174788 w 340237"/>
+              <a:gd name="connsiteY0" fmla="*/ 0 h 415819"/>
+              <a:gd name="connsiteX1" fmla="*/ 340237 w 340237"/>
+              <a:gd name="connsiteY1" fmla="*/ 0 h 415819"/>
+              <a:gd name="connsiteX2" fmla="*/ 241322 w 340237"/>
+              <a:gd name="connsiteY2" fmla="*/ 415819 h 415819"/>
+              <a:gd name="connsiteX3" fmla="*/ 0 w 340237"/>
+              <a:gd name="connsiteY3" fmla="*/ 415819 h 415819"/>
+            </a:gdLst>
+            <a:ahLst/>
+            <a:cxnLst>
+              <a:cxn ang="0">
+                <a:pos x="connsiteX0" y="connsiteY0"/>
+              </a:cxn>
+              <a:cxn ang="0">
+                <a:pos x="connsiteX1" y="connsiteY1"/>
+              </a:cxn>
+              <a:cxn ang="0">
+                <a:pos x="connsiteX2" y="connsiteY2"/>
+              </a:cxn>
+              <a:cxn ang="0">
+                <a:pos x="connsiteX3" y="connsiteY3"/>
+              </a:cxn>
+            </a:cxnLst>
+            <a:rect l="l" t="t" r="r" b="b"/>
+            <a:pathLst>
+              <a:path w="340237" h="415819">
+                <a:moveTo>
+                  <a:pt x="174788" y="0"/>
+                </a:moveTo>
+                <a:lnTo>
+                  <a:pt x="340237" y="0"/>
+                </a:lnTo>
+                <a:lnTo>
+                  <a:pt x="241322" y="415819"/>
+                </a:lnTo>
+                <a:lnTo>
+                  <a:pt x="0" y="415819"/>
+                </a:lnTo>
+                <a:close/>
+              </a:path>
+            </a:pathLst>
+          </a:custGeom>
+          <a:solidFill>
+            <a:srgbClr val="0E75C0">
+              <a:lumMod val="20000"/>
+              <a:lumOff val="80000"/>
+            </a:srgbClr>
+          </a:solidFill>
+          <a:ln>
+            <a:noFill/>
+          </a:ln>
+        </p:spPr>
+        <p:style>
+          <a:lnRef idx="2">
+            <a:srgbClr val="54B0F2">
+              <a:shade val="50000"/>
+            </a:srgbClr>
+          </a:lnRef>
+          <a:fillRef idx="1">
+            <a:srgbClr val="54B0F2"/>
+          </a:fillRef>
+          <a:effectRef idx="0">
+            <a:srgbClr val="54B0F2"/>
+          </a:effectRef>
+          <a:fontRef idx="minor">
+            <a:sysClr val="window" lastClr="FFFFFF"/>
+          </a:fontRef>
+        </p:style>
+        <p:txBody>
+          <a:bodyPr wrap="square" rtlCol="0" anchor="ctr">
+            <a:noAutofit/>
+          </a:bodyPr>
+          <a:p>
+            <a:pPr algn="ctr"/>
+            <a:endParaRPr lang="zh-CN" altLang="en-US">
+              <a:latin typeface="Arial" panose="020B0604020202020204" pitchFamily="34" charset="0"/>
+              <a:ea typeface="微软雅黑" panose="020B0503020204020204" pitchFamily="34" charset="-122"/>
+              <a:sym typeface="Arial" panose="020B0604020202020204" pitchFamily="34" charset="0"/>
+            </a:endParaRPr>
+          </a:p>
+        </p:txBody>
+      </p:sp>
+      <p:sp>
+        <p:nvSpPr>
+          <p:cNvPr id="16" name="任意多边形: 形状 12"/>
+          <p:cNvSpPr/>
+          <p:nvPr>
+            <p:custDataLst>
+              <p:tags r:id="rId2"/>
+            </p:custDataLst>
+          </p:nvPr>
+        </p:nvSpPr>
+        <p:spPr>
+          <a:xfrm rot="10800000">
+            <a:off x="10423525" y="4718050"/>
+            <a:ext cx="313690" cy="383540"/>
+          </a:xfrm>
+          <a:custGeom>
+            <a:avLst/>
+            <a:gdLst>
+              <a:gd name="connsiteX0" fmla="*/ 174788 w 340237"/>
+              <a:gd name="connsiteY0" fmla="*/ 0 h 415819"/>
+              <a:gd name="connsiteX1" fmla="*/ 340237 w 340237"/>
+              <a:gd name="connsiteY1" fmla="*/ 0 h 415819"/>
+              <a:gd name="connsiteX2" fmla="*/ 241322 w 340237"/>
+              <a:gd name="connsiteY2" fmla="*/ 415819 h 415819"/>
+              <a:gd name="connsiteX3" fmla="*/ 0 w 340237"/>
+              <a:gd name="connsiteY3" fmla="*/ 415819 h 415819"/>
+            </a:gdLst>
+            <a:ahLst/>
+            <a:cxnLst>
+              <a:cxn ang="0">
+                <a:pos x="connsiteX0" y="connsiteY0"/>
+              </a:cxn>
+              <a:cxn ang="0">
+                <a:pos x="connsiteX1" y="connsiteY1"/>
+              </a:cxn>
+              <a:cxn ang="0">
+                <a:pos x="connsiteX2" y="connsiteY2"/>
+              </a:cxn>
+              <a:cxn ang="0">
+                <a:pos x="connsiteX3" y="connsiteY3"/>
+              </a:cxn>
+            </a:cxnLst>
+            <a:rect l="l" t="t" r="r" b="b"/>
+            <a:pathLst>
+              <a:path w="340237" h="415819">
+                <a:moveTo>
+                  <a:pt x="174788" y="0"/>
+                </a:moveTo>
+                <a:lnTo>
+                  <a:pt x="340237" y="0"/>
+                </a:lnTo>
+                <a:lnTo>
+                  <a:pt x="241322" y="415819"/>
+                </a:lnTo>
+                <a:lnTo>
+                  <a:pt x="0" y="415819"/>
+                </a:lnTo>
+                <a:close/>
+              </a:path>
+            </a:pathLst>
+          </a:custGeom>
+          <a:solidFill>
+            <a:srgbClr val="0E75C0">
+              <a:lumMod val="20000"/>
+              <a:lumOff val="80000"/>
+            </a:srgbClr>
+          </a:solidFill>
+          <a:ln>
+            <a:noFill/>
+          </a:ln>
+        </p:spPr>
+        <p:style>
+          <a:lnRef idx="2">
+            <a:srgbClr val="54B0F2">
+              <a:shade val="50000"/>
+            </a:srgbClr>
+          </a:lnRef>
+          <a:fillRef idx="1">
+            <a:srgbClr val="54B0F2"/>
+          </a:fillRef>
+          <a:effectRef idx="0">
+            <a:srgbClr val="54B0F2"/>
+          </a:effectRef>
+          <a:fontRef idx="minor">
+            <a:sysClr val="window" lastClr="FFFFFF"/>
+          </a:fontRef>
+        </p:style>
+        <p:txBody>
+          <a:bodyPr wrap="square" rtlCol="0" anchor="ctr">
+            <a:noAutofit/>
+          </a:bodyPr>
+          <a:p>
+            <a:pPr algn="ctr"/>
+            <a:endParaRPr lang="zh-CN" altLang="en-US">
+              <a:latin typeface="Arial" panose="020B0604020202020204" pitchFamily="34" charset="0"/>
+              <a:ea typeface="微软雅黑" panose="020B0503020204020204" pitchFamily="34" charset="-122"/>
+              <a:sym typeface="Arial" panose="020B0604020202020204" pitchFamily="34" charset="0"/>
+            </a:endParaRPr>
+          </a:p>
+        </p:txBody>
+      </p:sp>
+      <p:sp>
+        <p:nvSpPr>
+          <p:cNvPr id="26" name="任意多边形: 形状 14"/>
+          <p:cNvSpPr/>
+          <p:nvPr>
+            <p:custDataLst>
+              <p:tags r:id="rId3"/>
+            </p:custDataLst>
+          </p:nvPr>
+        </p:nvSpPr>
+        <p:spPr>
+          <a:xfrm>
+            <a:off x="1113790" y="949325"/>
+            <a:ext cx="313690" cy="383540"/>
+          </a:xfrm>
+          <a:custGeom>
+            <a:avLst/>
+            <a:gdLst>
+              <a:gd name="connsiteX0" fmla="*/ 174788 w 340237"/>
+              <a:gd name="connsiteY0" fmla="*/ 0 h 415819"/>
+              <a:gd name="connsiteX1" fmla="*/ 340237 w 340237"/>
+              <a:gd name="connsiteY1" fmla="*/ 0 h 415819"/>
+              <a:gd name="connsiteX2" fmla="*/ 241322 w 340237"/>
+              <a:gd name="connsiteY2" fmla="*/ 415819 h 415819"/>
+              <a:gd name="connsiteX3" fmla="*/ 0 w 340237"/>
+              <a:gd name="connsiteY3" fmla="*/ 415819 h 415819"/>
+            </a:gdLst>
+            <a:ahLst/>
+            <a:cxnLst>
+              <a:cxn ang="0">
+                <a:pos x="connsiteX0" y="connsiteY0"/>
+              </a:cxn>
+              <a:cxn ang="0">
+                <a:pos x="connsiteX1" y="connsiteY1"/>
+              </a:cxn>
+              <a:cxn ang="0">
+                <a:pos x="connsiteX2" y="connsiteY2"/>
+              </a:cxn>
+              <a:cxn ang="0">
+                <a:pos x="connsiteX3" y="connsiteY3"/>
+              </a:cxn>
+            </a:cxnLst>
+            <a:rect l="l" t="t" r="r" b="b"/>
+            <a:pathLst>
+              <a:path w="340237" h="415819">
+                <a:moveTo>
+                  <a:pt x="174788" y="0"/>
+                </a:moveTo>
+                <a:lnTo>
+                  <a:pt x="340237" y="0"/>
+                </a:lnTo>
+                <a:lnTo>
+                  <a:pt x="241322" y="415819"/>
+                </a:lnTo>
+                <a:lnTo>
+                  <a:pt x="0" y="415819"/>
+                </a:lnTo>
+                <a:close/>
+              </a:path>
+            </a:pathLst>
+          </a:custGeom>
+          <a:solidFill>
+            <a:srgbClr val="0E75C0">
+              <a:lumMod val="20000"/>
+              <a:lumOff val="80000"/>
+            </a:srgbClr>
+          </a:solidFill>
+          <a:ln>
+            <a:noFill/>
+          </a:ln>
+        </p:spPr>
+        <p:style>
+          <a:lnRef idx="2">
+            <a:srgbClr val="54B0F2">
+              <a:shade val="50000"/>
+            </a:srgbClr>
+          </a:lnRef>
+          <a:fillRef idx="1">
+            <a:srgbClr val="54B0F2"/>
+          </a:fillRef>
+          <a:effectRef idx="0">
+            <a:srgbClr val="54B0F2"/>
+          </a:effectRef>
+          <a:fontRef idx="minor">
+            <a:sysClr val="window" lastClr="FFFFFF"/>
+          </a:fontRef>
+        </p:style>
+        <p:txBody>
+          <a:bodyPr wrap="square" rtlCol="0" anchor="ctr">
+            <a:noAutofit/>
+          </a:bodyPr>
+          <a:p>
+            <a:pPr algn="ctr"/>
+            <a:endParaRPr lang="zh-CN" altLang="en-US" dirty="0">
+              <a:latin typeface="Arial" panose="020B0604020202020204" pitchFamily="34" charset="0"/>
+              <a:ea typeface="微软雅黑" panose="020B0503020204020204" pitchFamily="34" charset="-122"/>
+              <a:sym typeface="Arial" panose="020B0604020202020204" pitchFamily="34" charset="0"/>
+            </a:endParaRPr>
+          </a:p>
+        </p:txBody>
+      </p:sp>
+      <p:sp>
+        <p:nvSpPr>
+          <p:cNvPr id="31" name="任意多边形: 形状 15"/>
+          <p:cNvSpPr/>
+          <p:nvPr>
+            <p:custDataLst>
+              <p:tags r:id="rId4"/>
+            </p:custDataLst>
+          </p:nvPr>
+        </p:nvSpPr>
+        <p:spPr>
+          <a:xfrm>
+            <a:off x="1463675" y="949325"/>
+            <a:ext cx="313690" cy="383540"/>
+          </a:xfrm>
+          <a:custGeom>
+            <a:avLst/>
+            <a:gdLst>
+              <a:gd name="connsiteX0" fmla="*/ 174788 w 340237"/>
+              <a:gd name="connsiteY0" fmla="*/ 0 h 415819"/>
+              <a:gd name="connsiteX1" fmla="*/ 340237 w 340237"/>
+              <a:gd name="connsiteY1" fmla="*/ 0 h 415819"/>
+              <a:gd name="connsiteX2" fmla="*/ 241322 w 340237"/>
+              <a:gd name="connsiteY2" fmla="*/ 415819 h 415819"/>
+              <a:gd name="connsiteX3" fmla="*/ 0 w 340237"/>
+              <a:gd name="connsiteY3" fmla="*/ 415819 h 415819"/>
+            </a:gdLst>
+            <a:ahLst/>
+            <a:cxnLst>
+              <a:cxn ang="0">
+                <a:pos x="connsiteX0" y="connsiteY0"/>
+              </a:cxn>
+              <a:cxn ang="0">
+                <a:pos x="connsiteX1" y="connsiteY1"/>
+              </a:cxn>
+              <a:cxn ang="0">
+                <a:pos x="connsiteX2" y="connsiteY2"/>
+              </a:cxn>
+              <a:cxn ang="0">
+                <a:pos x="connsiteX3" y="connsiteY3"/>
+              </a:cxn>
+            </a:cxnLst>
+            <a:rect l="l" t="t" r="r" b="b"/>
+            <a:pathLst>
+              <a:path w="340237" h="415819">
+                <a:moveTo>
+                  <a:pt x="174788" y="0"/>
+                </a:moveTo>
+                <a:lnTo>
+                  <a:pt x="340237" y="0"/>
+                </a:lnTo>
+                <a:lnTo>
+                  <a:pt x="241322" y="415819"/>
+                </a:lnTo>
+                <a:lnTo>
+                  <a:pt x="0" y="415819"/>
+                </a:lnTo>
+                <a:close/>
+              </a:path>
+            </a:pathLst>
+          </a:custGeom>
+          <a:solidFill>
+            <a:srgbClr val="0E75C0">
+              <a:lumMod val="20000"/>
+              <a:lumOff val="80000"/>
+            </a:srgbClr>
+          </a:solidFill>
+          <a:ln>
+            <a:noFill/>
+          </a:ln>
+        </p:spPr>
+        <p:style>
+          <a:lnRef idx="2">
+            <a:srgbClr val="54B0F2">
+              <a:shade val="50000"/>
+            </a:srgbClr>
+          </a:lnRef>
+          <a:fillRef idx="1">
+            <a:srgbClr val="54B0F2"/>
+          </a:fillRef>
+          <a:effectRef idx="0">
+            <a:srgbClr val="54B0F2"/>
+          </a:effectRef>
+          <a:fontRef idx="minor">
+            <a:sysClr val="window" lastClr="FFFFFF"/>
+          </a:fontRef>
+        </p:style>
+        <p:txBody>
+          <a:bodyPr wrap="square" rtlCol="0" anchor="ctr">
+            <a:noAutofit/>
+          </a:bodyPr>
+          <a:p>
+            <a:pPr algn="ctr"/>
+            <a:endParaRPr lang="zh-CN" altLang="en-US">
+              <a:latin typeface="Arial" panose="020B0604020202020204" pitchFamily="34" charset="0"/>
+              <a:ea typeface="微软雅黑" panose="020B0503020204020204" pitchFamily="34" charset="-122"/>
+              <a:sym typeface="Arial" panose="020B0604020202020204" pitchFamily="34" charset="0"/>
+            </a:endParaRPr>
+          </a:p>
+        </p:txBody>
+      </p:sp>
+      <p:sp>
+        <p:nvSpPr>
+          <p:cNvPr id="32" name="直角三角形 31"/>
+          <p:cNvSpPr/>
+          <p:nvPr>
+            <p:custDataLst>
+              <p:tags r:id="rId5"/>
+            </p:custDataLst>
+          </p:nvPr>
+        </p:nvSpPr>
+        <p:spPr>
+          <a:xfrm rot="10800000" flipH="1" flipV="1">
+            <a:off x="0" y="4792345"/>
+            <a:ext cx="12193270" cy="2075815"/>
+          </a:xfrm>
+          <a:prstGeom prst="rtTriangle">
+            <a:avLst/>
+          </a:prstGeom>
+          <a:pattFill prst="dkUpDiag">
+            <a:fgClr>
+              <a:srgbClr val="0E75C0">
+                <a:lumMod val="40000"/>
+                <a:lumOff val="60000"/>
+              </a:srgbClr>
+            </a:fgClr>
+            <a:bgClr>
+              <a:sysClr val="window" lastClr="FFFFFF"/>
+            </a:bgClr>
+          </a:pattFill>
+          <a:ln>
+            <a:noFill/>
+          </a:ln>
+        </p:spPr>
+        <p:style>
+          <a:lnRef idx="2">
+            <a:srgbClr val="54B0F2">
+              <a:shade val="50000"/>
+            </a:srgbClr>
+          </a:lnRef>
+          <a:fillRef idx="1">
+            <a:srgbClr val="54B0F2"/>
+          </a:fillRef>
+          <a:effectRef idx="0">
+            <a:srgbClr val="54B0F2"/>
+          </a:effectRef>
+          <a:fontRef idx="minor">
+            <a:sysClr val="window" lastClr="FFFFFF"/>
+          </a:fontRef>
+        </p:style>
+        <p:txBody>
+          <a:bodyPr rtlCol="0" anchor="ctr"/>
+          <a:p>
+            <a:pPr algn="ctr"/>
+            <a:endParaRPr kumimoji="1" lang="zh-CN" altLang="en-US" sz="1600" b="1" dirty="0">
+              <a:solidFill>
+                <a:sysClr val="window" lastClr="FFFFFF"/>
+              </a:solidFill>
+              <a:latin typeface="Arial" panose="020B0604020202020204" pitchFamily="34" charset="0"/>
+              <a:ea typeface="微软雅黑" panose="020B0503020204020204" pitchFamily="34" charset="-122"/>
+              <a:sym typeface="Arial" panose="020B0604020202020204" pitchFamily="34" charset="0"/>
+            </a:endParaRPr>
+          </a:p>
+        </p:txBody>
+      </p:sp>
+      <p:sp>
+        <p:nvSpPr>
+          <p:cNvPr id="33" name="任意多边形: 形状 37"/>
+          <p:cNvSpPr/>
+          <p:nvPr>
+            <p:custDataLst>
+              <p:tags r:id="rId6"/>
+            </p:custDataLst>
+          </p:nvPr>
+        </p:nvSpPr>
+        <p:spPr>
+          <a:xfrm rot="10800000" flipH="1" flipV="1">
+            <a:off x="0" y="4451350"/>
+            <a:ext cx="12192000" cy="2242820"/>
+          </a:xfrm>
+          <a:custGeom>
+            <a:avLst/>
+            <a:gdLst>
+              <a:gd name="connsiteX0" fmla="*/ 0 w 12192000"/>
+              <a:gd name="connsiteY0" fmla="*/ 0 h 1562973"/>
+              <a:gd name="connsiteX1" fmla="*/ 0 w 12192000"/>
+              <a:gd name="connsiteY1" fmla="*/ 450445 h 1562973"/>
+              <a:gd name="connsiteX2" fmla="*/ 10111327 w 12192000"/>
+              <a:gd name="connsiteY2" fmla="*/ 1562973 h 1562973"/>
+              <a:gd name="connsiteX3" fmla="*/ 12192000 w 12192000"/>
+              <a:gd name="connsiteY3" fmla="*/ 1562973 h 1562973"/>
+              <a:gd name="connsiteX4" fmla="*/ 12192000 w 12192000"/>
+              <a:gd name="connsiteY4" fmla="*/ 1341460 h 1562973"/>
+            </a:gdLst>
+            <a:ahLst/>
+            <a:cxnLst>
+              <a:cxn ang="0">
+                <a:pos x="connsiteX0" y="connsiteY0"/>
+              </a:cxn>
+              <a:cxn ang="0">
+                <a:pos x="connsiteX1" y="connsiteY1"/>
+              </a:cxn>
+              <a:cxn ang="0">
+                <a:pos x="connsiteX2" y="connsiteY2"/>
+              </a:cxn>
+              <a:cxn ang="0">
+                <a:pos x="connsiteX3" y="connsiteY3"/>
+              </a:cxn>
+              <a:cxn ang="0">
+                <a:pos x="connsiteX4" y="connsiteY4"/>
+              </a:cxn>
+            </a:cxnLst>
+            <a:rect l="l" t="t" r="r" b="b"/>
+            <a:pathLst>
+              <a:path w="12192000" h="1562973">
+                <a:moveTo>
+                  <a:pt x="0" y="0"/>
+                </a:moveTo>
+                <a:lnTo>
+                  <a:pt x="0" y="450445"/>
+                </a:lnTo>
+                <a:lnTo>
+                  <a:pt x="10111327" y="1562973"/>
+                </a:lnTo>
+                <a:lnTo>
+                  <a:pt x="12192000" y="1562973"/>
+                </a:lnTo>
+                <a:lnTo>
+                  <a:pt x="12192000" y="1341460"/>
+                </a:lnTo>
+                <a:close/>
+              </a:path>
+            </a:pathLst>
+          </a:custGeom>
+          <a:solidFill>
+            <a:srgbClr val="0E75C0">
+              <a:lumMod val="20000"/>
+              <a:lumOff val="80000"/>
+              <a:alpha val="50000"/>
+            </a:srgbClr>
+          </a:solidFill>
+          <a:ln>
+            <a:noFill/>
+          </a:ln>
+        </p:spPr>
+        <p:style>
+          <a:lnRef idx="2">
+            <a:srgbClr val="54B0F2">
+              <a:shade val="50000"/>
+            </a:srgbClr>
+          </a:lnRef>
+          <a:fillRef idx="1">
+            <a:srgbClr val="54B0F2"/>
+          </a:fillRef>
+          <a:effectRef idx="0">
+            <a:srgbClr val="54B0F2"/>
+          </a:effectRef>
+          <a:fontRef idx="minor">
+            <a:sysClr val="window" lastClr="FFFFFF"/>
+          </a:fontRef>
+        </p:style>
+        <p:txBody>
+          <a:bodyPr wrap="square" rtlCol="0" anchor="ctr">
+            <a:noAutofit/>
+          </a:bodyPr>
+          <a:p>
+            <a:pPr algn="ctr"/>
+            <a:endParaRPr kumimoji="1" lang="zh-CN" altLang="en-US" sz="1600" b="1" dirty="0">
+              <a:solidFill>
+                <a:sysClr val="window" lastClr="FFFFFF"/>
+              </a:solidFill>
+              <a:latin typeface="Arial" panose="020B0604020202020204" pitchFamily="34" charset="0"/>
+              <a:ea typeface="微软雅黑" panose="020B0503020204020204" pitchFamily="34" charset="-122"/>
+              <a:sym typeface="Arial" panose="020B0604020202020204" pitchFamily="34" charset="0"/>
+            </a:endParaRPr>
+          </a:p>
+        </p:txBody>
+      </p:sp>
+      <p:sp>
+        <p:nvSpPr>
+          <p:cNvPr id="39" name="直角三角形 38"/>
+          <p:cNvSpPr/>
+          <p:nvPr>
+            <p:custDataLst>
+              <p:tags r:id="rId7"/>
+            </p:custDataLst>
+          </p:nvPr>
+        </p:nvSpPr>
+        <p:spPr>
+          <a:xfrm rot="10800000" flipV="1">
+            <a:off x="6900545" y="5101590"/>
+            <a:ext cx="5292725" cy="1766570"/>
+          </a:xfrm>
+          <a:prstGeom prst="rtTriangle">
+            <a:avLst/>
+          </a:prstGeom>
+          <a:solidFill>
+            <a:srgbClr val="0E75C0">
+              <a:alpha val="50000"/>
+            </a:srgbClr>
+          </a:solidFill>
+          <a:ln>
+            <a:noFill/>
+          </a:ln>
+        </p:spPr>
+        <p:style>
+          <a:lnRef idx="2">
+            <a:srgbClr val="54B0F2">
+              <a:shade val="50000"/>
+            </a:srgbClr>
+          </a:lnRef>
+          <a:fillRef idx="1">
+            <a:srgbClr val="54B0F2"/>
+          </a:fillRef>
+          <a:effectRef idx="0">
+            <a:srgbClr val="54B0F2"/>
+          </a:effectRef>
+          <a:fontRef idx="minor">
+            <a:sysClr val="window" lastClr="FFFFFF"/>
+          </a:fontRef>
+        </p:style>
+        <p:txBody>
+          <a:bodyPr rtlCol="0" anchor="ctr"/>
+          <a:p>
+            <a:pPr algn="ctr"/>
+            <a:endParaRPr kumimoji="1" lang="zh-CN" altLang="en-US" sz="1600" b="1">
+              <a:solidFill>
+                <a:sysClr val="window" lastClr="FFFFFF"/>
+              </a:solidFill>
+              <a:latin typeface="Arial" panose="020B0604020202020204" pitchFamily="34" charset="0"/>
+              <a:ea typeface="微软雅黑" panose="020B0503020204020204" pitchFamily="34" charset="-122"/>
+              <a:sym typeface="Arial" panose="020B0604020202020204" pitchFamily="34" charset="0"/>
+            </a:endParaRPr>
+          </a:p>
+        </p:txBody>
+      </p:sp>
+      <p:sp>
+        <p:nvSpPr>
+          <p:cNvPr id="34" name="文本框 33"/>
+          <p:cNvSpPr txBox="1"/>
+          <p:nvPr>
+            <p:custDataLst>
+              <p:tags r:id="rId8"/>
+            </p:custDataLst>
+          </p:nvPr>
+        </p:nvSpPr>
+        <p:spPr>
+          <a:xfrm>
+            <a:off x="2800350" y="2111375"/>
+            <a:ext cx="6591300" cy="1709420"/>
+          </a:xfrm>
+          <a:prstGeom prst="rect">
+            <a:avLst/>
+          </a:prstGeom>
+          <a:noFill/>
+        </p:spPr>
+        <p:txBody>
+          <a:bodyPr wrap="square" lIns="90000" tIns="46800" rIns="90000" bIns="46800" rtlCol="0" anchor="b" anchorCtr="0">
+            <a:normAutofit/>
+          </a:bodyPr>
+          <a:p>
+            <a:pPr marL="0" lvl="0" indent="0" algn="ctr" fontAlgn="ctr">
+              <a:lnSpc>
+                <a:spcPct val="120000"/>
+              </a:lnSpc>
+              <a:spcBef>
+                <a:spcPts val="0"/>
+              </a:spcBef>
+              <a:spcAft>
+                <a:spcPts val="0"/>
+              </a:spcAft>
+              <a:buSzPct val="100000"/>
+              <a:buFontTx/>
+              <a:buNone/>
+            </a:pPr>
+            <a:r>
+              <a:rPr lang="zh-CN" altLang="en-US" sz="6000" b="1" spc="150">
+                <a:solidFill>
+                  <a:sysClr val="windowText" lastClr="000000">
+                    <a:lumMod val="85000"/>
+                    <a:lumOff val="15000"/>
+                  </a:sysClr>
+                </a:solidFill>
+                <a:latin typeface="Arial" panose="020B0604020202020204" pitchFamily="34" charset="0"/>
+                <a:ea typeface="微软雅黑" panose="020B0503020204020204" pitchFamily="34" charset="-122"/>
+              </a:rPr>
+              <a:t>背景</a:t>
+            </a:r>
+            <a:endParaRPr lang="zh-CN" altLang="en-US" sz="6000" b="1" spc="150">
+              <a:solidFill>
+                <a:sysClr val="windowText" lastClr="000000">
+                  <a:lumMod val="85000"/>
+                  <a:lumOff val="15000"/>
+                </a:sysClr>
+              </a:solidFill>
+              <a:latin typeface="Arial" panose="020B0604020202020204" pitchFamily="34" charset="0"/>
+              <a:ea typeface="微软雅黑" panose="020B0503020204020204" pitchFamily="34" charset="-122"/>
+            </a:endParaRPr>
+          </a:p>
+        </p:txBody>
+      </p:sp>
+    </p:spTree>
+    <p:custDataLst>
+      <p:tags r:id="rId9"/>
+    </p:custDataLst>
+  </p:cSld>
+  <p:clrMapOvr>
+    <a:masterClrMapping/>
+  </p:clrMapOvr>
+</p:sld>
+</file>
+
+<file path=ppt/slides/slide4.xml><?xml version="1.0" encoding="utf-8"?>
+<p:sld xmlns:a="http://schemas.openxmlformats.org/drawingml/2006/main" xmlns:r="http://schemas.openxmlformats.org/officeDocument/2006/relationships" xmlns:p="http://schemas.openxmlformats.org/presentationml/2006/main">
+  <p:cSld>
+    <p:spTree>
+      <p:nvGrpSpPr>
+        <p:cNvPr id="1" name=""/>
+        <p:cNvGrpSpPr/>
+        <p:nvPr/>
+      </p:nvGrpSpPr>
+      <p:grpSpPr>
+        <a:xfrm>
+          <a:off x="0" y="0"/>
+          <a:ext cx="0" cy="0"/>
+          <a:chOff x="0" y="0"/>
+          <a:chExt cx="0" cy="0"/>
+        </a:xfrm>
+      </p:grpSpPr>
+      <p:sp>
+        <p:nvSpPr>
+          <p:cNvPr id="2" name="文本框 1"/>
+          <p:cNvSpPr txBox="1"/>
+          <p:nvPr/>
+        </p:nvSpPr>
+        <p:spPr>
+          <a:xfrm>
+            <a:off x="800100" y="6104890"/>
+            <a:ext cx="10851515" cy="460375"/>
+          </a:xfrm>
+          <a:prstGeom prst="rect">
+            <a:avLst/>
+          </a:prstGeom>
+          <a:noFill/>
+        </p:spPr>
+        <p:txBody>
+          <a:bodyPr wrap="square" rtlCol="0">
+            <a:spAutoFit/>
+          </a:bodyPr>
+          <a:p>
+            <a:pPr algn="ctr">
+              <a:buClrTx/>
+              <a:buSzTx/>
+              <a:buFontTx/>
+            </a:pPr>
+            <a:r>
+              <a:rPr lang="en-US" altLang="zh-CN" sz="2400">
+                <a:latin typeface="微软雅黑" panose="020B0503020204020204" pitchFamily="34" charset="-122"/>
+                <a:ea typeface="微软雅黑" panose="020B0503020204020204" pitchFamily="34" charset="-122"/>
+                <a:cs typeface="微软雅黑" panose="020B0503020204020204" pitchFamily="34" charset="-122"/>
+                <a:sym typeface="+mn-ea"/>
+              </a:rPr>
+              <a:t>Excel</a:t>
+            </a:r>
+            <a:r>
+              <a:rPr lang="en-US" altLang="zh-CN" sz="2400">
+                <a:latin typeface="微软雅黑" panose="020B0503020204020204" pitchFamily="34" charset="-122"/>
+                <a:ea typeface="微软雅黑" panose="020B0503020204020204" pitchFamily="34" charset="-122"/>
+                <a:cs typeface="微软雅黑" panose="020B0503020204020204" pitchFamily="34" charset="-122"/>
+                <a:sym typeface="+mn-ea"/>
+              </a:rPr>
+              <a:t>为代表的基于</a:t>
+            </a:r>
+            <a:r>
+              <a:rPr lang="zh-CN" altLang="en-US" sz="2400">
+                <a:latin typeface="微软雅黑" panose="020B0503020204020204" pitchFamily="34" charset="-122"/>
+                <a:ea typeface="微软雅黑" panose="020B0503020204020204" pitchFamily="34" charset="-122"/>
+                <a:cs typeface="微软雅黑" panose="020B0503020204020204" pitchFamily="34" charset="-122"/>
+                <a:sym typeface="+mn-ea"/>
+              </a:rPr>
+              <a:t>表</a:t>
+            </a:r>
+            <a:r>
+              <a:rPr lang="zh-CN" altLang="en-US" sz="2400">
+                <a:latin typeface="微软雅黑" panose="020B0503020204020204" pitchFamily="34" charset="-122"/>
+                <a:ea typeface="微软雅黑" panose="020B0503020204020204" pitchFamily="34" charset="-122"/>
+                <a:cs typeface="微软雅黑" panose="020B0503020204020204" pitchFamily="34" charset="-122"/>
+                <a:sym typeface="+mn-ea"/>
+              </a:rPr>
+              <a:t>格的数据分析和可视化</a:t>
+            </a:r>
+            <a:endParaRPr lang="zh-CN" altLang="en-US" sz="2400">
+              <a:latin typeface="微软雅黑" panose="020B0503020204020204" pitchFamily="34" charset="-122"/>
+              <a:ea typeface="微软雅黑" panose="020B0503020204020204" pitchFamily="34" charset="-122"/>
+              <a:cs typeface="微软雅黑" panose="020B0503020204020204" pitchFamily="34" charset="-122"/>
+              <a:sym typeface="+mn-ea"/>
+            </a:endParaRPr>
+          </a:p>
+        </p:txBody>
+      </p:sp>
+      <p:pic>
+        <p:nvPicPr>
+          <p:cNvPr id="102" name="图片 101"/>
+          <p:cNvPicPr/>
+          <p:nvPr>
+            <p:custDataLst>
+              <p:tags r:id="rId1"/>
+            </p:custDataLst>
+          </p:nvPr>
+        </p:nvPicPr>
+        <p:blipFill>
+          <a:blip r:embed="rId2"/>
+          <a:stretch>
+            <a:fillRect/>
+          </a:stretch>
+        </p:blipFill>
+        <p:spPr>
+          <a:xfrm>
+            <a:off x="2892425" y="1050290"/>
+            <a:ext cx="6407785" cy="4758055"/>
+          </a:xfrm>
+          <a:prstGeom prst="rect">
+            <a:avLst/>
+          </a:prstGeom>
+          <a:noFill/>
+          <a:ln w="9525">
+            <a:noFill/>
+          </a:ln>
+        </p:spPr>
+      </p:pic>
+    </p:spTree>
+    <p:custDataLst>
+      <p:tags r:id="rId3"/>
+    </p:custDataLst>
+  </p:cSld>
+  <p:clrMapOvr>
+    <a:masterClrMapping/>
+  </p:clrMapOvr>
+</p:sld>
+</file>
+
+<file path=ppt/slides/slide5.xml><?xml version="1.0" encoding="utf-8"?>
+<p:sld xmlns:a="http://schemas.openxmlformats.org/drawingml/2006/main" xmlns:r="http://schemas.openxmlformats.org/officeDocument/2006/relationships" xmlns:p="http://schemas.openxmlformats.org/presentationml/2006/main">
+  <p:cSld>
+    <p:spTree>
+      <p:nvGrpSpPr>
+        <p:cNvPr id="1" name=""/>
+        <p:cNvGrpSpPr/>
+        <p:nvPr/>
+      </p:nvGrpSpPr>
+      <p:grpSpPr>
+        <a:xfrm>
+          <a:off x="0" y="0"/>
+          <a:ext cx="0" cy="0"/>
+          <a:chOff x="0" y="0"/>
+          <a:chExt cx="0" cy="0"/>
+        </a:xfrm>
+      </p:grpSpPr>
+      <p:pic>
+        <p:nvPicPr>
+          <p:cNvPr id="100" name="图片 99"/>
+          <p:cNvPicPr/>
+          <p:nvPr>
+            <p:custDataLst>
+              <p:tags r:id="rId1"/>
+            </p:custDataLst>
+          </p:nvPr>
+        </p:nvPicPr>
+        <p:blipFill>
+          <a:blip r:embed="rId2"/>
+          <a:srcRect l="8964" r="9911"/>
+          <a:stretch>
+            <a:fillRect/>
+          </a:stretch>
+        </p:blipFill>
+        <p:spPr>
+          <a:xfrm>
+            <a:off x="1484630" y="816610"/>
+            <a:ext cx="9222105" cy="5012690"/>
+          </a:xfrm>
+          <a:prstGeom prst="rect">
+            <a:avLst/>
+          </a:prstGeom>
+          <a:noFill/>
+          <a:ln w="9525">
+            <a:noFill/>
+          </a:ln>
+        </p:spPr>
+      </p:pic>
+      <p:sp>
+        <p:nvSpPr>
+          <p:cNvPr id="2" name="文本框 1"/>
+          <p:cNvSpPr txBox="1"/>
+          <p:nvPr/>
+        </p:nvSpPr>
+        <p:spPr>
+          <a:xfrm>
+            <a:off x="800100" y="6104890"/>
+            <a:ext cx="10851515" cy="460375"/>
+          </a:xfrm>
+          <a:prstGeom prst="rect">
+            <a:avLst/>
+          </a:prstGeom>
+          <a:noFill/>
+        </p:spPr>
+        <p:txBody>
+          <a:bodyPr wrap="square" rtlCol="0">
+            <a:spAutoFit/>
+          </a:bodyPr>
+          <a:p>
+            <a:pPr lvl="0" algn="ctr">
+              <a:buClrTx/>
+              <a:buSzTx/>
+              <a:buFontTx/>
+            </a:pPr>
+            <a:r>
+              <a:rPr lang="en-US" altLang="zh-CN" sz="2400">
+                <a:latin typeface="微软雅黑" panose="020B0503020204020204" pitchFamily="34" charset="-122"/>
+                <a:ea typeface="微软雅黑" panose="020B0503020204020204" pitchFamily="34" charset="-122"/>
+                <a:cs typeface="微软雅黑" panose="020B0503020204020204" pitchFamily="34" charset="-122"/>
+                <a:sym typeface="+mn-ea"/>
+              </a:rPr>
+              <a:t>Origin</a:t>
+            </a:r>
+            <a:r>
+              <a:rPr lang="en-US" altLang="zh-CN" sz="2400">
+                <a:latin typeface="微软雅黑" panose="020B0503020204020204" pitchFamily="34" charset="-122"/>
+                <a:ea typeface="微软雅黑" panose="020B0503020204020204" pitchFamily="34" charset="-122"/>
+                <a:cs typeface="微软雅黑" panose="020B0503020204020204" pitchFamily="34" charset="-122"/>
+                <a:sym typeface="+mn-ea"/>
+              </a:rPr>
+              <a:t>为代表的基于命令菜单的科学绘图软，针对重复性的数据分析不友好</a:t>
+            </a:r>
+            <a:endParaRPr lang="en-US" altLang="zh-CN" sz="2400">
+              <a:latin typeface="微软雅黑" panose="020B0503020204020204" pitchFamily="34" charset="-122"/>
+              <a:ea typeface="微软雅黑" panose="020B0503020204020204" pitchFamily="34" charset="-122"/>
+              <a:cs typeface="微软雅黑" panose="020B0503020204020204" pitchFamily="34" charset="-122"/>
+              <a:sym typeface="+mn-ea"/>
+            </a:endParaRPr>
+          </a:p>
+        </p:txBody>
+      </p:sp>
+    </p:spTree>
+    <p:custDataLst>
+      <p:tags r:id="rId3"/>
+    </p:custDataLst>
+  </p:cSld>
+  <p:clrMapOvr>
+    <a:masterClrMapping/>
+  </p:clrMapOvr>
+</p:sld>
+</file>
+
+<file path=ppt/slides/slide6.xml><?xml version="1.0" encoding="utf-8"?>
+<p:sld xmlns:a="http://schemas.openxmlformats.org/drawingml/2006/main" xmlns:r="http://schemas.openxmlformats.org/officeDocument/2006/relationships" xmlns:p="http://schemas.openxmlformats.org/presentationml/2006/main">
+  <p:cSld>
+    <p:spTree>
+      <p:nvGrpSpPr>
+        <p:cNvPr id="1" name=""/>
+        <p:cNvGrpSpPr/>
+        <p:nvPr/>
+      </p:nvGrpSpPr>
+      <p:grpSpPr>
+        <a:xfrm>
+          <a:off x="0" y="0"/>
+          <a:ext cx="0" cy="0"/>
+          <a:chOff x="0" y="0"/>
+          <a:chExt cx="0" cy="0"/>
+        </a:xfrm>
+      </p:grpSpPr>
+      <p:sp>
+        <p:nvSpPr>
+          <p:cNvPr id="2" name="文本框 1"/>
+          <p:cNvSpPr txBox="1"/>
+          <p:nvPr/>
+        </p:nvSpPr>
+        <p:spPr>
+          <a:xfrm>
+            <a:off x="783590" y="6104890"/>
+            <a:ext cx="10133330" cy="460375"/>
+          </a:xfrm>
+          <a:prstGeom prst="rect">
+            <a:avLst/>
+          </a:prstGeom>
+          <a:noFill/>
+        </p:spPr>
+        <p:txBody>
+          <a:bodyPr wrap="square" rtlCol="0">
+            <a:spAutoFit/>
+          </a:bodyPr>
+          <a:p>
+            <a:pPr algn="ctr"/>
+            <a:r>
+              <a:rPr lang="en-US" altLang="zh-CN" sz="2400">
+                <a:latin typeface="微软雅黑" panose="020B0503020204020204" pitchFamily="34" charset="-122"/>
+                <a:ea typeface="微软雅黑" panose="020B0503020204020204" pitchFamily="34" charset="-122"/>
+                <a:cs typeface="微软雅黑" panose="020B0503020204020204" pitchFamily="34" charset="-122"/>
+              </a:rPr>
+              <a:t>Orange3</a:t>
+            </a:r>
+            <a:r>
+              <a:rPr lang="zh-CN" altLang="en-US" sz="2400">
+                <a:latin typeface="微软雅黑" panose="020B0503020204020204" pitchFamily="34" charset="-122"/>
+                <a:ea typeface="微软雅黑" panose="020B0503020204020204" pitchFamily="34" charset="-122"/>
+                <a:cs typeface="微软雅黑" panose="020B0503020204020204" pitchFamily="34" charset="-122"/>
+              </a:rPr>
+              <a:t>为代表的基于工作流的数据分析软件，可以定制流程和绘图</a:t>
+            </a:r>
+            <a:endParaRPr lang="zh-CN" altLang="en-US" sz="2400">
+              <a:latin typeface="微软雅黑" panose="020B0503020204020204" pitchFamily="34" charset="-122"/>
+              <a:ea typeface="微软雅黑" panose="020B0503020204020204" pitchFamily="34" charset="-122"/>
+              <a:cs typeface="微软雅黑" panose="020B0503020204020204" pitchFamily="34" charset="-122"/>
+            </a:endParaRPr>
+          </a:p>
+        </p:txBody>
+      </p:sp>
+      <p:pic>
+        <p:nvPicPr>
+          <p:cNvPr id="101" name="图片 100"/>
+          <p:cNvPicPr/>
+          <p:nvPr>
+            <p:custDataLst>
+              <p:tags r:id="rId1"/>
+            </p:custDataLst>
+          </p:nvPr>
+        </p:nvPicPr>
+        <p:blipFill>
+          <a:blip r:embed="rId2"/>
+          <a:stretch>
+            <a:fillRect/>
+          </a:stretch>
+        </p:blipFill>
+        <p:spPr>
+          <a:xfrm>
+            <a:off x="1519238" y="671513"/>
+            <a:ext cx="8772525" cy="5133975"/>
+          </a:xfrm>
+          <a:prstGeom prst="rect">
+            <a:avLst/>
+          </a:prstGeom>
+          <a:noFill/>
+          <a:ln w="9525">
+            <a:noFill/>
+          </a:ln>
+        </p:spPr>
+      </p:pic>
+    </p:spTree>
+    <p:custDataLst>
+      <p:tags r:id="rId3"/>
+    </p:custDataLst>
+  </p:cSld>
+  <p:clrMapOvr>
+    <a:masterClrMapping/>
+  </p:clrMapOvr>
+</p:sld>
+</file>
+
+<file path=ppt/slides/slide7.xml><?xml version="1.0" encoding="utf-8"?>
+<p:sld xmlns:a="http://schemas.openxmlformats.org/drawingml/2006/main" xmlns:r="http://schemas.openxmlformats.org/officeDocument/2006/relationships" xmlns:p="http://schemas.openxmlformats.org/presentationml/2006/main">
+  <p:cSld>
+    <p:spTree>
+      <p:nvGrpSpPr>
+        <p:cNvPr id="1" name=""/>
+        <p:cNvGrpSpPr/>
+        <p:nvPr/>
+      </p:nvGrpSpPr>
+      <p:grpSpPr>
+        <a:xfrm>
+          <a:off x="0" y="0"/>
+          <a:ext cx="0" cy="0"/>
+          <a:chOff x="0" y="0"/>
+          <a:chExt cx="0" cy="0"/>
+        </a:xfrm>
+      </p:grpSpPr>
+      <p:pic>
+        <p:nvPicPr>
+          <p:cNvPr id="3" name="图片 2" descr="about-data-work-flow"/>
+          <p:cNvPicPr>
+            <a:picLocks noChangeAspect="1"/>
+          </p:cNvPicPr>
+          <p:nvPr/>
+        </p:nvPicPr>
+        <p:blipFill>
+          <a:blip r:embed="rId1"/>
+          <a:stretch>
+            <a:fillRect/>
+          </a:stretch>
+        </p:blipFill>
+        <p:spPr>
+          <a:xfrm>
+            <a:off x="1398270" y="1058545"/>
+            <a:ext cx="9395460" cy="4657725"/>
+          </a:xfrm>
+          <a:prstGeom prst="rect">
+            <a:avLst/>
+          </a:prstGeom>
+        </p:spPr>
+      </p:pic>
+      <p:sp>
+        <p:nvSpPr>
+          <p:cNvPr id="4" name="文本框 3"/>
+          <p:cNvSpPr txBox="1"/>
+          <p:nvPr>
+            <p:custDataLst>
+              <p:tags r:id="rId2"/>
+            </p:custDataLst>
+          </p:nvPr>
+        </p:nvSpPr>
+        <p:spPr>
+          <a:xfrm>
+            <a:off x="783590" y="5827395"/>
+            <a:ext cx="10133330" cy="829945"/>
+          </a:xfrm>
+          <a:prstGeom prst="rect">
+            <a:avLst/>
+          </a:prstGeom>
+          <a:noFill/>
+        </p:spPr>
+        <p:txBody>
+          <a:bodyPr wrap="square" rtlCol="0">
+            <a:spAutoFit/>
+          </a:bodyPr>
+          <a:p>
+            <a:pPr algn="ctr"/>
+            <a:r>
+              <a:rPr lang="zh-CN" altLang="en-US" sz="2400">
+                <a:latin typeface="微软雅黑" panose="020B0503020204020204" pitchFamily="34" charset="-122"/>
+                <a:ea typeface="微软雅黑" panose="020B0503020204020204" pitchFamily="34" charset="-122"/>
+                <a:cs typeface="微软雅黑" panose="020B0503020204020204" pitchFamily="34" charset="-122"/>
+              </a:rPr>
+              <a:t>结合</a:t>
+            </a:r>
+            <a:r>
+              <a:rPr lang="en-US" altLang="zh-CN" sz="2400">
+                <a:latin typeface="微软雅黑" panose="020B0503020204020204" pitchFamily="34" charset="-122"/>
+                <a:ea typeface="微软雅黑" panose="020B0503020204020204" pitchFamily="34" charset="-122"/>
+                <a:cs typeface="微软雅黑" panose="020B0503020204020204" pitchFamily="34" charset="-122"/>
+              </a:rPr>
+              <a:t>Excel</a:t>
+            </a:r>
+            <a:r>
+              <a:rPr lang="zh-CN" altLang="en-US" sz="2400">
+                <a:latin typeface="微软雅黑" panose="020B0503020204020204" pitchFamily="34" charset="-122"/>
+                <a:ea typeface="微软雅黑" panose="020B0503020204020204" pitchFamily="34" charset="-122"/>
+                <a:cs typeface="微软雅黑" panose="020B0503020204020204" pitchFamily="34" charset="-122"/>
+              </a:rPr>
+              <a:t>、</a:t>
+            </a:r>
+            <a:r>
+              <a:rPr lang="en-US" altLang="zh-CN" sz="2400">
+                <a:latin typeface="微软雅黑" panose="020B0503020204020204" pitchFamily="34" charset="-122"/>
+                <a:ea typeface="微软雅黑" panose="020B0503020204020204" pitchFamily="34" charset="-122"/>
+                <a:cs typeface="微软雅黑" panose="020B0503020204020204" pitchFamily="34" charset="-122"/>
+              </a:rPr>
+              <a:t>Origin</a:t>
+            </a:r>
+            <a:r>
+              <a:rPr lang="zh-CN" altLang="en-US" sz="2400">
+                <a:latin typeface="微软雅黑" panose="020B0503020204020204" pitchFamily="34" charset="-122"/>
+                <a:ea typeface="微软雅黑" panose="020B0503020204020204" pitchFamily="34" charset="-122"/>
+                <a:cs typeface="微软雅黑" panose="020B0503020204020204" pitchFamily="34" charset="-122"/>
+              </a:rPr>
+              <a:t>和</a:t>
+            </a:r>
+            <a:r>
+              <a:rPr lang="en-US" altLang="zh-CN" sz="2400">
+                <a:latin typeface="微软雅黑" panose="020B0503020204020204" pitchFamily="34" charset="-122"/>
+                <a:ea typeface="微软雅黑" panose="020B0503020204020204" pitchFamily="34" charset="-122"/>
+                <a:cs typeface="微软雅黑" panose="020B0503020204020204" pitchFamily="34" charset="-122"/>
+              </a:rPr>
+              <a:t>Orange3</a:t>
+            </a:r>
+            <a:r>
+              <a:rPr lang="zh-CN" altLang="en-US" sz="2400">
+                <a:latin typeface="微软雅黑" panose="020B0503020204020204" pitchFamily="34" charset="-122"/>
+                <a:ea typeface="微软雅黑" panose="020B0503020204020204" pitchFamily="34" charset="-122"/>
+                <a:cs typeface="微软雅黑" panose="020B0503020204020204" pitchFamily="34" charset="-122"/>
+              </a:rPr>
+              <a:t>的优缺点</a:t>
+            </a:r>
+            <a:endParaRPr lang="zh-CN" altLang="en-US" sz="2400">
+              <a:latin typeface="微软雅黑" panose="020B0503020204020204" pitchFamily="34" charset="-122"/>
+              <a:ea typeface="微软雅黑" panose="020B0503020204020204" pitchFamily="34" charset="-122"/>
+              <a:cs typeface="微软雅黑" panose="020B0503020204020204" pitchFamily="34" charset="-122"/>
+            </a:endParaRPr>
+          </a:p>
+          <a:p>
+            <a:pPr algn="ctr"/>
+            <a:r>
+              <a:rPr lang="zh-CN" altLang="en-US" sz="2400">
+                <a:latin typeface="微软雅黑" panose="020B0503020204020204" pitchFamily="34" charset="-122"/>
+                <a:ea typeface="微软雅黑" panose="020B0503020204020204" pitchFamily="34" charset="-122"/>
+                <a:cs typeface="微软雅黑" panose="020B0503020204020204" pitchFamily="34" charset="-122"/>
+              </a:rPr>
+              <a:t>提出了基于工作流驱动的数据分析及可视化软件</a:t>
+            </a:r>
+            <a:endParaRPr lang="en-US" altLang="zh-CN" sz="2400">
+              <a:latin typeface="微软雅黑" panose="020B0503020204020204" pitchFamily="34" charset="-122"/>
+              <a:ea typeface="微软雅黑" panose="020B0503020204020204" pitchFamily="34" charset="-122"/>
+              <a:cs typeface="微软雅黑" panose="020B0503020204020204" pitchFamily="34" charset="-122"/>
+            </a:endParaRPr>
+          </a:p>
+        </p:txBody>
+      </p:sp>
+    </p:spTree>
+    <p:custDataLst>
+      <p:tags r:id="rId3"/>
+    </p:custDataLst>
+  </p:cSld>
+  <p:clrMapOvr>
+    <a:masterClrMapping/>
+  </p:clrMapOvr>
+</p:sld>
+</file>
+
+<file path=ppt/slides/slide8.xml><?xml version="1.0" encoding="utf-8"?>
+<p:sld xmlns:a="http://schemas.openxmlformats.org/drawingml/2006/main" xmlns:r="http://schemas.openxmlformats.org/officeDocument/2006/relationships" xmlns:p="http://schemas.openxmlformats.org/presentationml/2006/main">
+  <p:cSld>
+    <p:spTree>
+      <p:nvGrpSpPr>
+        <p:cNvPr id="1" name=""/>
+        <p:cNvGrpSpPr/>
+        <p:nvPr/>
+      </p:nvGrpSpPr>
+      <p:grpSpPr>
+        <a:xfrm>
+          <a:off x="0" y="0"/>
+          <a:ext cx="0" cy="0"/>
+          <a:chOff x="0" y="0"/>
+          <a:chExt cx="0" cy="0"/>
+        </a:xfrm>
+      </p:grpSpPr>
+      <p:pic>
+        <p:nvPicPr>
+          <p:cNvPr id="3" name="图片 2" descr="about-data-work-flow"/>
+          <p:cNvPicPr>
+            <a:picLocks noChangeAspect="1"/>
+          </p:cNvPicPr>
+          <p:nvPr/>
+        </p:nvPicPr>
+        <p:blipFill>
+          <a:blip r:embed="rId1"/>
+          <a:stretch>
+            <a:fillRect/>
+          </a:stretch>
+        </p:blipFill>
+        <p:spPr>
+          <a:xfrm>
+            <a:off x="1398270" y="1058545"/>
+            <a:ext cx="9395460" cy="4657725"/>
+          </a:xfrm>
+          <a:prstGeom prst="rect">
+            <a:avLst/>
+          </a:prstGeom>
+        </p:spPr>
+      </p:pic>
+      <p:sp>
+        <p:nvSpPr>
+          <p:cNvPr id="4" name="文本框 3"/>
+          <p:cNvSpPr txBox="1"/>
+          <p:nvPr>
+            <p:custDataLst>
+              <p:tags r:id="rId2"/>
+            </p:custDataLst>
+          </p:nvPr>
+        </p:nvSpPr>
+        <p:spPr>
+          <a:xfrm>
+            <a:off x="783590" y="5827395"/>
+            <a:ext cx="10133330" cy="460375"/>
+          </a:xfrm>
+          <a:prstGeom prst="rect">
+            <a:avLst/>
+          </a:prstGeom>
+          <a:noFill/>
+        </p:spPr>
+        <p:txBody>
+          <a:bodyPr wrap="square" rtlCol="0">
+            <a:spAutoFit/>
+          </a:bodyPr>
+          <a:p>
+            <a:pPr algn="ctr"/>
+            <a:r>
+              <a:rPr lang="zh-CN" sz="2400">
+                <a:latin typeface="微软雅黑" panose="020B0503020204020204" pitchFamily="34" charset="-122"/>
+                <a:ea typeface="微软雅黑" panose="020B0503020204020204" pitchFamily="34" charset="-122"/>
+                <a:cs typeface="微软雅黑" panose="020B0503020204020204" pitchFamily="34" charset="-122"/>
+              </a:rPr>
+              <a:t>把功能分为工作流（</a:t>
+            </a:r>
+            <a:r>
+              <a:rPr lang="en-US" altLang="zh-CN" sz="2400">
+                <a:latin typeface="微软雅黑" panose="020B0503020204020204" pitchFamily="34" charset="-122"/>
+                <a:ea typeface="微软雅黑" panose="020B0503020204020204" pitchFamily="34" charset="-122"/>
+                <a:cs typeface="微软雅黑" panose="020B0503020204020204" pitchFamily="34" charset="-122"/>
+              </a:rPr>
+              <a:t>WorkFlow</a:t>
+            </a:r>
+            <a:r>
+              <a:rPr lang="zh-CN" sz="2400">
+                <a:latin typeface="微软雅黑" panose="020B0503020204020204" pitchFamily="34" charset="-122"/>
+                <a:ea typeface="微软雅黑" panose="020B0503020204020204" pitchFamily="34" charset="-122"/>
+                <a:cs typeface="微软雅黑" panose="020B0503020204020204" pitchFamily="34" charset="-122"/>
+              </a:rPr>
+              <a:t>）</a:t>
+            </a:r>
+            <a:r>
+              <a:rPr lang="en-US" altLang="zh-CN" sz="2400">
+                <a:latin typeface="微软雅黑" panose="020B0503020204020204" pitchFamily="34" charset="-122"/>
+                <a:ea typeface="微软雅黑" panose="020B0503020204020204" pitchFamily="34" charset="-122"/>
+                <a:cs typeface="微软雅黑" panose="020B0503020204020204" pitchFamily="34" charset="-122"/>
+              </a:rPr>
+              <a:t>+</a:t>
+            </a:r>
+            <a:r>
+              <a:rPr lang="zh-CN" altLang="en-US" sz="2400">
+                <a:latin typeface="微软雅黑" panose="020B0503020204020204" pitchFamily="34" charset="-122"/>
+                <a:ea typeface="微软雅黑" panose="020B0503020204020204" pitchFamily="34" charset="-122"/>
+                <a:cs typeface="微软雅黑" panose="020B0503020204020204" pitchFamily="34" charset="-122"/>
+              </a:rPr>
+              <a:t>数据（</a:t>
+            </a:r>
+            <a:r>
+              <a:rPr lang="en-US" altLang="zh-CN" sz="2400">
+                <a:latin typeface="微软雅黑" panose="020B0503020204020204" pitchFamily="34" charset="-122"/>
+                <a:ea typeface="微软雅黑" panose="020B0503020204020204" pitchFamily="34" charset="-122"/>
+                <a:cs typeface="微软雅黑" panose="020B0503020204020204" pitchFamily="34" charset="-122"/>
+              </a:rPr>
+              <a:t>data</a:t>
+            </a:r>
+            <a:r>
+              <a:rPr lang="zh-CN" altLang="en-US" sz="2400">
+                <a:latin typeface="微软雅黑" panose="020B0503020204020204" pitchFamily="34" charset="-122"/>
+                <a:ea typeface="微软雅黑" panose="020B0503020204020204" pitchFamily="34" charset="-122"/>
+                <a:cs typeface="微软雅黑" panose="020B0503020204020204" pitchFamily="34" charset="-122"/>
+              </a:rPr>
+              <a:t>）</a:t>
+            </a:r>
+            <a:r>
+              <a:rPr lang="en-US" altLang="zh-CN" sz="2400">
+                <a:latin typeface="微软雅黑" panose="020B0503020204020204" pitchFamily="34" charset="-122"/>
+                <a:ea typeface="微软雅黑" panose="020B0503020204020204" pitchFamily="34" charset="-122"/>
+                <a:cs typeface="微软雅黑" panose="020B0503020204020204" pitchFamily="34" charset="-122"/>
+              </a:rPr>
+              <a:t>+</a:t>
+            </a:r>
+            <a:r>
+              <a:rPr lang="zh-CN" altLang="en-US" sz="2400">
+                <a:latin typeface="微软雅黑" panose="020B0503020204020204" pitchFamily="34" charset="-122"/>
+                <a:ea typeface="微软雅黑" panose="020B0503020204020204" pitchFamily="34" charset="-122"/>
+                <a:cs typeface="微软雅黑" panose="020B0503020204020204" pitchFamily="34" charset="-122"/>
+              </a:rPr>
+              <a:t>绘图（</a:t>
+            </a:r>
+            <a:r>
+              <a:rPr lang="en-US" altLang="zh-CN" sz="2400">
+                <a:latin typeface="微软雅黑" panose="020B0503020204020204" pitchFamily="34" charset="-122"/>
+                <a:ea typeface="微软雅黑" panose="020B0503020204020204" pitchFamily="34" charset="-122"/>
+                <a:cs typeface="微软雅黑" panose="020B0503020204020204" pitchFamily="34" charset="-122"/>
+              </a:rPr>
+              <a:t>chart</a:t>
+            </a:r>
+            <a:r>
+              <a:rPr lang="zh-CN" altLang="en-US" sz="2400">
+                <a:latin typeface="微软雅黑" panose="020B0503020204020204" pitchFamily="34" charset="-122"/>
+                <a:ea typeface="微软雅黑" panose="020B0503020204020204" pitchFamily="34" charset="-122"/>
+                <a:cs typeface="微软雅黑" panose="020B0503020204020204" pitchFamily="34" charset="-122"/>
+              </a:rPr>
+              <a:t>）</a:t>
+            </a:r>
+            <a:endParaRPr lang="zh-CN" altLang="en-US" sz="2400">
+              <a:latin typeface="微软雅黑" panose="020B0503020204020204" pitchFamily="34" charset="-122"/>
+              <a:ea typeface="微软雅黑" panose="020B0503020204020204" pitchFamily="34" charset="-122"/>
+              <a:cs typeface="微软雅黑" panose="020B0503020204020204" pitchFamily="34" charset="-122"/>
+            </a:endParaRPr>
+          </a:p>
+        </p:txBody>
+      </p:sp>
+    </p:spTree>
+    <p:custDataLst>
+      <p:tags r:id="rId3"/>
+    </p:custDataLst>
+  </p:cSld>
+  <p:clrMapOvr>
+    <a:masterClrMapping/>
+  </p:clrMapOvr>
+</p:sld>
+</file>
+
+<file path=ppt/slides/slide9.xml><?xml version="1.0" encoding="utf-8"?>
+<p:sld xmlns:a="http://schemas.openxmlformats.org/drawingml/2006/main" xmlns:r="http://schemas.openxmlformats.org/officeDocument/2006/relationships" xmlns:p="http://schemas.openxmlformats.org/presentationml/2006/main">
+  <p:cSld>
+    <p:spTree>
+      <p:nvGrpSpPr>
+        <p:cNvPr id="1" name=""/>
+        <p:cNvGrpSpPr/>
+        <p:nvPr/>
+      </p:nvGrpSpPr>
+      <p:grpSpPr>
+        <a:xfrm>
+          <a:off x="0" y="0"/>
+          <a:ext cx="0" cy="0"/>
+          <a:chOff x="0" y="0"/>
+          <a:chExt cx="0" cy="0"/>
+        </a:xfrm>
+      </p:grpSpPr>
+      <p:pic>
+        <p:nvPicPr>
+          <p:cNvPr id="3" name="图片 2" descr="about-data-work-flow"/>
+          <p:cNvPicPr>
+            <a:picLocks noChangeAspect="1"/>
+          </p:cNvPicPr>
+          <p:nvPr/>
+        </p:nvPicPr>
+        <p:blipFill>
+          <a:blip r:embed="rId1"/>
+          <a:stretch>
+            <a:fillRect/>
+          </a:stretch>
+        </p:blipFill>
+        <p:spPr>
+          <a:xfrm>
+            <a:off x="1398270" y="1058545"/>
+            <a:ext cx="9395460" cy="4657725"/>
+          </a:xfrm>
+          <a:prstGeom prst="rect">
+            <a:avLst/>
+          </a:prstGeom>
+        </p:spPr>
+      </p:pic>
+      <p:sp>
+        <p:nvSpPr>
+          <p:cNvPr id="4" name="文本框 3"/>
+          <p:cNvSpPr txBox="1"/>
+          <p:nvPr>
+            <p:custDataLst>
+              <p:tags r:id="rId2"/>
+            </p:custDataLst>
+          </p:nvPr>
+        </p:nvSpPr>
+        <p:spPr>
+          <a:xfrm>
+            <a:off x="783590" y="5827395"/>
+            <a:ext cx="10133330" cy="829945"/>
+          </a:xfrm>
+          <a:prstGeom prst="rect">
+            <a:avLst/>
+          </a:prstGeom>
+          <a:noFill/>
+        </p:spPr>
+        <p:txBody>
+          <a:bodyPr wrap="square" rtlCol="0">
+            <a:spAutoFit/>
+          </a:bodyPr>
+          <a:p>
+            <a:pPr algn="l"/>
+            <a:r>
+              <a:rPr lang="zh-CN" sz="2400" b="1">
+                <a:latin typeface="微软雅黑" panose="020B0503020204020204" pitchFamily="34" charset="-122"/>
+                <a:ea typeface="微软雅黑" panose="020B0503020204020204" pitchFamily="34" charset="-122"/>
+                <a:cs typeface="微软雅黑" panose="020B0503020204020204" pitchFamily="34" charset="-122"/>
+              </a:rPr>
+              <a:t>工作流（</a:t>
+            </a:r>
+            <a:r>
+              <a:rPr lang="en-US" altLang="zh-CN" sz="2400" b="1">
+                <a:latin typeface="微软雅黑" panose="020B0503020204020204" pitchFamily="34" charset="-122"/>
+                <a:ea typeface="微软雅黑" panose="020B0503020204020204" pitchFamily="34" charset="-122"/>
+                <a:cs typeface="微软雅黑" panose="020B0503020204020204" pitchFamily="34" charset="-122"/>
+              </a:rPr>
+              <a:t>WorkFlow</a:t>
+            </a:r>
+            <a:r>
+              <a:rPr lang="zh-CN" sz="2400" b="1">
+                <a:latin typeface="微软雅黑" panose="020B0503020204020204" pitchFamily="34" charset="-122"/>
+                <a:ea typeface="微软雅黑" panose="020B0503020204020204" pitchFamily="34" charset="-122"/>
+                <a:cs typeface="微软雅黑" panose="020B0503020204020204" pitchFamily="34" charset="-122"/>
+              </a:rPr>
+              <a:t>）</a:t>
+            </a:r>
+            <a:r>
+              <a:rPr lang="en-US" altLang="zh-CN" sz="2400" b="1">
+                <a:latin typeface="微软雅黑" panose="020B0503020204020204" pitchFamily="34" charset="-122"/>
+                <a:ea typeface="微软雅黑" panose="020B0503020204020204" pitchFamily="34" charset="-122"/>
+                <a:cs typeface="微软雅黑" panose="020B0503020204020204" pitchFamily="34" charset="-122"/>
+              </a:rPr>
+              <a:t>——</a:t>
+            </a:r>
+            <a:r>
+              <a:rPr lang="zh-CN" sz="2400" b="1">
+                <a:latin typeface="微软雅黑" panose="020B0503020204020204" pitchFamily="34" charset="-122"/>
+                <a:ea typeface="微软雅黑" panose="020B0503020204020204" pitchFamily="34" charset="-122"/>
+                <a:cs typeface="微软雅黑" panose="020B0503020204020204" pitchFamily="34" charset="-122"/>
+              </a:rPr>
+              <a:t>解决固定性问题</a:t>
+            </a:r>
+            <a:endParaRPr lang="zh-CN" sz="2400" b="1">
+              <a:latin typeface="微软雅黑" panose="020B0503020204020204" pitchFamily="34" charset="-122"/>
+              <a:ea typeface="微软雅黑" panose="020B0503020204020204" pitchFamily="34" charset="-122"/>
+              <a:cs typeface="微软雅黑" panose="020B0503020204020204" pitchFamily="34" charset="-122"/>
+            </a:endParaRPr>
+          </a:p>
+          <a:p>
+            <a:pPr algn="l"/>
+            <a:r>
+              <a:rPr lang="zh-CN" sz="2400">
+                <a:latin typeface="微软雅黑" panose="020B0503020204020204" pitchFamily="34" charset="-122"/>
+                <a:ea typeface="微软雅黑" panose="020B0503020204020204" pitchFamily="34" charset="-122"/>
+                <a:cs typeface="微软雅黑" panose="020B0503020204020204" pitchFamily="34" charset="-122"/>
+              </a:rPr>
+              <a:t>尤其适合大批量的实验数据分析和探索性的数据挖掘</a:t>
+            </a:r>
+            <a:endParaRPr lang="zh-CN" sz="2400">
+              <a:latin typeface="微软雅黑" panose="020B0503020204020204" pitchFamily="34" charset="-122"/>
+              <a:ea typeface="微软雅黑" panose="020B0503020204020204" pitchFamily="34" charset="-122"/>
+              <a:cs typeface="微软雅黑" panose="020B0503020204020204" pitchFamily="34" charset="-122"/>
+            </a:endParaRPr>
+          </a:p>
+        </p:txBody>
+      </p:sp>
+    </p:spTree>
+    <p:custDataLst>
+      <p:tags r:id="rId3"/>
+    </p:custDataLst>
+  </p:cSld>
+  <p:clrMapOvr>
+    <a:masterClrMapping/>
+  </p:clrMapOvr>
+</p:sld>
+</file>
+
+<file path=ppt/tags/tag1.xml><?xml version="1.0" encoding="utf-8"?>
+<p:tagLst xmlns:p="http://schemas.openxmlformats.org/presentationml/2006/main">
+  <p:tag name="KSO_WM_UNIT_HIGHLIGHT" val="0"/>
+  <p:tag name="KSO_WM_UNIT_COMPATIBLE" val="0"/>
+  <p:tag name="KSO_WM_UNIT_DIAGRAM_ISNUMVISUAL" val="0"/>
+  <p:tag name="KSO_WM_UNIT_DIAGRAM_ISREFERUNIT" val="0"/>
+  <p:tag name="KSO_WM_UNIT_TYPE" val="i"/>
+  <p:tag name="KSO_WM_UNIT_INDEX" val="2"/>
+  <p:tag name="KSO_WM_UNIT_ID" val="diagram20203751_1*i*2"/>
+  <p:tag name="KSO_WM_TEMPLATE_CATEGORY" val="diagram"/>
+  <p:tag name="KSO_WM_TEMPLATE_INDEX" val="20203751"/>
+  <p:tag name="KSO_WM_UNIT_LAYERLEVEL" val="1"/>
+  <p:tag name="KSO_WM_TAG_VERSION" val="1.0"/>
+  <p:tag name="KSO_WM_BEAUTIFY_FLAG" val="#wm#"/>
+</p:tagLst>
+</file>
+
+<file path=ppt/tags/tag10.xml><?xml version="1.0" encoding="utf-8"?>
+<p:tagLst xmlns:p="http://schemas.openxmlformats.org/presentationml/2006/main">
+  <p:tag name="KSO_WM_BEAUTIFY_FLAG" val=""/>
+</p:tagLst>
+</file>
+
+<file path=ppt/tags/tag11.xml><?xml version="1.0" encoding="utf-8"?>
+<p:tagLst xmlns:p="http://schemas.openxmlformats.org/presentationml/2006/main">
+  <p:tag name="KSO_WM_SLIDE_ID" val="diagram20203751_1"/>
+  <p:tag name="KSO_WM_TEMPLATE_SUBCATEGORY" val="0"/>
+  <p:tag name="KSO_WM_TEMPLATE_MASTER_TYPE" val="0"/>
+  <p:tag name="KSO_WM_TEMPLATE_COLOR_TYPE" val="1"/>
+  <p:tag name="KSO_WM_SLIDE_TYPE" val="text"/>
+  <p:tag name="KSO_WM_SLIDE_SUBTYPE" val="pureTxt"/>
+  <p:tag name="KSO_WM_SLIDE_ITEM_CNT" val="0"/>
+  <p:tag name="KSO_WM_SLIDE_INDEX" val="1"/>
+  <p:tag name="KSO_WM_SLIDE_SIZE" val="960*466"/>
+  <p:tag name="KSO_WM_SLIDE_POSITION" val="0*74"/>
+  <p:tag name="KSO_WM_TAG_VERSION" val="1.0"/>
+  <p:tag name="KSO_WM_BEAUTIFY_FLAG" val="#wm#"/>
+  <p:tag name="KSO_WM_TEMPLATE_CATEGORY" val="diagram"/>
+  <p:tag name="KSO_WM_TEMPLATE_INDEX" val="20203751"/>
+  <p:tag name="KSO_WM_SLIDE_LAYOUT" val="f"/>
+  <p:tag name="KSO_WM_SLIDE_LAYOUT_CNT" val="1"/>
+</p:tagLst>
+</file>
+
+<file path=ppt/tags/tag12.xml><?xml version="1.0" encoding="utf-8"?>
+<p:tagLst xmlns:p="http://schemas.openxmlformats.org/presentationml/2006/main">
+  <p:tag name="KSO_WM_BEAUTIFY_FLAG" val=""/>
+  <p:tag name="KSO_WM_UNIT_PLACING_PICTURE_USER_VIEWPORT" val="{&quot;height&quot;:8640,&quot;width&quot;:19200}"/>
+</p:tagLst>
+</file>
+
+<file path=ppt/tags/tag13.xml><?xml version="1.0" encoding="utf-8"?>
+<p:tagLst xmlns:p="http://schemas.openxmlformats.org/presentationml/2006/main">
+  <p:tag name="KSO_WM_SLIDE_ID" val="diagram20203751_1"/>
+  <p:tag name="KSO_WM_TEMPLATE_SUBCATEGORY" val="0"/>
+  <p:tag name="KSO_WM_TEMPLATE_MASTER_TYPE" val="0"/>
+  <p:tag name="KSO_WM_TEMPLATE_COLOR_TYPE" val="1"/>
+  <p:tag name="KSO_WM_SLIDE_TYPE" val="text"/>
+  <p:tag name="KSO_WM_SLIDE_SUBTYPE" val="pureTxt"/>
+  <p:tag name="KSO_WM_SLIDE_ITEM_CNT" val="0"/>
+  <p:tag name="KSO_WM_SLIDE_INDEX" val="1"/>
+  <p:tag name="KSO_WM_SLIDE_SIZE" val="960*466"/>
+  <p:tag name="KSO_WM_SLIDE_POSITION" val="0*74"/>
+  <p:tag name="KSO_WM_TAG_VERSION" val="1.0"/>
+  <p:tag name="KSO_WM_BEAUTIFY_FLAG" val="#wm#"/>
+  <p:tag name="KSO_WM_TEMPLATE_CATEGORY" val="diagram"/>
+  <p:tag name="KSO_WM_TEMPLATE_INDEX" val="20203751"/>
+  <p:tag name="KSO_WM_SLIDE_LAYOUT" val="f"/>
+  <p:tag name="KSO_WM_SLIDE_LAYOUT_CNT" val="1"/>
+</p:tagLst>
+</file>
+
+<file path=ppt/tags/tag14.xml><?xml version="1.0" encoding="utf-8"?>
+<p:tagLst xmlns:p="http://schemas.openxmlformats.org/presentationml/2006/main">
+  <p:tag name="KSO_WM_BEAUTIFY_FLAG" val=""/>
+</p:tagLst>
+</file>
+
+<file path=ppt/tags/tag15.xml><?xml version="1.0" encoding="utf-8"?>
+<p:tagLst xmlns:p="http://schemas.openxmlformats.org/presentationml/2006/main">
+  <p:tag name="KSO_WM_SLIDE_ID" val="diagram20203751_1"/>
+  <p:tag name="KSO_WM_TEMPLATE_SUBCATEGORY" val="0"/>
+  <p:tag name="KSO_WM_TEMPLATE_MASTER_TYPE" val="0"/>
+  <p:tag name="KSO_WM_TEMPLATE_COLOR_TYPE" val="1"/>
+  <p:tag name="KSO_WM_SLIDE_TYPE" val="text"/>
+  <p:tag name="KSO_WM_SLIDE_SUBTYPE" val="pureTxt"/>
+  <p:tag name="KSO_WM_SLIDE_ITEM_CNT" val="0"/>
+  <p:tag name="KSO_WM_SLIDE_INDEX" val="1"/>
+  <p:tag name="KSO_WM_SLIDE_SIZE" val="960*466"/>
+  <p:tag name="KSO_WM_SLIDE_POSITION" val="0*74"/>
+  <p:tag name="KSO_WM_TAG_VERSION" val="1.0"/>
+  <p:tag name="KSO_WM_BEAUTIFY_FLAG" val="#wm#"/>
+  <p:tag name="KSO_WM_TEMPLATE_CATEGORY" val="diagram"/>
+  <p:tag name="KSO_WM_TEMPLATE_INDEX" val="20203751"/>
+  <p:tag name="KSO_WM_SLIDE_LAYOUT" val="f"/>
+  <p:tag name="KSO_WM_SLIDE_LAYOUT_CNT" val="1"/>
+</p:tagLst>
+</file>
+
+<file path=ppt/tags/tag16.xml><?xml version="1.0" encoding="utf-8"?>
+<p:tagLst xmlns:p="http://schemas.openxmlformats.org/presentationml/2006/main">
+  <p:tag name="KSO_WM_BEAUTIFY_FLAG" val=""/>
+</p:tagLst>
+</file>
+
+<file path=ppt/tags/tag17.xml><?xml version="1.0" encoding="utf-8"?>
+<p:tagLst xmlns:p="http://schemas.openxmlformats.org/presentationml/2006/main">
+  <p:tag name="KSO_WM_SLIDE_ID" val="diagram20203751_1"/>
+  <p:tag name="KSO_WM_TEMPLATE_SUBCATEGORY" val="0"/>
+  <p:tag name="KSO_WM_TEMPLATE_MASTER_TYPE" val="0"/>
+  <p:tag name="KSO_WM_TEMPLATE_COLOR_TYPE" val="1"/>
+  <p:tag name="KSO_WM_SLIDE_TYPE" val="text"/>
+  <p:tag name="KSO_WM_SLIDE_SUBTYPE" val="pureTxt"/>
+  <p:tag name="KSO_WM_SLIDE_ITEM_CNT" val="0"/>
+  <p:tag name="KSO_WM_SLIDE_INDEX" val="1"/>
+  <p:tag name="KSO_WM_SLIDE_SIZE" val="960*466"/>
+  <p:tag name="KSO_WM_SLIDE_POSITION" val="0*74"/>
+  <p:tag name="KSO_WM_TAG_VERSION" val="1.0"/>
+  <p:tag name="KSO_WM_BEAUTIFY_FLAG" val="#wm#"/>
+  <p:tag name="KSO_WM_TEMPLATE_CATEGORY" val="diagram"/>
+  <p:tag name="KSO_WM_TEMPLATE_INDEX" val="20203751"/>
+  <p:tag name="KSO_WM_SLIDE_LAYOUT" val="f"/>
+  <p:tag name="KSO_WM_SLIDE_LAYOUT_CNT" val="1"/>
+</p:tagLst>
+</file>
+
+<file path=ppt/tags/tag18.xml><?xml version="1.0" encoding="utf-8"?>
+<p:tagLst xmlns:p="http://schemas.openxmlformats.org/presentationml/2006/main">
+  <p:tag name="KSO_WM_BEAUTIFY_FLAG" val=""/>
+</p:tagLst>
+</file>
+
+<file path=ppt/tags/tag19.xml><?xml version="1.0" encoding="utf-8"?>
+<p:tagLst xmlns:p="http://schemas.openxmlformats.org/presentationml/2006/main">
+  <p:tag name="KSO_WM_SLIDE_ID" val="diagram20203751_1"/>
+  <p:tag name="KSO_WM_TEMPLATE_SUBCATEGORY" val="0"/>
+  <p:tag name="KSO_WM_TEMPLATE_MASTER_TYPE" val="0"/>
+  <p:tag name="KSO_WM_TEMPLATE_COLOR_TYPE" val="1"/>
+  <p:tag name="KSO_WM_SLIDE_TYPE" val="text"/>
+  <p:tag name="KSO_WM_SLIDE_SUBTYPE" val="pureTxt"/>
+  <p:tag name="KSO_WM_SLIDE_ITEM_CNT" val="0"/>
+  <p:tag name="KSO_WM_SLIDE_INDEX" val="1"/>
+  <p:tag name="KSO_WM_SLIDE_SIZE" val="960*466"/>
+  <p:tag name="KSO_WM_SLIDE_POSITION" val="0*74"/>
+  <p:tag name="KSO_WM_TAG_VERSION" val="1.0"/>
+  <p:tag name="KSO_WM_BEAUTIFY_FLAG" val="#wm#"/>
+  <p:tag name="KSO_WM_TEMPLATE_CATEGORY" val="diagram"/>
+  <p:tag name="KSO_WM_TEMPLATE_INDEX" val="20203751"/>
+  <p:tag name="KSO_WM_SLIDE_LAYOUT" val="f"/>
+  <p:tag name="KSO_WM_SLIDE_LAYOUT_CNT" val="1"/>
+</p:tagLst>
+</file>
+
+<file path=ppt/tags/tag2.xml><?xml version="1.0" encoding="utf-8"?>
+<p:tagLst xmlns:p="http://schemas.openxmlformats.org/presentationml/2006/main">
+  <p:tag name="KSO_WM_UNIT_HIGHLIGHT" val="0"/>
+  <p:tag name="KSO_WM_UNIT_COMPATIBLE" val="0"/>
+  <p:tag name="KSO_WM_UNIT_DIAGRAM_ISNUMVISUAL" val="0"/>
+  <p:tag name="KSO_WM_UNIT_DIAGRAM_ISREFERUNIT" val="0"/>
+  <p:tag name="KSO_WM_UNIT_TYPE" val="i"/>
+  <p:tag name="KSO_WM_UNIT_INDEX" val="3"/>
+  <p:tag name="KSO_WM_UNIT_ID" val="diagram20203751_1*i*3"/>
+  <p:tag name="KSO_WM_TEMPLATE_CATEGORY" val="diagram"/>
+  <p:tag name="KSO_WM_TEMPLATE_INDEX" val="20203751"/>
+  <p:tag name="KSO_WM_UNIT_LAYERLEVEL" val="1"/>
+  <p:tag name="KSO_WM_TAG_VERSION" val="1.0"/>
+  <p:tag name="KSO_WM_BEAUTIFY_FLAG" val="#wm#"/>
+</p:tagLst>
+</file>
+
+<file path=ppt/tags/tag20.xml><?xml version="1.0" encoding="utf-8"?>
+<p:tagLst xmlns:p="http://schemas.openxmlformats.org/presentationml/2006/main">
+  <p:tag name="KSO_WM_BEAUTIFY_FLAG" val=""/>
+</p:tagLst>
+</file>
+
+<file path=ppt/tags/tag21.xml><?xml version="1.0" encoding="utf-8"?>
+<p:tagLst xmlns:p="http://schemas.openxmlformats.org/presentationml/2006/main">
+  <p:tag name="KSO_WM_SLIDE_ID" val="diagram20203751_1"/>
+  <p:tag name="KSO_WM_TEMPLATE_SUBCATEGORY" val="0"/>
+  <p:tag name="KSO_WM_TEMPLATE_MASTER_TYPE" val="0"/>
+  <p:tag name="KSO_WM_TEMPLATE_COLOR_TYPE" val="1"/>
+  <p:tag name="KSO_WM_SLIDE_TYPE" val="text"/>
+  <p:tag name="KSO_WM_SLIDE_SUBTYPE" val="pureTxt"/>
+  <p:tag name="KSO_WM_SLIDE_ITEM_CNT" val="0"/>
+  <p:tag name="KSO_WM_SLIDE_INDEX" val="1"/>
+  <p:tag name="KSO_WM_SLIDE_SIZE" val="960*466"/>
+  <p:tag name="KSO_WM_SLIDE_POSITION" val="0*74"/>
+  <p:tag name="KSO_WM_TAG_VERSION" val="1.0"/>
+  <p:tag name="KSO_WM_BEAUTIFY_FLAG" val="#wm#"/>
+  <p:tag name="KSO_WM_TEMPLATE_CATEGORY" val="diagram"/>
+  <p:tag name="KSO_WM_TEMPLATE_INDEX" val="20203751"/>
+  <p:tag name="KSO_WM_SLIDE_LAYOUT" val="f"/>
+  <p:tag name="KSO_WM_SLIDE_LAYOUT_CNT" val="1"/>
+</p:tagLst>
+</file>
+
+<file path=ppt/tags/tag22.xml><?xml version="1.0" encoding="utf-8"?>
+<p:tagLst xmlns:p="http://schemas.openxmlformats.org/presentationml/2006/main">
+  <p:tag name="KSO_WM_BEAUTIFY_FLAG" val=""/>
+</p:tagLst>
+</file>
+
+<file path=ppt/tags/tag23.xml><?xml version="1.0" encoding="utf-8"?>
+<p:tagLst xmlns:p="http://schemas.openxmlformats.org/presentationml/2006/main">
+  <p:tag name="KSO_WM_SLIDE_ID" val="diagram20203751_1"/>
+  <p:tag name="KSO_WM_TEMPLATE_SUBCATEGORY" val="0"/>
+  <p:tag name="KSO_WM_TEMPLATE_MASTER_TYPE" val="0"/>
+  <p:tag name="KSO_WM_TEMPLATE_COLOR_TYPE" val="1"/>
+  <p:tag name="KSO_WM_SLIDE_TYPE" val="text"/>
+  <p:tag name="KSO_WM_SLIDE_SUBTYPE" val="pureTxt"/>
+  <p:tag name="KSO_WM_SLIDE_ITEM_CNT" val="0"/>
+  <p:tag name="KSO_WM_SLIDE_INDEX" val="1"/>
+  <p:tag name="KSO_WM_SLIDE_SIZE" val="960*466"/>
+  <p:tag name="KSO_WM_SLIDE_POSITION" val="0*74"/>
+  <p:tag name="KSO_WM_TAG_VERSION" val="1.0"/>
+  <p:tag name="KSO_WM_BEAUTIFY_FLAG" val="#wm#"/>
+  <p:tag name="KSO_WM_TEMPLATE_CATEGORY" val="diagram"/>
+  <p:tag name="KSO_WM_TEMPLATE_INDEX" val="20203751"/>
+  <p:tag name="KSO_WM_SLIDE_LAYOUT" val="f"/>
+  <p:tag name="KSO_WM_SLIDE_LAYOUT_CNT" val="1"/>
+</p:tagLst>
+</file>
+
+<file path=ppt/tags/tag24.xml><?xml version="1.0" encoding="utf-8"?>
+<p:tagLst xmlns:p="http://schemas.openxmlformats.org/presentationml/2006/main">
+  <p:tag name="KSO_WM_BEAUTIFY_FLAG" val=""/>
+</p:tagLst>
+</file>
+
+<file path=ppt/tags/tag25.xml><?xml version="1.0" encoding="utf-8"?>
+<p:tagLst xmlns:p="http://schemas.openxmlformats.org/presentationml/2006/main">
+  <p:tag name="KSO_WM_SLIDE_ID" val="diagram20203751_1"/>
+  <p:tag name="KSO_WM_TEMPLATE_SUBCATEGORY" val="0"/>
+  <p:tag name="KSO_WM_TEMPLATE_MASTER_TYPE" val="0"/>
+  <p:tag name="KSO_WM_TEMPLATE_COLOR_TYPE" val="1"/>
+  <p:tag name="KSO_WM_SLIDE_TYPE" val="text"/>
+  <p:tag name="KSO_WM_SLIDE_SUBTYPE" val="pureTxt"/>
+  <p:tag name="KSO_WM_SLIDE_ITEM_CNT" val="0"/>
+  <p:tag name="KSO_WM_SLIDE_INDEX" val="1"/>
+  <p:tag name="KSO_WM_SLIDE_SIZE" val="960*466"/>
+  <p:tag name="KSO_WM_SLIDE_POSITION" val="0*74"/>
+  <p:tag name="KSO_WM_TAG_VERSION" val="1.0"/>
+  <p:tag name="KSO_WM_BEAUTIFY_FLAG" val="#wm#"/>
+  <p:tag name="KSO_WM_TEMPLATE_CATEGORY" val="diagram"/>
+  <p:tag name="KSO_WM_TEMPLATE_INDEX" val="20203751"/>
+  <p:tag name="KSO_WM_SLIDE_LAYOUT" val="f"/>
+  <p:tag name="KSO_WM_SLIDE_LAYOUT_CNT" val="1"/>
+</p:tagLst>
+</file>
+
+<file path=ppt/tags/tag26.xml><?xml version="1.0" encoding="utf-8"?>
+<p:tagLst xmlns:p="http://schemas.openxmlformats.org/presentationml/2006/main">
+  <p:tag name="KSO_WM_SLIDE_ID" val="diagram20203751_1"/>
+  <p:tag name="KSO_WM_TEMPLATE_SUBCATEGORY" val="0"/>
+  <p:tag name="KSO_WM_TEMPLATE_MASTER_TYPE" val="0"/>
+  <p:tag name="KSO_WM_TEMPLATE_COLOR_TYPE" val="1"/>
+  <p:tag name="KSO_WM_SLIDE_TYPE" val="text"/>
+  <p:tag name="KSO_WM_SLIDE_SUBTYPE" val="pureTxt"/>
+  <p:tag name="KSO_WM_SLIDE_ITEM_CNT" val="0"/>
+  <p:tag name="KSO_WM_SLIDE_INDEX" val="1"/>
+  <p:tag name="KSO_WM_SLIDE_SIZE" val="960*466"/>
+  <p:tag name="KSO_WM_SLIDE_POSITION" val="0*74"/>
+  <p:tag name="KSO_WM_TAG_VERSION" val="1.0"/>
+  <p:tag name="KSO_WM_BEAUTIFY_FLAG" val="#wm#"/>
+  <p:tag name="KSO_WM_TEMPLATE_CATEGORY" val="diagram"/>
+  <p:tag name="KSO_WM_TEMPLATE_INDEX" val="20203751"/>
+  <p:tag name="KSO_WM_SLIDE_LAYOUT" val="f"/>
+  <p:tag name="KSO_WM_SLIDE_LAYOUT_CNT" val="1"/>
+</p:tagLst>
+</file>
+
+<file path=ppt/tags/tag27.xml><?xml version="1.0" encoding="utf-8"?>
+<p:tagLst xmlns:p="http://schemas.openxmlformats.org/presentationml/2006/main">
+  <p:tag name="KSO_WPP_MARK_KEY" val="6b7c9d6b-4b97-4f00-a853-8e9320180f2c"/>
+  <p:tag name="COMMONDATA" val="eyJoZGlkIjoiZmQyMTI0NmEyZmUyMzcxOWU1NzNmODBlODkwODQ5ZmUifQ=="/>
+</p:tagLst>
+</file>
+
+<file path=ppt/tags/tag3.xml><?xml version="1.0" encoding="utf-8"?>
+<p:tagLst xmlns:p="http://schemas.openxmlformats.org/presentationml/2006/main">
+  <p:tag name="KSO_WM_UNIT_HIGHLIGHT" val="0"/>
+  <p:tag name="KSO_WM_UNIT_COMPATIBLE" val="0"/>
+  <p:tag name="KSO_WM_UNIT_DIAGRAM_ISNUMVISUAL" val="0"/>
+  <p:tag name="KSO_WM_UNIT_DIAGRAM_ISREFERUNIT" val="0"/>
+  <p:tag name="KSO_WM_UNIT_TYPE" val="i"/>
+  <p:tag name="KSO_WM_UNIT_INDEX" val="5"/>
+  <p:tag name="KSO_WM_UNIT_ID" val="diagram20203751_1*i*5"/>
+  <p:tag name="KSO_WM_TEMPLATE_CATEGORY" val="diagram"/>
+  <p:tag name="KSO_WM_TEMPLATE_INDEX" val="20203751"/>
+  <p:tag name="KSO_WM_UNIT_LAYERLEVEL" val="1"/>
+  <p:tag name="KSO_WM_TAG_VERSION" val="1.0"/>
+  <p:tag name="KSO_WM_BEAUTIFY_FLAG" val="#wm#"/>
+</p:tagLst>
+</file>
+
+<file path=ppt/tags/tag4.xml><?xml version="1.0" encoding="utf-8"?>
+<p:tagLst xmlns:p="http://schemas.openxmlformats.org/presentationml/2006/main">
+  <p:tag name="KSO_WM_UNIT_HIGHLIGHT" val="0"/>
+  <p:tag name="KSO_WM_UNIT_COMPATIBLE" val="0"/>
+  <p:tag name="KSO_WM_UNIT_DIAGRAM_ISNUMVISUAL" val="0"/>
+  <p:tag name="KSO_WM_UNIT_DIAGRAM_ISREFERUNIT" val="0"/>
+  <p:tag name="KSO_WM_UNIT_TYPE" val="i"/>
+  <p:tag name="KSO_WM_UNIT_INDEX" val="6"/>
+  <p:tag name="KSO_WM_UNIT_ID" val="diagram20203751_1*i*6"/>
+  <p:tag name="KSO_WM_TEMPLATE_CATEGORY" val="diagram"/>
+  <p:tag name="KSO_WM_TEMPLATE_INDEX" val="20203751"/>
+  <p:tag name="KSO_WM_UNIT_LAYERLEVEL" val="1"/>
+  <p:tag name="KSO_WM_TAG_VERSION" val="1.0"/>
+  <p:tag name="KSO_WM_BEAUTIFY_FLAG" val="#wm#"/>
+</p:tagLst>
+</file>
+
+<file path=ppt/tags/tag5.xml><?xml version="1.0" encoding="utf-8"?>
+<p:tagLst xmlns:p="http://schemas.openxmlformats.org/presentationml/2006/main">
+  <p:tag name="KSO_WM_UNIT_HIGHLIGHT" val="0"/>
+  <p:tag name="KSO_WM_UNIT_COMPATIBLE" val="0"/>
+  <p:tag name="KSO_WM_UNIT_DIAGRAM_ISNUMVISUAL" val="0"/>
+  <p:tag name="KSO_WM_UNIT_DIAGRAM_ISREFERUNIT" val="0"/>
+  <p:tag name="KSO_WM_UNIT_TYPE" val="i"/>
+  <p:tag name="KSO_WM_UNIT_INDEX" val="7"/>
+  <p:tag name="KSO_WM_UNIT_ID" val="diagram20203751_1*i*7"/>
+  <p:tag name="KSO_WM_TEMPLATE_CATEGORY" val="diagram"/>
+  <p:tag name="KSO_WM_TEMPLATE_INDEX" val="20203751"/>
+  <p:tag name="KSO_WM_UNIT_LAYERLEVEL" val="1"/>
+  <p:tag name="KSO_WM_TAG_VERSION" val="1.0"/>
+  <p:tag name="KSO_WM_BEAUTIFY_FLAG" val="#wm#"/>
+</p:tagLst>
+</file>
+
+<file path=ppt/tags/tag6.xml><?xml version="1.0" encoding="utf-8"?>
+<p:tagLst xmlns:p="http://schemas.openxmlformats.org/presentationml/2006/main">
+  <p:tag name="KSO_WM_UNIT_HIGHLIGHT" val="0"/>
+  <p:tag name="KSO_WM_UNIT_COMPATIBLE" val="0"/>
+  <p:tag name="KSO_WM_UNIT_DIAGRAM_ISNUMVISUAL" val="0"/>
+  <p:tag name="KSO_WM_UNIT_DIAGRAM_ISREFERUNIT" val="0"/>
+  <p:tag name="KSO_WM_UNIT_TYPE" val="i"/>
+  <p:tag name="KSO_WM_UNIT_INDEX" val="8"/>
+  <p:tag name="KSO_WM_UNIT_ID" val="diagram20203751_1*i*8"/>
+  <p:tag name="KSO_WM_TEMPLATE_CATEGORY" val="diagram"/>
+  <p:tag name="KSO_WM_TEMPLATE_INDEX" val="20203751"/>
+  <p:tag name="KSO_WM_UNIT_LAYERLEVEL" val="1"/>
+  <p:tag name="KSO_WM_TAG_VERSION" val="1.0"/>
+  <p:tag name="KSO_WM_BEAUTIFY_FLAG" val="#wm#"/>
+</p:tagLst>
+</file>
+
+<file path=ppt/tags/tag7.xml><?xml version="1.0" encoding="utf-8"?>
+<p:tagLst xmlns:p="http://schemas.openxmlformats.org/presentationml/2006/main">
+  <p:tag name="KSO_WM_UNIT_HIGHLIGHT" val="0"/>
+  <p:tag name="KSO_WM_UNIT_COMPATIBLE" val="0"/>
+  <p:tag name="KSO_WM_UNIT_DIAGRAM_ISNUMVISUAL" val="0"/>
+  <p:tag name="KSO_WM_UNIT_DIAGRAM_ISREFERUNIT" val="0"/>
+  <p:tag name="KSO_WM_UNIT_TYPE" val="i"/>
+  <p:tag name="KSO_WM_UNIT_INDEX" val="9"/>
+  <p:tag name="KSO_WM_UNIT_ID" val="diagram20203751_1*i*9"/>
+  <p:tag name="KSO_WM_TEMPLATE_CATEGORY" val="diagram"/>
+  <p:tag name="KSO_WM_TEMPLATE_INDEX" val="20203751"/>
+  <p:tag name="KSO_WM_UNIT_LAYERLEVEL" val="1"/>
+  <p:tag name="KSO_WM_TAG_VERSION" val="1.0"/>
+  <p:tag name="KSO_WM_BEAUTIFY_FLAG" val="#wm#"/>
+</p:tagLst>
+</file>
+
+<file path=ppt/tags/tag8.xml><?xml version="1.0" encoding="utf-8"?>
+<p:tagLst xmlns:p="http://schemas.openxmlformats.org/presentationml/2006/main">
+  <p:tag name="KSO_WM_UNIT_TEXT_PART_ID_V2" val="a-1-2"/>
+  <p:tag name="KSO_WM_UNIT_COLOR_SCHEME_SHAPE_ID" val="16"/>
+  <p:tag name="KSO_WM_UNIT_COLOR_SCHEME_PARENT_PAGE" val="0_1"/>
+  <p:tag name="KSO_WM_UNIT_ISCONTENTSTITLE" val="0"/>
+  <p:tag name="KSO_WM_UNIT_PRESET_TEXT" val="单击此处添加文本具体内容，简明扼要的阐述您的观点"/>
+  <p:tag name="KSO_WM_UNIT_NOCLEAR" val="0"/>
+  <p:tag name="KSO_WM_UNIT_VALUE" val="32"/>
+  <p:tag name="KSO_WM_UNIT_HIGHLIGHT" val="0"/>
+  <p:tag name="KSO_WM_UNIT_COMPATIBLE" val="0"/>
+  <p:tag name="KSO_WM_UNIT_DIAGRAM_ISNUMVISUAL" val="0"/>
+  <p:tag name="KSO_WM_UNIT_DIAGRAM_ISREFERUNIT" val="0"/>
+  <p:tag name="KSO_WM_UNIT_TYPE" val="f"/>
+  <p:tag name="KSO_WM_UNIT_INDEX" val="1"/>
+  <p:tag name="KSO_WM_UNIT_ID" val="diagram20203751_1*f*1"/>
+  <p:tag name="KSO_WM_TEMPLATE_CATEGORY" val="diagram"/>
+  <p:tag name="KSO_WM_TEMPLATE_INDEX" val="20203751"/>
+  <p:tag name="KSO_WM_UNIT_LAYERLEVEL" val="1"/>
+  <p:tag name="KSO_WM_TAG_VERSION" val="1.0"/>
+  <p:tag name="KSO_WM_BEAUTIFY_FLAG" val="#wm#"/>
+  <p:tag name="KSO_WM_UNIT_SUBTYPE" val="a"/>
+</p:tagLst>
+</file>
+
+<file path=ppt/tags/tag9.xml><?xml version="1.0" encoding="utf-8"?>
+<p:tagLst xmlns:p="http://schemas.openxmlformats.org/presentationml/2006/main">
+  <p:tag name="KSO_WM_SLIDE_ID" val="diagram20203751_1"/>
+  <p:tag name="KSO_WM_TEMPLATE_SUBCATEGORY" val="0"/>
+  <p:tag name="KSO_WM_TEMPLATE_MASTER_TYPE" val="0"/>
+  <p:tag name="KSO_WM_TEMPLATE_COLOR_TYPE" val="1"/>
+  <p:tag name="KSO_WM_SLIDE_TYPE" val="text"/>
+  <p:tag name="KSO_WM_SLIDE_SUBTYPE" val="pureTxt"/>
+  <p:tag name="KSO_WM_SLIDE_ITEM_CNT" val="0"/>
+  <p:tag name="KSO_WM_SLIDE_INDEX" val="1"/>
+  <p:tag name="KSO_WM_SLIDE_SIZE" val="960*466"/>
+  <p:tag name="KSO_WM_SLIDE_POSITION" val="0*74"/>
+  <p:tag name="KSO_WM_TAG_VERSION" val="1.0"/>
+  <p:tag name="KSO_WM_BEAUTIFY_FLAG" val="#wm#"/>
+  <p:tag name="KSO_WM_TEMPLATE_CATEGORY" val="diagram"/>
+  <p:tag name="KSO_WM_TEMPLATE_INDEX" val="20203751"/>
+  <p:tag name="KSO_WM_SLIDE_LAYOUT" val="f"/>
+  <p:tag name="KSO_WM_SLIDE_LAYOUT_CNT" val="1"/>
+</p:tagLst>
 </file>
 
 <file path=ppt/theme/theme1.xml><?xml version="1.0" encoding="utf-8"?>
@@ -4803,7 +6999,7 @@
     </a:clrScheme>
     <a:fontScheme name="Office">
       <a:majorFont>
-        <a:latin typeface="Calibri Light" panose="020F0302020204030204"/>
+        <a:latin typeface="Calibri Light"/>
         <a:ea typeface=""/>
         <a:cs typeface=""/>
         <a:font script="Jpan" typeface="ＭＳ Ｐゴシック"/>
@@ -4838,7 +7034,7 @@
         <a:font script="Geor" typeface="Sylfaen"/>
       </a:majorFont>
       <a:minorFont>
-        <a:latin typeface="Calibri" panose="020F0502020204030204"/>
+        <a:latin typeface="Calibri"/>
         <a:ea typeface=""/>
         <a:cs typeface=""/>
         <a:font script="Jpan" typeface="ＭＳ Ｐゴシック"/>
@@ -5011,8 +7207,6 @@
       </a:bgFillStyleLst>
     </a:fmtScheme>
   </a:themeElements>
-  <a:objectDefaults/>
-  <a:extraClrSchemeLst/>
   <a:extLst>
     <a:ext uri="{05A4C25C-085E-4340-85A3-A5531E510DB2}">
       <thm15:themeFamily xmlns:thm15="http://schemas.microsoft.com/office/thememl/2012/main" name="Office Theme" id="{62F939B6-93AF-4DB8-9C6B-D6C7DFDC589F}" vid="{4A3C46E8-61CC-4603-A589-7422A47A8E4A}"/>

--- a/doc/DataWorkFlow-chart.pptx
+++ b/doc/DataWorkFlow-chart.pptx
@@ -5,23 +5,26 @@
     <p:sldMasterId id="2147483648" r:id="rId1"/>
   </p:sldMasterIdLst>
   <p:sldIdLst>
-    <p:sldId id="256" r:id="rId3"/>
-    <p:sldId id="258" r:id="rId4"/>
-    <p:sldId id="260" r:id="rId5"/>
-    <p:sldId id="261" r:id="rId6"/>
-    <p:sldId id="265" r:id="rId7"/>
-    <p:sldId id="262" r:id="rId8"/>
-    <p:sldId id="263" r:id="rId9"/>
-    <p:sldId id="264" r:id="rId10"/>
-    <p:sldId id="266" r:id="rId11"/>
-    <p:sldId id="267" r:id="rId12"/>
-    <p:sldId id="268" r:id="rId13"/>
-    <p:sldId id="269" r:id="rId14"/>
+    <p:sldId id="260" r:id="rId3"/>
+    <p:sldId id="261" r:id="rId4"/>
+    <p:sldId id="265" r:id="rId5"/>
+    <p:sldId id="262" r:id="rId6"/>
+    <p:sldId id="263" r:id="rId7"/>
+    <p:sldId id="273" r:id="rId8"/>
+    <p:sldId id="264" r:id="rId9"/>
+    <p:sldId id="266" r:id="rId10"/>
+    <p:sldId id="267" r:id="rId11"/>
+    <p:sldId id="268" r:id="rId12"/>
+    <p:sldId id="274" r:id="rId13"/>
+    <p:sldId id="275" r:id="rId14"/>
+    <p:sldId id="276" r:id="rId15"/>
+    <p:sldId id="277" r:id="rId16"/>
+    <p:sldId id="269" r:id="rId17"/>
   </p:sldIdLst>
   <p:sldSz cx="12192000" cy="6858000"/>
   <p:notesSz cx="6858000" cy="9144000"/>
   <p:custDataLst>
-    <p:tags r:id="rId18"/>
+    <p:tags r:id="rId21"/>
   </p:custDataLst>
   <p:defaultTextStyle>
     <a:defPPr>
@@ -2937,222 +2940,657 @@
       </p:grpSpPr>
       <p:sp>
         <p:nvSpPr>
-          <p:cNvPr id="4" name="矩形 3"/>
+          <p:cNvPr id="14" name="任意多边形: 形状 11"/>
           <p:cNvSpPr/>
-          <p:nvPr/>
+          <p:nvPr>
+            <p:custDataLst>
+              <p:tags r:id="rId1"/>
+            </p:custDataLst>
+          </p:nvPr>
         </p:nvSpPr>
         <p:spPr>
-          <a:xfrm>
-            <a:off x="1126434" y="861391"/>
-            <a:ext cx="10323443" cy="927652"/>
+          <a:xfrm rot="10800000">
+            <a:off x="10774045" y="4718050"/>
+            <a:ext cx="313690" cy="383540"/>
           </a:xfrm>
-          <a:prstGeom prst="rect">
+          <a:custGeom>
             <a:avLst/>
-          </a:prstGeom>
+            <a:gdLst>
+              <a:gd name="connsiteX0" fmla="*/ 174788 w 340237"/>
+              <a:gd name="connsiteY0" fmla="*/ 0 h 415819"/>
+              <a:gd name="connsiteX1" fmla="*/ 340237 w 340237"/>
+              <a:gd name="connsiteY1" fmla="*/ 0 h 415819"/>
+              <a:gd name="connsiteX2" fmla="*/ 241322 w 340237"/>
+              <a:gd name="connsiteY2" fmla="*/ 415819 h 415819"/>
+              <a:gd name="connsiteX3" fmla="*/ 0 w 340237"/>
+              <a:gd name="connsiteY3" fmla="*/ 415819 h 415819"/>
+            </a:gdLst>
+            <a:ahLst/>
+            <a:cxnLst>
+              <a:cxn ang="0">
+                <a:pos x="connsiteX0" y="connsiteY0"/>
+              </a:cxn>
+              <a:cxn ang="0">
+                <a:pos x="connsiteX1" y="connsiteY1"/>
+              </a:cxn>
+              <a:cxn ang="0">
+                <a:pos x="connsiteX2" y="connsiteY2"/>
+              </a:cxn>
+              <a:cxn ang="0">
+                <a:pos x="connsiteX3" y="connsiteY3"/>
+              </a:cxn>
+            </a:cxnLst>
+            <a:rect l="l" t="t" r="r" b="b"/>
+            <a:pathLst>
+              <a:path w="340237" h="415819">
+                <a:moveTo>
+                  <a:pt x="174788" y="0"/>
+                </a:moveTo>
+                <a:lnTo>
+                  <a:pt x="340237" y="0"/>
+                </a:lnTo>
+                <a:lnTo>
+                  <a:pt x="241322" y="415819"/>
+                </a:lnTo>
+                <a:lnTo>
+                  <a:pt x="0" y="415819"/>
+                </a:lnTo>
+                <a:close/>
+              </a:path>
+            </a:pathLst>
+          </a:custGeom>
+          <a:solidFill>
+            <a:srgbClr val="0E75C0">
+              <a:lumMod val="20000"/>
+              <a:lumOff val="80000"/>
+            </a:srgbClr>
+          </a:solidFill>
+          <a:ln>
+            <a:noFill/>
+          </a:ln>
         </p:spPr>
         <p:style>
           <a:lnRef idx="2">
-            <a:schemeClr val="accent5">
+            <a:srgbClr val="54B0F2">
               <a:shade val="50000"/>
-            </a:schemeClr>
+            </a:srgbClr>
           </a:lnRef>
           <a:fillRef idx="1">
-            <a:schemeClr val="accent5"/>
+            <a:srgbClr val="54B0F2"/>
           </a:fillRef>
           <a:effectRef idx="0">
-            <a:schemeClr val="accent5"/>
+            <a:srgbClr val="54B0F2"/>
           </a:effectRef>
           <a:fontRef idx="minor">
-            <a:schemeClr val="lt1"/>
+            <a:sysClr val="window" lastClr="FFFFFF"/>
           </a:fontRef>
         </p:style>
         <p:txBody>
-          <a:bodyPr rtlCol="0" anchor="ctr"/>
-          <a:lstStyle/>
+          <a:bodyPr wrap="square" rtlCol="0" anchor="ctr">
+            <a:noAutofit/>
+          </a:bodyPr>
           <a:p>
             <a:pPr algn="ctr"/>
-            <a:r>
-              <a:rPr lang="en-US" altLang="zh-CN" dirty="0" smtClean="0">
-                <a:solidFill>
-                  <a:schemeClr val="tx1"/>
-                </a:solidFill>
-              </a:rPr>
-              <a:t>Action Area</a:t>
-            </a:r>
-            <a:endParaRPr lang="zh-CN" altLang="en-US" dirty="0">
-              <a:solidFill>
-                <a:schemeClr val="tx1"/>
-              </a:solidFill>
+            <a:endParaRPr lang="zh-CN" altLang="en-US">
+              <a:latin typeface="Arial" panose="020B0604020202020204" pitchFamily="34" charset="0"/>
+              <a:ea typeface="微软雅黑" panose="020B0503020204020204" pitchFamily="34" charset="-122"/>
+              <a:sym typeface="Arial" panose="020B0604020202020204" pitchFamily="34" charset="0"/>
             </a:endParaRPr>
           </a:p>
         </p:txBody>
       </p:sp>
       <p:sp>
         <p:nvSpPr>
-          <p:cNvPr id="5" name="矩形 4"/>
+          <p:cNvPr id="16" name="任意多边形: 形状 12"/>
           <p:cNvSpPr/>
-          <p:nvPr/>
+          <p:nvPr>
+            <p:custDataLst>
+              <p:tags r:id="rId2"/>
+            </p:custDataLst>
+          </p:nvPr>
         </p:nvSpPr>
         <p:spPr>
-          <a:xfrm>
-            <a:off x="1126435" y="1921564"/>
-            <a:ext cx="1762539" cy="4359966"/>
+          <a:xfrm rot="10800000">
+            <a:off x="10423525" y="4718050"/>
+            <a:ext cx="313690" cy="383540"/>
           </a:xfrm>
-          <a:prstGeom prst="rect">
+          <a:custGeom>
             <a:avLst/>
-          </a:prstGeom>
+            <a:gdLst>
+              <a:gd name="connsiteX0" fmla="*/ 174788 w 340237"/>
+              <a:gd name="connsiteY0" fmla="*/ 0 h 415819"/>
+              <a:gd name="connsiteX1" fmla="*/ 340237 w 340237"/>
+              <a:gd name="connsiteY1" fmla="*/ 0 h 415819"/>
+              <a:gd name="connsiteX2" fmla="*/ 241322 w 340237"/>
+              <a:gd name="connsiteY2" fmla="*/ 415819 h 415819"/>
+              <a:gd name="connsiteX3" fmla="*/ 0 w 340237"/>
+              <a:gd name="connsiteY3" fmla="*/ 415819 h 415819"/>
+            </a:gdLst>
+            <a:ahLst/>
+            <a:cxnLst>
+              <a:cxn ang="0">
+                <a:pos x="connsiteX0" y="connsiteY0"/>
+              </a:cxn>
+              <a:cxn ang="0">
+                <a:pos x="connsiteX1" y="connsiteY1"/>
+              </a:cxn>
+              <a:cxn ang="0">
+                <a:pos x="connsiteX2" y="connsiteY2"/>
+              </a:cxn>
+              <a:cxn ang="0">
+                <a:pos x="connsiteX3" y="connsiteY3"/>
+              </a:cxn>
+            </a:cxnLst>
+            <a:rect l="l" t="t" r="r" b="b"/>
+            <a:pathLst>
+              <a:path w="340237" h="415819">
+                <a:moveTo>
+                  <a:pt x="174788" y="0"/>
+                </a:moveTo>
+                <a:lnTo>
+                  <a:pt x="340237" y="0"/>
+                </a:lnTo>
+                <a:lnTo>
+                  <a:pt x="241322" y="415819"/>
+                </a:lnTo>
+                <a:lnTo>
+                  <a:pt x="0" y="415819"/>
+                </a:lnTo>
+                <a:close/>
+              </a:path>
+            </a:pathLst>
+          </a:custGeom>
+          <a:solidFill>
+            <a:srgbClr val="0E75C0">
+              <a:lumMod val="20000"/>
+              <a:lumOff val="80000"/>
+            </a:srgbClr>
+          </a:solidFill>
+          <a:ln>
+            <a:noFill/>
+          </a:ln>
         </p:spPr>
         <p:style>
           <a:lnRef idx="2">
-            <a:schemeClr val="accent3">
+            <a:srgbClr val="54B0F2">
               <a:shade val="50000"/>
-            </a:schemeClr>
+            </a:srgbClr>
           </a:lnRef>
           <a:fillRef idx="1">
-            <a:schemeClr val="accent3"/>
+            <a:srgbClr val="54B0F2"/>
           </a:fillRef>
           <a:effectRef idx="0">
-            <a:schemeClr val="accent3"/>
+            <a:srgbClr val="54B0F2"/>
           </a:effectRef>
           <a:fontRef idx="minor">
-            <a:schemeClr val="lt1"/>
+            <a:sysClr val="window" lastClr="FFFFFF"/>
           </a:fontRef>
         </p:style>
         <p:txBody>
-          <a:bodyPr rtlCol="0" anchor="ctr"/>
-          <a:lstStyle/>
+          <a:bodyPr wrap="square" rtlCol="0" anchor="ctr">
+            <a:noAutofit/>
+          </a:bodyPr>
           <a:p>
             <a:pPr algn="ctr"/>
-            <a:r>
-              <a:rPr lang="en-US" altLang="zh-CN" b="1" dirty="0" smtClean="0">
-                <a:solidFill>
-                  <a:schemeClr val="tx1"/>
-                </a:solidFill>
-              </a:rPr>
-              <a:t>Guide Area</a:t>
-            </a:r>
-            <a:endParaRPr lang="zh-CN" altLang="en-US" b="1" dirty="0">
-              <a:solidFill>
-                <a:schemeClr val="tx1"/>
-              </a:solidFill>
+            <a:endParaRPr lang="zh-CN" altLang="en-US">
+              <a:latin typeface="Arial" panose="020B0604020202020204" pitchFamily="34" charset="0"/>
+              <a:ea typeface="微软雅黑" panose="020B0503020204020204" pitchFamily="34" charset="-122"/>
+              <a:sym typeface="Arial" panose="020B0604020202020204" pitchFamily="34" charset="0"/>
             </a:endParaRPr>
           </a:p>
         </p:txBody>
       </p:sp>
       <p:sp>
         <p:nvSpPr>
-          <p:cNvPr id="6" name="矩形 5"/>
+          <p:cNvPr id="26" name="任意多边形: 形状 14"/>
           <p:cNvSpPr/>
-          <p:nvPr/>
+          <p:nvPr>
+            <p:custDataLst>
+              <p:tags r:id="rId3"/>
+            </p:custDataLst>
+          </p:nvPr>
         </p:nvSpPr>
         <p:spPr>
           <a:xfrm>
-            <a:off x="2994991" y="1921564"/>
-            <a:ext cx="6586331" cy="4359966"/>
+            <a:off x="1113790" y="949325"/>
+            <a:ext cx="313690" cy="383540"/>
           </a:xfrm>
-          <a:prstGeom prst="rect">
+          <a:custGeom>
             <a:avLst/>
-          </a:prstGeom>
+            <a:gdLst>
+              <a:gd name="connsiteX0" fmla="*/ 174788 w 340237"/>
+              <a:gd name="connsiteY0" fmla="*/ 0 h 415819"/>
+              <a:gd name="connsiteX1" fmla="*/ 340237 w 340237"/>
+              <a:gd name="connsiteY1" fmla="*/ 0 h 415819"/>
+              <a:gd name="connsiteX2" fmla="*/ 241322 w 340237"/>
+              <a:gd name="connsiteY2" fmla="*/ 415819 h 415819"/>
+              <a:gd name="connsiteX3" fmla="*/ 0 w 340237"/>
+              <a:gd name="connsiteY3" fmla="*/ 415819 h 415819"/>
+            </a:gdLst>
+            <a:ahLst/>
+            <a:cxnLst>
+              <a:cxn ang="0">
+                <a:pos x="connsiteX0" y="connsiteY0"/>
+              </a:cxn>
+              <a:cxn ang="0">
+                <a:pos x="connsiteX1" y="connsiteY1"/>
+              </a:cxn>
+              <a:cxn ang="0">
+                <a:pos x="connsiteX2" y="connsiteY2"/>
+              </a:cxn>
+              <a:cxn ang="0">
+                <a:pos x="connsiteX3" y="connsiteY3"/>
+              </a:cxn>
+            </a:cxnLst>
+            <a:rect l="l" t="t" r="r" b="b"/>
+            <a:pathLst>
+              <a:path w="340237" h="415819">
+                <a:moveTo>
+                  <a:pt x="174788" y="0"/>
+                </a:moveTo>
+                <a:lnTo>
+                  <a:pt x="340237" y="0"/>
+                </a:lnTo>
+                <a:lnTo>
+                  <a:pt x="241322" y="415819"/>
+                </a:lnTo>
+                <a:lnTo>
+                  <a:pt x="0" y="415819"/>
+                </a:lnTo>
+                <a:close/>
+              </a:path>
+            </a:pathLst>
+          </a:custGeom>
+          <a:solidFill>
+            <a:srgbClr val="0E75C0">
+              <a:lumMod val="20000"/>
+              <a:lumOff val="80000"/>
+            </a:srgbClr>
+          </a:solidFill>
+          <a:ln>
+            <a:noFill/>
+          </a:ln>
         </p:spPr>
         <p:style>
           <a:lnRef idx="2">
-            <a:schemeClr val="accent6">
+            <a:srgbClr val="54B0F2">
               <a:shade val="50000"/>
-            </a:schemeClr>
+            </a:srgbClr>
           </a:lnRef>
           <a:fillRef idx="1">
-            <a:schemeClr val="accent6"/>
+            <a:srgbClr val="54B0F2"/>
           </a:fillRef>
           <a:effectRef idx="0">
-            <a:schemeClr val="accent6"/>
+            <a:srgbClr val="54B0F2"/>
           </a:effectRef>
           <a:fontRef idx="minor">
-            <a:schemeClr val="lt1"/>
+            <a:sysClr val="window" lastClr="FFFFFF"/>
           </a:fontRef>
         </p:style>
         <p:txBody>
-          <a:bodyPr rtlCol="0" anchor="ctr"/>
-          <a:lstStyle/>
+          <a:bodyPr wrap="square" rtlCol="0" anchor="ctr">
+            <a:noAutofit/>
+          </a:bodyPr>
           <a:p>
             <a:pPr algn="ctr"/>
-            <a:r>
-              <a:rPr lang="en-US" altLang="zh-CN" b="1" dirty="0" smtClean="0">
-                <a:solidFill>
-                  <a:schemeClr val="tx1"/>
-                </a:solidFill>
-              </a:rPr>
-              <a:t>Work Area</a:t>
-            </a:r>
-            <a:endParaRPr lang="zh-CN" altLang="en-US" b="1" dirty="0">
-              <a:solidFill>
-                <a:schemeClr val="tx1"/>
-              </a:solidFill>
+            <a:endParaRPr lang="zh-CN" altLang="en-US" dirty="0">
+              <a:latin typeface="Arial" panose="020B0604020202020204" pitchFamily="34" charset="0"/>
+              <a:ea typeface="微软雅黑" panose="020B0503020204020204" pitchFamily="34" charset="-122"/>
+              <a:sym typeface="Arial" panose="020B0604020202020204" pitchFamily="34" charset="0"/>
             </a:endParaRPr>
           </a:p>
         </p:txBody>
       </p:sp>
       <p:sp>
         <p:nvSpPr>
-          <p:cNvPr id="7" name="矩形 6"/>
+          <p:cNvPr id="31" name="任意多边形: 形状 15"/>
           <p:cNvSpPr/>
-          <p:nvPr/>
+          <p:nvPr>
+            <p:custDataLst>
+              <p:tags r:id="rId4"/>
+            </p:custDataLst>
+          </p:nvPr>
         </p:nvSpPr>
         <p:spPr>
           <a:xfrm>
-            <a:off x="9687339" y="1921564"/>
-            <a:ext cx="1762539" cy="4359966"/>
+            <a:off x="1463675" y="949325"/>
+            <a:ext cx="313690" cy="383540"/>
           </a:xfrm>
-          <a:prstGeom prst="rect">
+          <a:custGeom>
             <a:avLst/>
-          </a:prstGeom>
+            <a:gdLst>
+              <a:gd name="connsiteX0" fmla="*/ 174788 w 340237"/>
+              <a:gd name="connsiteY0" fmla="*/ 0 h 415819"/>
+              <a:gd name="connsiteX1" fmla="*/ 340237 w 340237"/>
+              <a:gd name="connsiteY1" fmla="*/ 0 h 415819"/>
+              <a:gd name="connsiteX2" fmla="*/ 241322 w 340237"/>
+              <a:gd name="connsiteY2" fmla="*/ 415819 h 415819"/>
+              <a:gd name="connsiteX3" fmla="*/ 0 w 340237"/>
+              <a:gd name="connsiteY3" fmla="*/ 415819 h 415819"/>
+            </a:gdLst>
+            <a:ahLst/>
+            <a:cxnLst>
+              <a:cxn ang="0">
+                <a:pos x="connsiteX0" y="connsiteY0"/>
+              </a:cxn>
+              <a:cxn ang="0">
+                <a:pos x="connsiteX1" y="connsiteY1"/>
+              </a:cxn>
+              <a:cxn ang="0">
+                <a:pos x="connsiteX2" y="connsiteY2"/>
+              </a:cxn>
+              <a:cxn ang="0">
+                <a:pos x="connsiteX3" y="connsiteY3"/>
+              </a:cxn>
+            </a:cxnLst>
+            <a:rect l="l" t="t" r="r" b="b"/>
+            <a:pathLst>
+              <a:path w="340237" h="415819">
+                <a:moveTo>
+                  <a:pt x="174788" y="0"/>
+                </a:moveTo>
+                <a:lnTo>
+                  <a:pt x="340237" y="0"/>
+                </a:lnTo>
+                <a:lnTo>
+                  <a:pt x="241322" y="415819"/>
+                </a:lnTo>
+                <a:lnTo>
+                  <a:pt x="0" y="415819"/>
+                </a:lnTo>
+                <a:close/>
+              </a:path>
+            </a:pathLst>
+          </a:custGeom>
+          <a:solidFill>
+            <a:srgbClr val="0E75C0">
+              <a:lumMod val="20000"/>
+              <a:lumOff val="80000"/>
+            </a:srgbClr>
+          </a:solidFill>
+          <a:ln>
+            <a:noFill/>
+          </a:ln>
         </p:spPr>
         <p:style>
           <a:lnRef idx="2">
-            <a:schemeClr val="accent4">
+            <a:srgbClr val="54B0F2">
               <a:shade val="50000"/>
-            </a:schemeClr>
+            </a:srgbClr>
           </a:lnRef>
           <a:fillRef idx="1">
-            <a:schemeClr val="accent4"/>
+            <a:srgbClr val="54B0F2"/>
           </a:fillRef>
           <a:effectRef idx="0">
-            <a:schemeClr val="accent4"/>
+            <a:srgbClr val="54B0F2"/>
           </a:effectRef>
           <a:fontRef idx="minor">
-            <a:schemeClr val="lt1"/>
+            <a:sysClr val="window" lastClr="FFFFFF"/>
           </a:fontRef>
         </p:style>
         <p:txBody>
+          <a:bodyPr wrap="square" rtlCol="0" anchor="ctr">
+            <a:noAutofit/>
+          </a:bodyPr>
+          <a:p>
+            <a:pPr algn="ctr"/>
+            <a:endParaRPr lang="zh-CN" altLang="en-US">
+              <a:latin typeface="Arial" panose="020B0604020202020204" pitchFamily="34" charset="0"/>
+              <a:ea typeface="微软雅黑" panose="020B0503020204020204" pitchFamily="34" charset="-122"/>
+              <a:sym typeface="Arial" panose="020B0604020202020204" pitchFamily="34" charset="0"/>
+            </a:endParaRPr>
+          </a:p>
+        </p:txBody>
+      </p:sp>
+      <p:sp>
+        <p:nvSpPr>
+          <p:cNvPr id="32" name="直角三角形 31"/>
+          <p:cNvSpPr/>
+          <p:nvPr>
+            <p:custDataLst>
+              <p:tags r:id="rId5"/>
+            </p:custDataLst>
+          </p:nvPr>
+        </p:nvSpPr>
+        <p:spPr>
+          <a:xfrm rot="10800000" flipH="1" flipV="1">
+            <a:off x="0" y="4792345"/>
+            <a:ext cx="12193270" cy="2075815"/>
+          </a:xfrm>
+          <a:prstGeom prst="rtTriangle">
+            <a:avLst/>
+          </a:prstGeom>
+          <a:pattFill prst="dkUpDiag">
+            <a:fgClr>
+              <a:srgbClr val="0E75C0">
+                <a:lumMod val="40000"/>
+                <a:lumOff val="60000"/>
+              </a:srgbClr>
+            </a:fgClr>
+            <a:bgClr>
+              <a:sysClr val="window" lastClr="FFFFFF"/>
+            </a:bgClr>
+          </a:pattFill>
+          <a:ln>
+            <a:noFill/>
+          </a:ln>
+        </p:spPr>
+        <p:style>
+          <a:lnRef idx="2">
+            <a:srgbClr val="54B0F2">
+              <a:shade val="50000"/>
+            </a:srgbClr>
+          </a:lnRef>
+          <a:fillRef idx="1">
+            <a:srgbClr val="54B0F2"/>
+          </a:fillRef>
+          <a:effectRef idx="0">
+            <a:srgbClr val="54B0F2"/>
+          </a:effectRef>
+          <a:fontRef idx="minor">
+            <a:sysClr val="window" lastClr="FFFFFF"/>
+          </a:fontRef>
+        </p:style>
+        <p:txBody>
           <a:bodyPr rtlCol="0" anchor="ctr"/>
-          <a:lstStyle/>
           <a:p>
             <a:pPr algn="ctr"/>
-            <a:r>
-              <a:rPr lang="en-US" altLang="zh-CN" dirty="0" smtClean="0">
-                <a:solidFill>
-                  <a:schemeClr val="tx1"/>
-                </a:solidFill>
-              </a:rPr>
-              <a:t>Setting Area</a:t>
-            </a:r>
-            <a:endParaRPr lang="zh-CN" altLang="en-US" dirty="0">
+            <a:endParaRPr kumimoji="1" lang="zh-CN" altLang="en-US" sz="1600" b="1" dirty="0">
               <a:solidFill>
-                <a:schemeClr val="tx1"/>
+                <a:sysClr val="window" lastClr="FFFFFF"/>
               </a:solidFill>
+              <a:latin typeface="Arial" panose="020B0604020202020204" pitchFamily="34" charset="0"/>
+              <a:ea typeface="微软雅黑" panose="020B0503020204020204" pitchFamily="34" charset="-122"/>
+              <a:sym typeface="Arial" panose="020B0604020202020204" pitchFamily="34" charset="0"/>
             </a:endParaRPr>
           </a:p>
         </p:txBody>
       </p:sp>
       <p:sp>
         <p:nvSpPr>
-          <p:cNvPr id="8" name="文本框 7"/>
+          <p:cNvPr id="33" name="任意多边形: 形状 37"/>
+          <p:cNvSpPr/>
+          <p:nvPr>
+            <p:custDataLst>
+              <p:tags r:id="rId6"/>
+            </p:custDataLst>
+          </p:nvPr>
+        </p:nvSpPr>
+        <p:spPr>
+          <a:xfrm rot="10800000" flipH="1" flipV="1">
+            <a:off x="0" y="4451350"/>
+            <a:ext cx="12192000" cy="2242820"/>
+          </a:xfrm>
+          <a:custGeom>
+            <a:avLst/>
+            <a:gdLst>
+              <a:gd name="connsiteX0" fmla="*/ 0 w 12192000"/>
+              <a:gd name="connsiteY0" fmla="*/ 0 h 1562973"/>
+              <a:gd name="connsiteX1" fmla="*/ 0 w 12192000"/>
+              <a:gd name="connsiteY1" fmla="*/ 450445 h 1562973"/>
+              <a:gd name="connsiteX2" fmla="*/ 10111327 w 12192000"/>
+              <a:gd name="connsiteY2" fmla="*/ 1562973 h 1562973"/>
+              <a:gd name="connsiteX3" fmla="*/ 12192000 w 12192000"/>
+              <a:gd name="connsiteY3" fmla="*/ 1562973 h 1562973"/>
+              <a:gd name="connsiteX4" fmla="*/ 12192000 w 12192000"/>
+              <a:gd name="connsiteY4" fmla="*/ 1341460 h 1562973"/>
+            </a:gdLst>
+            <a:ahLst/>
+            <a:cxnLst>
+              <a:cxn ang="0">
+                <a:pos x="connsiteX0" y="connsiteY0"/>
+              </a:cxn>
+              <a:cxn ang="0">
+                <a:pos x="connsiteX1" y="connsiteY1"/>
+              </a:cxn>
+              <a:cxn ang="0">
+                <a:pos x="connsiteX2" y="connsiteY2"/>
+              </a:cxn>
+              <a:cxn ang="0">
+                <a:pos x="connsiteX3" y="connsiteY3"/>
+              </a:cxn>
+              <a:cxn ang="0">
+                <a:pos x="connsiteX4" y="connsiteY4"/>
+              </a:cxn>
+            </a:cxnLst>
+            <a:rect l="l" t="t" r="r" b="b"/>
+            <a:pathLst>
+              <a:path w="12192000" h="1562973">
+                <a:moveTo>
+                  <a:pt x="0" y="0"/>
+                </a:moveTo>
+                <a:lnTo>
+                  <a:pt x="0" y="450445"/>
+                </a:lnTo>
+                <a:lnTo>
+                  <a:pt x="10111327" y="1562973"/>
+                </a:lnTo>
+                <a:lnTo>
+                  <a:pt x="12192000" y="1562973"/>
+                </a:lnTo>
+                <a:lnTo>
+                  <a:pt x="12192000" y="1341460"/>
+                </a:lnTo>
+                <a:close/>
+              </a:path>
+            </a:pathLst>
+          </a:custGeom>
+          <a:solidFill>
+            <a:srgbClr val="0E75C0">
+              <a:lumMod val="20000"/>
+              <a:lumOff val="80000"/>
+              <a:alpha val="50000"/>
+            </a:srgbClr>
+          </a:solidFill>
+          <a:ln>
+            <a:noFill/>
+          </a:ln>
+        </p:spPr>
+        <p:style>
+          <a:lnRef idx="2">
+            <a:srgbClr val="54B0F2">
+              <a:shade val="50000"/>
+            </a:srgbClr>
+          </a:lnRef>
+          <a:fillRef idx="1">
+            <a:srgbClr val="54B0F2"/>
+          </a:fillRef>
+          <a:effectRef idx="0">
+            <a:srgbClr val="54B0F2"/>
+          </a:effectRef>
+          <a:fontRef idx="minor">
+            <a:sysClr val="window" lastClr="FFFFFF"/>
+          </a:fontRef>
+        </p:style>
+        <p:txBody>
+          <a:bodyPr wrap="square" rtlCol="0" anchor="ctr">
+            <a:noAutofit/>
+          </a:bodyPr>
+          <a:p>
+            <a:pPr algn="ctr"/>
+            <a:endParaRPr kumimoji="1" lang="zh-CN" altLang="en-US" sz="1600" b="1" dirty="0">
+              <a:solidFill>
+                <a:sysClr val="window" lastClr="FFFFFF"/>
+              </a:solidFill>
+              <a:latin typeface="Arial" panose="020B0604020202020204" pitchFamily="34" charset="0"/>
+              <a:ea typeface="微软雅黑" panose="020B0503020204020204" pitchFamily="34" charset="-122"/>
+              <a:sym typeface="Arial" panose="020B0604020202020204" pitchFamily="34" charset="0"/>
+            </a:endParaRPr>
+          </a:p>
+        </p:txBody>
+      </p:sp>
+      <p:sp>
+        <p:nvSpPr>
+          <p:cNvPr id="39" name="直角三角形 38"/>
+          <p:cNvSpPr/>
+          <p:nvPr>
+            <p:custDataLst>
+              <p:tags r:id="rId7"/>
+            </p:custDataLst>
+          </p:nvPr>
+        </p:nvSpPr>
+        <p:spPr>
+          <a:xfrm rot="10800000" flipV="1">
+            <a:off x="6900545" y="5101590"/>
+            <a:ext cx="5292725" cy="1766570"/>
+          </a:xfrm>
+          <a:prstGeom prst="rtTriangle">
+            <a:avLst/>
+          </a:prstGeom>
+          <a:solidFill>
+            <a:srgbClr val="0E75C0">
+              <a:alpha val="50000"/>
+            </a:srgbClr>
+          </a:solidFill>
+          <a:ln>
+            <a:noFill/>
+          </a:ln>
+        </p:spPr>
+        <p:style>
+          <a:lnRef idx="2">
+            <a:srgbClr val="54B0F2">
+              <a:shade val="50000"/>
+            </a:srgbClr>
+          </a:lnRef>
+          <a:fillRef idx="1">
+            <a:srgbClr val="54B0F2"/>
+          </a:fillRef>
+          <a:effectRef idx="0">
+            <a:srgbClr val="54B0F2"/>
+          </a:effectRef>
+          <a:fontRef idx="minor">
+            <a:sysClr val="window" lastClr="FFFFFF"/>
+          </a:fontRef>
+        </p:style>
+        <p:txBody>
+          <a:bodyPr rtlCol="0" anchor="ctr"/>
+          <a:p>
+            <a:pPr algn="ctr"/>
+            <a:endParaRPr kumimoji="1" lang="zh-CN" altLang="en-US" sz="1600" b="1">
+              <a:solidFill>
+                <a:sysClr val="window" lastClr="FFFFFF"/>
+              </a:solidFill>
+              <a:latin typeface="Arial" panose="020B0604020202020204" pitchFamily="34" charset="0"/>
+              <a:ea typeface="微软雅黑" panose="020B0503020204020204" pitchFamily="34" charset="-122"/>
+              <a:sym typeface="Arial" panose="020B0604020202020204" pitchFamily="34" charset="0"/>
+            </a:endParaRPr>
+          </a:p>
+        </p:txBody>
+      </p:sp>
+      <p:sp>
+        <p:nvSpPr>
+          <p:cNvPr id="34" name="文本框 33"/>
           <p:cNvSpPr txBox="1"/>
-          <p:nvPr/>
+          <p:nvPr>
+            <p:custDataLst>
+              <p:tags r:id="rId8"/>
+            </p:custDataLst>
+          </p:nvPr>
         </p:nvSpPr>
         <p:spPr>
           <a:xfrm>
-            <a:off x="6069495" y="4253947"/>
-            <a:ext cx="1749287" cy="369332"/>
+            <a:off x="2800350" y="2111375"/>
+            <a:ext cx="6591300" cy="1709420"/>
           </a:xfrm>
           <a:prstGeom prst="rect">
             <a:avLst/>
@@ -3160,233 +3598,54 @@
           <a:noFill/>
         </p:spPr>
         <p:txBody>
-          <a:bodyPr wrap="square" rtlCol="0">
-            <a:spAutoFit/>
+          <a:bodyPr wrap="square" lIns="90000" tIns="46800" rIns="90000" bIns="46800" rtlCol="0" anchor="b" anchorCtr="0">
+            <a:normAutofit/>
           </a:bodyPr>
-          <a:lstStyle/>
-          <a:p>
-            <a:r>
-              <a:rPr lang="en-US" altLang="zh-CN" dirty="0" err="1" smtClean="0"/>
-              <a:t>WorkFlowArea</a:t>
-            </a:r>
-            <a:endParaRPr lang="zh-CN" altLang="en-US" dirty="0"/>
-          </a:p>
-        </p:txBody>
-      </p:sp>
-      <p:sp>
-        <p:nvSpPr>
-          <p:cNvPr id="9" name="文本框 8"/>
-          <p:cNvSpPr txBox="1"/>
-          <p:nvPr/>
-        </p:nvSpPr>
-        <p:spPr>
-          <a:xfrm>
-            <a:off x="6069494" y="4623279"/>
-            <a:ext cx="1749287" cy="369332"/>
-          </a:xfrm>
-          <a:prstGeom prst="rect">
-            <a:avLst/>
-          </a:prstGeom>
-          <a:noFill/>
-        </p:spPr>
-        <p:txBody>
-          <a:bodyPr wrap="square" rtlCol="0">
-            <a:spAutoFit/>
-          </a:bodyPr>
-          <a:lstStyle/>
-          <a:p>
-            <a:r>
-              <a:rPr lang="en-US" altLang="zh-CN" dirty="0" err="1" smtClean="0"/>
-              <a:t>ChartArea</a:t>
-            </a:r>
-            <a:endParaRPr lang="zh-CN" altLang="en-US" dirty="0"/>
-          </a:p>
-        </p:txBody>
-      </p:sp>
-      <p:sp>
-        <p:nvSpPr>
-          <p:cNvPr id="10" name="文本框 9"/>
-          <p:cNvSpPr txBox="1"/>
-          <p:nvPr/>
-        </p:nvSpPr>
-        <p:spPr>
-          <a:xfrm>
-            <a:off x="6069494" y="4992611"/>
-            <a:ext cx="1749287" cy="369332"/>
-          </a:xfrm>
-          <a:prstGeom prst="rect">
-            <a:avLst/>
-          </a:prstGeom>
-          <a:noFill/>
-        </p:spPr>
-        <p:txBody>
-          <a:bodyPr wrap="square" rtlCol="0">
-            <a:spAutoFit/>
-          </a:bodyPr>
-          <a:lstStyle/>
-          <a:p>
-            <a:r>
-              <a:rPr lang="en-US" altLang="zh-CN" dirty="0" err="1" smtClean="0"/>
-              <a:t>TableArea</a:t>
-            </a:r>
-            <a:endParaRPr lang="zh-CN" altLang="en-US" dirty="0"/>
-          </a:p>
-        </p:txBody>
-      </p:sp>
-      <p:sp>
-        <p:nvSpPr>
-          <p:cNvPr id="11" name="矩形 10"/>
-          <p:cNvSpPr/>
-          <p:nvPr/>
-        </p:nvSpPr>
-        <p:spPr>
-          <a:xfrm>
-            <a:off x="1126434" y="1921564"/>
-            <a:ext cx="368853" cy="212036"/>
-          </a:xfrm>
-          <a:prstGeom prst="rect">
-            <a:avLst/>
-          </a:prstGeom>
-        </p:spPr>
-        <p:style>
-          <a:lnRef idx="2">
-            <a:schemeClr val="accent2">
-              <a:shade val="50000"/>
-            </a:schemeClr>
-          </a:lnRef>
-          <a:fillRef idx="1">
-            <a:schemeClr val="accent2"/>
-          </a:fillRef>
-          <a:effectRef idx="0">
-            <a:schemeClr val="accent2"/>
-          </a:effectRef>
-          <a:fontRef idx="minor">
-            <a:schemeClr val="lt1"/>
-          </a:fontRef>
-        </p:style>
-        <p:txBody>
-          <a:bodyPr rtlCol="0" anchor="ctr"/>
-          <a:lstStyle/>
-          <a:p>
-            <a:pPr algn="ctr"/>
-            <a:endParaRPr lang="zh-CN" altLang="en-US"/>
-          </a:p>
-        </p:txBody>
-      </p:sp>
-      <p:sp>
-        <p:nvSpPr>
-          <p:cNvPr id="12" name="矩形 11"/>
-          <p:cNvSpPr/>
-          <p:nvPr/>
-        </p:nvSpPr>
-        <p:spPr>
-          <a:xfrm>
-            <a:off x="1495288" y="1921564"/>
-            <a:ext cx="437322" cy="212036"/>
-          </a:xfrm>
-          <a:prstGeom prst="rect">
-            <a:avLst/>
-          </a:prstGeom>
-        </p:spPr>
-        <p:style>
-          <a:lnRef idx="2">
-            <a:schemeClr val="accent2">
-              <a:shade val="50000"/>
-            </a:schemeClr>
-          </a:lnRef>
-          <a:fillRef idx="1">
-            <a:schemeClr val="accent2"/>
-          </a:fillRef>
-          <a:effectRef idx="0">
-            <a:schemeClr val="accent2"/>
-          </a:effectRef>
-          <a:fontRef idx="minor">
-            <a:schemeClr val="lt1"/>
-          </a:fontRef>
-        </p:style>
-        <p:txBody>
-          <a:bodyPr rtlCol="0" anchor="ctr"/>
-          <a:lstStyle/>
-          <a:p>
-            <a:pPr algn="ctr"/>
-            <a:endParaRPr lang="zh-CN" altLang="en-US"/>
-          </a:p>
-        </p:txBody>
-      </p:sp>
-      <p:sp>
-        <p:nvSpPr>
-          <p:cNvPr id="13" name="矩形 12"/>
-          <p:cNvSpPr/>
-          <p:nvPr/>
-        </p:nvSpPr>
-        <p:spPr>
-          <a:xfrm>
-            <a:off x="1932610" y="1921564"/>
-            <a:ext cx="474869" cy="212036"/>
-          </a:xfrm>
-          <a:prstGeom prst="rect">
-            <a:avLst/>
-          </a:prstGeom>
-        </p:spPr>
-        <p:style>
-          <a:lnRef idx="2">
-            <a:schemeClr val="accent2">
-              <a:shade val="50000"/>
-            </a:schemeClr>
-          </a:lnRef>
-          <a:fillRef idx="1">
-            <a:schemeClr val="accent2"/>
-          </a:fillRef>
-          <a:effectRef idx="0">
-            <a:schemeClr val="accent2"/>
-          </a:effectRef>
-          <a:fontRef idx="minor">
-            <a:schemeClr val="lt1"/>
-          </a:fontRef>
-        </p:style>
-        <p:txBody>
-          <a:bodyPr rtlCol="0" anchor="ctr"/>
-          <a:lstStyle/>
-          <a:p>
-            <a:pPr algn="ctr"/>
-            <a:endParaRPr lang="zh-CN" altLang="en-US"/>
-          </a:p>
-        </p:txBody>
-      </p:sp>
-      <p:sp>
-        <p:nvSpPr>
-          <p:cNvPr id="15" name="矩形 14"/>
-          <p:cNvSpPr/>
-          <p:nvPr/>
-        </p:nvSpPr>
-        <p:spPr>
-          <a:xfrm>
-            <a:off x="41351" y="1842916"/>
-            <a:ext cx="1084143" cy="369332"/>
-          </a:xfrm>
-          <a:prstGeom prst="rect">
-            <a:avLst/>
-          </a:prstGeom>
-        </p:spPr>
-        <p:txBody>
-          <a:bodyPr wrap="none">
-            <a:spAutoFit/>
-          </a:bodyPr>
-          <a:lstStyle/>
-          <a:p>
-            <a:r>
-              <a:rPr lang="en-US" altLang="zh-CN" b="1" dirty="0" err="1" smtClean="0">
+          <a:p>
+            <a:pPr marL="0" lvl="0" indent="0" algn="ctr" fontAlgn="ctr">
+              <a:lnSpc>
+                <a:spcPct val="120000"/>
+              </a:lnSpc>
+              <a:spcBef>
+                <a:spcPts val="0"/>
+              </a:spcBef>
+              <a:spcAft>
+                <a:spcPts val="0"/>
+              </a:spcAft>
+              <a:buSzPct val="100000"/>
+              <a:buFontTx/>
+              <a:buNone/>
+            </a:pPr>
+            <a:r>
+              <a:rPr lang="zh-CN" altLang="en-US" sz="6000" b="1" spc="150">
                 <a:solidFill>
-                  <a:schemeClr val="tx1"/>
+                  <a:sysClr val="windowText" lastClr="000000">
+                    <a:lumMod val="85000"/>
+                    <a:lumOff val="15000"/>
+                  </a:sysClr>
                 </a:solidFill>
+                <a:latin typeface="Arial" panose="020B0604020202020204" pitchFamily="34" charset="0"/>
+                <a:ea typeface="微软雅黑" panose="020B0503020204020204" pitchFamily="34" charset="-122"/>
               </a:rPr>
-              <a:t>GuideTab</a:t>
-            </a:r>
-            <a:endParaRPr lang="zh-CN" altLang="en-US" dirty="0"/>
+              <a:t>背景</a:t>
+            </a:r>
+            <a:endParaRPr lang="zh-CN" altLang="en-US" sz="6000" b="1" spc="150">
+              <a:solidFill>
+                <a:sysClr val="windowText" lastClr="000000">
+                  <a:lumMod val="85000"/>
+                  <a:lumOff val="15000"/>
+                </a:sysClr>
+              </a:solidFill>
+              <a:latin typeface="Arial" panose="020B0604020202020204" pitchFamily="34" charset="0"/>
+              <a:ea typeface="微软雅黑" panose="020B0503020204020204" pitchFamily="34" charset="-122"/>
+            </a:endParaRPr>
           </a:p>
         </p:txBody>
       </p:sp>
     </p:spTree>
+    <p:custDataLst>
+      <p:tags r:id="rId9"/>
+    </p:custDataLst>
   </p:cSld>
   <p:clrMapOvr>
     <a:masterClrMapping/>
@@ -3467,7 +3726,7 @@
                 <a:ea typeface="微软雅黑" panose="020B0503020204020204" pitchFamily="34" charset="-122"/>
                 <a:cs typeface="微软雅黑" panose="020B0503020204020204" pitchFamily="34" charset="-122"/>
               </a:rPr>
-              <a:t>数据</a:t>
+              <a:t>绘图</a:t>
             </a:r>
             <a:r>
               <a:rPr lang="en-US" altLang="zh-CN" sz="2400" b="1">
@@ -3475,7 +3734,7 @@
                 <a:ea typeface="微软雅黑" panose="020B0503020204020204" pitchFamily="34" charset="-122"/>
                 <a:cs typeface="微软雅黑" panose="020B0503020204020204" pitchFamily="34" charset="-122"/>
               </a:rPr>
-              <a:t>(Data)——</a:t>
+              <a:t>(Chart)——</a:t>
             </a:r>
             <a:r>
               <a:rPr lang="zh-CN" altLang="en-US" sz="2400" b="1">
@@ -3483,7 +3742,7 @@
                 <a:ea typeface="微软雅黑" panose="020B0503020204020204" pitchFamily="34" charset="-122"/>
                 <a:cs typeface="微软雅黑" panose="020B0503020204020204" pitchFamily="34" charset="-122"/>
               </a:rPr>
-              <a:t>进行精细的数据治理</a:t>
+              <a:t>进行精细的绘图操作</a:t>
             </a:r>
             <a:endParaRPr lang="zh-CN" sz="2400" b="1">
               <a:latin typeface="微软雅黑" panose="020B0503020204020204" pitchFamily="34" charset="-122"/>
@@ -3499,7 +3758,7 @@
                 <a:ea typeface="微软雅黑" panose="020B0503020204020204" pitchFamily="34" charset="-122"/>
                 <a:cs typeface="微软雅黑" panose="020B0503020204020204" pitchFamily="34" charset="-122"/>
               </a:rPr>
-              <a:t>适合对数据进行精细调整，对行列执行函数等操作</a:t>
+              <a:t>对图表进行排版，进行论文级别的出图以及交互式的图表查看</a:t>
             </a:r>
             <a:endParaRPr lang="zh-CN" sz="2400">
               <a:latin typeface="微软雅黑" panose="020B0503020204020204" pitchFamily="34" charset="-122"/>
@@ -3574,7 +3833,7 @@
         <p:spPr>
           <a:xfrm>
             <a:off x="783590" y="5827395"/>
-            <a:ext cx="10133330" cy="829945"/>
+            <a:ext cx="10133330" cy="460375"/>
           </a:xfrm>
           <a:prstGeom prst="rect">
             <a:avLst/>
@@ -3593,41 +3852,9 @@
                 <a:ea typeface="微软雅黑" panose="020B0503020204020204" pitchFamily="34" charset="-122"/>
                 <a:cs typeface="微软雅黑" panose="020B0503020204020204" pitchFamily="34" charset="-122"/>
               </a:rPr>
-              <a:t>绘图</a:t>
-            </a:r>
-            <a:r>
-              <a:rPr lang="en-US" altLang="zh-CN" sz="2400" b="1">
-                <a:latin typeface="微软雅黑" panose="020B0503020204020204" pitchFamily="34" charset="-122"/>
-                <a:ea typeface="微软雅黑" panose="020B0503020204020204" pitchFamily="34" charset="-122"/>
-                <a:cs typeface="微软雅黑" panose="020B0503020204020204" pitchFamily="34" charset="-122"/>
-              </a:rPr>
-              <a:t>(Chart)——</a:t>
-            </a:r>
-            <a:r>
-              <a:rPr lang="zh-CN" altLang="en-US" sz="2400" b="1">
-                <a:latin typeface="微软雅黑" panose="020B0503020204020204" pitchFamily="34" charset="-122"/>
-                <a:ea typeface="微软雅黑" panose="020B0503020204020204" pitchFamily="34" charset="-122"/>
-                <a:cs typeface="微软雅黑" panose="020B0503020204020204" pitchFamily="34" charset="-122"/>
-              </a:rPr>
-              <a:t>进行精细的绘图操作</a:t>
-            </a:r>
-            <a:endParaRPr lang="zh-CN" sz="2400" b="1">
-              <a:latin typeface="微软雅黑" panose="020B0503020204020204" pitchFamily="34" charset="-122"/>
-              <a:ea typeface="微软雅黑" panose="020B0503020204020204" pitchFamily="34" charset="-122"/>
-              <a:cs typeface="微软雅黑" panose="020B0503020204020204" pitchFamily="34" charset="-122"/>
-            </a:endParaRPr>
-          </a:p>
-          <a:p>
-            <a:pPr algn="l"/>
-            <a:r>
-              <a:rPr lang="zh-CN" sz="2400">
-                <a:latin typeface="微软雅黑" panose="020B0503020204020204" pitchFamily="34" charset="-122"/>
-                <a:ea typeface="微软雅黑" panose="020B0503020204020204" pitchFamily="34" charset="-122"/>
-                <a:cs typeface="微软雅黑" panose="020B0503020204020204" pitchFamily="34" charset="-122"/>
-              </a:rPr>
-              <a:t>对图表进行排版，进行论文级别的出图以及交互式的图表查看</a:t>
-            </a:r>
-            <a:endParaRPr lang="zh-CN" sz="2400">
+              <a:t>三种模式可关联页可单独使用</a:t>
+            </a:r>
+            <a:endParaRPr lang="zh-CN" altLang="en-US" sz="2400" b="1">
               <a:latin typeface="微软雅黑" panose="020B0503020204020204" pitchFamily="34" charset="-122"/>
               <a:ea typeface="微软雅黑" panose="020B0503020204020204" pitchFamily="34" charset="-122"/>
               <a:cs typeface="微软雅黑" panose="020B0503020204020204" pitchFamily="34" charset="-122"/>
@@ -3663,9 +3890,726 @@
           <a:chExt cx="0" cy="0"/>
         </a:xfrm>
       </p:grpSpPr>
+      <p:sp>
+        <p:nvSpPr>
+          <p:cNvPr id="14" name="任意多边形: 形状 11"/>
+          <p:cNvSpPr/>
+          <p:nvPr>
+            <p:custDataLst>
+              <p:tags r:id="rId1"/>
+            </p:custDataLst>
+          </p:nvPr>
+        </p:nvSpPr>
+        <p:spPr>
+          <a:xfrm rot="10800000">
+            <a:off x="10774045" y="4718050"/>
+            <a:ext cx="313690" cy="383540"/>
+          </a:xfrm>
+          <a:custGeom>
+            <a:avLst/>
+            <a:gdLst>
+              <a:gd name="connsiteX0" fmla="*/ 174788 w 340237"/>
+              <a:gd name="connsiteY0" fmla="*/ 0 h 415819"/>
+              <a:gd name="connsiteX1" fmla="*/ 340237 w 340237"/>
+              <a:gd name="connsiteY1" fmla="*/ 0 h 415819"/>
+              <a:gd name="connsiteX2" fmla="*/ 241322 w 340237"/>
+              <a:gd name="connsiteY2" fmla="*/ 415819 h 415819"/>
+              <a:gd name="connsiteX3" fmla="*/ 0 w 340237"/>
+              <a:gd name="connsiteY3" fmla="*/ 415819 h 415819"/>
+            </a:gdLst>
+            <a:ahLst/>
+            <a:cxnLst>
+              <a:cxn ang="0">
+                <a:pos x="connsiteX0" y="connsiteY0"/>
+              </a:cxn>
+              <a:cxn ang="0">
+                <a:pos x="connsiteX1" y="connsiteY1"/>
+              </a:cxn>
+              <a:cxn ang="0">
+                <a:pos x="connsiteX2" y="connsiteY2"/>
+              </a:cxn>
+              <a:cxn ang="0">
+                <a:pos x="connsiteX3" y="connsiteY3"/>
+              </a:cxn>
+            </a:cxnLst>
+            <a:rect l="l" t="t" r="r" b="b"/>
+            <a:pathLst>
+              <a:path w="340237" h="415819">
+                <a:moveTo>
+                  <a:pt x="174788" y="0"/>
+                </a:moveTo>
+                <a:lnTo>
+                  <a:pt x="340237" y="0"/>
+                </a:lnTo>
+                <a:lnTo>
+                  <a:pt x="241322" y="415819"/>
+                </a:lnTo>
+                <a:lnTo>
+                  <a:pt x="0" y="415819"/>
+                </a:lnTo>
+                <a:close/>
+              </a:path>
+            </a:pathLst>
+          </a:custGeom>
+          <a:solidFill>
+            <a:srgbClr val="0E75C0">
+              <a:lumMod val="20000"/>
+              <a:lumOff val="80000"/>
+            </a:srgbClr>
+          </a:solidFill>
+          <a:ln>
+            <a:noFill/>
+          </a:ln>
+        </p:spPr>
+        <p:style>
+          <a:lnRef idx="2">
+            <a:srgbClr val="54B0F2">
+              <a:shade val="50000"/>
+            </a:srgbClr>
+          </a:lnRef>
+          <a:fillRef idx="1">
+            <a:srgbClr val="54B0F2"/>
+          </a:fillRef>
+          <a:effectRef idx="0">
+            <a:srgbClr val="54B0F2"/>
+          </a:effectRef>
+          <a:fontRef idx="minor">
+            <a:sysClr val="window" lastClr="FFFFFF"/>
+          </a:fontRef>
+        </p:style>
+        <p:txBody>
+          <a:bodyPr wrap="square" rtlCol="0" anchor="ctr">
+            <a:noAutofit/>
+          </a:bodyPr>
+          <a:p>
+            <a:pPr algn="ctr"/>
+            <a:endParaRPr lang="zh-CN" altLang="en-US">
+              <a:latin typeface="Arial" panose="020B0604020202020204" pitchFamily="34" charset="0"/>
+              <a:ea typeface="微软雅黑" panose="020B0503020204020204" pitchFamily="34" charset="-122"/>
+              <a:sym typeface="Arial" panose="020B0604020202020204" pitchFamily="34" charset="0"/>
+            </a:endParaRPr>
+          </a:p>
+        </p:txBody>
+      </p:sp>
+      <p:sp>
+        <p:nvSpPr>
+          <p:cNvPr id="16" name="任意多边形: 形状 12"/>
+          <p:cNvSpPr/>
+          <p:nvPr>
+            <p:custDataLst>
+              <p:tags r:id="rId2"/>
+            </p:custDataLst>
+          </p:nvPr>
+        </p:nvSpPr>
+        <p:spPr>
+          <a:xfrm rot="10800000">
+            <a:off x="10423525" y="4718050"/>
+            <a:ext cx="313690" cy="383540"/>
+          </a:xfrm>
+          <a:custGeom>
+            <a:avLst/>
+            <a:gdLst>
+              <a:gd name="connsiteX0" fmla="*/ 174788 w 340237"/>
+              <a:gd name="connsiteY0" fmla="*/ 0 h 415819"/>
+              <a:gd name="connsiteX1" fmla="*/ 340237 w 340237"/>
+              <a:gd name="connsiteY1" fmla="*/ 0 h 415819"/>
+              <a:gd name="connsiteX2" fmla="*/ 241322 w 340237"/>
+              <a:gd name="connsiteY2" fmla="*/ 415819 h 415819"/>
+              <a:gd name="connsiteX3" fmla="*/ 0 w 340237"/>
+              <a:gd name="connsiteY3" fmla="*/ 415819 h 415819"/>
+            </a:gdLst>
+            <a:ahLst/>
+            <a:cxnLst>
+              <a:cxn ang="0">
+                <a:pos x="connsiteX0" y="connsiteY0"/>
+              </a:cxn>
+              <a:cxn ang="0">
+                <a:pos x="connsiteX1" y="connsiteY1"/>
+              </a:cxn>
+              <a:cxn ang="0">
+                <a:pos x="connsiteX2" y="connsiteY2"/>
+              </a:cxn>
+              <a:cxn ang="0">
+                <a:pos x="connsiteX3" y="connsiteY3"/>
+              </a:cxn>
+            </a:cxnLst>
+            <a:rect l="l" t="t" r="r" b="b"/>
+            <a:pathLst>
+              <a:path w="340237" h="415819">
+                <a:moveTo>
+                  <a:pt x="174788" y="0"/>
+                </a:moveTo>
+                <a:lnTo>
+                  <a:pt x="340237" y="0"/>
+                </a:lnTo>
+                <a:lnTo>
+                  <a:pt x="241322" y="415819"/>
+                </a:lnTo>
+                <a:lnTo>
+                  <a:pt x="0" y="415819"/>
+                </a:lnTo>
+                <a:close/>
+              </a:path>
+            </a:pathLst>
+          </a:custGeom>
+          <a:solidFill>
+            <a:srgbClr val="0E75C0">
+              <a:lumMod val="20000"/>
+              <a:lumOff val="80000"/>
+            </a:srgbClr>
+          </a:solidFill>
+          <a:ln>
+            <a:noFill/>
+          </a:ln>
+        </p:spPr>
+        <p:style>
+          <a:lnRef idx="2">
+            <a:srgbClr val="54B0F2">
+              <a:shade val="50000"/>
+            </a:srgbClr>
+          </a:lnRef>
+          <a:fillRef idx="1">
+            <a:srgbClr val="54B0F2"/>
+          </a:fillRef>
+          <a:effectRef idx="0">
+            <a:srgbClr val="54B0F2"/>
+          </a:effectRef>
+          <a:fontRef idx="minor">
+            <a:sysClr val="window" lastClr="FFFFFF"/>
+          </a:fontRef>
+        </p:style>
+        <p:txBody>
+          <a:bodyPr wrap="square" rtlCol="0" anchor="ctr">
+            <a:noAutofit/>
+          </a:bodyPr>
+          <a:p>
+            <a:pPr algn="ctr"/>
+            <a:endParaRPr lang="zh-CN" altLang="en-US">
+              <a:latin typeface="Arial" panose="020B0604020202020204" pitchFamily="34" charset="0"/>
+              <a:ea typeface="微软雅黑" panose="020B0503020204020204" pitchFamily="34" charset="-122"/>
+              <a:sym typeface="Arial" panose="020B0604020202020204" pitchFamily="34" charset="0"/>
+            </a:endParaRPr>
+          </a:p>
+        </p:txBody>
+      </p:sp>
+      <p:sp>
+        <p:nvSpPr>
+          <p:cNvPr id="26" name="任意多边形: 形状 14"/>
+          <p:cNvSpPr/>
+          <p:nvPr>
+            <p:custDataLst>
+              <p:tags r:id="rId3"/>
+            </p:custDataLst>
+          </p:nvPr>
+        </p:nvSpPr>
+        <p:spPr>
+          <a:xfrm>
+            <a:off x="1113790" y="949325"/>
+            <a:ext cx="313690" cy="383540"/>
+          </a:xfrm>
+          <a:custGeom>
+            <a:avLst/>
+            <a:gdLst>
+              <a:gd name="connsiteX0" fmla="*/ 174788 w 340237"/>
+              <a:gd name="connsiteY0" fmla="*/ 0 h 415819"/>
+              <a:gd name="connsiteX1" fmla="*/ 340237 w 340237"/>
+              <a:gd name="connsiteY1" fmla="*/ 0 h 415819"/>
+              <a:gd name="connsiteX2" fmla="*/ 241322 w 340237"/>
+              <a:gd name="connsiteY2" fmla="*/ 415819 h 415819"/>
+              <a:gd name="connsiteX3" fmla="*/ 0 w 340237"/>
+              <a:gd name="connsiteY3" fmla="*/ 415819 h 415819"/>
+            </a:gdLst>
+            <a:ahLst/>
+            <a:cxnLst>
+              <a:cxn ang="0">
+                <a:pos x="connsiteX0" y="connsiteY0"/>
+              </a:cxn>
+              <a:cxn ang="0">
+                <a:pos x="connsiteX1" y="connsiteY1"/>
+              </a:cxn>
+              <a:cxn ang="0">
+                <a:pos x="connsiteX2" y="connsiteY2"/>
+              </a:cxn>
+              <a:cxn ang="0">
+                <a:pos x="connsiteX3" y="connsiteY3"/>
+              </a:cxn>
+            </a:cxnLst>
+            <a:rect l="l" t="t" r="r" b="b"/>
+            <a:pathLst>
+              <a:path w="340237" h="415819">
+                <a:moveTo>
+                  <a:pt x="174788" y="0"/>
+                </a:moveTo>
+                <a:lnTo>
+                  <a:pt x="340237" y="0"/>
+                </a:lnTo>
+                <a:lnTo>
+                  <a:pt x="241322" y="415819"/>
+                </a:lnTo>
+                <a:lnTo>
+                  <a:pt x="0" y="415819"/>
+                </a:lnTo>
+                <a:close/>
+              </a:path>
+            </a:pathLst>
+          </a:custGeom>
+          <a:solidFill>
+            <a:srgbClr val="0E75C0">
+              <a:lumMod val="20000"/>
+              <a:lumOff val="80000"/>
+            </a:srgbClr>
+          </a:solidFill>
+          <a:ln>
+            <a:noFill/>
+          </a:ln>
+        </p:spPr>
+        <p:style>
+          <a:lnRef idx="2">
+            <a:srgbClr val="54B0F2">
+              <a:shade val="50000"/>
+            </a:srgbClr>
+          </a:lnRef>
+          <a:fillRef idx="1">
+            <a:srgbClr val="54B0F2"/>
+          </a:fillRef>
+          <a:effectRef idx="0">
+            <a:srgbClr val="54B0F2"/>
+          </a:effectRef>
+          <a:fontRef idx="minor">
+            <a:sysClr val="window" lastClr="FFFFFF"/>
+          </a:fontRef>
+        </p:style>
+        <p:txBody>
+          <a:bodyPr wrap="square" rtlCol="0" anchor="ctr">
+            <a:noAutofit/>
+          </a:bodyPr>
+          <a:p>
+            <a:pPr algn="ctr"/>
+            <a:endParaRPr lang="zh-CN" altLang="en-US" dirty="0">
+              <a:latin typeface="Arial" panose="020B0604020202020204" pitchFamily="34" charset="0"/>
+              <a:ea typeface="微软雅黑" panose="020B0503020204020204" pitchFamily="34" charset="-122"/>
+              <a:sym typeface="Arial" panose="020B0604020202020204" pitchFamily="34" charset="0"/>
+            </a:endParaRPr>
+          </a:p>
+        </p:txBody>
+      </p:sp>
+      <p:sp>
+        <p:nvSpPr>
+          <p:cNvPr id="31" name="任意多边形: 形状 15"/>
+          <p:cNvSpPr/>
+          <p:nvPr>
+            <p:custDataLst>
+              <p:tags r:id="rId4"/>
+            </p:custDataLst>
+          </p:nvPr>
+        </p:nvSpPr>
+        <p:spPr>
+          <a:xfrm>
+            <a:off x="1463675" y="949325"/>
+            <a:ext cx="313690" cy="383540"/>
+          </a:xfrm>
+          <a:custGeom>
+            <a:avLst/>
+            <a:gdLst>
+              <a:gd name="connsiteX0" fmla="*/ 174788 w 340237"/>
+              <a:gd name="connsiteY0" fmla="*/ 0 h 415819"/>
+              <a:gd name="connsiteX1" fmla="*/ 340237 w 340237"/>
+              <a:gd name="connsiteY1" fmla="*/ 0 h 415819"/>
+              <a:gd name="connsiteX2" fmla="*/ 241322 w 340237"/>
+              <a:gd name="connsiteY2" fmla="*/ 415819 h 415819"/>
+              <a:gd name="connsiteX3" fmla="*/ 0 w 340237"/>
+              <a:gd name="connsiteY3" fmla="*/ 415819 h 415819"/>
+            </a:gdLst>
+            <a:ahLst/>
+            <a:cxnLst>
+              <a:cxn ang="0">
+                <a:pos x="connsiteX0" y="connsiteY0"/>
+              </a:cxn>
+              <a:cxn ang="0">
+                <a:pos x="connsiteX1" y="connsiteY1"/>
+              </a:cxn>
+              <a:cxn ang="0">
+                <a:pos x="connsiteX2" y="connsiteY2"/>
+              </a:cxn>
+              <a:cxn ang="0">
+                <a:pos x="connsiteX3" y="connsiteY3"/>
+              </a:cxn>
+            </a:cxnLst>
+            <a:rect l="l" t="t" r="r" b="b"/>
+            <a:pathLst>
+              <a:path w="340237" h="415819">
+                <a:moveTo>
+                  <a:pt x="174788" y="0"/>
+                </a:moveTo>
+                <a:lnTo>
+                  <a:pt x="340237" y="0"/>
+                </a:lnTo>
+                <a:lnTo>
+                  <a:pt x="241322" y="415819"/>
+                </a:lnTo>
+                <a:lnTo>
+                  <a:pt x="0" y="415819"/>
+                </a:lnTo>
+                <a:close/>
+              </a:path>
+            </a:pathLst>
+          </a:custGeom>
+          <a:solidFill>
+            <a:srgbClr val="0E75C0">
+              <a:lumMod val="20000"/>
+              <a:lumOff val="80000"/>
+            </a:srgbClr>
+          </a:solidFill>
+          <a:ln>
+            <a:noFill/>
+          </a:ln>
+        </p:spPr>
+        <p:style>
+          <a:lnRef idx="2">
+            <a:srgbClr val="54B0F2">
+              <a:shade val="50000"/>
+            </a:srgbClr>
+          </a:lnRef>
+          <a:fillRef idx="1">
+            <a:srgbClr val="54B0F2"/>
+          </a:fillRef>
+          <a:effectRef idx="0">
+            <a:srgbClr val="54B0F2"/>
+          </a:effectRef>
+          <a:fontRef idx="minor">
+            <a:sysClr val="window" lastClr="FFFFFF"/>
+          </a:fontRef>
+        </p:style>
+        <p:txBody>
+          <a:bodyPr wrap="square" rtlCol="0" anchor="ctr">
+            <a:noAutofit/>
+          </a:bodyPr>
+          <a:p>
+            <a:pPr algn="ctr"/>
+            <a:endParaRPr lang="zh-CN" altLang="en-US">
+              <a:latin typeface="Arial" panose="020B0604020202020204" pitchFamily="34" charset="0"/>
+              <a:ea typeface="微软雅黑" panose="020B0503020204020204" pitchFamily="34" charset="-122"/>
+              <a:sym typeface="Arial" panose="020B0604020202020204" pitchFamily="34" charset="0"/>
+            </a:endParaRPr>
+          </a:p>
+        </p:txBody>
+      </p:sp>
+      <p:sp>
+        <p:nvSpPr>
+          <p:cNvPr id="32" name="直角三角形 31"/>
+          <p:cNvSpPr/>
+          <p:nvPr>
+            <p:custDataLst>
+              <p:tags r:id="rId5"/>
+            </p:custDataLst>
+          </p:nvPr>
+        </p:nvSpPr>
+        <p:spPr>
+          <a:xfrm rot="10800000" flipH="1" flipV="1">
+            <a:off x="0" y="4792345"/>
+            <a:ext cx="12193270" cy="2075815"/>
+          </a:xfrm>
+          <a:prstGeom prst="rtTriangle">
+            <a:avLst/>
+          </a:prstGeom>
+          <a:pattFill prst="dkUpDiag">
+            <a:fgClr>
+              <a:srgbClr val="0E75C0">
+                <a:lumMod val="40000"/>
+                <a:lumOff val="60000"/>
+              </a:srgbClr>
+            </a:fgClr>
+            <a:bgClr>
+              <a:sysClr val="window" lastClr="FFFFFF"/>
+            </a:bgClr>
+          </a:pattFill>
+          <a:ln>
+            <a:noFill/>
+          </a:ln>
+        </p:spPr>
+        <p:style>
+          <a:lnRef idx="2">
+            <a:srgbClr val="54B0F2">
+              <a:shade val="50000"/>
+            </a:srgbClr>
+          </a:lnRef>
+          <a:fillRef idx="1">
+            <a:srgbClr val="54B0F2"/>
+          </a:fillRef>
+          <a:effectRef idx="0">
+            <a:srgbClr val="54B0F2"/>
+          </a:effectRef>
+          <a:fontRef idx="minor">
+            <a:sysClr val="window" lastClr="FFFFFF"/>
+          </a:fontRef>
+        </p:style>
+        <p:txBody>
+          <a:bodyPr rtlCol="0" anchor="ctr"/>
+          <a:p>
+            <a:pPr algn="ctr"/>
+            <a:endParaRPr kumimoji="1" lang="zh-CN" altLang="en-US" sz="1600" b="1" dirty="0">
+              <a:solidFill>
+                <a:sysClr val="window" lastClr="FFFFFF"/>
+              </a:solidFill>
+              <a:latin typeface="Arial" panose="020B0604020202020204" pitchFamily="34" charset="0"/>
+              <a:ea typeface="微软雅黑" panose="020B0503020204020204" pitchFamily="34" charset="-122"/>
+              <a:sym typeface="Arial" panose="020B0604020202020204" pitchFamily="34" charset="0"/>
+            </a:endParaRPr>
+          </a:p>
+        </p:txBody>
+      </p:sp>
+      <p:sp>
+        <p:nvSpPr>
+          <p:cNvPr id="33" name="任意多边形: 形状 37"/>
+          <p:cNvSpPr/>
+          <p:nvPr>
+            <p:custDataLst>
+              <p:tags r:id="rId6"/>
+            </p:custDataLst>
+          </p:nvPr>
+        </p:nvSpPr>
+        <p:spPr>
+          <a:xfrm rot="10800000" flipH="1" flipV="1">
+            <a:off x="0" y="4451350"/>
+            <a:ext cx="12192000" cy="2242820"/>
+          </a:xfrm>
+          <a:custGeom>
+            <a:avLst/>
+            <a:gdLst>
+              <a:gd name="connsiteX0" fmla="*/ 0 w 12192000"/>
+              <a:gd name="connsiteY0" fmla="*/ 0 h 1562973"/>
+              <a:gd name="connsiteX1" fmla="*/ 0 w 12192000"/>
+              <a:gd name="connsiteY1" fmla="*/ 450445 h 1562973"/>
+              <a:gd name="connsiteX2" fmla="*/ 10111327 w 12192000"/>
+              <a:gd name="connsiteY2" fmla="*/ 1562973 h 1562973"/>
+              <a:gd name="connsiteX3" fmla="*/ 12192000 w 12192000"/>
+              <a:gd name="connsiteY3" fmla="*/ 1562973 h 1562973"/>
+              <a:gd name="connsiteX4" fmla="*/ 12192000 w 12192000"/>
+              <a:gd name="connsiteY4" fmla="*/ 1341460 h 1562973"/>
+            </a:gdLst>
+            <a:ahLst/>
+            <a:cxnLst>
+              <a:cxn ang="0">
+                <a:pos x="connsiteX0" y="connsiteY0"/>
+              </a:cxn>
+              <a:cxn ang="0">
+                <a:pos x="connsiteX1" y="connsiteY1"/>
+              </a:cxn>
+              <a:cxn ang="0">
+                <a:pos x="connsiteX2" y="connsiteY2"/>
+              </a:cxn>
+              <a:cxn ang="0">
+                <a:pos x="connsiteX3" y="connsiteY3"/>
+              </a:cxn>
+              <a:cxn ang="0">
+                <a:pos x="connsiteX4" y="connsiteY4"/>
+              </a:cxn>
+            </a:cxnLst>
+            <a:rect l="l" t="t" r="r" b="b"/>
+            <a:pathLst>
+              <a:path w="12192000" h="1562973">
+                <a:moveTo>
+                  <a:pt x="0" y="0"/>
+                </a:moveTo>
+                <a:lnTo>
+                  <a:pt x="0" y="450445"/>
+                </a:lnTo>
+                <a:lnTo>
+                  <a:pt x="10111327" y="1562973"/>
+                </a:lnTo>
+                <a:lnTo>
+                  <a:pt x="12192000" y="1562973"/>
+                </a:lnTo>
+                <a:lnTo>
+                  <a:pt x="12192000" y="1341460"/>
+                </a:lnTo>
+                <a:close/>
+              </a:path>
+            </a:pathLst>
+          </a:custGeom>
+          <a:solidFill>
+            <a:srgbClr val="0E75C0">
+              <a:lumMod val="20000"/>
+              <a:lumOff val="80000"/>
+              <a:alpha val="50000"/>
+            </a:srgbClr>
+          </a:solidFill>
+          <a:ln>
+            <a:noFill/>
+          </a:ln>
+        </p:spPr>
+        <p:style>
+          <a:lnRef idx="2">
+            <a:srgbClr val="54B0F2">
+              <a:shade val="50000"/>
+            </a:srgbClr>
+          </a:lnRef>
+          <a:fillRef idx="1">
+            <a:srgbClr val="54B0F2"/>
+          </a:fillRef>
+          <a:effectRef idx="0">
+            <a:srgbClr val="54B0F2"/>
+          </a:effectRef>
+          <a:fontRef idx="minor">
+            <a:sysClr val="window" lastClr="FFFFFF"/>
+          </a:fontRef>
+        </p:style>
+        <p:txBody>
+          <a:bodyPr wrap="square" rtlCol="0" anchor="ctr">
+            <a:noAutofit/>
+          </a:bodyPr>
+          <a:p>
+            <a:pPr algn="ctr"/>
+            <a:endParaRPr kumimoji="1" lang="zh-CN" altLang="en-US" sz="1600" b="1" dirty="0">
+              <a:solidFill>
+                <a:sysClr val="window" lastClr="FFFFFF"/>
+              </a:solidFill>
+              <a:latin typeface="Arial" panose="020B0604020202020204" pitchFamily="34" charset="0"/>
+              <a:ea typeface="微软雅黑" panose="020B0503020204020204" pitchFamily="34" charset="-122"/>
+              <a:sym typeface="Arial" panose="020B0604020202020204" pitchFamily="34" charset="0"/>
+            </a:endParaRPr>
+          </a:p>
+        </p:txBody>
+      </p:sp>
+      <p:sp>
+        <p:nvSpPr>
+          <p:cNvPr id="39" name="直角三角形 38"/>
+          <p:cNvSpPr/>
+          <p:nvPr>
+            <p:custDataLst>
+              <p:tags r:id="rId7"/>
+            </p:custDataLst>
+          </p:nvPr>
+        </p:nvSpPr>
+        <p:spPr>
+          <a:xfrm rot="10800000" flipV="1">
+            <a:off x="6900545" y="5101590"/>
+            <a:ext cx="5292725" cy="1766570"/>
+          </a:xfrm>
+          <a:prstGeom prst="rtTriangle">
+            <a:avLst/>
+          </a:prstGeom>
+          <a:solidFill>
+            <a:srgbClr val="0E75C0">
+              <a:alpha val="50000"/>
+            </a:srgbClr>
+          </a:solidFill>
+          <a:ln>
+            <a:noFill/>
+          </a:ln>
+        </p:spPr>
+        <p:style>
+          <a:lnRef idx="2">
+            <a:srgbClr val="54B0F2">
+              <a:shade val="50000"/>
+            </a:srgbClr>
+          </a:lnRef>
+          <a:fillRef idx="1">
+            <a:srgbClr val="54B0F2"/>
+          </a:fillRef>
+          <a:effectRef idx="0">
+            <a:srgbClr val="54B0F2"/>
+          </a:effectRef>
+          <a:fontRef idx="minor">
+            <a:sysClr val="window" lastClr="FFFFFF"/>
+          </a:fontRef>
+        </p:style>
+        <p:txBody>
+          <a:bodyPr rtlCol="0" anchor="ctr"/>
+          <a:p>
+            <a:pPr algn="ctr"/>
+            <a:endParaRPr kumimoji="1" lang="zh-CN" altLang="en-US" sz="1600" b="1">
+              <a:solidFill>
+                <a:sysClr val="window" lastClr="FFFFFF"/>
+              </a:solidFill>
+              <a:latin typeface="Arial" panose="020B0604020202020204" pitchFamily="34" charset="0"/>
+              <a:ea typeface="微软雅黑" panose="020B0503020204020204" pitchFamily="34" charset="-122"/>
+              <a:sym typeface="Arial" panose="020B0604020202020204" pitchFamily="34" charset="0"/>
+            </a:endParaRPr>
+          </a:p>
+        </p:txBody>
+      </p:sp>
+      <p:sp>
+        <p:nvSpPr>
+          <p:cNvPr id="34" name="文本框 33"/>
+          <p:cNvSpPr txBox="1"/>
+          <p:nvPr>
+            <p:custDataLst>
+              <p:tags r:id="rId8"/>
+            </p:custDataLst>
+          </p:nvPr>
+        </p:nvSpPr>
+        <p:spPr>
+          <a:xfrm>
+            <a:off x="2800350" y="2111375"/>
+            <a:ext cx="6591300" cy="1709420"/>
+          </a:xfrm>
+          <a:prstGeom prst="rect">
+            <a:avLst/>
+          </a:prstGeom>
+          <a:noFill/>
+        </p:spPr>
+        <p:txBody>
+          <a:bodyPr wrap="square" lIns="90000" tIns="46800" rIns="90000" bIns="46800" rtlCol="0" anchor="b" anchorCtr="0">
+            <a:normAutofit/>
+          </a:bodyPr>
+          <a:p>
+            <a:pPr marL="0" lvl="0" indent="0" algn="ctr" fontAlgn="ctr">
+              <a:lnSpc>
+                <a:spcPct val="120000"/>
+              </a:lnSpc>
+              <a:spcBef>
+                <a:spcPts val="0"/>
+              </a:spcBef>
+              <a:spcAft>
+                <a:spcPts val="0"/>
+              </a:spcAft>
+              <a:buSzPct val="100000"/>
+              <a:buFontTx/>
+              <a:buNone/>
+            </a:pPr>
+            <a:r>
+              <a:rPr lang="zh-CN" altLang="en-US" sz="6000" b="1" spc="150">
+                <a:solidFill>
+                  <a:sysClr val="windowText" lastClr="000000">
+                    <a:lumMod val="85000"/>
+                    <a:lumOff val="15000"/>
+                  </a:sysClr>
+                </a:solidFill>
+                <a:latin typeface="Arial" panose="020B0604020202020204" pitchFamily="34" charset="0"/>
+                <a:ea typeface="微软雅黑" panose="020B0503020204020204" pitchFamily="34" charset="-122"/>
+              </a:rPr>
+              <a:t>效果</a:t>
+            </a:r>
+            <a:r>
+              <a:rPr lang="zh-CN" altLang="en-US" sz="6000" b="1" spc="150">
+                <a:solidFill>
+                  <a:sysClr val="windowText" lastClr="000000">
+                    <a:lumMod val="85000"/>
+                    <a:lumOff val="15000"/>
+                  </a:sysClr>
+                </a:solidFill>
+                <a:latin typeface="Arial" panose="020B0604020202020204" pitchFamily="34" charset="0"/>
+                <a:ea typeface="微软雅黑" panose="020B0503020204020204" pitchFamily="34" charset="-122"/>
+              </a:rPr>
+              <a:t>展示</a:t>
+            </a:r>
+            <a:endParaRPr lang="zh-CN" altLang="en-US" sz="6000" b="1" spc="150">
+              <a:solidFill>
+                <a:sysClr val="windowText" lastClr="000000">
+                  <a:lumMod val="85000"/>
+                  <a:lumOff val="15000"/>
+                </a:sysClr>
+              </a:solidFill>
+              <a:latin typeface="Arial" panose="020B0604020202020204" pitchFamily="34" charset="0"/>
+              <a:ea typeface="微软雅黑" panose="020B0503020204020204" pitchFamily="34" charset="-122"/>
+            </a:endParaRPr>
+          </a:p>
+        </p:txBody>
+      </p:sp>
     </p:spTree>
     <p:custDataLst>
-      <p:tags r:id="rId1"/>
+      <p:tags r:id="rId9"/>
     </p:custDataLst>
   </p:cSld>
   <p:clrMapOvr>
@@ -3674,7 +4618,495 @@
 </p:sld>
 </file>
 
-<file path=ppt/slides/slide2.xml><?xml version="1.0" encoding="utf-8"?>
+<file path=ppt/slides/slide13.xml><?xml version="1.0" encoding="utf-8"?>
+<p:sld xmlns:a="http://schemas.openxmlformats.org/drawingml/2006/main" xmlns:r="http://schemas.openxmlformats.org/officeDocument/2006/relationships" xmlns:p="http://schemas.openxmlformats.org/presentationml/2006/main">
+  <p:cSld>
+    <p:spTree>
+      <p:nvGrpSpPr>
+        <p:cNvPr id="1" name=""/>
+        <p:cNvGrpSpPr/>
+        <p:nvPr/>
+      </p:nvGrpSpPr>
+      <p:grpSpPr>
+        <a:xfrm>
+          <a:off x="0" y="0"/>
+          <a:ext cx="0" cy="0"/>
+          <a:chOff x="0" y="0"/>
+          <a:chExt cx="0" cy="0"/>
+        </a:xfrm>
+      </p:grpSpPr>
+      <p:sp>
+        <p:nvSpPr>
+          <p:cNvPr id="4" name="矩形 3"/>
+          <p:cNvSpPr/>
+          <p:nvPr/>
+        </p:nvSpPr>
+        <p:spPr>
+          <a:xfrm>
+            <a:off x="1126434" y="861391"/>
+            <a:ext cx="10323443" cy="927652"/>
+          </a:xfrm>
+          <a:prstGeom prst="rect">
+            <a:avLst/>
+          </a:prstGeom>
+        </p:spPr>
+        <p:style>
+          <a:lnRef idx="2">
+            <a:schemeClr val="accent5">
+              <a:shade val="50000"/>
+            </a:schemeClr>
+          </a:lnRef>
+          <a:fillRef idx="1">
+            <a:schemeClr val="accent5"/>
+          </a:fillRef>
+          <a:effectRef idx="0">
+            <a:schemeClr val="accent5"/>
+          </a:effectRef>
+          <a:fontRef idx="minor">
+            <a:schemeClr val="lt1"/>
+          </a:fontRef>
+        </p:style>
+        <p:txBody>
+          <a:bodyPr rtlCol="0" anchor="ctr"/>
+          <a:lstStyle/>
+          <a:p>
+            <a:pPr algn="ctr"/>
+            <a:r>
+              <a:rPr lang="en-US" altLang="zh-CN" dirty="0" smtClean="0">
+                <a:solidFill>
+                  <a:schemeClr val="tx1"/>
+                </a:solidFill>
+              </a:rPr>
+              <a:t>Action Area</a:t>
+            </a:r>
+            <a:endParaRPr lang="zh-CN" altLang="en-US" dirty="0">
+              <a:solidFill>
+                <a:schemeClr val="tx1"/>
+              </a:solidFill>
+            </a:endParaRPr>
+          </a:p>
+        </p:txBody>
+      </p:sp>
+      <p:sp>
+        <p:nvSpPr>
+          <p:cNvPr id="5" name="矩形 4"/>
+          <p:cNvSpPr/>
+          <p:nvPr/>
+        </p:nvSpPr>
+        <p:spPr>
+          <a:xfrm>
+            <a:off x="1126435" y="1921564"/>
+            <a:ext cx="1762539" cy="4359966"/>
+          </a:xfrm>
+          <a:prstGeom prst="rect">
+            <a:avLst/>
+          </a:prstGeom>
+        </p:spPr>
+        <p:style>
+          <a:lnRef idx="2">
+            <a:schemeClr val="accent3">
+              <a:shade val="50000"/>
+            </a:schemeClr>
+          </a:lnRef>
+          <a:fillRef idx="1">
+            <a:schemeClr val="accent3"/>
+          </a:fillRef>
+          <a:effectRef idx="0">
+            <a:schemeClr val="accent3"/>
+          </a:effectRef>
+          <a:fontRef idx="minor">
+            <a:schemeClr val="lt1"/>
+          </a:fontRef>
+        </p:style>
+        <p:txBody>
+          <a:bodyPr rtlCol="0" anchor="ctr"/>
+          <a:lstStyle/>
+          <a:p>
+            <a:pPr algn="ctr"/>
+            <a:r>
+              <a:rPr lang="en-US" altLang="zh-CN" b="1" dirty="0" smtClean="0">
+                <a:solidFill>
+                  <a:schemeClr val="tx1"/>
+                </a:solidFill>
+              </a:rPr>
+              <a:t>Guide Area</a:t>
+            </a:r>
+            <a:endParaRPr lang="zh-CN" altLang="en-US" b="1" dirty="0">
+              <a:solidFill>
+                <a:schemeClr val="tx1"/>
+              </a:solidFill>
+            </a:endParaRPr>
+          </a:p>
+        </p:txBody>
+      </p:sp>
+      <p:sp>
+        <p:nvSpPr>
+          <p:cNvPr id="6" name="矩形 5"/>
+          <p:cNvSpPr/>
+          <p:nvPr/>
+        </p:nvSpPr>
+        <p:spPr>
+          <a:xfrm>
+            <a:off x="2994991" y="1921564"/>
+            <a:ext cx="6586331" cy="4359966"/>
+          </a:xfrm>
+          <a:prstGeom prst="rect">
+            <a:avLst/>
+          </a:prstGeom>
+        </p:spPr>
+        <p:style>
+          <a:lnRef idx="2">
+            <a:schemeClr val="accent6">
+              <a:shade val="50000"/>
+            </a:schemeClr>
+          </a:lnRef>
+          <a:fillRef idx="1">
+            <a:schemeClr val="accent6"/>
+          </a:fillRef>
+          <a:effectRef idx="0">
+            <a:schemeClr val="accent6"/>
+          </a:effectRef>
+          <a:fontRef idx="minor">
+            <a:schemeClr val="lt1"/>
+          </a:fontRef>
+        </p:style>
+        <p:txBody>
+          <a:bodyPr rtlCol="0" anchor="ctr"/>
+          <a:lstStyle/>
+          <a:p>
+            <a:pPr algn="ctr"/>
+            <a:r>
+              <a:rPr lang="en-US" altLang="zh-CN" b="1" dirty="0" smtClean="0">
+                <a:solidFill>
+                  <a:schemeClr val="tx1"/>
+                </a:solidFill>
+              </a:rPr>
+              <a:t>Work Area</a:t>
+            </a:r>
+            <a:endParaRPr lang="zh-CN" altLang="en-US" b="1" dirty="0">
+              <a:solidFill>
+                <a:schemeClr val="tx1"/>
+              </a:solidFill>
+            </a:endParaRPr>
+          </a:p>
+        </p:txBody>
+      </p:sp>
+      <p:sp>
+        <p:nvSpPr>
+          <p:cNvPr id="7" name="矩形 6"/>
+          <p:cNvSpPr/>
+          <p:nvPr/>
+        </p:nvSpPr>
+        <p:spPr>
+          <a:xfrm>
+            <a:off x="9687339" y="1921564"/>
+            <a:ext cx="1762539" cy="4359966"/>
+          </a:xfrm>
+          <a:prstGeom prst="rect">
+            <a:avLst/>
+          </a:prstGeom>
+        </p:spPr>
+        <p:style>
+          <a:lnRef idx="2">
+            <a:schemeClr val="accent4">
+              <a:shade val="50000"/>
+            </a:schemeClr>
+          </a:lnRef>
+          <a:fillRef idx="1">
+            <a:schemeClr val="accent4"/>
+          </a:fillRef>
+          <a:effectRef idx="0">
+            <a:schemeClr val="accent4"/>
+          </a:effectRef>
+          <a:fontRef idx="minor">
+            <a:schemeClr val="lt1"/>
+          </a:fontRef>
+        </p:style>
+        <p:txBody>
+          <a:bodyPr rtlCol="0" anchor="ctr"/>
+          <a:lstStyle/>
+          <a:p>
+            <a:pPr algn="ctr"/>
+            <a:r>
+              <a:rPr lang="en-US" altLang="zh-CN" dirty="0" smtClean="0">
+                <a:solidFill>
+                  <a:schemeClr val="tx1"/>
+                </a:solidFill>
+              </a:rPr>
+              <a:t>Setting Area</a:t>
+            </a:r>
+            <a:endParaRPr lang="zh-CN" altLang="en-US" dirty="0">
+              <a:solidFill>
+                <a:schemeClr val="tx1"/>
+              </a:solidFill>
+            </a:endParaRPr>
+          </a:p>
+        </p:txBody>
+      </p:sp>
+      <p:sp>
+        <p:nvSpPr>
+          <p:cNvPr id="8" name="文本框 7"/>
+          <p:cNvSpPr txBox="1"/>
+          <p:nvPr/>
+        </p:nvSpPr>
+        <p:spPr>
+          <a:xfrm>
+            <a:off x="5925185" y="4283710"/>
+            <a:ext cx="2491105" cy="381000"/>
+          </a:xfrm>
+          <a:prstGeom prst="rect">
+            <a:avLst/>
+          </a:prstGeom>
+          <a:noFill/>
+        </p:spPr>
+        <p:txBody>
+          <a:bodyPr wrap="square" rtlCol="0">
+            <a:noAutofit/>
+          </a:bodyPr>
+          <a:lstStyle/>
+          <a:p>
+            <a:pPr marL="285750" indent="-285750">
+              <a:buFont typeface="Arial" panose="020B0604020202020204" pitchFamily="34" charset="0"/>
+              <a:buChar char="•"/>
+            </a:pPr>
+            <a:r>
+              <a:rPr lang="en-US" altLang="zh-CN" dirty="0" err="1" smtClean="0"/>
+              <a:t>WorkFlowArea</a:t>
+            </a:r>
+            <a:endParaRPr lang="zh-CN" altLang="en-US" dirty="0"/>
+          </a:p>
+        </p:txBody>
+      </p:sp>
+      <p:sp>
+        <p:nvSpPr>
+          <p:cNvPr id="9" name="文本框 8"/>
+          <p:cNvSpPr txBox="1"/>
+          <p:nvPr/>
+        </p:nvSpPr>
+        <p:spPr>
+          <a:xfrm>
+            <a:off x="5925185" y="4886325"/>
+            <a:ext cx="2491105" cy="375920"/>
+          </a:xfrm>
+          <a:prstGeom prst="rect">
+            <a:avLst/>
+          </a:prstGeom>
+          <a:noFill/>
+        </p:spPr>
+        <p:txBody>
+          <a:bodyPr wrap="square" rtlCol="0">
+            <a:noAutofit/>
+          </a:bodyPr>
+          <a:lstStyle/>
+          <a:p>
+            <a:pPr marL="285750" indent="-285750">
+              <a:buFont typeface="Arial" panose="020B0604020202020204" pitchFamily="34" charset="0"/>
+              <a:buChar char="•"/>
+            </a:pPr>
+            <a:r>
+              <a:rPr lang="en-US" altLang="zh-CN" dirty="0" err="1" smtClean="0"/>
+              <a:t>ChartArea</a:t>
+            </a:r>
+            <a:endParaRPr lang="zh-CN" altLang="en-US" dirty="0"/>
+          </a:p>
+        </p:txBody>
+      </p:sp>
+      <p:sp>
+        <p:nvSpPr>
+          <p:cNvPr id="10" name="文本框 9"/>
+          <p:cNvSpPr txBox="1"/>
+          <p:nvPr/>
+        </p:nvSpPr>
+        <p:spPr>
+          <a:xfrm>
+            <a:off x="5925185" y="5483860"/>
+            <a:ext cx="2491105" cy="375920"/>
+          </a:xfrm>
+          <a:prstGeom prst="rect">
+            <a:avLst/>
+          </a:prstGeom>
+          <a:noFill/>
+        </p:spPr>
+        <p:txBody>
+          <a:bodyPr wrap="square" rtlCol="0">
+            <a:noAutofit/>
+          </a:bodyPr>
+          <a:lstStyle/>
+          <a:p>
+            <a:pPr marL="285750" indent="-285750">
+              <a:buFont typeface="Arial" panose="020B0604020202020204" pitchFamily="34" charset="0"/>
+              <a:buChar char="•"/>
+            </a:pPr>
+            <a:r>
+              <a:rPr lang="en-US" altLang="zh-CN" dirty="0" err="1" smtClean="0"/>
+              <a:t>TableArea</a:t>
+            </a:r>
+            <a:endParaRPr lang="zh-CN" altLang="en-US" dirty="0"/>
+          </a:p>
+        </p:txBody>
+      </p:sp>
+      <p:sp>
+        <p:nvSpPr>
+          <p:cNvPr id="11" name="矩形 10"/>
+          <p:cNvSpPr/>
+          <p:nvPr/>
+        </p:nvSpPr>
+        <p:spPr>
+          <a:xfrm>
+            <a:off x="1126434" y="1921564"/>
+            <a:ext cx="368853" cy="212036"/>
+          </a:xfrm>
+          <a:prstGeom prst="rect">
+            <a:avLst/>
+          </a:prstGeom>
+        </p:spPr>
+        <p:style>
+          <a:lnRef idx="2">
+            <a:schemeClr val="accent2">
+              <a:shade val="50000"/>
+            </a:schemeClr>
+          </a:lnRef>
+          <a:fillRef idx="1">
+            <a:schemeClr val="accent2"/>
+          </a:fillRef>
+          <a:effectRef idx="0">
+            <a:schemeClr val="accent2"/>
+          </a:effectRef>
+          <a:fontRef idx="minor">
+            <a:schemeClr val="lt1"/>
+          </a:fontRef>
+        </p:style>
+        <p:txBody>
+          <a:bodyPr rtlCol="0" anchor="ctr"/>
+          <a:lstStyle/>
+          <a:p>
+            <a:pPr algn="ctr"/>
+            <a:endParaRPr lang="zh-CN" altLang="en-US"/>
+          </a:p>
+        </p:txBody>
+      </p:sp>
+      <p:sp>
+        <p:nvSpPr>
+          <p:cNvPr id="12" name="矩形 11"/>
+          <p:cNvSpPr/>
+          <p:nvPr/>
+        </p:nvSpPr>
+        <p:spPr>
+          <a:xfrm>
+            <a:off x="1495288" y="1921564"/>
+            <a:ext cx="437322" cy="212036"/>
+          </a:xfrm>
+          <a:prstGeom prst="rect">
+            <a:avLst/>
+          </a:prstGeom>
+        </p:spPr>
+        <p:style>
+          <a:lnRef idx="2">
+            <a:schemeClr val="accent2">
+              <a:shade val="50000"/>
+            </a:schemeClr>
+          </a:lnRef>
+          <a:fillRef idx="1">
+            <a:schemeClr val="accent2"/>
+          </a:fillRef>
+          <a:effectRef idx="0">
+            <a:schemeClr val="accent2"/>
+          </a:effectRef>
+          <a:fontRef idx="minor">
+            <a:schemeClr val="lt1"/>
+          </a:fontRef>
+        </p:style>
+        <p:txBody>
+          <a:bodyPr rtlCol="0" anchor="ctr"/>
+          <a:lstStyle/>
+          <a:p>
+            <a:pPr algn="ctr"/>
+            <a:endParaRPr lang="zh-CN" altLang="en-US"/>
+          </a:p>
+        </p:txBody>
+      </p:sp>
+      <p:sp>
+        <p:nvSpPr>
+          <p:cNvPr id="13" name="矩形 12"/>
+          <p:cNvSpPr/>
+          <p:nvPr/>
+        </p:nvSpPr>
+        <p:spPr>
+          <a:xfrm>
+            <a:off x="1932610" y="1921564"/>
+            <a:ext cx="474869" cy="212036"/>
+          </a:xfrm>
+          <a:prstGeom prst="rect">
+            <a:avLst/>
+          </a:prstGeom>
+        </p:spPr>
+        <p:style>
+          <a:lnRef idx="2">
+            <a:schemeClr val="accent2">
+              <a:shade val="50000"/>
+            </a:schemeClr>
+          </a:lnRef>
+          <a:fillRef idx="1">
+            <a:schemeClr val="accent2"/>
+          </a:fillRef>
+          <a:effectRef idx="0">
+            <a:schemeClr val="accent2"/>
+          </a:effectRef>
+          <a:fontRef idx="minor">
+            <a:schemeClr val="lt1"/>
+          </a:fontRef>
+        </p:style>
+        <p:txBody>
+          <a:bodyPr rtlCol="0" anchor="ctr"/>
+          <a:lstStyle/>
+          <a:p>
+            <a:pPr algn="ctr"/>
+            <a:endParaRPr lang="zh-CN" altLang="en-US"/>
+          </a:p>
+        </p:txBody>
+      </p:sp>
+      <p:sp>
+        <p:nvSpPr>
+          <p:cNvPr id="15" name="矩形 14"/>
+          <p:cNvSpPr/>
+          <p:nvPr/>
+        </p:nvSpPr>
+        <p:spPr>
+          <a:xfrm>
+            <a:off x="41351" y="1842916"/>
+            <a:ext cx="1084143" cy="369332"/>
+          </a:xfrm>
+          <a:prstGeom prst="rect">
+            <a:avLst/>
+          </a:prstGeom>
+        </p:spPr>
+        <p:txBody>
+          <a:bodyPr wrap="none">
+            <a:spAutoFit/>
+          </a:bodyPr>
+          <a:lstStyle/>
+          <a:p>
+            <a:r>
+              <a:rPr lang="en-US" altLang="zh-CN" b="1" dirty="0" err="1" smtClean="0">
+                <a:solidFill>
+                  <a:schemeClr val="tx1"/>
+                </a:solidFill>
+              </a:rPr>
+              <a:t>GuideTab</a:t>
+            </a:r>
+            <a:endParaRPr lang="zh-CN" altLang="en-US" dirty="0"/>
+          </a:p>
+        </p:txBody>
+      </p:sp>
+    </p:spTree>
+  </p:cSld>
+  <p:clrMapOvr>
+    <a:masterClrMapping/>
+  </p:clrMapOvr>
+</p:sld>
+</file>
+
+<file path=ppt/slides/slide14.xml><?xml version="1.0" encoding="utf-8"?>
 <p:sld xmlns:a="http://schemas.openxmlformats.org/drawingml/2006/main" xmlns:r="http://schemas.openxmlformats.org/officeDocument/2006/relationships" xmlns:p="http://schemas.openxmlformats.org/presentationml/2006/main">
   <p:cSld>
     <p:spTree>
@@ -4957,36 +6389,6 @@
           </p:style>
         </p:cxnSp>
       </p:grpSp>
-      <p:sp>
-        <p:nvSpPr>
-          <p:cNvPr id="22" name="文本框 21"/>
-          <p:cNvSpPr txBox="1"/>
-          <p:nvPr/>
-        </p:nvSpPr>
-        <p:spPr>
-          <a:xfrm>
-            <a:off x="774743" y="80627"/>
-            <a:ext cx="3548362" cy="369332"/>
-          </a:xfrm>
-          <a:prstGeom prst="rect">
-            <a:avLst/>
-          </a:prstGeom>
-          <a:noFill/>
-        </p:spPr>
-        <p:txBody>
-          <a:bodyPr wrap="square" rtlCol="0">
-            <a:spAutoFit/>
-          </a:bodyPr>
-          <a:lstStyle/>
-          <a:p>
-            <a:r>
-              <a:rPr lang="en-US" altLang="zh-CN" dirty="0" err="1"/>
-              <a:t>DAWorkFlowNodeListWidget</a:t>
-            </a:r>
-            <a:endParaRPr lang="zh-CN" altLang="en-US" dirty="0"/>
-          </a:p>
-        </p:txBody>
-      </p:sp>
     </p:spTree>
   </p:cSld>
   <p:clrMapOvr>
@@ -4995,7 +6397,538 @@
 </p:sld>
 </file>
 
+<file path=ppt/slides/slide15.xml><?xml version="1.0" encoding="utf-8"?>
+<p:sld xmlns:a="http://schemas.openxmlformats.org/drawingml/2006/main" xmlns:r="http://schemas.openxmlformats.org/officeDocument/2006/relationships" xmlns:p="http://schemas.openxmlformats.org/presentationml/2006/main">
+  <p:cSld>
+    <p:spTree>
+      <p:nvGrpSpPr>
+        <p:cNvPr id="1" name=""/>
+        <p:cNvGrpSpPr/>
+        <p:nvPr/>
+      </p:nvGrpSpPr>
+      <p:grpSpPr>
+        <a:xfrm>
+          <a:off x="0" y="0"/>
+          <a:ext cx="0" cy="0"/>
+          <a:chOff x="0" y="0"/>
+          <a:chExt cx="0" cy="0"/>
+        </a:xfrm>
+      </p:grpSpPr>
+    </p:spTree>
+    <p:custDataLst>
+      <p:tags r:id="rId1"/>
+    </p:custDataLst>
+  </p:cSld>
+  <p:clrMapOvr>
+    <a:masterClrMapping/>
+  </p:clrMapOvr>
+</p:sld>
+</file>
+
+<file path=ppt/slides/slide2.xml><?xml version="1.0" encoding="utf-8"?>
+<p:sld xmlns:a="http://schemas.openxmlformats.org/drawingml/2006/main" xmlns:r="http://schemas.openxmlformats.org/officeDocument/2006/relationships" xmlns:p="http://schemas.openxmlformats.org/presentationml/2006/main">
+  <p:cSld>
+    <p:spTree>
+      <p:nvGrpSpPr>
+        <p:cNvPr id="1" name=""/>
+        <p:cNvGrpSpPr/>
+        <p:nvPr/>
+      </p:nvGrpSpPr>
+      <p:grpSpPr>
+        <a:xfrm>
+          <a:off x="0" y="0"/>
+          <a:ext cx="0" cy="0"/>
+          <a:chOff x="0" y="0"/>
+          <a:chExt cx="0" cy="0"/>
+        </a:xfrm>
+      </p:grpSpPr>
+      <p:sp>
+        <p:nvSpPr>
+          <p:cNvPr id="2" name="文本框 1"/>
+          <p:cNvSpPr txBox="1"/>
+          <p:nvPr/>
+        </p:nvSpPr>
+        <p:spPr>
+          <a:xfrm>
+            <a:off x="800100" y="6104890"/>
+            <a:ext cx="10851515" cy="460375"/>
+          </a:xfrm>
+          <a:prstGeom prst="rect">
+            <a:avLst/>
+          </a:prstGeom>
+          <a:noFill/>
+        </p:spPr>
+        <p:txBody>
+          <a:bodyPr wrap="square" rtlCol="0">
+            <a:spAutoFit/>
+          </a:bodyPr>
+          <a:p>
+            <a:pPr algn="ctr">
+              <a:buClrTx/>
+              <a:buSzTx/>
+              <a:buFontTx/>
+            </a:pPr>
+            <a:r>
+              <a:rPr lang="en-US" altLang="zh-CN" sz="2400">
+                <a:latin typeface="微软雅黑" panose="020B0503020204020204" pitchFamily="34" charset="-122"/>
+                <a:ea typeface="微软雅黑" panose="020B0503020204020204" pitchFamily="34" charset="-122"/>
+                <a:cs typeface="微软雅黑" panose="020B0503020204020204" pitchFamily="34" charset="-122"/>
+                <a:sym typeface="+mn-ea"/>
+              </a:rPr>
+              <a:t>Excel</a:t>
+            </a:r>
+            <a:r>
+              <a:rPr lang="en-US" altLang="zh-CN" sz="2400">
+                <a:latin typeface="微软雅黑" panose="020B0503020204020204" pitchFamily="34" charset="-122"/>
+                <a:ea typeface="微软雅黑" panose="020B0503020204020204" pitchFamily="34" charset="-122"/>
+                <a:cs typeface="微软雅黑" panose="020B0503020204020204" pitchFamily="34" charset="-122"/>
+                <a:sym typeface="+mn-ea"/>
+              </a:rPr>
+              <a:t>为代表的基于</a:t>
+            </a:r>
+            <a:r>
+              <a:rPr lang="zh-CN" altLang="en-US" sz="2400">
+                <a:latin typeface="微软雅黑" panose="020B0503020204020204" pitchFamily="34" charset="-122"/>
+                <a:ea typeface="微软雅黑" panose="020B0503020204020204" pitchFamily="34" charset="-122"/>
+                <a:cs typeface="微软雅黑" panose="020B0503020204020204" pitchFamily="34" charset="-122"/>
+                <a:sym typeface="+mn-ea"/>
+              </a:rPr>
+              <a:t>表</a:t>
+            </a:r>
+            <a:r>
+              <a:rPr lang="zh-CN" altLang="en-US" sz="2400">
+                <a:latin typeface="微软雅黑" panose="020B0503020204020204" pitchFamily="34" charset="-122"/>
+                <a:ea typeface="微软雅黑" panose="020B0503020204020204" pitchFamily="34" charset="-122"/>
+                <a:cs typeface="微软雅黑" panose="020B0503020204020204" pitchFamily="34" charset="-122"/>
+                <a:sym typeface="+mn-ea"/>
+              </a:rPr>
+              <a:t>格的数据分析和可视化</a:t>
+            </a:r>
+            <a:endParaRPr lang="zh-CN" altLang="en-US" sz="2400">
+              <a:latin typeface="微软雅黑" panose="020B0503020204020204" pitchFamily="34" charset="-122"/>
+              <a:ea typeface="微软雅黑" panose="020B0503020204020204" pitchFamily="34" charset="-122"/>
+              <a:cs typeface="微软雅黑" panose="020B0503020204020204" pitchFamily="34" charset="-122"/>
+              <a:sym typeface="+mn-ea"/>
+            </a:endParaRPr>
+          </a:p>
+        </p:txBody>
+      </p:sp>
+      <p:pic>
+        <p:nvPicPr>
+          <p:cNvPr id="102" name="图片 101"/>
+          <p:cNvPicPr/>
+          <p:nvPr>
+            <p:custDataLst>
+              <p:tags r:id="rId1"/>
+            </p:custDataLst>
+          </p:nvPr>
+        </p:nvPicPr>
+        <p:blipFill>
+          <a:blip r:embed="rId2"/>
+          <a:stretch>
+            <a:fillRect/>
+          </a:stretch>
+        </p:blipFill>
+        <p:spPr>
+          <a:xfrm>
+            <a:off x="2892425" y="1050290"/>
+            <a:ext cx="6407785" cy="4758055"/>
+          </a:xfrm>
+          <a:prstGeom prst="rect">
+            <a:avLst/>
+          </a:prstGeom>
+          <a:noFill/>
+          <a:ln w="9525">
+            <a:noFill/>
+          </a:ln>
+        </p:spPr>
+      </p:pic>
+    </p:spTree>
+    <p:custDataLst>
+      <p:tags r:id="rId3"/>
+    </p:custDataLst>
+  </p:cSld>
+  <p:clrMapOvr>
+    <a:masterClrMapping/>
+  </p:clrMapOvr>
+</p:sld>
+</file>
+
 <file path=ppt/slides/slide3.xml><?xml version="1.0" encoding="utf-8"?>
+<p:sld xmlns:a="http://schemas.openxmlformats.org/drawingml/2006/main" xmlns:r="http://schemas.openxmlformats.org/officeDocument/2006/relationships" xmlns:p="http://schemas.openxmlformats.org/presentationml/2006/main">
+  <p:cSld>
+    <p:spTree>
+      <p:nvGrpSpPr>
+        <p:cNvPr id="1" name=""/>
+        <p:cNvGrpSpPr/>
+        <p:nvPr/>
+      </p:nvGrpSpPr>
+      <p:grpSpPr>
+        <a:xfrm>
+          <a:off x="0" y="0"/>
+          <a:ext cx="0" cy="0"/>
+          <a:chOff x="0" y="0"/>
+          <a:chExt cx="0" cy="0"/>
+        </a:xfrm>
+      </p:grpSpPr>
+      <p:pic>
+        <p:nvPicPr>
+          <p:cNvPr id="100" name="图片 99"/>
+          <p:cNvPicPr/>
+          <p:nvPr>
+            <p:custDataLst>
+              <p:tags r:id="rId1"/>
+            </p:custDataLst>
+          </p:nvPr>
+        </p:nvPicPr>
+        <p:blipFill>
+          <a:blip r:embed="rId2"/>
+          <a:srcRect l="8964" r="9911"/>
+          <a:stretch>
+            <a:fillRect/>
+          </a:stretch>
+        </p:blipFill>
+        <p:spPr>
+          <a:xfrm>
+            <a:off x="1484630" y="816610"/>
+            <a:ext cx="9222105" cy="5012690"/>
+          </a:xfrm>
+          <a:prstGeom prst="rect">
+            <a:avLst/>
+          </a:prstGeom>
+          <a:noFill/>
+          <a:ln w="9525">
+            <a:noFill/>
+          </a:ln>
+        </p:spPr>
+      </p:pic>
+      <p:sp>
+        <p:nvSpPr>
+          <p:cNvPr id="2" name="文本框 1"/>
+          <p:cNvSpPr txBox="1"/>
+          <p:nvPr/>
+        </p:nvSpPr>
+        <p:spPr>
+          <a:xfrm>
+            <a:off x="800100" y="6104890"/>
+            <a:ext cx="10851515" cy="460375"/>
+          </a:xfrm>
+          <a:prstGeom prst="rect">
+            <a:avLst/>
+          </a:prstGeom>
+          <a:noFill/>
+        </p:spPr>
+        <p:txBody>
+          <a:bodyPr wrap="square" rtlCol="0">
+            <a:spAutoFit/>
+          </a:bodyPr>
+          <a:p>
+            <a:pPr lvl="0" algn="ctr">
+              <a:buClrTx/>
+              <a:buSzTx/>
+              <a:buFontTx/>
+            </a:pPr>
+            <a:r>
+              <a:rPr lang="en-US" altLang="zh-CN" sz="2400">
+                <a:latin typeface="微软雅黑" panose="020B0503020204020204" pitchFamily="34" charset="-122"/>
+                <a:ea typeface="微软雅黑" panose="020B0503020204020204" pitchFamily="34" charset="-122"/>
+                <a:cs typeface="微软雅黑" panose="020B0503020204020204" pitchFamily="34" charset="-122"/>
+                <a:sym typeface="+mn-ea"/>
+              </a:rPr>
+              <a:t>Origin</a:t>
+            </a:r>
+            <a:r>
+              <a:rPr lang="en-US" altLang="zh-CN" sz="2400">
+                <a:latin typeface="微软雅黑" panose="020B0503020204020204" pitchFamily="34" charset="-122"/>
+                <a:ea typeface="微软雅黑" panose="020B0503020204020204" pitchFamily="34" charset="-122"/>
+                <a:cs typeface="微软雅黑" panose="020B0503020204020204" pitchFamily="34" charset="-122"/>
+                <a:sym typeface="+mn-ea"/>
+              </a:rPr>
+              <a:t>为代表的基于命令菜单的科学绘图软，针对重复性的数据分析不友好</a:t>
+            </a:r>
+            <a:endParaRPr lang="en-US" altLang="zh-CN" sz="2400">
+              <a:latin typeface="微软雅黑" panose="020B0503020204020204" pitchFamily="34" charset="-122"/>
+              <a:ea typeface="微软雅黑" panose="020B0503020204020204" pitchFamily="34" charset="-122"/>
+              <a:cs typeface="微软雅黑" panose="020B0503020204020204" pitchFamily="34" charset="-122"/>
+              <a:sym typeface="+mn-ea"/>
+            </a:endParaRPr>
+          </a:p>
+        </p:txBody>
+      </p:sp>
+    </p:spTree>
+    <p:custDataLst>
+      <p:tags r:id="rId3"/>
+    </p:custDataLst>
+  </p:cSld>
+  <p:clrMapOvr>
+    <a:masterClrMapping/>
+  </p:clrMapOvr>
+</p:sld>
+</file>
+
+<file path=ppt/slides/slide4.xml><?xml version="1.0" encoding="utf-8"?>
+<p:sld xmlns:a="http://schemas.openxmlformats.org/drawingml/2006/main" xmlns:r="http://schemas.openxmlformats.org/officeDocument/2006/relationships" xmlns:p="http://schemas.openxmlformats.org/presentationml/2006/main">
+  <p:cSld>
+    <p:spTree>
+      <p:nvGrpSpPr>
+        <p:cNvPr id="1" name=""/>
+        <p:cNvGrpSpPr/>
+        <p:nvPr/>
+      </p:nvGrpSpPr>
+      <p:grpSpPr>
+        <a:xfrm>
+          <a:off x="0" y="0"/>
+          <a:ext cx="0" cy="0"/>
+          <a:chOff x="0" y="0"/>
+          <a:chExt cx="0" cy="0"/>
+        </a:xfrm>
+      </p:grpSpPr>
+      <p:sp>
+        <p:nvSpPr>
+          <p:cNvPr id="2" name="文本框 1"/>
+          <p:cNvSpPr txBox="1"/>
+          <p:nvPr/>
+        </p:nvSpPr>
+        <p:spPr>
+          <a:xfrm>
+            <a:off x="783590" y="6104890"/>
+            <a:ext cx="10133330" cy="460375"/>
+          </a:xfrm>
+          <a:prstGeom prst="rect">
+            <a:avLst/>
+          </a:prstGeom>
+          <a:noFill/>
+        </p:spPr>
+        <p:txBody>
+          <a:bodyPr wrap="square" rtlCol="0">
+            <a:spAutoFit/>
+          </a:bodyPr>
+          <a:p>
+            <a:pPr algn="ctr"/>
+            <a:r>
+              <a:rPr lang="en-US" altLang="zh-CN" sz="2400">
+                <a:latin typeface="微软雅黑" panose="020B0503020204020204" pitchFamily="34" charset="-122"/>
+                <a:ea typeface="微软雅黑" panose="020B0503020204020204" pitchFamily="34" charset="-122"/>
+                <a:cs typeface="微软雅黑" panose="020B0503020204020204" pitchFamily="34" charset="-122"/>
+              </a:rPr>
+              <a:t>Orange3</a:t>
+            </a:r>
+            <a:r>
+              <a:rPr lang="zh-CN" altLang="en-US" sz="2400">
+                <a:latin typeface="微软雅黑" panose="020B0503020204020204" pitchFamily="34" charset="-122"/>
+                <a:ea typeface="微软雅黑" panose="020B0503020204020204" pitchFamily="34" charset="-122"/>
+                <a:cs typeface="微软雅黑" panose="020B0503020204020204" pitchFamily="34" charset="-122"/>
+              </a:rPr>
+              <a:t>为代表的基于工作流的数据分析软件，可以定制流程和绘图</a:t>
+            </a:r>
+            <a:endParaRPr lang="zh-CN" altLang="en-US" sz="2400">
+              <a:latin typeface="微软雅黑" panose="020B0503020204020204" pitchFamily="34" charset="-122"/>
+              <a:ea typeface="微软雅黑" panose="020B0503020204020204" pitchFamily="34" charset="-122"/>
+              <a:cs typeface="微软雅黑" panose="020B0503020204020204" pitchFamily="34" charset="-122"/>
+            </a:endParaRPr>
+          </a:p>
+        </p:txBody>
+      </p:sp>
+      <p:pic>
+        <p:nvPicPr>
+          <p:cNvPr id="101" name="图片 100"/>
+          <p:cNvPicPr/>
+          <p:nvPr>
+            <p:custDataLst>
+              <p:tags r:id="rId1"/>
+            </p:custDataLst>
+          </p:nvPr>
+        </p:nvPicPr>
+        <p:blipFill>
+          <a:blip r:embed="rId2"/>
+          <a:stretch>
+            <a:fillRect/>
+          </a:stretch>
+        </p:blipFill>
+        <p:spPr>
+          <a:xfrm>
+            <a:off x="1519238" y="671513"/>
+            <a:ext cx="8772525" cy="5133975"/>
+          </a:xfrm>
+          <a:prstGeom prst="rect">
+            <a:avLst/>
+          </a:prstGeom>
+          <a:noFill/>
+          <a:ln w="9525">
+            <a:noFill/>
+          </a:ln>
+        </p:spPr>
+      </p:pic>
+    </p:spTree>
+    <p:custDataLst>
+      <p:tags r:id="rId3"/>
+    </p:custDataLst>
+  </p:cSld>
+  <p:clrMapOvr>
+    <a:masterClrMapping/>
+  </p:clrMapOvr>
+</p:sld>
+</file>
+
+<file path=ppt/slides/slide5.xml><?xml version="1.0" encoding="utf-8"?>
+<p:sld xmlns:a="http://schemas.openxmlformats.org/drawingml/2006/main" xmlns:r="http://schemas.openxmlformats.org/officeDocument/2006/relationships" xmlns:p="http://schemas.openxmlformats.org/presentationml/2006/main">
+  <p:cSld>
+    <p:spTree>
+      <p:nvGrpSpPr>
+        <p:cNvPr id="1" name=""/>
+        <p:cNvGrpSpPr/>
+        <p:nvPr/>
+      </p:nvGrpSpPr>
+      <p:grpSpPr>
+        <a:xfrm>
+          <a:off x="0" y="0"/>
+          <a:ext cx="0" cy="0"/>
+          <a:chOff x="0" y="0"/>
+          <a:chExt cx="0" cy="0"/>
+        </a:xfrm>
+      </p:grpSpPr>
+      <p:pic>
+        <p:nvPicPr>
+          <p:cNvPr id="3" name="图片 2" descr="about-data-work-flow"/>
+          <p:cNvPicPr>
+            <a:picLocks noChangeAspect="1"/>
+          </p:cNvPicPr>
+          <p:nvPr/>
+        </p:nvPicPr>
+        <p:blipFill>
+          <a:blip r:embed="rId1"/>
+          <a:stretch>
+            <a:fillRect/>
+          </a:stretch>
+        </p:blipFill>
+        <p:spPr>
+          <a:xfrm>
+            <a:off x="1398270" y="1058545"/>
+            <a:ext cx="9395460" cy="4657725"/>
+          </a:xfrm>
+          <a:prstGeom prst="rect">
+            <a:avLst/>
+          </a:prstGeom>
+        </p:spPr>
+      </p:pic>
+      <p:sp>
+        <p:nvSpPr>
+          <p:cNvPr id="4" name="文本框 3"/>
+          <p:cNvSpPr txBox="1"/>
+          <p:nvPr>
+            <p:custDataLst>
+              <p:tags r:id="rId2"/>
+            </p:custDataLst>
+          </p:nvPr>
+        </p:nvSpPr>
+        <p:spPr>
+          <a:xfrm>
+            <a:off x="783590" y="5827395"/>
+            <a:ext cx="10133330" cy="829945"/>
+          </a:xfrm>
+          <a:prstGeom prst="rect">
+            <a:avLst/>
+          </a:prstGeom>
+          <a:noFill/>
+        </p:spPr>
+        <p:txBody>
+          <a:bodyPr wrap="square" rtlCol="0">
+            <a:spAutoFit/>
+          </a:bodyPr>
+          <a:p>
+            <a:pPr algn="ctr"/>
+            <a:r>
+              <a:rPr lang="zh-CN" altLang="en-US" sz="2400">
+                <a:latin typeface="微软雅黑" panose="020B0503020204020204" pitchFamily="34" charset="-122"/>
+                <a:ea typeface="微软雅黑" panose="020B0503020204020204" pitchFamily="34" charset="-122"/>
+                <a:cs typeface="微软雅黑" panose="020B0503020204020204" pitchFamily="34" charset="-122"/>
+              </a:rPr>
+              <a:t>结合</a:t>
+            </a:r>
+            <a:r>
+              <a:rPr lang="en-US" altLang="zh-CN" sz="2400">
+                <a:latin typeface="微软雅黑" panose="020B0503020204020204" pitchFamily="34" charset="-122"/>
+                <a:ea typeface="微软雅黑" panose="020B0503020204020204" pitchFamily="34" charset="-122"/>
+                <a:cs typeface="微软雅黑" panose="020B0503020204020204" pitchFamily="34" charset="-122"/>
+              </a:rPr>
+              <a:t>Excel</a:t>
+            </a:r>
+            <a:r>
+              <a:rPr lang="zh-CN" altLang="en-US" sz="2400">
+                <a:latin typeface="微软雅黑" panose="020B0503020204020204" pitchFamily="34" charset="-122"/>
+                <a:ea typeface="微软雅黑" panose="020B0503020204020204" pitchFamily="34" charset="-122"/>
+                <a:cs typeface="微软雅黑" panose="020B0503020204020204" pitchFamily="34" charset="-122"/>
+              </a:rPr>
+              <a:t>、</a:t>
+            </a:r>
+            <a:r>
+              <a:rPr lang="en-US" altLang="zh-CN" sz="2400">
+                <a:latin typeface="微软雅黑" panose="020B0503020204020204" pitchFamily="34" charset="-122"/>
+                <a:ea typeface="微软雅黑" panose="020B0503020204020204" pitchFamily="34" charset="-122"/>
+                <a:cs typeface="微软雅黑" panose="020B0503020204020204" pitchFamily="34" charset="-122"/>
+              </a:rPr>
+              <a:t>Origin</a:t>
+            </a:r>
+            <a:r>
+              <a:rPr lang="zh-CN" altLang="en-US" sz="2400">
+                <a:latin typeface="微软雅黑" panose="020B0503020204020204" pitchFamily="34" charset="-122"/>
+                <a:ea typeface="微软雅黑" panose="020B0503020204020204" pitchFamily="34" charset="-122"/>
+                <a:cs typeface="微软雅黑" panose="020B0503020204020204" pitchFamily="34" charset="-122"/>
+              </a:rPr>
+              <a:t>和</a:t>
+            </a:r>
+            <a:r>
+              <a:rPr lang="en-US" altLang="zh-CN" sz="2400">
+                <a:latin typeface="微软雅黑" panose="020B0503020204020204" pitchFamily="34" charset="-122"/>
+                <a:ea typeface="微软雅黑" panose="020B0503020204020204" pitchFamily="34" charset="-122"/>
+                <a:cs typeface="微软雅黑" panose="020B0503020204020204" pitchFamily="34" charset="-122"/>
+              </a:rPr>
+              <a:t>Orange3</a:t>
+            </a:r>
+            <a:r>
+              <a:rPr lang="zh-CN" altLang="en-US" sz="2400">
+                <a:latin typeface="微软雅黑" panose="020B0503020204020204" pitchFamily="34" charset="-122"/>
+                <a:ea typeface="微软雅黑" panose="020B0503020204020204" pitchFamily="34" charset="-122"/>
+                <a:cs typeface="微软雅黑" panose="020B0503020204020204" pitchFamily="34" charset="-122"/>
+              </a:rPr>
+              <a:t>的优缺点</a:t>
+            </a:r>
+            <a:endParaRPr lang="zh-CN" altLang="en-US" sz="2400">
+              <a:latin typeface="微软雅黑" panose="020B0503020204020204" pitchFamily="34" charset="-122"/>
+              <a:ea typeface="微软雅黑" panose="020B0503020204020204" pitchFamily="34" charset="-122"/>
+              <a:cs typeface="微软雅黑" panose="020B0503020204020204" pitchFamily="34" charset="-122"/>
+            </a:endParaRPr>
+          </a:p>
+          <a:p>
+            <a:pPr algn="ctr"/>
+            <a:r>
+              <a:rPr lang="zh-CN" altLang="en-US" sz="2400">
+                <a:latin typeface="微软雅黑" panose="020B0503020204020204" pitchFamily="34" charset="-122"/>
+                <a:ea typeface="微软雅黑" panose="020B0503020204020204" pitchFamily="34" charset="-122"/>
+                <a:cs typeface="微软雅黑" panose="020B0503020204020204" pitchFamily="34" charset="-122"/>
+              </a:rPr>
+              <a:t>提出了基于工作流驱动的数据分析及可视化软件</a:t>
+            </a:r>
+            <a:endParaRPr lang="en-US" altLang="zh-CN" sz="2400">
+              <a:latin typeface="微软雅黑" panose="020B0503020204020204" pitchFamily="34" charset="-122"/>
+              <a:ea typeface="微软雅黑" panose="020B0503020204020204" pitchFamily="34" charset="-122"/>
+              <a:cs typeface="微软雅黑" panose="020B0503020204020204" pitchFamily="34" charset="-122"/>
+            </a:endParaRPr>
+          </a:p>
+        </p:txBody>
+      </p:sp>
+    </p:spTree>
+    <p:custDataLst>
+      <p:tags r:id="rId3"/>
+    </p:custDataLst>
+  </p:cSld>
+  <p:clrMapOvr>
+    <a:masterClrMapping/>
+  </p:clrMapOvr>
+</p:sld>
+</file>
+
+<file path=ppt/slides/slide6.xml><?xml version="1.0" encoding="utf-8"?>
 <p:sld xmlns:a="http://schemas.openxmlformats.org/drawingml/2006/main" xmlns:r="http://schemas.openxmlformats.org/officeDocument/2006/relationships" xmlns:p="http://schemas.openxmlformats.org/presentationml/2006/main">
   <p:cSld>
     <p:spTree>
@@ -5701,7 +7634,20 @@
                 <a:latin typeface="Arial" panose="020B0604020202020204" pitchFamily="34" charset="0"/>
                 <a:ea typeface="微软雅黑" panose="020B0503020204020204" pitchFamily="34" charset="-122"/>
               </a:rPr>
-              <a:t>背景</a:t>
+              <a:t>方案</a:t>
+            </a:r>
+            <a:r>
+              <a:rPr lang="zh-CN" altLang="en-US" sz="6000" b="1" spc="150">
+                <a:solidFill>
+                  <a:sysClr val="windowText" lastClr="000000">
+                    <a:lumMod val="85000"/>
+                    <a:lumOff val="15000"/>
+                  </a:sysClr>
+                </a:solidFill>
+                <a:latin typeface="Arial" panose="020B0604020202020204" pitchFamily="34" charset="0"/>
+                <a:ea typeface="微软雅黑" panose="020B0503020204020204" pitchFamily="34" charset="-122"/>
+              </a:rPr>
+              <a:t>设计</a:t>
             </a:r>
             <a:endParaRPr lang="zh-CN" altLang="en-US" sz="6000" b="1" spc="150">
               <a:solidFill>
@@ -5719,351 +7665,6 @@
     </p:spTree>
     <p:custDataLst>
       <p:tags r:id="rId9"/>
-    </p:custDataLst>
-  </p:cSld>
-  <p:clrMapOvr>
-    <a:masterClrMapping/>
-  </p:clrMapOvr>
-</p:sld>
-</file>
-
-<file path=ppt/slides/slide4.xml><?xml version="1.0" encoding="utf-8"?>
-<p:sld xmlns:a="http://schemas.openxmlformats.org/drawingml/2006/main" xmlns:r="http://schemas.openxmlformats.org/officeDocument/2006/relationships" xmlns:p="http://schemas.openxmlformats.org/presentationml/2006/main">
-  <p:cSld>
-    <p:spTree>
-      <p:nvGrpSpPr>
-        <p:cNvPr id="1" name=""/>
-        <p:cNvGrpSpPr/>
-        <p:nvPr/>
-      </p:nvGrpSpPr>
-      <p:grpSpPr>
-        <a:xfrm>
-          <a:off x="0" y="0"/>
-          <a:ext cx="0" cy="0"/>
-          <a:chOff x="0" y="0"/>
-          <a:chExt cx="0" cy="0"/>
-        </a:xfrm>
-      </p:grpSpPr>
-      <p:sp>
-        <p:nvSpPr>
-          <p:cNvPr id="2" name="文本框 1"/>
-          <p:cNvSpPr txBox="1"/>
-          <p:nvPr/>
-        </p:nvSpPr>
-        <p:spPr>
-          <a:xfrm>
-            <a:off x="800100" y="6104890"/>
-            <a:ext cx="10851515" cy="460375"/>
-          </a:xfrm>
-          <a:prstGeom prst="rect">
-            <a:avLst/>
-          </a:prstGeom>
-          <a:noFill/>
-        </p:spPr>
-        <p:txBody>
-          <a:bodyPr wrap="square" rtlCol="0">
-            <a:spAutoFit/>
-          </a:bodyPr>
-          <a:p>
-            <a:pPr algn="ctr">
-              <a:buClrTx/>
-              <a:buSzTx/>
-              <a:buFontTx/>
-            </a:pPr>
-            <a:r>
-              <a:rPr lang="en-US" altLang="zh-CN" sz="2400">
-                <a:latin typeface="微软雅黑" panose="020B0503020204020204" pitchFamily="34" charset="-122"/>
-                <a:ea typeface="微软雅黑" panose="020B0503020204020204" pitchFamily="34" charset="-122"/>
-                <a:cs typeface="微软雅黑" panose="020B0503020204020204" pitchFamily="34" charset="-122"/>
-                <a:sym typeface="+mn-ea"/>
-              </a:rPr>
-              <a:t>Excel</a:t>
-            </a:r>
-            <a:r>
-              <a:rPr lang="en-US" altLang="zh-CN" sz="2400">
-                <a:latin typeface="微软雅黑" panose="020B0503020204020204" pitchFamily="34" charset="-122"/>
-                <a:ea typeface="微软雅黑" panose="020B0503020204020204" pitchFamily="34" charset="-122"/>
-                <a:cs typeface="微软雅黑" panose="020B0503020204020204" pitchFamily="34" charset="-122"/>
-                <a:sym typeface="+mn-ea"/>
-              </a:rPr>
-              <a:t>为代表的基于</a:t>
-            </a:r>
-            <a:r>
-              <a:rPr lang="zh-CN" altLang="en-US" sz="2400">
-                <a:latin typeface="微软雅黑" panose="020B0503020204020204" pitchFamily="34" charset="-122"/>
-                <a:ea typeface="微软雅黑" panose="020B0503020204020204" pitchFamily="34" charset="-122"/>
-                <a:cs typeface="微软雅黑" panose="020B0503020204020204" pitchFamily="34" charset="-122"/>
-                <a:sym typeface="+mn-ea"/>
-              </a:rPr>
-              <a:t>表</a:t>
-            </a:r>
-            <a:r>
-              <a:rPr lang="zh-CN" altLang="en-US" sz="2400">
-                <a:latin typeface="微软雅黑" panose="020B0503020204020204" pitchFamily="34" charset="-122"/>
-                <a:ea typeface="微软雅黑" panose="020B0503020204020204" pitchFamily="34" charset="-122"/>
-                <a:cs typeface="微软雅黑" panose="020B0503020204020204" pitchFamily="34" charset="-122"/>
-                <a:sym typeface="+mn-ea"/>
-              </a:rPr>
-              <a:t>格的数据分析和可视化</a:t>
-            </a:r>
-            <a:endParaRPr lang="zh-CN" altLang="en-US" sz="2400">
-              <a:latin typeface="微软雅黑" panose="020B0503020204020204" pitchFamily="34" charset="-122"/>
-              <a:ea typeface="微软雅黑" panose="020B0503020204020204" pitchFamily="34" charset="-122"/>
-              <a:cs typeface="微软雅黑" panose="020B0503020204020204" pitchFamily="34" charset="-122"/>
-              <a:sym typeface="+mn-ea"/>
-            </a:endParaRPr>
-          </a:p>
-        </p:txBody>
-      </p:sp>
-      <p:pic>
-        <p:nvPicPr>
-          <p:cNvPr id="102" name="图片 101"/>
-          <p:cNvPicPr/>
-          <p:nvPr>
-            <p:custDataLst>
-              <p:tags r:id="rId1"/>
-            </p:custDataLst>
-          </p:nvPr>
-        </p:nvPicPr>
-        <p:blipFill>
-          <a:blip r:embed="rId2"/>
-          <a:stretch>
-            <a:fillRect/>
-          </a:stretch>
-        </p:blipFill>
-        <p:spPr>
-          <a:xfrm>
-            <a:off x="2892425" y="1050290"/>
-            <a:ext cx="6407785" cy="4758055"/>
-          </a:xfrm>
-          <a:prstGeom prst="rect">
-            <a:avLst/>
-          </a:prstGeom>
-          <a:noFill/>
-          <a:ln w="9525">
-            <a:noFill/>
-          </a:ln>
-        </p:spPr>
-      </p:pic>
-    </p:spTree>
-    <p:custDataLst>
-      <p:tags r:id="rId3"/>
-    </p:custDataLst>
-  </p:cSld>
-  <p:clrMapOvr>
-    <a:masterClrMapping/>
-  </p:clrMapOvr>
-</p:sld>
-</file>
-
-<file path=ppt/slides/slide5.xml><?xml version="1.0" encoding="utf-8"?>
-<p:sld xmlns:a="http://schemas.openxmlformats.org/drawingml/2006/main" xmlns:r="http://schemas.openxmlformats.org/officeDocument/2006/relationships" xmlns:p="http://schemas.openxmlformats.org/presentationml/2006/main">
-  <p:cSld>
-    <p:spTree>
-      <p:nvGrpSpPr>
-        <p:cNvPr id="1" name=""/>
-        <p:cNvGrpSpPr/>
-        <p:nvPr/>
-      </p:nvGrpSpPr>
-      <p:grpSpPr>
-        <a:xfrm>
-          <a:off x="0" y="0"/>
-          <a:ext cx="0" cy="0"/>
-          <a:chOff x="0" y="0"/>
-          <a:chExt cx="0" cy="0"/>
-        </a:xfrm>
-      </p:grpSpPr>
-      <p:pic>
-        <p:nvPicPr>
-          <p:cNvPr id="100" name="图片 99"/>
-          <p:cNvPicPr/>
-          <p:nvPr>
-            <p:custDataLst>
-              <p:tags r:id="rId1"/>
-            </p:custDataLst>
-          </p:nvPr>
-        </p:nvPicPr>
-        <p:blipFill>
-          <a:blip r:embed="rId2"/>
-          <a:srcRect l="8964" r="9911"/>
-          <a:stretch>
-            <a:fillRect/>
-          </a:stretch>
-        </p:blipFill>
-        <p:spPr>
-          <a:xfrm>
-            <a:off x="1484630" y="816610"/>
-            <a:ext cx="9222105" cy="5012690"/>
-          </a:xfrm>
-          <a:prstGeom prst="rect">
-            <a:avLst/>
-          </a:prstGeom>
-          <a:noFill/>
-          <a:ln w="9525">
-            <a:noFill/>
-          </a:ln>
-        </p:spPr>
-      </p:pic>
-      <p:sp>
-        <p:nvSpPr>
-          <p:cNvPr id="2" name="文本框 1"/>
-          <p:cNvSpPr txBox="1"/>
-          <p:nvPr/>
-        </p:nvSpPr>
-        <p:spPr>
-          <a:xfrm>
-            <a:off x="800100" y="6104890"/>
-            <a:ext cx="10851515" cy="460375"/>
-          </a:xfrm>
-          <a:prstGeom prst="rect">
-            <a:avLst/>
-          </a:prstGeom>
-          <a:noFill/>
-        </p:spPr>
-        <p:txBody>
-          <a:bodyPr wrap="square" rtlCol="0">
-            <a:spAutoFit/>
-          </a:bodyPr>
-          <a:p>
-            <a:pPr lvl="0" algn="ctr">
-              <a:buClrTx/>
-              <a:buSzTx/>
-              <a:buFontTx/>
-            </a:pPr>
-            <a:r>
-              <a:rPr lang="en-US" altLang="zh-CN" sz="2400">
-                <a:latin typeface="微软雅黑" panose="020B0503020204020204" pitchFamily="34" charset="-122"/>
-                <a:ea typeface="微软雅黑" panose="020B0503020204020204" pitchFamily="34" charset="-122"/>
-                <a:cs typeface="微软雅黑" panose="020B0503020204020204" pitchFamily="34" charset="-122"/>
-                <a:sym typeface="+mn-ea"/>
-              </a:rPr>
-              <a:t>Origin</a:t>
-            </a:r>
-            <a:r>
-              <a:rPr lang="en-US" altLang="zh-CN" sz="2400">
-                <a:latin typeface="微软雅黑" panose="020B0503020204020204" pitchFamily="34" charset="-122"/>
-                <a:ea typeface="微软雅黑" panose="020B0503020204020204" pitchFamily="34" charset="-122"/>
-                <a:cs typeface="微软雅黑" panose="020B0503020204020204" pitchFamily="34" charset="-122"/>
-                <a:sym typeface="+mn-ea"/>
-              </a:rPr>
-              <a:t>为代表的基于命令菜单的科学绘图软，针对重复性的数据分析不友好</a:t>
-            </a:r>
-            <a:endParaRPr lang="en-US" altLang="zh-CN" sz="2400">
-              <a:latin typeface="微软雅黑" panose="020B0503020204020204" pitchFamily="34" charset="-122"/>
-              <a:ea typeface="微软雅黑" panose="020B0503020204020204" pitchFamily="34" charset="-122"/>
-              <a:cs typeface="微软雅黑" panose="020B0503020204020204" pitchFamily="34" charset="-122"/>
-              <a:sym typeface="+mn-ea"/>
-            </a:endParaRPr>
-          </a:p>
-        </p:txBody>
-      </p:sp>
-    </p:spTree>
-    <p:custDataLst>
-      <p:tags r:id="rId3"/>
-    </p:custDataLst>
-  </p:cSld>
-  <p:clrMapOvr>
-    <a:masterClrMapping/>
-  </p:clrMapOvr>
-</p:sld>
-</file>
-
-<file path=ppt/slides/slide6.xml><?xml version="1.0" encoding="utf-8"?>
-<p:sld xmlns:a="http://schemas.openxmlformats.org/drawingml/2006/main" xmlns:r="http://schemas.openxmlformats.org/officeDocument/2006/relationships" xmlns:p="http://schemas.openxmlformats.org/presentationml/2006/main">
-  <p:cSld>
-    <p:spTree>
-      <p:nvGrpSpPr>
-        <p:cNvPr id="1" name=""/>
-        <p:cNvGrpSpPr/>
-        <p:nvPr/>
-      </p:nvGrpSpPr>
-      <p:grpSpPr>
-        <a:xfrm>
-          <a:off x="0" y="0"/>
-          <a:ext cx="0" cy="0"/>
-          <a:chOff x="0" y="0"/>
-          <a:chExt cx="0" cy="0"/>
-        </a:xfrm>
-      </p:grpSpPr>
-      <p:sp>
-        <p:nvSpPr>
-          <p:cNvPr id="2" name="文本框 1"/>
-          <p:cNvSpPr txBox="1"/>
-          <p:nvPr/>
-        </p:nvSpPr>
-        <p:spPr>
-          <a:xfrm>
-            <a:off x="783590" y="6104890"/>
-            <a:ext cx="10133330" cy="460375"/>
-          </a:xfrm>
-          <a:prstGeom prst="rect">
-            <a:avLst/>
-          </a:prstGeom>
-          <a:noFill/>
-        </p:spPr>
-        <p:txBody>
-          <a:bodyPr wrap="square" rtlCol="0">
-            <a:spAutoFit/>
-          </a:bodyPr>
-          <a:p>
-            <a:pPr algn="ctr"/>
-            <a:r>
-              <a:rPr lang="en-US" altLang="zh-CN" sz="2400">
-                <a:latin typeface="微软雅黑" panose="020B0503020204020204" pitchFamily="34" charset="-122"/>
-                <a:ea typeface="微软雅黑" panose="020B0503020204020204" pitchFamily="34" charset="-122"/>
-                <a:cs typeface="微软雅黑" panose="020B0503020204020204" pitchFamily="34" charset="-122"/>
-              </a:rPr>
-              <a:t>Orange3</a:t>
-            </a:r>
-            <a:r>
-              <a:rPr lang="zh-CN" altLang="en-US" sz="2400">
-                <a:latin typeface="微软雅黑" panose="020B0503020204020204" pitchFamily="34" charset="-122"/>
-                <a:ea typeface="微软雅黑" panose="020B0503020204020204" pitchFamily="34" charset="-122"/>
-                <a:cs typeface="微软雅黑" panose="020B0503020204020204" pitchFamily="34" charset="-122"/>
-              </a:rPr>
-              <a:t>为代表的基于工作流的数据分析软件，可以定制流程和绘图</a:t>
-            </a:r>
-            <a:endParaRPr lang="zh-CN" altLang="en-US" sz="2400">
-              <a:latin typeface="微软雅黑" panose="020B0503020204020204" pitchFamily="34" charset="-122"/>
-              <a:ea typeface="微软雅黑" panose="020B0503020204020204" pitchFamily="34" charset="-122"/>
-              <a:cs typeface="微软雅黑" panose="020B0503020204020204" pitchFamily="34" charset="-122"/>
-            </a:endParaRPr>
-          </a:p>
-        </p:txBody>
-      </p:sp>
-      <p:pic>
-        <p:nvPicPr>
-          <p:cNvPr id="101" name="图片 100"/>
-          <p:cNvPicPr/>
-          <p:nvPr>
-            <p:custDataLst>
-              <p:tags r:id="rId1"/>
-            </p:custDataLst>
-          </p:nvPr>
-        </p:nvPicPr>
-        <p:blipFill>
-          <a:blip r:embed="rId2"/>
-          <a:stretch>
-            <a:fillRect/>
-          </a:stretch>
-        </p:blipFill>
-        <p:spPr>
-          <a:xfrm>
-            <a:off x="1519238" y="671513"/>
-            <a:ext cx="8772525" cy="5133975"/>
-          </a:xfrm>
-          <a:prstGeom prst="rect">
-            <a:avLst/>
-          </a:prstGeom>
-          <a:noFill/>
-          <a:ln w="9525">
-            <a:noFill/>
-          </a:ln>
-        </p:spPr>
-      </p:pic>
-    </p:spTree>
-    <p:custDataLst>
-      <p:tags r:id="rId3"/>
     </p:custDataLst>
   </p:cSld>
   <p:clrMapOvr>
@@ -6126,7 +7727,7 @@
         <p:spPr>
           <a:xfrm>
             <a:off x="783590" y="5827395"/>
-            <a:ext cx="10133330" cy="829945"/>
+            <a:ext cx="10133330" cy="460375"/>
           </a:xfrm>
           <a:prstGeom prst="rect">
             <a:avLst/>
@@ -6140,12 +7741,44 @@
           <a:p>
             <a:pPr algn="ctr"/>
             <a:r>
+              <a:rPr lang="zh-CN" sz="2400">
+                <a:latin typeface="微软雅黑" panose="020B0503020204020204" pitchFamily="34" charset="-122"/>
+                <a:ea typeface="微软雅黑" panose="020B0503020204020204" pitchFamily="34" charset="-122"/>
+                <a:cs typeface="微软雅黑" panose="020B0503020204020204" pitchFamily="34" charset="-122"/>
+              </a:rPr>
+              <a:t>把功能分为工作流（</a:t>
+            </a:r>
+            <a:r>
+              <a:rPr lang="en-US" altLang="zh-CN" sz="2400">
+                <a:latin typeface="微软雅黑" panose="020B0503020204020204" pitchFamily="34" charset="-122"/>
+                <a:ea typeface="微软雅黑" panose="020B0503020204020204" pitchFamily="34" charset="-122"/>
+                <a:cs typeface="微软雅黑" panose="020B0503020204020204" pitchFamily="34" charset="-122"/>
+              </a:rPr>
+              <a:t>WorkFlow</a:t>
+            </a:r>
+            <a:r>
+              <a:rPr lang="zh-CN" sz="2400">
+                <a:latin typeface="微软雅黑" panose="020B0503020204020204" pitchFamily="34" charset="-122"/>
+                <a:ea typeface="微软雅黑" panose="020B0503020204020204" pitchFamily="34" charset="-122"/>
+                <a:cs typeface="微软雅黑" panose="020B0503020204020204" pitchFamily="34" charset="-122"/>
+              </a:rPr>
+              <a:t>）</a:t>
+            </a:r>
+            <a:r>
+              <a:rPr lang="en-US" altLang="zh-CN" sz="2400">
+                <a:latin typeface="微软雅黑" panose="020B0503020204020204" pitchFamily="34" charset="-122"/>
+                <a:ea typeface="微软雅黑" panose="020B0503020204020204" pitchFamily="34" charset="-122"/>
+                <a:cs typeface="微软雅黑" panose="020B0503020204020204" pitchFamily="34" charset="-122"/>
+              </a:rPr>
+              <a:t>+</a:t>
+            </a:r>
+            <a:r>
               <a:rPr lang="zh-CN" altLang="en-US" sz="2400">
                 <a:latin typeface="微软雅黑" panose="020B0503020204020204" pitchFamily="34" charset="-122"/>
                 <a:ea typeface="微软雅黑" panose="020B0503020204020204" pitchFamily="34" charset="-122"/>
                 <a:cs typeface="微软雅黑" panose="020B0503020204020204" pitchFamily="34" charset="-122"/>
               </a:rPr>
-              <a:t>结合</a:t>
+              <a:t>数据（</a:t>
             </a:r>
             <a:r>
               <a:rPr lang="en-US" altLang="zh-CN" sz="2400">
@@ -6153,7 +7786,7 @@
                 <a:ea typeface="微软雅黑" panose="020B0503020204020204" pitchFamily="34" charset="-122"/>
                 <a:cs typeface="微软雅黑" panose="020B0503020204020204" pitchFamily="34" charset="-122"/>
               </a:rPr>
-              <a:t>Excel</a:t>
+              <a:t>data</a:t>
             </a:r>
             <a:r>
               <a:rPr lang="zh-CN" altLang="en-US" sz="2400">
@@ -6161,7 +7794,7 @@
                 <a:ea typeface="微软雅黑" panose="020B0503020204020204" pitchFamily="34" charset="-122"/>
                 <a:cs typeface="微软雅黑" panose="020B0503020204020204" pitchFamily="34" charset="-122"/>
               </a:rPr>
-              <a:t>、</a:t>
+              <a:t>）</a:t>
             </a:r>
             <a:r>
               <a:rPr lang="en-US" altLang="zh-CN" sz="2400">
@@ -6169,7 +7802,7 @@
                 <a:ea typeface="微软雅黑" panose="020B0503020204020204" pitchFamily="34" charset="-122"/>
                 <a:cs typeface="微软雅黑" panose="020B0503020204020204" pitchFamily="34" charset="-122"/>
               </a:rPr>
-              <a:t>Origin</a:t>
+              <a:t>+</a:t>
             </a:r>
             <a:r>
               <a:rPr lang="zh-CN" altLang="en-US" sz="2400">
@@ -6177,7 +7810,7 @@
                 <a:ea typeface="微软雅黑" panose="020B0503020204020204" pitchFamily="34" charset="-122"/>
                 <a:cs typeface="微软雅黑" panose="020B0503020204020204" pitchFamily="34" charset="-122"/>
               </a:rPr>
-              <a:t>和</a:t>
+              <a:t>绘图（</a:t>
             </a:r>
             <a:r>
               <a:rPr lang="en-US" altLang="zh-CN" sz="2400">
@@ -6185,7 +7818,7 @@
                 <a:ea typeface="微软雅黑" panose="020B0503020204020204" pitchFamily="34" charset="-122"/>
                 <a:cs typeface="微软雅黑" panose="020B0503020204020204" pitchFamily="34" charset="-122"/>
               </a:rPr>
-              <a:t>Orange3</a:t>
+              <a:t>chart</a:t>
             </a:r>
             <a:r>
               <a:rPr lang="zh-CN" altLang="en-US" sz="2400">
@@ -6193,25 +7826,9 @@
                 <a:ea typeface="微软雅黑" panose="020B0503020204020204" pitchFamily="34" charset="-122"/>
                 <a:cs typeface="微软雅黑" panose="020B0503020204020204" pitchFamily="34" charset="-122"/>
               </a:rPr>
-              <a:t>的优缺点</a:t>
+              <a:t>）</a:t>
             </a:r>
             <a:endParaRPr lang="zh-CN" altLang="en-US" sz="2400">
-              <a:latin typeface="微软雅黑" panose="020B0503020204020204" pitchFamily="34" charset="-122"/>
-              <a:ea typeface="微软雅黑" panose="020B0503020204020204" pitchFamily="34" charset="-122"/>
-              <a:cs typeface="微软雅黑" panose="020B0503020204020204" pitchFamily="34" charset="-122"/>
-            </a:endParaRPr>
-          </a:p>
-          <a:p>
-            <a:pPr algn="ctr"/>
-            <a:r>
-              <a:rPr lang="zh-CN" altLang="en-US" sz="2400">
-                <a:latin typeface="微软雅黑" panose="020B0503020204020204" pitchFamily="34" charset="-122"/>
-                <a:ea typeface="微软雅黑" panose="020B0503020204020204" pitchFamily="34" charset="-122"/>
-                <a:cs typeface="微软雅黑" panose="020B0503020204020204" pitchFamily="34" charset="-122"/>
-              </a:rPr>
-              <a:t>提出了基于工作流驱动的数据分析及可视化软件</a:t>
-            </a:r>
-            <a:endParaRPr lang="en-US" altLang="zh-CN" sz="2400">
               <a:latin typeface="微软雅黑" panose="020B0503020204020204" pitchFamily="34" charset="-122"/>
               <a:ea typeface="微软雅黑" panose="020B0503020204020204" pitchFamily="34" charset="-122"/>
               <a:cs typeface="微软雅黑" panose="020B0503020204020204" pitchFamily="34" charset="-122"/>
@@ -6284,7 +7901,7 @@
         <p:spPr>
           <a:xfrm>
             <a:off x="783590" y="5827395"/>
-            <a:ext cx="10133330" cy="460375"/>
+            <a:ext cx="10133330" cy="829945"/>
           </a:xfrm>
           <a:prstGeom prst="rect">
             <a:avLst/>
@@ -6296,96 +7913,64 @@
             <a:spAutoFit/>
           </a:bodyPr>
           <a:p>
-            <a:pPr algn="ctr"/>
+            <a:pPr algn="l"/>
+            <a:r>
+              <a:rPr lang="zh-CN" sz="2400" b="1">
+                <a:latin typeface="微软雅黑" panose="020B0503020204020204" pitchFamily="34" charset="-122"/>
+                <a:ea typeface="微软雅黑" panose="020B0503020204020204" pitchFamily="34" charset="-122"/>
+                <a:cs typeface="微软雅黑" panose="020B0503020204020204" pitchFamily="34" charset="-122"/>
+              </a:rPr>
+              <a:t>工作流（</a:t>
+            </a:r>
+            <a:r>
+              <a:rPr lang="en-US" altLang="zh-CN" sz="2400" b="1">
+                <a:latin typeface="微软雅黑" panose="020B0503020204020204" pitchFamily="34" charset="-122"/>
+                <a:ea typeface="微软雅黑" panose="020B0503020204020204" pitchFamily="34" charset="-122"/>
+                <a:cs typeface="微软雅黑" panose="020B0503020204020204" pitchFamily="34" charset="-122"/>
+              </a:rPr>
+              <a:t>WorkFlow</a:t>
+            </a:r>
+            <a:r>
+              <a:rPr lang="zh-CN" sz="2400" b="1">
+                <a:latin typeface="微软雅黑" panose="020B0503020204020204" pitchFamily="34" charset="-122"/>
+                <a:ea typeface="微软雅黑" panose="020B0503020204020204" pitchFamily="34" charset="-122"/>
+                <a:cs typeface="微软雅黑" panose="020B0503020204020204" pitchFamily="34" charset="-122"/>
+              </a:rPr>
+              <a:t>）</a:t>
+            </a:r>
+            <a:r>
+              <a:rPr lang="en-US" altLang="zh-CN" sz="2400" b="1">
+                <a:latin typeface="微软雅黑" panose="020B0503020204020204" pitchFamily="34" charset="-122"/>
+                <a:ea typeface="微软雅黑" panose="020B0503020204020204" pitchFamily="34" charset="-122"/>
+                <a:cs typeface="微软雅黑" panose="020B0503020204020204" pitchFamily="34" charset="-122"/>
+              </a:rPr>
+              <a:t>——</a:t>
+            </a:r>
+            <a:r>
+              <a:rPr lang="zh-CN" sz="2400" b="1">
+                <a:latin typeface="微软雅黑" panose="020B0503020204020204" pitchFamily="34" charset="-122"/>
+                <a:ea typeface="微软雅黑" panose="020B0503020204020204" pitchFamily="34" charset="-122"/>
+                <a:cs typeface="微软雅黑" panose="020B0503020204020204" pitchFamily="34" charset="-122"/>
+              </a:rPr>
+              <a:t>解决固定性问题</a:t>
+            </a:r>
+            <a:endParaRPr lang="zh-CN" sz="2400" b="1">
+              <a:latin typeface="微软雅黑" panose="020B0503020204020204" pitchFamily="34" charset="-122"/>
+              <a:ea typeface="微软雅黑" panose="020B0503020204020204" pitchFamily="34" charset="-122"/>
+              <a:cs typeface="微软雅黑" panose="020B0503020204020204" pitchFamily="34" charset="-122"/>
+            </a:endParaRPr>
+          </a:p>
+          <a:p>
+            <a:pPr algn="l"/>
             <a:r>
               <a:rPr lang="zh-CN" sz="2400">
                 <a:latin typeface="微软雅黑" panose="020B0503020204020204" pitchFamily="34" charset="-122"/>
                 <a:ea typeface="微软雅黑" panose="020B0503020204020204" pitchFamily="34" charset="-122"/>
                 <a:cs typeface="微软雅黑" panose="020B0503020204020204" pitchFamily="34" charset="-122"/>
               </a:rPr>
-              <a:t>把功能分为工作流（</a:t>
-            </a:r>
-            <a:r>
-              <a:rPr lang="en-US" altLang="zh-CN" sz="2400">
-                <a:latin typeface="微软雅黑" panose="020B0503020204020204" pitchFamily="34" charset="-122"/>
-                <a:ea typeface="微软雅黑" panose="020B0503020204020204" pitchFamily="34" charset="-122"/>
-                <a:cs typeface="微软雅黑" panose="020B0503020204020204" pitchFamily="34" charset="-122"/>
-              </a:rPr>
-              <a:t>WorkFlow</a:t>
-            </a:r>
-            <a:r>
-              <a:rPr lang="zh-CN" sz="2400">
-                <a:latin typeface="微软雅黑" panose="020B0503020204020204" pitchFamily="34" charset="-122"/>
-                <a:ea typeface="微软雅黑" panose="020B0503020204020204" pitchFamily="34" charset="-122"/>
-                <a:cs typeface="微软雅黑" panose="020B0503020204020204" pitchFamily="34" charset="-122"/>
-              </a:rPr>
-              <a:t>）</a:t>
-            </a:r>
-            <a:r>
-              <a:rPr lang="en-US" altLang="zh-CN" sz="2400">
-                <a:latin typeface="微软雅黑" panose="020B0503020204020204" pitchFamily="34" charset="-122"/>
-                <a:ea typeface="微软雅黑" panose="020B0503020204020204" pitchFamily="34" charset="-122"/>
-                <a:cs typeface="微软雅黑" panose="020B0503020204020204" pitchFamily="34" charset="-122"/>
-              </a:rPr>
-              <a:t>+</a:t>
-            </a:r>
-            <a:r>
-              <a:rPr lang="zh-CN" altLang="en-US" sz="2400">
-                <a:latin typeface="微软雅黑" panose="020B0503020204020204" pitchFamily="34" charset="-122"/>
-                <a:ea typeface="微软雅黑" panose="020B0503020204020204" pitchFamily="34" charset="-122"/>
-                <a:cs typeface="微软雅黑" panose="020B0503020204020204" pitchFamily="34" charset="-122"/>
-              </a:rPr>
-              <a:t>数据（</a:t>
-            </a:r>
-            <a:r>
-              <a:rPr lang="en-US" altLang="zh-CN" sz="2400">
-                <a:latin typeface="微软雅黑" panose="020B0503020204020204" pitchFamily="34" charset="-122"/>
-                <a:ea typeface="微软雅黑" panose="020B0503020204020204" pitchFamily="34" charset="-122"/>
-                <a:cs typeface="微软雅黑" panose="020B0503020204020204" pitchFamily="34" charset="-122"/>
-              </a:rPr>
-              <a:t>data</a:t>
-            </a:r>
-            <a:r>
-              <a:rPr lang="zh-CN" altLang="en-US" sz="2400">
-                <a:latin typeface="微软雅黑" panose="020B0503020204020204" pitchFamily="34" charset="-122"/>
-                <a:ea typeface="微软雅黑" panose="020B0503020204020204" pitchFamily="34" charset="-122"/>
-                <a:cs typeface="微软雅黑" panose="020B0503020204020204" pitchFamily="34" charset="-122"/>
-              </a:rPr>
-              <a:t>）</a:t>
-            </a:r>
-            <a:r>
-              <a:rPr lang="en-US" altLang="zh-CN" sz="2400">
-                <a:latin typeface="微软雅黑" panose="020B0503020204020204" pitchFamily="34" charset="-122"/>
-                <a:ea typeface="微软雅黑" panose="020B0503020204020204" pitchFamily="34" charset="-122"/>
-                <a:cs typeface="微软雅黑" panose="020B0503020204020204" pitchFamily="34" charset="-122"/>
-              </a:rPr>
-              <a:t>+</a:t>
-            </a:r>
-            <a:r>
-              <a:rPr lang="zh-CN" altLang="en-US" sz="2400">
-                <a:latin typeface="微软雅黑" panose="020B0503020204020204" pitchFamily="34" charset="-122"/>
-                <a:ea typeface="微软雅黑" panose="020B0503020204020204" pitchFamily="34" charset="-122"/>
-                <a:cs typeface="微软雅黑" panose="020B0503020204020204" pitchFamily="34" charset="-122"/>
-              </a:rPr>
-              <a:t>绘图（</a:t>
-            </a:r>
-            <a:r>
-              <a:rPr lang="en-US" altLang="zh-CN" sz="2400">
-                <a:latin typeface="微软雅黑" panose="020B0503020204020204" pitchFamily="34" charset="-122"/>
-                <a:ea typeface="微软雅黑" panose="020B0503020204020204" pitchFamily="34" charset="-122"/>
-                <a:cs typeface="微软雅黑" panose="020B0503020204020204" pitchFamily="34" charset="-122"/>
-              </a:rPr>
-              <a:t>chart</a:t>
-            </a:r>
-            <a:r>
-              <a:rPr lang="zh-CN" altLang="en-US" sz="2400">
-                <a:latin typeface="微软雅黑" panose="020B0503020204020204" pitchFamily="34" charset="-122"/>
-                <a:ea typeface="微软雅黑" panose="020B0503020204020204" pitchFamily="34" charset="-122"/>
-                <a:cs typeface="微软雅黑" panose="020B0503020204020204" pitchFamily="34" charset="-122"/>
-              </a:rPr>
-              <a:t>）</a:t>
-            </a:r>
-            <a:endParaRPr lang="zh-CN" altLang="en-US" sz="2400">
+              <a:t>尤其适合大批量的实验数据分析和探索性的数据挖掘</a:t>
+            </a:r>
+            <a:endParaRPr lang="zh-CN" sz="2400">
               <a:latin typeface="微软雅黑" panose="020B0503020204020204" pitchFamily="34" charset="-122"/>
               <a:ea typeface="微软雅黑" panose="020B0503020204020204" pitchFamily="34" charset="-122"/>
               <a:cs typeface="微软雅黑" panose="020B0503020204020204" pitchFamily="34" charset="-122"/>
@@ -6477,7 +8062,7 @@
                 <a:ea typeface="微软雅黑" panose="020B0503020204020204" pitchFamily="34" charset="-122"/>
                 <a:cs typeface="微软雅黑" panose="020B0503020204020204" pitchFamily="34" charset="-122"/>
               </a:rPr>
-              <a:t>工作流（</a:t>
+              <a:t>数据</a:t>
             </a:r>
             <a:r>
               <a:rPr lang="en-US" altLang="zh-CN" sz="2400" b="1">
@@ -6485,31 +8070,15 @@
                 <a:ea typeface="微软雅黑" panose="020B0503020204020204" pitchFamily="34" charset="-122"/>
                 <a:cs typeface="微软雅黑" panose="020B0503020204020204" pitchFamily="34" charset="-122"/>
               </a:rPr>
-              <a:t>WorkFlow</a:t>
-            </a:r>
-            <a:r>
-              <a:rPr lang="zh-CN" sz="2400" b="1">
+              <a:t>(Data)——</a:t>
+            </a:r>
+            <a:r>
+              <a:rPr lang="zh-CN" altLang="en-US" sz="2400" b="1">
                 <a:latin typeface="微软雅黑" panose="020B0503020204020204" pitchFamily="34" charset="-122"/>
                 <a:ea typeface="微软雅黑" panose="020B0503020204020204" pitchFamily="34" charset="-122"/>
                 <a:cs typeface="微软雅黑" panose="020B0503020204020204" pitchFamily="34" charset="-122"/>
               </a:rPr>
-              <a:t>）</a:t>
-            </a:r>
-            <a:r>
-              <a:rPr lang="en-US" altLang="zh-CN" sz="2400" b="1">
-                <a:latin typeface="微软雅黑" panose="020B0503020204020204" pitchFamily="34" charset="-122"/>
-                <a:ea typeface="微软雅黑" panose="020B0503020204020204" pitchFamily="34" charset="-122"/>
-                <a:cs typeface="微软雅黑" panose="020B0503020204020204" pitchFamily="34" charset="-122"/>
-              </a:rPr>
-              <a:t>——</a:t>
-            </a:r>
-            <a:r>
-              <a:rPr lang="zh-CN" sz="2400" b="1">
-                <a:latin typeface="微软雅黑" panose="020B0503020204020204" pitchFamily="34" charset="-122"/>
-                <a:ea typeface="微软雅黑" panose="020B0503020204020204" pitchFamily="34" charset="-122"/>
-                <a:cs typeface="微软雅黑" panose="020B0503020204020204" pitchFamily="34" charset="-122"/>
-              </a:rPr>
-              <a:t>解决固定性问题</a:t>
+              <a:t>进行精细的数据治理</a:t>
             </a:r>
             <a:endParaRPr lang="zh-CN" sz="2400" b="1">
               <a:latin typeface="微软雅黑" panose="020B0503020204020204" pitchFamily="34" charset="-122"/>
@@ -6525,7 +8094,7 @@
                 <a:ea typeface="微软雅黑" panose="020B0503020204020204" pitchFamily="34" charset="-122"/>
                 <a:cs typeface="微软雅黑" panose="020B0503020204020204" pitchFamily="34" charset="-122"/>
               </a:rPr>
-              <a:t>尤其适合大批量的实验数据分析和探索性的数据挖掘</a:t>
+              <a:t>适合对数据进行精细调整，对行列执行函数等操作</a:t>
             </a:r>
             <a:endParaRPr lang="zh-CN" sz="2400">
               <a:latin typeface="微软雅黑" panose="020B0503020204020204" pitchFamily="34" charset="-122"/>
@@ -6674,28 +8243,35 @@
 
 <file path=ppt/tags/tag18.xml><?xml version="1.0" encoding="utf-8"?>
 <p:tagLst xmlns:p="http://schemas.openxmlformats.org/presentationml/2006/main">
-  <p:tag name="KSO_WM_BEAUTIFY_FLAG" val=""/>
+  <p:tag name="KSO_WM_UNIT_HIGHLIGHT" val="0"/>
+  <p:tag name="KSO_WM_UNIT_COMPATIBLE" val="0"/>
+  <p:tag name="KSO_WM_UNIT_DIAGRAM_ISNUMVISUAL" val="0"/>
+  <p:tag name="KSO_WM_UNIT_DIAGRAM_ISREFERUNIT" val="0"/>
+  <p:tag name="KSO_WM_UNIT_TYPE" val="i"/>
+  <p:tag name="KSO_WM_UNIT_INDEX" val="2"/>
+  <p:tag name="KSO_WM_UNIT_ID" val="diagram20203751_1*i*2"/>
+  <p:tag name="KSO_WM_TEMPLATE_CATEGORY" val="diagram"/>
+  <p:tag name="KSO_WM_TEMPLATE_INDEX" val="20203751"/>
+  <p:tag name="KSO_WM_UNIT_LAYERLEVEL" val="1"/>
+  <p:tag name="KSO_WM_TAG_VERSION" val="1.0"/>
+  <p:tag name="KSO_WM_BEAUTIFY_FLAG" val="#wm#"/>
 </p:tagLst>
 </file>
 
 <file path=ppt/tags/tag19.xml><?xml version="1.0" encoding="utf-8"?>
 <p:tagLst xmlns:p="http://schemas.openxmlformats.org/presentationml/2006/main">
-  <p:tag name="KSO_WM_SLIDE_ID" val="diagram20203751_1"/>
-  <p:tag name="KSO_WM_TEMPLATE_SUBCATEGORY" val="0"/>
-  <p:tag name="KSO_WM_TEMPLATE_MASTER_TYPE" val="0"/>
-  <p:tag name="KSO_WM_TEMPLATE_COLOR_TYPE" val="1"/>
-  <p:tag name="KSO_WM_SLIDE_TYPE" val="text"/>
-  <p:tag name="KSO_WM_SLIDE_SUBTYPE" val="pureTxt"/>
-  <p:tag name="KSO_WM_SLIDE_ITEM_CNT" val="0"/>
-  <p:tag name="KSO_WM_SLIDE_INDEX" val="1"/>
-  <p:tag name="KSO_WM_SLIDE_SIZE" val="960*466"/>
-  <p:tag name="KSO_WM_SLIDE_POSITION" val="0*74"/>
+  <p:tag name="KSO_WM_UNIT_HIGHLIGHT" val="0"/>
+  <p:tag name="KSO_WM_UNIT_COMPATIBLE" val="0"/>
+  <p:tag name="KSO_WM_UNIT_DIAGRAM_ISNUMVISUAL" val="0"/>
+  <p:tag name="KSO_WM_UNIT_DIAGRAM_ISREFERUNIT" val="0"/>
+  <p:tag name="KSO_WM_UNIT_TYPE" val="i"/>
+  <p:tag name="KSO_WM_UNIT_INDEX" val="3"/>
+  <p:tag name="KSO_WM_UNIT_ID" val="diagram20203751_1*i*3"/>
+  <p:tag name="KSO_WM_TEMPLATE_CATEGORY" val="diagram"/>
+  <p:tag name="KSO_WM_TEMPLATE_INDEX" val="20203751"/>
+  <p:tag name="KSO_WM_UNIT_LAYERLEVEL" val="1"/>
   <p:tag name="KSO_WM_TAG_VERSION" val="1.0"/>
   <p:tag name="KSO_WM_BEAUTIFY_FLAG" val="#wm#"/>
-  <p:tag name="KSO_WM_TEMPLATE_CATEGORY" val="diagram"/>
-  <p:tag name="KSO_WM_TEMPLATE_INDEX" val="20203751"/>
-  <p:tag name="KSO_WM_SLIDE_LAYOUT" val="f"/>
-  <p:tag name="KSO_WM_SLIDE_LAYOUT_CNT" val="1"/>
 </p:tagLst>
 </file>
 
@@ -6718,82 +8294,111 @@
 
 <file path=ppt/tags/tag20.xml><?xml version="1.0" encoding="utf-8"?>
 <p:tagLst xmlns:p="http://schemas.openxmlformats.org/presentationml/2006/main">
-  <p:tag name="KSO_WM_BEAUTIFY_FLAG" val=""/>
+  <p:tag name="KSO_WM_UNIT_HIGHLIGHT" val="0"/>
+  <p:tag name="KSO_WM_UNIT_COMPATIBLE" val="0"/>
+  <p:tag name="KSO_WM_UNIT_DIAGRAM_ISNUMVISUAL" val="0"/>
+  <p:tag name="KSO_WM_UNIT_DIAGRAM_ISREFERUNIT" val="0"/>
+  <p:tag name="KSO_WM_UNIT_TYPE" val="i"/>
+  <p:tag name="KSO_WM_UNIT_INDEX" val="5"/>
+  <p:tag name="KSO_WM_UNIT_ID" val="diagram20203751_1*i*5"/>
+  <p:tag name="KSO_WM_TEMPLATE_CATEGORY" val="diagram"/>
+  <p:tag name="KSO_WM_TEMPLATE_INDEX" val="20203751"/>
+  <p:tag name="KSO_WM_UNIT_LAYERLEVEL" val="1"/>
+  <p:tag name="KSO_WM_TAG_VERSION" val="1.0"/>
+  <p:tag name="KSO_WM_BEAUTIFY_FLAG" val="#wm#"/>
 </p:tagLst>
 </file>
 
 <file path=ppt/tags/tag21.xml><?xml version="1.0" encoding="utf-8"?>
 <p:tagLst xmlns:p="http://schemas.openxmlformats.org/presentationml/2006/main">
-  <p:tag name="KSO_WM_SLIDE_ID" val="diagram20203751_1"/>
-  <p:tag name="KSO_WM_TEMPLATE_SUBCATEGORY" val="0"/>
-  <p:tag name="KSO_WM_TEMPLATE_MASTER_TYPE" val="0"/>
-  <p:tag name="KSO_WM_TEMPLATE_COLOR_TYPE" val="1"/>
-  <p:tag name="KSO_WM_SLIDE_TYPE" val="text"/>
-  <p:tag name="KSO_WM_SLIDE_SUBTYPE" val="pureTxt"/>
-  <p:tag name="KSO_WM_SLIDE_ITEM_CNT" val="0"/>
-  <p:tag name="KSO_WM_SLIDE_INDEX" val="1"/>
-  <p:tag name="KSO_WM_SLIDE_SIZE" val="960*466"/>
-  <p:tag name="KSO_WM_SLIDE_POSITION" val="0*74"/>
+  <p:tag name="KSO_WM_UNIT_HIGHLIGHT" val="0"/>
+  <p:tag name="KSO_WM_UNIT_COMPATIBLE" val="0"/>
+  <p:tag name="KSO_WM_UNIT_DIAGRAM_ISNUMVISUAL" val="0"/>
+  <p:tag name="KSO_WM_UNIT_DIAGRAM_ISREFERUNIT" val="0"/>
+  <p:tag name="KSO_WM_UNIT_TYPE" val="i"/>
+  <p:tag name="KSO_WM_UNIT_INDEX" val="6"/>
+  <p:tag name="KSO_WM_UNIT_ID" val="diagram20203751_1*i*6"/>
+  <p:tag name="KSO_WM_TEMPLATE_CATEGORY" val="diagram"/>
+  <p:tag name="KSO_WM_TEMPLATE_INDEX" val="20203751"/>
+  <p:tag name="KSO_WM_UNIT_LAYERLEVEL" val="1"/>
   <p:tag name="KSO_WM_TAG_VERSION" val="1.0"/>
   <p:tag name="KSO_WM_BEAUTIFY_FLAG" val="#wm#"/>
-  <p:tag name="KSO_WM_TEMPLATE_CATEGORY" val="diagram"/>
-  <p:tag name="KSO_WM_TEMPLATE_INDEX" val="20203751"/>
-  <p:tag name="KSO_WM_SLIDE_LAYOUT" val="f"/>
-  <p:tag name="KSO_WM_SLIDE_LAYOUT_CNT" val="1"/>
 </p:tagLst>
 </file>
 
 <file path=ppt/tags/tag22.xml><?xml version="1.0" encoding="utf-8"?>
 <p:tagLst xmlns:p="http://schemas.openxmlformats.org/presentationml/2006/main">
-  <p:tag name="KSO_WM_BEAUTIFY_FLAG" val=""/>
+  <p:tag name="KSO_WM_UNIT_HIGHLIGHT" val="0"/>
+  <p:tag name="KSO_WM_UNIT_COMPATIBLE" val="0"/>
+  <p:tag name="KSO_WM_UNIT_DIAGRAM_ISNUMVISUAL" val="0"/>
+  <p:tag name="KSO_WM_UNIT_DIAGRAM_ISREFERUNIT" val="0"/>
+  <p:tag name="KSO_WM_UNIT_TYPE" val="i"/>
+  <p:tag name="KSO_WM_UNIT_INDEX" val="7"/>
+  <p:tag name="KSO_WM_UNIT_ID" val="diagram20203751_1*i*7"/>
+  <p:tag name="KSO_WM_TEMPLATE_CATEGORY" val="diagram"/>
+  <p:tag name="KSO_WM_TEMPLATE_INDEX" val="20203751"/>
+  <p:tag name="KSO_WM_UNIT_LAYERLEVEL" val="1"/>
+  <p:tag name="KSO_WM_TAG_VERSION" val="1.0"/>
+  <p:tag name="KSO_WM_BEAUTIFY_FLAG" val="#wm#"/>
 </p:tagLst>
 </file>
 
 <file path=ppt/tags/tag23.xml><?xml version="1.0" encoding="utf-8"?>
 <p:tagLst xmlns:p="http://schemas.openxmlformats.org/presentationml/2006/main">
-  <p:tag name="KSO_WM_SLIDE_ID" val="diagram20203751_1"/>
-  <p:tag name="KSO_WM_TEMPLATE_SUBCATEGORY" val="0"/>
-  <p:tag name="KSO_WM_TEMPLATE_MASTER_TYPE" val="0"/>
-  <p:tag name="KSO_WM_TEMPLATE_COLOR_TYPE" val="1"/>
-  <p:tag name="KSO_WM_SLIDE_TYPE" val="text"/>
-  <p:tag name="KSO_WM_SLIDE_SUBTYPE" val="pureTxt"/>
-  <p:tag name="KSO_WM_SLIDE_ITEM_CNT" val="0"/>
-  <p:tag name="KSO_WM_SLIDE_INDEX" val="1"/>
-  <p:tag name="KSO_WM_SLIDE_SIZE" val="960*466"/>
-  <p:tag name="KSO_WM_SLIDE_POSITION" val="0*74"/>
+  <p:tag name="KSO_WM_UNIT_HIGHLIGHT" val="0"/>
+  <p:tag name="KSO_WM_UNIT_COMPATIBLE" val="0"/>
+  <p:tag name="KSO_WM_UNIT_DIAGRAM_ISNUMVISUAL" val="0"/>
+  <p:tag name="KSO_WM_UNIT_DIAGRAM_ISREFERUNIT" val="0"/>
+  <p:tag name="KSO_WM_UNIT_TYPE" val="i"/>
+  <p:tag name="KSO_WM_UNIT_INDEX" val="8"/>
+  <p:tag name="KSO_WM_UNIT_ID" val="diagram20203751_1*i*8"/>
+  <p:tag name="KSO_WM_TEMPLATE_CATEGORY" val="diagram"/>
+  <p:tag name="KSO_WM_TEMPLATE_INDEX" val="20203751"/>
+  <p:tag name="KSO_WM_UNIT_LAYERLEVEL" val="1"/>
   <p:tag name="KSO_WM_TAG_VERSION" val="1.0"/>
   <p:tag name="KSO_WM_BEAUTIFY_FLAG" val="#wm#"/>
-  <p:tag name="KSO_WM_TEMPLATE_CATEGORY" val="diagram"/>
-  <p:tag name="KSO_WM_TEMPLATE_INDEX" val="20203751"/>
-  <p:tag name="KSO_WM_SLIDE_LAYOUT" val="f"/>
-  <p:tag name="KSO_WM_SLIDE_LAYOUT_CNT" val="1"/>
 </p:tagLst>
 </file>
 
 <file path=ppt/tags/tag24.xml><?xml version="1.0" encoding="utf-8"?>
 <p:tagLst xmlns:p="http://schemas.openxmlformats.org/presentationml/2006/main">
-  <p:tag name="KSO_WM_BEAUTIFY_FLAG" val=""/>
+  <p:tag name="KSO_WM_UNIT_HIGHLIGHT" val="0"/>
+  <p:tag name="KSO_WM_UNIT_COMPATIBLE" val="0"/>
+  <p:tag name="KSO_WM_UNIT_DIAGRAM_ISNUMVISUAL" val="0"/>
+  <p:tag name="KSO_WM_UNIT_DIAGRAM_ISREFERUNIT" val="0"/>
+  <p:tag name="KSO_WM_UNIT_TYPE" val="i"/>
+  <p:tag name="KSO_WM_UNIT_INDEX" val="9"/>
+  <p:tag name="KSO_WM_UNIT_ID" val="diagram20203751_1*i*9"/>
+  <p:tag name="KSO_WM_TEMPLATE_CATEGORY" val="diagram"/>
+  <p:tag name="KSO_WM_TEMPLATE_INDEX" val="20203751"/>
+  <p:tag name="KSO_WM_UNIT_LAYERLEVEL" val="1"/>
+  <p:tag name="KSO_WM_TAG_VERSION" val="1.0"/>
+  <p:tag name="KSO_WM_BEAUTIFY_FLAG" val="#wm#"/>
 </p:tagLst>
 </file>
 
 <file path=ppt/tags/tag25.xml><?xml version="1.0" encoding="utf-8"?>
 <p:tagLst xmlns:p="http://schemas.openxmlformats.org/presentationml/2006/main">
-  <p:tag name="KSO_WM_SLIDE_ID" val="diagram20203751_1"/>
-  <p:tag name="KSO_WM_TEMPLATE_SUBCATEGORY" val="0"/>
-  <p:tag name="KSO_WM_TEMPLATE_MASTER_TYPE" val="0"/>
-  <p:tag name="KSO_WM_TEMPLATE_COLOR_TYPE" val="1"/>
-  <p:tag name="KSO_WM_SLIDE_TYPE" val="text"/>
-  <p:tag name="KSO_WM_SLIDE_SUBTYPE" val="pureTxt"/>
-  <p:tag name="KSO_WM_SLIDE_ITEM_CNT" val="0"/>
-  <p:tag name="KSO_WM_SLIDE_INDEX" val="1"/>
-  <p:tag name="KSO_WM_SLIDE_SIZE" val="960*466"/>
-  <p:tag name="KSO_WM_SLIDE_POSITION" val="0*74"/>
+  <p:tag name="KSO_WM_UNIT_TEXT_PART_ID_V2" val="a-1-2"/>
+  <p:tag name="KSO_WM_UNIT_COLOR_SCHEME_SHAPE_ID" val="16"/>
+  <p:tag name="KSO_WM_UNIT_COLOR_SCHEME_PARENT_PAGE" val="0_1"/>
+  <p:tag name="KSO_WM_UNIT_ISCONTENTSTITLE" val="0"/>
+  <p:tag name="KSO_WM_UNIT_PRESET_TEXT" val="单击此处添加文本具体内容，简明扼要的阐述您的观点"/>
+  <p:tag name="KSO_WM_UNIT_NOCLEAR" val="0"/>
+  <p:tag name="KSO_WM_UNIT_VALUE" val="32"/>
+  <p:tag name="KSO_WM_UNIT_HIGHLIGHT" val="0"/>
+  <p:tag name="KSO_WM_UNIT_COMPATIBLE" val="0"/>
+  <p:tag name="KSO_WM_UNIT_DIAGRAM_ISNUMVISUAL" val="0"/>
+  <p:tag name="KSO_WM_UNIT_DIAGRAM_ISREFERUNIT" val="0"/>
+  <p:tag name="KSO_WM_UNIT_TYPE" val="f"/>
+  <p:tag name="KSO_WM_UNIT_INDEX" val="1"/>
+  <p:tag name="KSO_WM_UNIT_ID" val="diagram20203751_1*f*1"/>
+  <p:tag name="KSO_WM_TEMPLATE_CATEGORY" val="diagram"/>
+  <p:tag name="KSO_WM_TEMPLATE_INDEX" val="20203751"/>
+  <p:tag name="KSO_WM_UNIT_LAYERLEVEL" val="1"/>
   <p:tag name="KSO_WM_TAG_VERSION" val="1.0"/>
   <p:tag name="KSO_WM_BEAUTIFY_FLAG" val="#wm#"/>
-  <p:tag name="KSO_WM_TEMPLATE_CATEGORY" val="diagram"/>
-  <p:tag name="KSO_WM_TEMPLATE_INDEX" val="20203751"/>
-  <p:tag name="KSO_WM_SLIDE_LAYOUT" val="f"/>
-  <p:tag name="KSO_WM_SLIDE_LAYOUT_CNT" val="1"/>
+  <p:tag name="KSO_WM_UNIT_SUBTYPE" val="a"/>
 </p:tagLst>
 </file>
 
@@ -6820,12 +8425,191 @@
 
 <file path=ppt/tags/tag27.xml><?xml version="1.0" encoding="utf-8"?>
 <p:tagLst xmlns:p="http://schemas.openxmlformats.org/presentationml/2006/main">
-  <p:tag name="KSO_WPP_MARK_KEY" val="6b7c9d6b-4b97-4f00-a853-8e9320180f2c"/>
-  <p:tag name="COMMONDATA" val="eyJoZGlkIjoiZmQyMTI0NmEyZmUyMzcxOWU1NzNmODBlODkwODQ5ZmUifQ=="/>
+  <p:tag name="KSO_WM_BEAUTIFY_FLAG" val=""/>
+</p:tagLst>
+</file>
+
+<file path=ppt/tags/tag28.xml><?xml version="1.0" encoding="utf-8"?>
+<p:tagLst xmlns:p="http://schemas.openxmlformats.org/presentationml/2006/main">
+  <p:tag name="KSO_WM_SLIDE_ID" val="diagram20203751_1"/>
+  <p:tag name="KSO_WM_TEMPLATE_SUBCATEGORY" val="0"/>
+  <p:tag name="KSO_WM_TEMPLATE_MASTER_TYPE" val="0"/>
+  <p:tag name="KSO_WM_TEMPLATE_COLOR_TYPE" val="1"/>
+  <p:tag name="KSO_WM_SLIDE_TYPE" val="text"/>
+  <p:tag name="KSO_WM_SLIDE_SUBTYPE" val="pureTxt"/>
+  <p:tag name="KSO_WM_SLIDE_ITEM_CNT" val="0"/>
+  <p:tag name="KSO_WM_SLIDE_INDEX" val="1"/>
+  <p:tag name="KSO_WM_SLIDE_SIZE" val="960*466"/>
+  <p:tag name="KSO_WM_SLIDE_POSITION" val="0*74"/>
+  <p:tag name="KSO_WM_TAG_VERSION" val="1.0"/>
+  <p:tag name="KSO_WM_BEAUTIFY_FLAG" val="#wm#"/>
+  <p:tag name="KSO_WM_TEMPLATE_CATEGORY" val="diagram"/>
+  <p:tag name="KSO_WM_TEMPLATE_INDEX" val="20203751"/>
+  <p:tag name="KSO_WM_SLIDE_LAYOUT" val="f"/>
+  <p:tag name="KSO_WM_SLIDE_LAYOUT_CNT" val="1"/>
+</p:tagLst>
+</file>
+
+<file path=ppt/tags/tag29.xml><?xml version="1.0" encoding="utf-8"?>
+<p:tagLst xmlns:p="http://schemas.openxmlformats.org/presentationml/2006/main">
+  <p:tag name="KSO_WM_BEAUTIFY_FLAG" val=""/>
 </p:tagLst>
 </file>
 
 <file path=ppt/tags/tag3.xml><?xml version="1.0" encoding="utf-8"?>
+<p:tagLst xmlns:p="http://schemas.openxmlformats.org/presentationml/2006/main">
+  <p:tag name="KSO_WM_UNIT_HIGHLIGHT" val="0"/>
+  <p:tag name="KSO_WM_UNIT_COMPATIBLE" val="0"/>
+  <p:tag name="KSO_WM_UNIT_DIAGRAM_ISNUMVISUAL" val="0"/>
+  <p:tag name="KSO_WM_UNIT_DIAGRAM_ISREFERUNIT" val="0"/>
+  <p:tag name="KSO_WM_UNIT_TYPE" val="i"/>
+  <p:tag name="KSO_WM_UNIT_INDEX" val="5"/>
+  <p:tag name="KSO_WM_UNIT_ID" val="diagram20203751_1*i*5"/>
+  <p:tag name="KSO_WM_TEMPLATE_CATEGORY" val="diagram"/>
+  <p:tag name="KSO_WM_TEMPLATE_INDEX" val="20203751"/>
+  <p:tag name="KSO_WM_UNIT_LAYERLEVEL" val="1"/>
+  <p:tag name="KSO_WM_TAG_VERSION" val="1.0"/>
+  <p:tag name="KSO_WM_BEAUTIFY_FLAG" val="#wm#"/>
+</p:tagLst>
+</file>
+
+<file path=ppt/tags/tag30.xml><?xml version="1.0" encoding="utf-8"?>
+<p:tagLst xmlns:p="http://schemas.openxmlformats.org/presentationml/2006/main">
+  <p:tag name="KSO_WM_SLIDE_ID" val="diagram20203751_1"/>
+  <p:tag name="KSO_WM_TEMPLATE_SUBCATEGORY" val="0"/>
+  <p:tag name="KSO_WM_TEMPLATE_MASTER_TYPE" val="0"/>
+  <p:tag name="KSO_WM_TEMPLATE_COLOR_TYPE" val="1"/>
+  <p:tag name="KSO_WM_SLIDE_TYPE" val="text"/>
+  <p:tag name="KSO_WM_SLIDE_SUBTYPE" val="pureTxt"/>
+  <p:tag name="KSO_WM_SLIDE_ITEM_CNT" val="0"/>
+  <p:tag name="KSO_WM_SLIDE_INDEX" val="1"/>
+  <p:tag name="KSO_WM_SLIDE_SIZE" val="960*466"/>
+  <p:tag name="KSO_WM_SLIDE_POSITION" val="0*74"/>
+  <p:tag name="KSO_WM_TAG_VERSION" val="1.0"/>
+  <p:tag name="KSO_WM_BEAUTIFY_FLAG" val="#wm#"/>
+  <p:tag name="KSO_WM_TEMPLATE_CATEGORY" val="diagram"/>
+  <p:tag name="KSO_WM_TEMPLATE_INDEX" val="20203751"/>
+  <p:tag name="KSO_WM_SLIDE_LAYOUT" val="f"/>
+  <p:tag name="KSO_WM_SLIDE_LAYOUT_CNT" val="1"/>
+</p:tagLst>
+</file>
+
+<file path=ppt/tags/tag31.xml><?xml version="1.0" encoding="utf-8"?>
+<p:tagLst xmlns:p="http://schemas.openxmlformats.org/presentationml/2006/main">
+  <p:tag name="KSO_WM_BEAUTIFY_FLAG" val=""/>
+</p:tagLst>
+</file>
+
+<file path=ppt/tags/tag32.xml><?xml version="1.0" encoding="utf-8"?>
+<p:tagLst xmlns:p="http://schemas.openxmlformats.org/presentationml/2006/main">
+  <p:tag name="KSO_WM_SLIDE_ID" val="diagram20203751_1"/>
+  <p:tag name="KSO_WM_TEMPLATE_SUBCATEGORY" val="0"/>
+  <p:tag name="KSO_WM_TEMPLATE_MASTER_TYPE" val="0"/>
+  <p:tag name="KSO_WM_TEMPLATE_COLOR_TYPE" val="1"/>
+  <p:tag name="KSO_WM_SLIDE_TYPE" val="text"/>
+  <p:tag name="KSO_WM_SLIDE_SUBTYPE" val="pureTxt"/>
+  <p:tag name="KSO_WM_SLIDE_ITEM_CNT" val="0"/>
+  <p:tag name="KSO_WM_SLIDE_INDEX" val="1"/>
+  <p:tag name="KSO_WM_SLIDE_SIZE" val="960*466"/>
+  <p:tag name="KSO_WM_SLIDE_POSITION" val="0*74"/>
+  <p:tag name="KSO_WM_TAG_VERSION" val="1.0"/>
+  <p:tag name="KSO_WM_BEAUTIFY_FLAG" val="#wm#"/>
+  <p:tag name="KSO_WM_TEMPLATE_CATEGORY" val="diagram"/>
+  <p:tag name="KSO_WM_TEMPLATE_INDEX" val="20203751"/>
+  <p:tag name="KSO_WM_SLIDE_LAYOUT" val="f"/>
+  <p:tag name="KSO_WM_SLIDE_LAYOUT_CNT" val="1"/>
+</p:tagLst>
+</file>
+
+<file path=ppt/tags/tag33.xml><?xml version="1.0" encoding="utf-8"?>
+<p:tagLst xmlns:p="http://schemas.openxmlformats.org/presentationml/2006/main">
+  <p:tag name="KSO_WM_BEAUTIFY_FLAG" val=""/>
+</p:tagLst>
+</file>
+
+<file path=ppt/tags/tag34.xml><?xml version="1.0" encoding="utf-8"?>
+<p:tagLst xmlns:p="http://schemas.openxmlformats.org/presentationml/2006/main">
+  <p:tag name="KSO_WM_SLIDE_ID" val="diagram20203751_1"/>
+  <p:tag name="KSO_WM_TEMPLATE_SUBCATEGORY" val="0"/>
+  <p:tag name="KSO_WM_TEMPLATE_MASTER_TYPE" val="0"/>
+  <p:tag name="KSO_WM_TEMPLATE_COLOR_TYPE" val="1"/>
+  <p:tag name="KSO_WM_SLIDE_TYPE" val="text"/>
+  <p:tag name="KSO_WM_SLIDE_SUBTYPE" val="pureTxt"/>
+  <p:tag name="KSO_WM_SLIDE_ITEM_CNT" val="0"/>
+  <p:tag name="KSO_WM_SLIDE_INDEX" val="1"/>
+  <p:tag name="KSO_WM_SLIDE_SIZE" val="960*466"/>
+  <p:tag name="KSO_WM_SLIDE_POSITION" val="0*74"/>
+  <p:tag name="KSO_WM_TAG_VERSION" val="1.0"/>
+  <p:tag name="KSO_WM_BEAUTIFY_FLAG" val="#wm#"/>
+  <p:tag name="KSO_WM_TEMPLATE_CATEGORY" val="diagram"/>
+  <p:tag name="KSO_WM_TEMPLATE_INDEX" val="20203751"/>
+  <p:tag name="KSO_WM_SLIDE_LAYOUT" val="f"/>
+  <p:tag name="KSO_WM_SLIDE_LAYOUT_CNT" val="1"/>
+</p:tagLst>
+</file>
+
+<file path=ppt/tags/tag35.xml><?xml version="1.0" encoding="utf-8"?>
+<p:tagLst xmlns:p="http://schemas.openxmlformats.org/presentationml/2006/main">
+  <p:tag name="KSO_WM_BEAUTIFY_FLAG" val=""/>
+</p:tagLst>
+</file>
+
+<file path=ppt/tags/tag36.xml><?xml version="1.0" encoding="utf-8"?>
+<p:tagLst xmlns:p="http://schemas.openxmlformats.org/presentationml/2006/main">
+  <p:tag name="KSO_WM_SLIDE_ID" val="diagram20203751_1"/>
+  <p:tag name="KSO_WM_TEMPLATE_SUBCATEGORY" val="0"/>
+  <p:tag name="KSO_WM_TEMPLATE_MASTER_TYPE" val="0"/>
+  <p:tag name="KSO_WM_TEMPLATE_COLOR_TYPE" val="1"/>
+  <p:tag name="KSO_WM_SLIDE_TYPE" val="text"/>
+  <p:tag name="KSO_WM_SLIDE_SUBTYPE" val="pureTxt"/>
+  <p:tag name="KSO_WM_SLIDE_ITEM_CNT" val="0"/>
+  <p:tag name="KSO_WM_SLIDE_INDEX" val="1"/>
+  <p:tag name="KSO_WM_SLIDE_SIZE" val="960*466"/>
+  <p:tag name="KSO_WM_SLIDE_POSITION" val="0*74"/>
+  <p:tag name="KSO_WM_TAG_VERSION" val="1.0"/>
+  <p:tag name="KSO_WM_BEAUTIFY_FLAG" val="#wm#"/>
+  <p:tag name="KSO_WM_TEMPLATE_CATEGORY" val="diagram"/>
+  <p:tag name="KSO_WM_TEMPLATE_INDEX" val="20203751"/>
+  <p:tag name="KSO_WM_SLIDE_LAYOUT" val="f"/>
+  <p:tag name="KSO_WM_SLIDE_LAYOUT_CNT" val="1"/>
+</p:tagLst>
+</file>
+
+<file path=ppt/tags/tag37.xml><?xml version="1.0" encoding="utf-8"?>
+<p:tagLst xmlns:p="http://schemas.openxmlformats.org/presentationml/2006/main">
+  <p:tag name="KSO_WM_UNIT_HIGHLIGHT" val="0"/>
+  <p:tag name="KSO_WM_UNIT_COMPATIBLE" val="0"/>
+  <p:tag name="KSO_WM_UNIT_DIAGRAM_ISNUMVISUAL" val="0"/>
+  <p:tag name="KSO_WM_UNIT_DIAGRAM_ISREFERUNIT" val="0"/>
+  <p:tag name="KSO_WM_UNIT_TYPE" val="i"/>
+  <p:tag name="KSO_WM_UNIT_INDEX" val="2"/>
+  <p:tag name="KSO_WM_UNIT_ID" val="diagram20203751_1*i*2"/>
+  <p:tag name="KSO_WM_TEMPLATE_CATEGORY" val="diagram"/>
+  <p:tag name="KSO_WM_TEMPLATE_INDEX" val="20203751"/>
+  <p:tag name="KSO_WM_UNIT_LAYERLEVEL" val="1"/>
+  <p:tag name="KSO_WM_TAG_VERSION" val="1.0"/>
+  <p:tag name="KSO_WM_BEAUTIFY_FLAG" val="#wm#"/>
+</p:tagLst>
+</file>
+
+<file path=ppt/tags/tag38.xml><?xml version="1.0" encoding="utf-8"?>
+<p:tagLst xmlns:p="http://schemas.openxmlformats.org/presentationml/2006/main">
+  <p:tag name="KSO_WM_UNIT_HIGHLIGHT" val="0"/>
+  <p:tag name="KSO_WM_UNIT_COMPATIBLE" val="0"/>
+  <p:tag name="KSO_WM_UNIT_DIAGRAM_ISNUMVISUAL" val="0"/>
+  <p:tag name="KSO_WM_UNIT_DIAGRAM_ISREFERUNIT" val="0"/>
+  <p:tag name="KSO_WM_UNIT_TYPE" val="i"/>
+  <p:tag name="KSO_WM_UNIT_INDEX" val="3"/>
+  <p:tag name="KSO_WM_UNIT_ID" val="diagram20203751_1*i*3"/>
+  <p:tag name="KSO_WM_TEMPLATE_CATEGORY" val="diagram"/>
+  <p:tag name="KSO_WM_TEMPLATE_INDEX" val="20203751"/>
+  <p:tag name="KSO_WM_UNIT_LAYERLEVEL" val="1"/>
+  <p:tag name="KSO_WM_TAG_VERSION" val="1.0"/>
+  <p:tag name="KSO_WM_BEAUTIFY_FLAG" val="#wm#"/>
+</p:tagLst>
+</file>
+
+<file path=ppt/tags/tag39.xml><?xml version="1.0" encoding="utf-8"?>
 <p:tagLst xmlns:p="http://schemas.openxmlformats.org/presentationml/2006/main">
   <p:tag name="KSO_WM_UNIT_HIGHLIGHT" val="0"/>
   <p:tag name="KSO_WM_UNIT_COMPATIBLE" val="0"/>
@@ -6856,6 +8640,149 @@
   <p:tag name="KSO_WM_UNIT_LAYERLEVEL" val="1"/>
   <p:tag name="KSO_WM_TAG_VERSION" val="1.0"/>
   <p:tag name="KSO_WM_BEAUTIFY_FLAG" val="#wm#"/>
+</p:tagLst>
+</file>
+
+<file path=ppt/tags/tag40.xml><?xml version="1.0" encoding="utf-8"?>
+<p:tagLst xmlns:p="http://schemas.openxmlformats.org/presentationml/2006/main">
+  <p:tag name="KSO_WM_UNIT_HIGHLIGHT" val="0"/>
+  <p:tag name="KSO_WM_UNIT_COMPATIBLE" val="0"/>
+  <p:tag name="KSO_WM_UNIT_DIAGRAM_ISNUMVISUAL" val="0"/>
+  <p:tag name="KSO_WM_UNIT_DIAGRAM_ISREFERUNIT" val="0"/>
+  <p:tag name="KSO_WM_UNIT_TYPE" val="i"/>
+  <p:tag name="KSO_WM_UNIT_INDEX" val="6"/>
+  <p:tag name="KSO_WM_UNIT_ID" val="diagram20203751_1*i*6"/>
+  <p:tag name="KSO_WM_TEMPLATE_CATEGORY" val="diagram"/>
+  <p:tag name="KSO_WM_TEMPLATE_INDEX" val="20203751"/>
+  <p:tag name="KSO_WM_UNIT_LAYERLEVEL" val="1"/>
+  <p:tag name="KSO_WM_TAG_VERSION" val="1.0"/>
+  <p:tag name="KSO_WM_BEAUTIFY_FLAG" val="#wm#"/>
+</p:tagLst>
+</file>
+
+<file path=ppt/tags/tag41.xml><?xml version="1.0" encoding="utf-8"?>
+<p:tagLst xmlns:p="http://schemas.openxmlformats.org/presentationml/2006/main">
+  <p:tag name="KSO_WM_UNIT_HIGHLIGHT" val="0"/>
+  <p:tag name="KSO_WM_UNIT_COMPATIBLE" val="0"/>
+  <p:tag name="KSO_WM_UNIT_DIAGRAM_ISNUMVISUAL" val="0"/>
+  <p:tag name="KSO_WM_UNIT_DIAGRAM_ISREFERUNIT" val="0"/>
+  <p:tag name="KSO_WM_UNIT_TYPE" val="i"/>
+  <p:tag name="KSO_WM_UNIT_INDEX" val="7"/>
+  <p:tag name="KSO_WM_UNIT_ID" val="diagram20203751_1*i*7"/>
+  <p:tag name="KSO_WM_TEMPLATE_CATEGORY" val="diagram"/>
+  <p:tag name="KSO_WM_TEMPLATE_INDEX" val="20203751"/>
+  <p:tag name="KSO_WM_UNIT_LAYERLEVEL" val="1"/>
+  <p:tag name="KSO_WM_TAG_VERSION" val="1.0"/>
+  <p:tag name="KSO_WM_BEAUTIFY_FLAG" val="#wm#"/>
+</p:tagLst>
+</file>
+
+<file path=ppt/tags/tag42.xml><?xml version="1.0" encoding="utf-8"?>
+<p:tagLst xmlns:p="http://schemas.openxmlformats.org/presentationml/2006/main">
+  <p:tag name="KSO_WM_UNIT_HIGHLIGHT" val="0"/>
+  <p:tag name="KSO_WM_UNIT_COMPATIBLE" val="0"/>
+  <p:tag name="KSO_WM_UNIT_DIAGRAM_ISNUMVISUAL" val="0"/>
+  <p:tag name="KSO_WM_UNIT_DIAGRAM_ISREFERUNIT" val="0"/>
+  <p:tag name="KSO_WM_UNIT_TYPE" val="i"/>
+  <p:tag name="KSO_WM_UNIT_INDEX" val="8"/>
+  <p:tag name="KSO_WM_UNIT_ID" val="diagram20203751_1*i*8"/>
+  <p:tag name="KSO_WM_TEMPLATE_CATEGORY" val="diagram"/>
+  <p:tag name="KSO_WM_TEMPLATE_INDEX" val="20203751"/>
+  <p:tag name="KSO_WM_UNIT_LAYERLEVEL" val="1"/>
+  <p:tag name="KSO_WM_TAG_VERSION" val="1.0"/>
+  <p:tag name="KSO_WM_BEAUTIFY_FLAG" val="#wm#"/>
+</p:tagLst>
+</file>
+
+<file path=ppt/tags/tag43.xml><?xml version="1.0" encoding="utf-8"?>
+<p:tagLst xmlns:p="http://schemas.openxmlformats.org/presentationml/2006/main">
+  <p:tag name="KSO_WM_UNIT_HIGHLIGHT" val="0"/>
+  <p:tag name="KSO_WM_UNIT_COMPATIBLE" val="0"/>
+  <p:tag name="KSO_WM_UNIT_DIAGRAM_ISNUMVISUAL" val="0"/>
+  <p:tag name="KSO_WM_UNIT_DIAGRAM_ISREFERUNIT" val="0"/>
+  <p:tag name="KSO_WM_UNIT_TYPE" val="i"/>
+  <p:tag name="KSO_WM_UNIT_INDEX" val="9"/>
+  <p:tag name="KSO_WM_UNIT_ID" val="diagram20203751_1*i*9"/>
+  <p:tag name="KSO_WM_TEMPLATE_CATEGORY" val="diagram"/>
+  <p:tag name="KSO_WM_TEMPLATE_INDEX" val="20203751"/>
+  <p:tag name="KSO_WM_UNIT_LAYERLEVEL" val="1"/>
+  <p:tag name="KSO_WM_TAG_VERSION" val="1.0"/>
+  <p:tag name="KSO_WM_BEAUTIFY_FLAG" val="#wm#"/>
+</p:tagLst>
+</file>
+
+<file path=ppt/tags/tag44.xml><?xml version="1.0" encoding="utf-8"?>
+<p:tagLst xmlns:p="http://schemas.openxmlformats.org/presentationml/2006/main">
+  <p:tag name="KSO_WM_UNIT_TEXT_PART_ID_V2" val="a-1-2"/>
+  <p:tag name="KSO_WM_UNIT_COLOR_SCHEME_SHAPE_ID" val="16"/>
+  <p:tag name="KSO_WM_UNIT_COLOR_SCHEME_PARENT_PAGE" val="0_1"/>
+  <p:tag name="KSO_WM_UNIT_ISCONTENTSTITLE" val="0"/>
+  <p:tag name="KSO_WM_UNIT_PRESET_TEXT" val="单击此处添加文本具体内容，简明扼要的阐述您的观点"/>
+  <p:tag name="KSO_WM_UNIT_NOCLEAR" val="0"/>
+  <p:tag name="KSO_WM_UNIT_VALUE" val="32"/>
+  <p:tag name="KSO_WM_UNIT_HIGHLIGHT" val="0"/>
+  <p:tag name="KSO_WM_UNIT_COMPATIBLE" val="0"/>
+  <p:tag name="KSO_WM_UNIT_DIAGRAM_ISNUMVISUAL" val="0"/>
+  <p:tag name="KSO_WM_UNIT_DIAGRAM_ISREFERUNIT" val="0"/>
+  <p:tag name="KSO_WM_UNIT_TYPE" val="f"/>
+  <p:tag name="KSO_WM_UNIT_INDEX" val="1"/>
+  <p:tag name="KSO_WM_UNIT_ID" val="diagram20203751_1*f*1"/>
+  <p:tag name="KSO_WM_TEMPLATE_CATEGORY" val="diagram"/>
+  <p:tag name="KSO_WM_TEMPLATE_INDEX" val="20203751"/>
+  <p:tag name="KSO_WM_UNIT_LAYERLEVEL" val="1"/>
+  <p:tag name="KSO_WM_TAG_VERSION" val="1.0"/>
+  <p:tag name="KSO_WM_BEAUTIFY_FLAG" val="#wm#"/>
+  <p:tag name="KSO_WM_UNIT_SUBTYPE" val="a"/>
+</p:tagLst>
+</file>
+
+<file path=ppt/tags/tag45.xml><?xml version="1.0" encoding="utf-8"?>
+<p:tagLst xmlns:p="http://schemas.openxmlformats.org/presentationml/2006/main">
+  <p:tag name="KSO_WM_SLIDE_ID" val="diagram20203751_1"/>
+  <p:tag name="KSO_WM_TEMPLATE_SUBCATEGORY" val="0"/>
+  <p:tag name="KSO_WM_TEMPLATE_MASTER_TYPE" val="0"/>
+  <p:tag name="KSO_WM_TEMPLATE_COLOR_TYPE" val="1"/>
+  <p:tag name="KSO_WM_SLIDE_TYPE" val="text"/>
+  <p:tag name="KSO_WM_SLIDE_SUBTYPE" val="pureTxt"/>
+  <p:tag name="KSO_WM_SLIDE_ITEM_CNT" val="0"/>
+  <p:tag name="KSO_WM_SLIDE_INDEX" val="1"/>
+  <p:tag name="KSO_WM_SLIDE_SIZE" val="960*466"/>
+  <p:tag name="KSO_WM_SLIDE_POSITION" val="0*74"/>
+  <p:tag name="KSO_WM_TAG_VERSION" val="1.0"/>
+  <p:tag name="KSO_WM_BEAUTIFY_FLAG" val="#wm#"/>
+  <p:tag name="KSO_WM_TEMPLATE_CATEGORY" val="diagram"/>
+  <p:tag name="KSO_WM_TEMPLATE_INDEX" val="20203751"/>
+  <p:tag name="KSO_WM_SLIDE_LAYOUT" val="f"/>
+  <p:tag name="KSO_WM_SLIDE_LAYOUT_CNT" val="1"/>
+</p:tagLst>
+</file>
+
+<file path=ppt/tags/tag46.xml><?xml version="1.0" encoding="utf-8"?>
+<p:tagLst xmlns:p="http://schemas.openxmlformats.org/presentationml/2006/main">
+  <p:tag name="KSO_WM_SLIDE_ID" val="diagram20203751_1"/>
+  <p:tag name="KSO_WM_TEMPLATE_SUBCATEGORY" val="0"/>
+  <p:tag name="KSO_WM_TEMPLATE_MASTER_TYPE" val="0"/>
+  <p:tag name="KSO_WM_TEMPLATE_COLOR_TYPE" val="1"/>
+  <p:tag name="KSO_WM_SLIDE_TYPE" val="text"/>
+  <p:tag name="KSO_WM_SLIDE_SUBTYPE" val="pureTxt"/>
+  <p:tag name="KSO_WM_SLIDE_ITEM_CNT" val="0"/>
+  <p:tag name="KSO_WM_SLIDE_INDEX" val="1"/>
+  <p:tag name="KSO_WM_SLIDE_SIZE" val="960*466"/>
+  <p:tag name="KSO_WM_SLIDE_POSITION" val="0*74"/>
+  <p:tag name="KSO_WM_TAG_VERSION" val="1.0"/>
+  <p:tag name="KSO_WM_BEAUTIFY_FLAG" val="#wm#"/>
+  <p:tag name="KSO_WM_TEMPLATE_CATEGORY" val="diagram"/>
+  <p:tag name="KSO_WM_TEMPLATE_INDEX" val="20203751"/>
+  <p:tag name="KSO_WM_SLIDE_LAYOUT" val="f"/>
+  <p:tag name="KSO_WM_SLIDE_LAYOUT_CNT" val="1"/>
+</p:tagLst>
+</file>
+
+<file path=ppt/tags/tag47.xml><?xml version="1.0" encoding="utf-8"?>
+<p:tagLst xmlns:p="http://schemas.openxmlformats.org/presentationml/2006/main">
+  <p:tag name="KSO_WPP_MARK_KEY" val="6b7c9d6b-4b97-4f00-a853-8e9320180f2c"/>
+  <p:tag name="COMMONDATA" val="eyJoZGlkIjoiZmQyMTI0NmEyZmUyMzcxOWU1NzNmODBlODkwODQ5ZmUifQ=="/>
+  <p:tag name="commondata" val="eyJoZGlkIjoiODMxYjY1MDM5ZWFiOTgzMDQ4OTI0NWZjZTIyZjI4MDYifQ=="/>
 </p:tagLst>
 </file>
 

--- a/doc/DataWorkFlow-chart.pptx
+++ b/doc/DataWorkFlow-chart.pptx
@@ -9,22 +9,26 @@
     <p:sldId id="261" r:id="rId4"/>
     <p:sldId id="265" r:id="rId5"/>
     <p:sldId id="262" r:id="rId6"/>
-    <p:sldId id="263" r:id="rId7"/>
-    <p:sldId id="273" r:id="rId8"/>
-    <p:sldId id="264" r:id="rId9"/>
-    <p:sldId id="266" r:id="rId10"/>
-    <p:sldId id="267" r:id="rId11"/>
-    <p:sldId id="268" r:id="rId12"/>
-    <p:sldId id="274" r:id="rId13"/>
-    <p:sldId id="275" r:id="rId14"/>
-    <p:sldId id="276" r:id="rId15"/>
-    <p:sldId id="277" r:id="rId16"/>
-    <p:sldId id="269" r:id="rId17"/>
+    <p:sldId id="287" r:id="rId7"/>
+    <p:sldId id="263" r:id="rId8"/>
+    <p:sldId id="273" r:id="rId9"/>
+    <p:sldId id="264" r:id="rId10"/>
+    <p:sldId id="266" r:id="rId11"/>
+    <p:sldId id="267" r:id="rId12"/>
+    <p:sldId id="268" r:id="rId13"/>
+    <p:sldId id="274" r:id="rId14"/>
+    <p:sldId id="275" r:id="rId15"/>
+    <p:sldId id="276" r:id="rId16"/>
+    <p:sldId id="277" r:id="rId17"/>
+    <p:sldId id="269" r:id="rId18"/>
+    <p:sldId id="284" r:id="rId19"/>
+    <p:sldId id="283" r:id="rId20"/>
+    <p:sldId id="285" r:id="rId21"/>
   </p:sldIdLst>
   <p:sldSz cx="12192000" cy="6858000"/>
   <p:notesSz cx="6858000" cy="9144000"/>
   <p:custDataLst>
-    <p:tags r:id="rId21"/>
+    <p:tags r:id="rId25"/>
   </p:custDataLst>
   <p:defaultTextStyle>
     <a:defPPr>
@@ -3670,104 +3674,104 @@
           <a:chExt cx="0" cy="0"/>
         </a:xfrm>
       </p:grpSpPr>
+      <p:sp>
+        <p:nvSpPr>
+          <p:cNvPr id="4" name="文本框 3"/>
+          <p:cNvSpPr txBox="1"/>
+          <p:nvPr>
+            <p:custDataLst>
+              <p:tags r:id="rId1"/>
+            </p:custDataLst>
+          </p:nvPr>
+        </p:nvSpPr>
+        <p:spPr>
+          <a:xfrm>
+            <a:off x="783590" y="900000"/>
+            <a:ext cx="10133330" cy="829945"/>
+          </a:xfrm>
+          <a:prstGeom prst="rect">
+            <a:avLst/>
+          </a:prstGeom>
+          <a:noFill/>
+        </p:spPr>
+        <p:txBody>
+          <a:bodyPr wrap="square" rtlCol="0">
+            <a:spAutoFit/>
+          </a:bodyPr>
+          <a:p>
+            <a:pPr algn="l"/>
+            <a:r>
+              <a:rPr lang="zh-CN" sz="2400" b="1">
+                <a:latin typeface="微软雅黑" panose="020B0503020204020204" pitchFamily="34" charset="-122"/>
+                <a:ea typeface="微软雅黑" panose="020B0503020204020204" pitchFamily="34" charset="-122"/>
+                <a:cs typeface="微软雅黑" panose="020B0503020204020204" pitchFamily="34" charset="-122"/>
+              </a:rPr>
+              <a:t>数据</a:t>
+            </a:r>
+            <a:r>
+              <a:rPr lang="en-US" altLang="zh-CN" sz="2400" b="1">
+                <a:latin typeface="微软雅黑" panose="020B0503020204020204" pitchFamily="34" charset="-122"/>
+                <a:ea typeface="微软雅黑" panose="020B0503020204020204" pitchFamily="34" charset="-122"/>
+                <a:cs typeface="微软雅黑" panose="020B0503020204020204" pitchFamily="34" charset="-122"/>
+              </a:rPr>
+              <a:t>(Data)——</a:t>
+            </a:r>
+            <a:r>
+              <a:rPr lang="zh-CN" altLang="en-US" sz="2400" b="1">
+                <a:latin typeface="微软雅黑" panose="020B0503020204020204" pitchFamily="34" charset="-122"/>
+                <a:ea typeface="微软雅黑" panose="020B0503020204020204" pitchFamily="34" charset="-122"/>
+                <a:cs typeface="微软雅黑" panose="020B0503020204020204" pitchFamily="34" charset="-122"/>
+              </a:rPr>
+              <a:t>进行精细的数据治理</a:t>
+            </a:r>
+            <a:endParaRPr lang="zh-CN" sz="2400" b="1">
+              <a:latin typeface="微软雅黑" panose="020B0503020204020204" pitchFamily="34" charset="-122"/>
+              <a:ea typeface="微软雅黑" panose="020B0503020204020204" pitchFamily="34" charset="-122"/>
+              <a:cs typeface="微软雅黑" panose="020B0503020204020204" pitchFamily="34" charset="-122"/>
+            </a:endParaRPr>
+          </a:p>
+          <a:p>
+            <a:pPr algn="l"/>
+            <a:r>
+              <a:rPr lang="zh-CN" sz="2400">
+                <a:latin typeface="微软雅黑" panose="020B0503020204020204" pitchFamily="34" charset="-122"/>
+                <a:ea typeface="微软雅黑" panose="020B0503020204020204" pitchFamily="34" charset="-122"/>
+                <a:cs typeface="微软雅黑" panose="020B0503020204020204" pitchFamily="34" charset="-122"/>
+              </a:rPr>
+              <a:t>适合对数据进行精细调整，对行列执行函数等操作</a:t>
+            </a:r>
+            <a:endParaRPr lang="zh-CN" sz="2400">
+              <a:latin typeface="微软雅黑" panose="020B0503020204020204" pitchFamily="34" charset="-122"/>
+              <a:ea typeface="微软雅黑" panose="020B0503020204020204" pitchFamily="34" charset="-122"/>
+              <a:cs typeface="微软雅黑" panose="020B0503020204020204" pitchFamily="34" charset="-122"/>
+            </a:endParaRPr>
+          </a:p>
+        </p:txBody>
+      </p:sp>
       <p:pic>
         <p:nvPicPr>
-          <p:cNvPr id="3" name="图片 2" descr="about-data-work-flow"/>
+          <p:cNvPr id="5" name="图片 4" descr="about-data-work-flow"/>
           <p:cNvPicPr>
             <a:picLocks noChangeAspect="1"/>
           </p:cNvPicPr>
           <p:nvPr/>
         </p:nvPicPr>
         <p:blipFill>
-          <a:blip r:embed="rId1"/>
+          <a:blip r:embed="rId2"/>
           <a:stretch>
             <a:fillRect/>
           </a:stretch>
         </p:blipFill>
         <p:spPr>
           <a:xfrm>
-            <a:off x="1398270" y="1058545"/>
-            <a:ext cx="9395460" cy="4657725"/>
+            <a:off x="1929130" y="1729740"/>
+            <a:ext cx="8409305" cy="5019675"/>
           </a:xfrm>
           <a:prstGeom prst="rect">
             <a:avLst/>
           </a:prstGeom>
         </p:spPr>
       </p:pic>
-      <p:sp>
-        <p:nvSpPr>
-          <p:cNvPr id="4" name="文本框 3"/>
-          <p:cNvSpPr txBox="1"/>
-          <p:nvPr>
-            <p:custDataLst>
-              <p:tags r:id="rId2"/>
-            </p:custDataLst>
-          </p:nvPr>
-        </p:nvSpPr>
-        <p:spPr>
-          <a:xfrm>
-            <a:off x="783590" y="5827395"/>
-            <a:ext cx="10133330" cy="829945"/>
-          </a:xfrm>
-          <a:prstGeom prst="rect">
-            <a:avLst/>
-          </a:prstGeom>
-          <a:noFill/>
-        </p:spPr>
-        <p:txBody>
-          <a:bodyPr wrap="square" rtlCol="0">
-            <a:spAutoFit/>
-          </a:bodyPr>
-          <a:p>
-            <a:pPr algn="l"/>
-            <a:r>
-              <a:rPr lang="zh-CN" sz="2400" b="1">
-                <a:latin typeface="微软雅黑" panose="020B0503020204020204" pitchFamily="34" charset="-122"/>
-                <a:ea typeface="微软雅黑" panose="020B0503020204020204" pitchFamily="34" charset="-122"/>
-                <a:cs typeface="微软雅黑" panose="020B0503020204020204" pitchFamily="34" charset="-122"/>
-              </a:rPr>
-              <a:t>绘图</a:t>
-            </a:r>
-            <a:r>
-              <a:rPr lang="en-US" altLang="zh-CN" sz="2400" b="1">
-                <a:latin typeface="微软雅黑" panose="020B0503020204020204" pitchFamily="34" charset="-122"/>
-                <a:ea typeface="微软雅黑" panose="020B0503020204020204" pitchFamily="34" charset="-122"/>
-                <a:cs typeface="微软雅黑" panose="020B0503020204020204" pitchFamily="34" charset="-122"/>
-              </a:rPr>
-              <a:t>(Chart)——</a:t>
-            </a:r>
-            <a:r>
-              <a:rPr lang="zh-CN" altLang="en-US" sz="2400" b="1">
-                <a:latin typeface="微软雅黑" panose="020B0503020204020204" pitchFamily="34" charset="-122"/>
-                <a:ea typeface="微软雅黑" panose="020B0503020204020204" pitchFamily="34" charset="-122"/>
-                <a:cs typeface="微软雅黑" panose="020B0503020204020204" pitchFamily="34" charset="-122"/>
-              </a:rPr>
-              <a:t>进行精细的绘图操作</a:t>
-            </a:r>
-            <a:endParaRPr lang="zh-CN" sz="2400" b="1">
-              <a:latin typeface="微软雅黑" panose="020B0503020204020204" pitchFamily="34" charset="-122"/>
-              <a:ea typeface="微软雅黑" panose="020B0503020204020204" pitchFamily="34" charset="-122"/>
-              <a:cs typeface="微软雅黑" panose="020B0503020204020204" pitchFamily="34" charset="-122"/>
-            </a:endParaRPr>
-          </a:p>
-          <a:p>
-            <a:pPr algn="l"/>
-            <a:r>
-              <a:rPr lang="zh-CN" sz="2400">
-                <a:latin typeface="微软雅黑" panose="020B0503020204020204" pitchFamily="34" charset="-122"/>
-                <a:ea typeface="微软雅黑" panose="020B0503020204020204" pitchFamily="34" charset="-122"/>
-                <a:cs typeface="微软雅黑" panose="020B0503020204020204" pitchFamily="34" charset="-122"/>
-              </a:rPr>
-              <a:t>对图表进行排版，进行论文级别的出图以及交互式的图表查看</a:t>
-            </a:r>
-            <a:endParaRPr lang="zh-CN" sz="2400">
-              <a:latin typeface="微软雅黑" panose="020B0503020204020204" pitchFamily="34" charset="-122"/>
-              <a:ea typeface="微软雅黑" panose="020B0503020204020204" pitchFamily="34" charset="-122"/>
-              <a:cs typeface="微软雅黑" panose="020B0503020204020204" pitchFamily="34" charset="-122"/>
-            </a:endParaRPr>
-          </a:p>
-        </p:txBody>
-      </p:sp>
     </p:spTree>
     <p:custDataLst>
       <p:tags r:id="rId3"/>
@@ -3796,72 +3800,104 @@
           <a:chExt cx="0" cy="0"/>
         </a:xfrm>
       </p:grpSpPr>
+      <p:sp>
+        <p:nvSpPr>
+          <p:cNvPr id="4" name="文本框 3"/>
+          <p:cNvSpPr txBox="1"/>
+          <p:nvPr>
+            <p:custDataLst>
+              <p:tags r:id="rId1"/>
+            </p:custDataLst>
+          </p:nvPr>
+        </p:nvSpPr>
+        <p:spPr>
+          <a:xfrm>
+            <a:off x="783590" y="900000"/>
+            <a:ext cx="10133330" cy="829945"/>
+          </a:xfrm>
+          <a:prstGeom prst="rect">
+            <a:avLst/>
+          </a:prstGeom>
+          <a:noFill/>
+        </p:spPr>
+        <p:txBody>
+          <a:bodyPr wrap="square" rtlCol="0">
+            <a:spAutoFit/>
+          </a:bodyPr>
+          <a:p>
+            <a:pPr algn="l"/>
+            <a:r>
+              <a:rPr lang="zh-CN" sz="2400" b="1">
+                <a:latin typeface="微软雅黑" panose="020B0503020204020204" pitchFamily="34" charset="-122"/>
+                <a:ea typeface="微软雅黑" panose="020B0503020204020204" pitchFamily="34" charset="-122"/>
+                <a:cs typeface="微软雅黑" panose="020B0503020204020204" pitchFamily="34" charset="-122"/>
+              </a:rPr>
+              <a:t>绘图</a:t>
+            </a:r>
+            <a:r>
+              <a:rPr lang="en-US" altLang="zh-CN" sz="2400" b="1">
+                <a:latin typeface="微软雅黑" panose="020B0503020204020204" pitchFamily="34" charset="-122"/>
+                <a:ea typeface="微软雅黑" panose="020B0503020204020204" pitchFamily="34" charset="-122"/>
+                <a:cs typeface="微软雅黑" panose="020B0503020204020204" pitchFamily="34" charset="-122"/>
+              </a:rPr>
+              <a:t>(Chart)——</a:t>
+            </a:r>
+            <a:r>
+              <a:rPr lang="zh-CN" altLang="en-US" sz="2400" b="1">
+                <a:latin typeface="微软雅黑" panose="020B0503020204020204" pitchFamily="34" charset="-122"/>
+                <a:ea typeface="微软雅黑" panose="020B0503020204020204" pitchFamily="34" charset="-122"/>
+                <a:cs typeface="微软雅黑" panose="020B0503020204020204" pitchFamily="34" charset="-122"/>
+              </a:rPr>
+              <a:t>进行精细的绘图操作</a:t>
+            </a:r>
+            <a:endParaRPr lang="zh-CN" sz="2400" b="1">
+              <a:latin typeface="微软雅黑" panose="020B0503020204020204" pitchFamily="34" charset="-122"/>
+              <a:ea typeface="微软雅黑" panose="020B0503020204020204" pitchFamily="34" charset="-122"/>
+              <a:cs typeface="微软雅黑" panose="020B0503020204020204" pitchFamily="34" charset="-122"/>
+            </a:endParaRPr>
+          </a:p>
+          <a:p>
+            <a:pPr algn="l"/>
+            <a:r>
+              <a:rPr lang="zh-CN" sz="2400">
+                <a:latin typeface="微软雅黑" panose="020B0503020204020204" pitchFamily="34" charset="-122"/>
+                <a:ea typeface="微软雅黑" panose="020B0503020204020204" pitchFamily="34" charset="-122"/>
+                <a:cs typeface="微软雅黑" panose="020B0503020204020204" pitchFamily="34" charset="-122"/>
+              </a:rPr>
+              <a:t>对图表进行排版，进行论文级别的出图以及交互式的图表查看</a:t>
+            </a:r>
+            <a:endParaRPr lang="zh-CN" sz="2400">
+              <a:latin typeface="微软雅黑" panose="020B0503020204020204" pitchFamily="34" charset="-122"/>
+              <a:ea typeface="微软雅黑" panose="020B0503020204020204" pitchFamily="34" charset="-122"/>
+              <a:cs typeface="微软雅黑" panose="020B0503020204020204" pitchFamily="34" charset="-122"/>
+            </a:endParaRPr>
+          </a:p>
+        </p:txBody>
+      </p:sp>
       <p:pic>
         <p:nvPicPr>
-          <p:cNvPr id="3" name="图片 2" descr="about-data-work-flow"/>
+          <p:cNvPr id="5" name="图片 4" descr="about-data-work-flow"/>
           <p:cNvPicPr>
             <a:picLocks noChangeAspect="1"/>
           </p:cNvPicPr>
           <p:nvPr/>
         </p:nvPicPr>
         <p:blipFill>
-          <a:blip r:embed="rId1"/>
+          <a:blip r:embed="rId2"/>
           <a:stretch>
             <a:fillRect/>
           </a:stretch>
         </p:blipFill>
         <p:spPr>
           <a:xfrm>
-            <a:off x="1398270" y="1058545"/>
-            <a:ext cx="9395460" cy="4657725"/>
+            <a:off x="1929130" y="1729740"/>
+            <a:ext cx="8409305" cy="5019675"/>
           </a:xfrm>
           <a:prstGeom prst="rect">
             <a:avLst/>
           </a:prstGeom>
         </p:spPr>
       </p:pic>
-      <p:sp>
-        <p:nvSpPr>
-          <p:cNvPr id="4" name="文本框 3"/>
-          <p:cNvSpPr txBox="1"/>
-          <p:nvPr>
-            <p:custDataLst>
-              <p:tags r:id="rId2"/>
-            </p:custDataLst>
-          </p:nvPr>
-        </p:nvSpPr>
-        <p:spPr>
-          <a:xfrm>
-            <a:off x="783590" y="5827395"/>
-            <a:ext cx="10133330" cy="460375"/>
-          </a:xfrm>
-          <a:prstGeom prst="rect">
-            <a:avLst/>
-          </a:prstGeom>
-          <a:noFill/>
-        </p:spPr>
-        <p:txBody>
-          <a:bodyPr wrap="square" rtlCol="0">
-            <a:spAutoFit/>
-          </a:bodyPr>
-          <a:p>
-            <a:pPr algn="l"/>
-            <a:r>
-              <a:rPr lang="zh-CN" sz="2400" b="1">
-                <a:latin typeface="微软雅黑" panose="020B0503020204020204" pitchFamily="34" charset="-122"/>
-                <a:ea typeface="微软雅黑" panose="020B0503020204020204" pitchFamily="34" charset="-122"/>
-                <a:cs typeface="微软雅黑" panose="020B0503020204020204" pitchFamily="34" charset="-122"/>
-              </a:rPr>
-              <a:t>三种模式可关联页可单独使用</a:t>
-            </a:r>
-            <a:endParaRPr lang="zh-CN" altLang="en-US" sz="2400" b="1">
-              <a:latin typeface="微软雅黑" panose="020B0503020204020204" pitchFamily="34" charset="-122"/>
-              <a:ea typeface="微软雅黑" panose="020B0503020204020204" pitchFamily="34" charset="-122"/>
-              <a:cs typeface="微软雅黑" panose="020B0503020204020204" pitchFamily="34" charset="-122"/>
-            </a:endParaRPr>
-          </a:p>
-        </p:txBody>
-      </p:sp>
     </p:spTree>
     <p:custDataLst>
       <p:tags r:id="rId3"/>
@@ -3874,6 +3910,116 @@
 </file>
 
 <file path=ppt/slides/slide12.xml><?xml version="1.0" encoding="utf-8"?>
+<p:sld xmlns:a="http://schemas.openxmlformats.org/drawingml/2006/main" xmlns:r="http://schemas.openxmlformats.org/officeDocument/2006/relationships" xmlns:p="http://schemas.openxmlformats.org/presentationml/2006/main">
+  <p:cSld>
+    <p:spTree>
+      <p:nvGrpSpPr>
+        <p:cNvPr id="1" name=""/>
+        <p:cNvGrpSpPr/>
+        <p:nvPr/>
+      </p:nvGrpSpPr>
+      <p:grpSpPr>
+        <a:xfrm>
+          <a:off x="0" y="0"/>
+          <a:ext cx="0" cy="0"/>
+          <a:chOff x="0" y="0"/>
+          <a:chExt cx="0" cy="0"/>
+        </a:xfrm>
+      </p:grpSpPr>
+      <p:sp>
+        <p:nvSpPr>
+          <p:cNvPr id="4" name="文本框 3"/>
+          <p:cNvSpPr txBox="1"/>
+          <p:nvPr>
+            <p:custDataLst>
+              <p:tags r:id="rId1"/>
+            </p:custDataLst>
+          </p:nvPr>
+        </p:nvSpPr>
+        <p:spPr>
+          <a:xfrm>
+            <a:off x="783590" y="900000"/>
+            <a:ext cx="10133330" cy="460375"/>
+          </a:xfrm>
+          <a:prstGeom prst="rect">
+            <a:avLst/>
+          </a:prstGeom>
+          <a:noFill/>
+        </p:spPr>
+        <p:txBody>
+          <a:bodyPr wrap="square" rtlCol="0">
+            <a:spAutoFit/>
+          </a:bodyPr>
+          <a:p>
+            <a:pPr algn="l"/>
+            <a:r>
+              <a:rPr lang="zh-CN" sz="2400" b="1">
+                <a:latin typeface="微软雅黑" panose="020B0503020204020204" pitchFamily="34" charset="-122"/>
+                <a:ea typeface="微软雅黑" panose="020B0503020204020204" pitchFamily="34" charset="-122"/>
+                <a:cs typeface="微软雅黑" panose="020B0503020204020204" pitchFamily="34" charset="-122"/>
+              </a:rPr>
+              <a:t>三种模式可关</a:t>
+            </a:r>
+            <a:r>
+              <a:rPr lang="en-US" altLang="zh-CN" sz="2400" b="1">
+                <a:latin typeface="微软雅黑" panose="020B0503020204020204" pitchFamily="34" charset="-122"/>
+                <a:ea typeface="微软雅黑" panose="020B0503020204020204" pitchFamily="34" charset="-122"/>
+                <a:cs typeface="微软雅黑" panose="020B0503020204020204" pitchFamily="34" charset="-122"/>
+              </a:rPr>
+              <a:t>,</a:t>
+            </a:r>
+            <a:r>
+              <a:rPr lang="zh-CN" sz="2400" b="1">
+                <a:latin typeface="微软雅黑" panose="020B0503020204020204" pitchFamily="34" charset="-122"/>
+                <a:ea typeface="微软雅黑" panose="020B0503020204020204" pitchFamily="34" charset="-122"/>
+                <a:cs typeface="微软雅黑" panose="020B0503020204020204" pitchFamily="34" charset="-122"/>
+              </a:rPr>
+              <a:t>可单独使用</a:t>
+            </a:r>
+            <a:endParaRPr lang="zh-CN" altLang="en-US" sz="2400" b="1">
+              <a:latin typeface="微软雅黑" panose="020B0503020204020204" pitchFamily="34" charset="-122"/>
+              <a:ea typeface="微软雅黑" panose="020B0503020204020204" pitchFamily="34" charset="-122"/>
+              <a:cs typeface="微软雅黑" panose="020B0503020204020204" pitchFamily="34" charset="-122"/>
+            </a:endParaRPr>
+          </a:p>
+        </p:txBody>
+      </p:sp>
+      <p:pic>
+        <p:nvPicPr>
+          <p:cNvPr id="5" name="图片 4" descr="about-data-work-flow"/>
+          <p:cNvPicPr>
+            <a:picLocks noChangeAspect="1"/>
+          </p:cNvPicPr>
+          <p:nvPr/>
+        </p:nvPicPr>
+        <p:blipFill>
+          <a:blip r:embed="rId2"/>
+          <a:stretch>
+            <a:fillRect/>
+          </a:stretch>
+        </p:blipFill>
+        <p:spPr>
+          <a:xfrm>
+            <a:off x="1929130" y="1729740"/>
+            <a:ext cx="8409305" cy="5019675"/>
+          </a:xfrm>
+          <a:prstGeom prst="rect">
+            <a:avLst/>
+          </a:prstGeom>
+        </p:spPr>
+      </p:pic>
+    </p:spTree>
+    <p:custDataLst>
+      <p:tags r:id="rId3"/>
+    </p:custDataLst>
+  </p:cSld>
+  <p:clrMapOvr>
+    <a:masterClrMapping/>
+  </p:clrMapOvr>
+</p:sld>
+</file>
+
+<file path=ppt/slides/slide13.xml><?xml version="1.0" encoding="utf-8"?>
 <p:sld xmlns:a="http://schemas.openxmlformats.org/drawingml/2006/main" xmlns:r="http://schemas.openxmlformats.org/officeDocument/2006/relationships" xmlns:p="http://schemas.openxmlformats.org/presentationml/2006/main">
   <p:cSld>
     <p:spTree>
@@ -4618,7 +4764,7 @@
 </p:sld>
 </file>
 
-<file path=ppt/slides/slide13.xml><?xml version="1.0" encoding="utf-8"?>
+<file path=ppt/slides/slide14.xml><?xml version="1.0" encoding="utf-8"?>
 <p:sld xmlns:a="http://schemas.openxmlformats.org/drawingml/2006/main" xmlns:r="http://schemas.openxmlformats.org/officeDocument/2006/relationships" xmlns:p="http://schemas.openxmlformats.org/presentationml/2006/main">
   <p:cSld>
     <p:spTree>
@@ -5106,7 +5252,7 @@
 </p:sld>
 </file>
 
-<file path=ppt/slides/slide14.xml><?xml version="1.0" encoding="utf-8"?>
+<file path=ppt/slides/slide15.xml><?xml version="1.0" encoding="utf-8"?>
 <p:sld xmlns:a="http://schemas.openxmlformats.org/drawingml/2006/main" xmlns:r="http://schemas.openxmlformats.org/officeDocument/2006/relationships" xmlns:p="http://schemas.openxmlformats.org/presentationml/2006/main">
   <p:cSld>
     <p:spTree>
@@ -6397,7 +6543,7 @@
 </p:sld>
 </file>
 
-<file path=ppt/slides/slide15.xml><?xml version="1.0" encoding="utf-8"?>
+<file path=ppt/slides/slide16.xml><?xml version="1.0" encoding="utf-8"?>
 <p:sld xmlns:a="http://schemas.openxmlformats.org/drawingml/2006/main" xmlns:r="http://schemas.openxmlformats.org/officeDocument/2006/relationships" xmlns:p="http://schemas.openxmlformats.org/presentationml/2006/main">
   <p:cSld>
     <p:spTree>
@@ -6414,9 +6560,369 @@
           <a:chExt cx="0" cy="0"/>
         </a:xfrm>
       </p:grpSpPr>
+      <p:pic>
+        <p:nvPicPr>
+          <p:cNvPr id="2" name="图片 1"/>
+          <p:cNvPicPr>
+            <a:picLocks noChangeAspect="1"/>
+          </p:cNvPicPr>
+          <p:nvPr/>
+        </p:nvPicPr>
+        <p:blipFill>
+          <a:blip r:embed="rId1"/>
+          <a:stretch>
+            <a:fillRect/>
+          </a:stretch>
+        </p:blipFill>
+        <p:spPr>
+          <a:xfrm>
+            <a:off x="1389380" y="1440000"/>
+            <a:ext cx="8824595" cy="5231130"/>
+          </a:xfrm>
+          <a:prstGeom prst="rect">
+            <a:avLst/>
+          </a:prstGeom>
+        </p:spPr>
+      </p:pic>
+      <p:sp>
+        <p:nvSpPr>
+          <p:cNvPr id="3" name="文本框 2"/>
+          <p:cNvSpPr txBox="1"/>
+          <p:nvPr/>
+        </p:nvSpPr>
+        <p:spPr>
+          <a:xfrm>
+            <a:off x="1389380" y="900000"/>
+            <a:ext cx="4064000" cy="368300"/>
+          </a:xfrm>
+          <a:prstGeom prst="rect">
+            <a:avLst/>
+          </a:prstGeom>
+          <a:noFill/>
+        </p:spPr>
+        <p:txBody>
+          <a:bodyPr wrap="square" rtlCol="0">
+            <a:spAutoFit/>
+          </a:bodyPr>
+          <a:p>
+            <a:r>
+              <a:rPr lang="en-US" altLang="zh-CN">
+                <a:latin typeface="微软雅黑" panose="020B0503020204020204" pitchFamily="34" charset="-122"/>
+                <a:ea typeface="微软雅黑" panose="020B0503020204020204" pitchFamily="34" charset="-122"/>
+                <a:cs typeface="微软雅黑" panose="020B0503020204020204" pitchFamily="34" charset="-122"/>
+              </a:rPr>
+              <a:t>Data</a:t>
+            </a:r>
+            <a:r>
+              <a:rPr lang="zh-CN" altLang="en-US">
+                <a:latin typeface="微软雅黑" panose="020B0503020204020204" pitchFamily="34" charset="-122"/>
+                <a:ea typeface="微软雅黑" panose="020B0503020204020204" pitchFamily="34" charset="-122"/>
+                <a:cs typeface="微软雅黑" panose="020B0503020204020204" pitchFamily="34" charset="-122"/>
+              </a:rPr>
+              <a:t>模块</a:t>
+            </a:r>
+            <a:endParaRPr lang="zh-CN" altLang="en-US">
+              <a:latin typeface="微软雅黑" panose="020B0503020204020204" pitchFamily="34" charset="-122"/>
+              <a:ea typeface="微软雅黑" panose="020B0503020204020204" pitchFamily="34" charset="-122"/>
+              <a:cs typeface="微软雅黑" panose="020B0503020204020204" pitchFamily="34" charset="-122"/>
+            </a:endParaRPr>
+          </a:p>
+        </p:txBody>
+      </p:sp>
     </p:spTree>
     <p:custDataLst>
-      <p:tags r:id="rId1"/>
+      <p:tags r:id="rId2"/>
+    </p:custDataLst>
+  </p:cSld>
+  <p:clrMapOvr>
+    <a:masterClrMapping/>
+  </p:clrMapOvr>
+</p:sld>
+</file>
+
+<file path=ppt/slides/slide17.xml><?xml version="1.0" encoding="utf-8"?>
+<p:sld xmlns:a="http://schemas.openxmlformats.org/drawingml/2006/main" xmlns:r="http://schemas.openxmlformats.org/officeDocument/2006/relationships" xmlns:p="http://schemas.openxmlformats.org/presentationml/2006/main">
+  <p:cSld>
+    <p:spTree>
+      <p:nvGrpSpPr>
+        <p:cNvPr id="1" name=""/>
+        <p:cNvGrpSpPr/>
+        <p:nvPr/>
+      </p:nvGrpSpPr>
+      <p:grpSpPr>
+        <a:xfrm>
+          <a:off x="0" y="0"/>
+          <a:ext cx="0" cy="0"/>
+          <a:chOff x="0" y="0"/>
+          <a:chExt cx="0" cy="0"/>
+        </a:xfrm>
+      </p:grpSpPr>
+      <p:sp>
+        <p:nvSpPr>
+          <p:cNvPr id="3" name="文本框 2"/>
+          <p:cNvSpPr txBox="1"/>
+          <p:nvPr/>
+        </p:nvSpPr>
+        <p:spPr>
+          <a:xfrm>
+            <a:off x="1389380" y="900000"/>
+            <a:ext cx="4064000" cy="368300"/>
+          </a:xfrm>
+          <a:prstGeom prst="rect">
+            <a:avLst/>
+          </a:prstGeom>
+          <a:noFill/>
+        </p:spPr>
+        <p:txBody>
+          <a:bodyPr wrap="square" rtlCol="0">
+            <a:spAutoFit/>
+          </a:bodyPr>
+          <a:p>
+            <a:r>
+              <a:rPr lang="en-US" altLang="zh-CN">
+                <a:latin typeface="微软雅黑" panose="020B0503020204020204" pitchFamily="34" charset="-122"/>
+                <a:ea typeface="微软雅黑" panose="020B0503020204020204" pitchFamily="34" charset="-122"/>
+                <a:cs typeface="微软雅黑" panose="020B0503020204020204" pitchFamily="34" charset="-122"/>
+              </a:rPr>
+              <a:t>Chart</a:t>
+            </a:r>
+            <a:r>
+              <a:rPr lang="zh-CN" altLang="en-US">
+                <a:latin typeface="微软雅黑" panose="020B0503020204020204" pitchFamily="34" charset="-122"/>
+                <a:ea typeface="微软雅黑" panose="020B0503020204020204" pitchFamily="34" charset="-122"/>
+                <a:cs typeface="微软雅黑" panose="020B0503020204020204" pitchFamily="34" charset="-122"/>
+              </a:rPr>
+              <a:t>模块</a:t>
+            </a:r>
+            <a:endParaRPr lang="zh-CN" altLang="en-US">
+              <a:latin typeface="微软雅黑" panose="020B0503020204020204" pitchFamily="34" charset="-122"/>
+              <a:ea typeface="微软雅黑" panose="020B0503020204020204" pitchFamily="34" charset="-122"/>
+              <a:cs typeface="微软雅黑" panose="020B0503020204020204" pitchFamily="34" charset="-122"/>
+            </a:endParaRPr>
+          </a:p>
+        </p:txBody>
+      </p:sp>
+      <p:pic>
+        <p:nvPicPr>
+          <p:cNvPr id="6" name="图片 5"/>
+          <p:cNvPicPr>
+            <a:picLocks noChangeAspect="1"/>
+          </p:cNvPicPr>
+          <p:nvPr/>
+        </p:nvPicPr>
+        <p:blipFill>
+          <a:blip r:embed="rId1"/>
+          <a:stretch>
+            <a:fillRect/>
+          </a:stretch>
+        </p:blipFill>
+        <p:spPr>
+          <a:xfrm>
+            <a:off x="1218565" y="1268095"/>
+            <a:ext cx="10144760" cy="5476875"/>
+          </a:xfrm>
+          <a:prstGeom prst="rect">
+            <a:avLst/>
+          </a:prstGeom>
+        </p:spPr>
+      </p:pic>
+    </p:spTree>
+    <p:custDataLst>
+      <p:tags r:id="rId2"/>
+    </p:custDataLst>
+  </p:cSld>
+  <p:clrMapOvr>
+    <a:masterClrMapping/>
+  </p:clrMapOvr>
+</p:sld>
+</file>
+
+<file path=ppt/slides/slide18.xml><?xml version="1.0" encoding="utf-8"?>
+<p:sld xmlns:a="http://schemas.openxmlformats.org/drawingml/2006/main" xmlns:r="http://schemas.openxmlformats.org/officeDocument/2006/relationships" xmlns:p="http://schemas.openxmlformats.org/presentationml/2006/main">
+  <p:cSld>
+    <p:spTree>
+      <p:nvGrpSpPr>
+        <p:cNvPr id="1" name=""/>
+        <p:cNvGrpSpPr/>
+        <p:nvPr/>
+      </p:nvGrpSpPr>
+      <p:grpSpPr>
+        <a:xfrm>
+          <a:off x="0" y="0"/>
+          <a:ext cx="0" cy="0"/>
+          <a:chOff x="0" y="0"/>
+          <a:chExt cx="0" cy="0"/>
+        </a:xfrm>
+      </p:grpSpPr>
+      <p:sp>
+        <p:nvSpPr>
+          <p:cNvPr id="3" name="文本框 2"/>
+          <p:cNvSpPr txBox="1"/>
+          <p:nvPr/>
+        </p:nvSpPr>
+        <p:spPr>
+          <a:xfrm>
+            <a:off x="1389380" y="900000"/>
+            <a:ext cx="4064000" cy="368300"/>
+          </a:xfrm>
+          <a:prstGeom prst="rect">
+            <a:avLst/>
+          </a:prstGeom>
+          <a:noFill/>
+        </p:spPr>
+        <p:txBody>
+          <a:bodyPr wrap="square" rtlCol="0">
+            <a:spAutoFit/>
+          </a:bodyPr>
+          <a:p>
+            <a:r>
+              <a:rPr lang="zh-CN" altLang="en-US">
+                <a:latin typeface="微软雅黑" panose="020B0503020204020204" pitchFamily="34" charset="-122"/>
+                <a:ea typeface="微软雅黑" panose="020B0503020204020204" pitchFamily="34" charset="-122"/>
+                <a:cs typeface="微软雅黑" panose="020B0503020204020204" pitchFamily="34" charset="-122"/>
+              </a:rPr>
+              <a:t>动态</a:t>
+            </a:r>
+            <a:r>
+              <a:rPr lang="zh-CN" altLang="en-US">
+                <a:latin typeface="微软雅黑" panose="020B0503020204020204" pitchFamily="34" charset="-122"/>
+                <a:ea typeface="微软雅黑" panose="020B0503020204020204" pitchFamily="34" charset="-122"/>
+                <a:cs typeface="微软雅黑" panose="020B0503020204020204" pitchFamily="34" charset="-122"/>
+              </a:rPr>
+              <a:t>演示</a:t>
+            </a:r>
+            <a:endParaRPr lang="zh-CN" altLang="en-US">
+              <a:latin typeface="微软雅黑" panose="020B0503020204020204" pitchFamily="34" charset="-122"/>
+              <a:ea typeface="微软雅黑" panose="020B0503020204020204" pitchFamily="34" charset="-122"/>
+              <a:cs typeface="微软雅黑" panose="020B0503020204020204" pitchFamily="34" charset="-122"/>
+            </a:endParaRPr>
+          </a:p>
+        </p:txBody>
+      </p:sp>
+      <p:pic>
+        <p:nvPicPr>
+          <p:cNvPr id="4" name="图片 3" descr="screenshot1"/>
+          <p:cNvPicPr>
+            <a:picLocks noChangeAspect="1"/>
+          </p:cNvPicPr>
+          <p:nvPr/>
+        </p:nvPicPr>
+        <p:blipFill>
+          <a:blip r:embed="rId1"/>
+          <a:stretch>
+            <a:fillRect/>
+          </a:stretch>
+        </p:blipFill>
+        <p:spPr>
+          <a:xfrm>
+            <a:off x="1389380" y="1385570"/>
+            <a:ext cx="9363075" cy="5231765"/>
+          </a:xfrm>
+          <a:prstGeom prst="rect">
+            <a:avLst/>
+          </a:prstGeom>
+        </p:spPr>
+      </p:pic>
+    </p:spTree>
+    <p:custDataLst>
+      <p:tags r:id="rId2"/>
+    </p:custDataLst>
+  </p:cSld>
+  <p:clrMapOvr>
+    <a:masterClrMapping/>
+  </p:clrMapOvr>
+</p:sld>
+</file>
+
+<file path=ppt/slides/slide19.xml><?xml version="1.0" encoding="utf-8"?>
+<p:sld xmlns:a="http://schemas.openxmlformats.org/drawingml/2006/main" xmlns:r="http://schemas.openxmlformats.org/officeDocument/2006/relationships" xmlns:p="http://schemas.openxmlformats.org/presentationml/2006/main">
+  <p:cSld>
+    <p:spTree>
+      <p:nvGrpSpPr>
+        <p:cNvPr id="1" name=""/>
+        <p:cNvGrpSpPr/>
+        <p:nvPr/>
+      </p:nvGrpSpPr>
+      <p:grpSpPr>
+        <a:xfrm>
+          <a:off x="0" y="0"/>
+          <a:ext cx="0" cy="0"/>
+          <a:chOff x="0" y="0"/>
+          <a:chExt cx="0" cy="0"/>
+        </a:xfrm>
+      </p:grpSpPr>
+      <p:sp>
+        <p:nvSpPr>
+          <p:cNvPr id="3" name="文本框 2"/>
+          <p:cNvSpPr txBox="1"/>
+          <p:nvPr/>
+        </p:nvSpPr>
+        <p:spPr>
+          <a:xfrm>
+            <a:off x="1389380" y="900000"/>
+            <a:ext cx="4064000" cy="368300"/>
+          </a:xfrm>
+          <a:prstGeom prst="rect">
+            <a:avLst/>
+          </a:prstGeom>
+          <a:noFill/>
+        </p:spPr>
+        <p:txBody>
+          <a:bodyPr wrap="square" rtlCol="0">
+            <a:spAutoFit/>
+          </a:bodyPr>
+          <a:p>
+            <a:r>
+              <a:rPr lang="en-US" altLang="zh-CN">
+                <a:latin typeface="微软雅黑" panose="020B0503020204020204" pitchFamily="34" charset="-122"/>
+                <a:ea typeface="微软雅黑" panose="020B0503020204020204" pitchFamily="34" charset="-122"/>
+                <a:cs typeface="微软雅黑" panose="020B0503020204020204" pitchFamily="34" charset="-122"/>
+              </a:rPr>
+              <a:t>WorkFlow</a:t>
+            </a:r>
+            <a:r>
+              <a:rPr lang="zh-CN" altLang="en-US">
+                <a:latin typeface="微软雅黑" panose="020B0503020204020204" pitchFamily="34" charset="-122"/>
+                <a:ea typeface="微软雅黑" panose="020B0503020204020204" pitchFamily="34" charset="-122"/>
+                <a:cs typeface="微软雅黑" panose="020B0503020204020204" pitchFamily="34" charset="-122"/>
+              </a:rPr>
+              <a:t>模块</a:t>
+            </a:r>
+            <a:endParaRPr lang="zh-CN" altLang="en-US">
+              <a:latin typeface="微软雅黑" panose="020B0503020204020204" pitchFamily="34" charset="-122"/>
+              <a:ea typeface="微软雅黑" panose="020B0503020204020204" pitchFamily="34" charset="-122"/>
+              <a:cs typeface="微软雅黑" panose="020B0503020204020204" pitchFamily="34" charset="-122"/>
+            </a:endParaRPr>
+          </a:p>
+        </p:txBody>
+      </p:sp>
+      <p:pic>
+        <p:nvPicPr>
+          <p:cNvPr id="42" name="图片 41" descr="workflow-ui-ok"/>
+          <p:cNvPicPr>
+            <a:picLocks noChangeAspect="1"/>
+          </p:cNvPicPr>
+          <p:nvPr/>
+        </p:nvPicPr>
+        <p:blipFill>
+          <a:blip r:embed="rId1"/>
+          <a:stretch>
+            <a:fillRect/>
+          </a:stretch>
+        </p:blipFill>
+        <p:spPr>
+          <a:xfrm>
+            <a:off x="1181100" y="1377315"/>
+            <a:ext cx="9944100" cy="5399405"/>
+          </a:xfrm>
+          <a:prstGeom prst="rect">
+            <a:avLst/>
+          </a:prstGeom>
+        </p:spPr>
+      </p:pic>
+    </p:spTree>
+    <p:custDataLst>
+      <p:tags r:id="rId2"/>
     </p:custDataLst>
   </p:cSld>
   <p:clrMapOvr>
@@ -6450,7 +6956,7 @@
         </p:nvSpPr>
         <p:spPr>
           <a:xfrm>
-            <a:off x="800100" y="6104890"/>
+            <a:off x="670560" y="900000"/>
             <a:ext cx="10851515" cy="460375"/>
           </a:xfrm>
           <a:prstGeom prst="rect">
@@ -6531,7 +7037,7 @@
         </p:blipFill>
         <p:spPr>
           <a:xfrm>
-            <a:off x="2892425" y="1050290"/>
+            <a:off x="2892425" y="1620000"/>
             <a:ext cx="6407785" cy="4758055"/>
           </a:xfrm>
           <a:prstGeom prst="rect">
@@ -6590,7 +7096,7 @@
         </p:blipFill>
         <p:spPr>
           <a:xfrm>
-            <a:off x="1484630" y="816610"/>
+            <a:off x="1484630" y="1620000"/>
             <a:ext cx="9222105" cy="5012690"/>
           </a:xfrm>
           <a:prstGeom prst="rect">
@@ -6610,7 +7116,7 @@
         </p:nvSpPr>
         <p:spPr>
           <a:xfrm>
-            <a:off x="800100" y="6104890"/>
+            <a:off x="800100" y="900000"/>
             <a:ext cx="10851515" cy="460375"/>
           </a:xfrm>
           <a:prstGeom prst="rect">
@@ -6691,7 +7197,7 @@
         </p:nvSpPr>
         <p:spPr>
           <a:xfrm>
-            <a:off x="783590" y="6104890"/>
+            <a:off x="783590" y="900000"/>
             <a:ext cx="10133330" cy="460375"/>
           </a:xfrm>
           <a:prstGeom prst="rect">
@@ -6747,7 +7253,7 @@
         </p:blipFill>
         <p:spPr>
           <a:xfrm>
-            <a:off x="1519238" y="671513"/>
+            <a:off x="1519238" y="1620000"/>
             <a:ext cx="8772525" cy="5133975"/>
           </a:xfrm>
           <a:prstGeom prst="rect">
@@ -6787,43 +7293,289 @@
           <a:chExt cx="0" cy="0"/>
         </a:xfrm>
       </p:grpSpPr>
+      <p:sp>
+        <p:nvSpPr>
+          <p:cNvPr id="2" name="文本框 1"/>
+          <p:cNvSpPr txBox="1"/>
+          <p:nvPr/>
+        </p:nvSpPr>
+        <p:spPr>
+          <a:xfrm>
+            <a:off x="783590" y="900000"/>
+            <a:ext cx="10133330" cy="460375"/>
+          </a:xfrm>
+          <a:prstGeom prst="rect">
+            <a:avLst/>
+          </a:prstGeom>
+          <a:noFill/>
+        </p:spPr>
+        <p:txBody>
+          <a:bodyPr wrap="square" rtlCol="0">
+            <a:spAutoFit/>
+          </a:bodyPr>
+          <a:p>
+            <a:pPr algn="ctr"/>
+            <a:r>
+              <a:rPr lang="zh-CN" altLang="en-US" sz="2400">
+                <a:latin typeface="微软雅黑" panose="020B0503020204020204" pitchFamily="34" charset="-122"/>
+                <a:ea typeface="微软雅黑" panose="020B0503020204020204" pitchFamily="34" charset="-122"/>
+                <a:cs typeface="微软雅黑" panose="020B0503020204020204" pitchFamily="34" charset="-122"/>
+              </a:rPr>
+              <a:t>基于</a:t>
+            </a:r>
+            <a:r>
+              <a:rPr lang="en-US" altLang="zh-CN" sz="2400">
+                <a:latin typeface="微软雅黑" panose="020B0503020204020204" pitchFamily="34" charset="-122"/>
+                <a:ea typeface="微软雅黑" panose="020B0503020204020204" pitchFamily="34" charset="-122"/>
+                <a:cs typeface="微软雅黑" panose="020B0503020204020204" pitchFamily="34" charset="-122"/>
+              </a:rPr>
+              <a:t>python/matlab</a:t>
+            </a:r>
+            <a:r>
+              <a:rPr lang="zh-CN" altLang="en-US" sz="2400">
+                <a:latin typeface="微软雅黑" panose="020B0503020204020204" pitchFamily="34" charset="-122"/>
+                <a:ea typeface="微软雅黑" panose="020B0503020204020204" pitchFamily="34" charset="-122"/>
+                <a:cs typeface="微软雅黑" panose="020B0503020204020204" pitchFamily="34" charset="-122"/>
+              </a:rPr>
+              <a:t>进行数据分析和绘图自由度大，但学习成本</a:t>
+            </a:r>
+            <a:r>
+              <a:rPr lang="zh-CN" altLang="en-US" sz="2400">
+                <a:latin typeface="微软雅黑" panose="020B0503020204020204" pitchFamily="34" charset="-122"/>
+                <a:ea typeface="微软雅黑" panose="020B0503020204020204" pitchFamily="34" charset="-122"/>
+                <a:cs typeface="微软雅黑" panose="020B0503020204020204" pitchFamily="34" charset="-122"/>
+              </a:rPr>
+              <a:t>高</a:t>
+            </a:r>
+            <a:endParaRPr lang="zh-CN" altLang="en-US" sz="2400">
+              <a:latin typeface="微软雅黑" panose="020B0503020204020204" pitchFamily="34" charset="-122"/>
+              <a:ea typeface="微软雅黑" panose="020B0503020204020204" pitchFamily="34" charset="-122"/>
+              <a:cs typeface="微软雅黑" panose="020B0503020204020204" pitchFamily="34" charset="-122"/>
+            </a:endParaRPr>
+          </a:p>
+        </p:txBody>
+      </p:sp>
       <p:pic>
         <p:nvPicPr>
-          <p:cNvPr id="3" name="图片 2" descr="about-data-work-flow"/>
+          <p:cNvPr id="3" name="图片 2" descr="matplotlib"/>
           <p:cNvPicPr>
             <a:picLocks noChangeAspect="1"/>
           </p:cNvPicPr>
           <p:nvPr/>
         </p:nvPicPr>
         <p:blipFill>
-          <a:blip r:embed="rId1"/>
+          <a:blip r:embed="rId1">
+            <a:extLst>
+              <a:ext uri="{96DAC541-7B7A-43D3-8B79-37D633B846F1}">
+                <asvg:svgBlip xmlns:asvg="http://schemas.microsoft.com/office/drawing/2016/SVG/main" r:embed="rId2"/>
+              </a:ext>
+            </a:extLst>
+          </a:blip>
           <a:stretch>
             <a:fillRect/>
           </a:stretch>
         </p:blipFill>
         <p:spPr>
           <a:xfrm>
-            <a:off x="1398270" y="1058545"/>
-            <a:ext cx="9395460" cy="4657725"/>
+            <a:off x="4171950" y="4057650"/>
+            <a:ext cx="1878965" cy="1860550"/>
           </a:xfrm>
           <a:prstGeom prst="rect">
             <a:avLst/>
           </a:prstGeom>
         </p:spPr>
       </p:pic>
+      <p:pic>
+        <p:nvPicPr>
+          <p:cNvPr id="4" name="图片 3" descr="NumPy_logo_2020"/>
+          <p:cNvPicPr>
+            <a:picLocks noChangeAspect="1"/>
+          </p:cNvPicPr>
+          <p:nvPr/>
+        </p:nvPicPr>
+        <p:blipFill>
+          <a:blip r:embed="rId3">
+            <a:extLst>
+              <a:ext uri="{96DAC541-7B7A-43D3-8B79-37D633B846F1}">
+                <asvg:svgBlip xmlns:asvg="http://schemas.microsoft.com/office/drawing/2016/SVG/main" r:embed="rId4"/>
+              </a:ext>
+            </a:extLst>
+          </a:blip>
+          <a:stretch>
+            <a:fillRect/>
+          </a:stretch>
+        </p:blipFill>
+        <p:spPr>
+          <a:xfrm>
+            <a:off x="4283075" y="1369060"/>
+            <a:ext cx="3625850" cy="1633220"/>
+          </a:xfrm>
+          <a:prstGeom prst="rect">
+            <a:avLst/>
+          </a:prstGeom>
+        </p:spPr>
+      </p:pic>
+      <p:pic>
+        <p:nvPicPr>
+          <p:cNvPr id="5" name="图片 4" descr="pandas"/>
+          <p:cNvPicPr>
+            <a:picLocks noChangeAspect="1"/>
+          </p:cNvPicPr>
+          <p:nvPr/>
+        </p:nvPicPr>
+        <p:blipFill>
+          <a:blip r:embed="rId5">
+            <a:extLst>
+              <a:ext uri="{96DAC541-7B7A-43D3-8B79-37D633B846F1}">
+                <asvg:svgBlip xmlns:asvg="http://schemas.microsoft.com/office/drawing/2016/SVG/main" r:embed="rId6"/>
+              </a:ext>
+            </a:extLst>
+          </a:blip>
+          <a:stretch>
+            <a:fillRect/>
+          </a:stretch>
+        </p:blipFill>
+        <p:spPr>
+          <a:xfrm>
+            <a:off x="4479925" y="2778760"/>
+            <a:ext cx="3625850" cy="1468120"/>
+          </a:xfrm>
+          <a:prstGeom prst="rect">
+            <a:avLst/>
+          </a:prstGeom>
+        </p:spPr>
+      </p:pic>
+      <p:pic>
+        <p:nvPicPr>
+          <p:cNvPr id="6" name="图片 5" descr="Python"/>
+          <p:cNvPicPr>
+            <a:picLocks noChangeAspect="1"/>
+          </p:cNvPicPr>
+          <p:nvPr/>
+        </p:nvPicPr>
+        <p:blipFill>
+          <a:blip r:embed="rId7">
+            <a:extLst>
+              <a:ext uri="{96DAC541-7B7A-43D3-8B79-37D633B846F1}">
+                <asvg:svgBlip xmlns:asvg="http://schemas.microsoft.com/office/drawing/2016/SVG/main" r:embed="rId8"/>
+              </a:ext>
+            </a:extLst>
+          </a:blip>
+          <a:stretch>
+            <a:fillRect/>
+          </a:stretch>
+        </p:blipFill>
+        <p:spPr>
+          <a:xfrm>
+            <a:off x="1778000" y="2406650"/>
+            <a:ext cx="1905000" cy="1905000"/>
+          </a:xfrm>
+          <a:prstGeom prst="rect">
+            <a:avLst/>
+          </a:prstGeom>
+        </p:spPr>
+      </p:pic>
+      <p:sp>
+        <p:nvSpPr>
+          <p:cNvPr id="7" name="文本框 6"/>
+          <p:cNvSpPr txBox="1"/>
+          <p:nvPr/>
+        </p:nvSpPr>
+        <p:spPr>
+          <a:xfrm>
+            <a:off x="1987550" y="4416425"/>
+            <a:ext cx="1574800" cy="460375"/>
+          </a:xfrm>
+          <a:prstGeom prst="rect">
+            <a:avLst/>
+          </a:prstGeom>
+          <a:noFill/>
+        </p:spPr>
+        <p:txBody>
+          <a:bodyPr wrap="square" rtlCol="0">
+            <a:spAutoFit/>
+          </a:bodyPr>
+          <a:p>
+            <a:pPr algn="ctr"/>
+            <a:r>
+              <a:rPr lang="en-US" altLang="zh-CN" sz="2400"/>
+              <a:t>Python</a:t>
+            </a:r>
+            <a:endParaRPr lang="en-US" altLang="zh-CN" sz="2400"/>
+          </a:p>
+        </p:txBody>
+      </p:sp>
+      <p:sp>
+        <p:nvSpPr>
+          <p:cNvPr id="8" name="文本框 7"/>
+          <p:cNvSpPr txBox="1"/>
+          <p:nvPr/>
+        </p:nvSpPr>
+        <p:spPr>
+          <a:xfrm>
+            <a:off x="5575300" y="4562475"/>
+            <a:ext cx="2485390" cy="583565"/>
+          </a:xfrm>
+          <a:prstGeom prst="rect">
+            <a:avLst/>
+          </a:prstGeom>
+          <a:noFill/>
+        </p:spPr>
+        <p:txBody>
+          <a:bodyPr wrap="square" rtlCol="0">
+            <a:spAutoFit/>
+          </a:bodyPr>
+          <a:p>
+            <a:pPr algn="l"/>
+            <a:r>
+              <a:rPr lang="en-US" altLang="zh-CN" sz="3200" b="1"/>
+              <a:t>MatplotLib</a:t>
+            </a:r>
+            <a:endParaRPr lang="en-US" altLang="zh-CN" sz="3200" b="1"/>
+          </a:p>
+        </p:txBody>
+      </p:sp>
+    </p:spTree>
+    <p:custDataLst>
+      <p:tags r:id="rId9"/>
+    </p:custDataLst>
+  </p:cSld>
+  <p:clrMapOvr>
+    <a:masterClrMapping/>
+  </p:clrMapOvr>
+</p:sld>
+</file>
+
+<file path=ppt/slides/slide6.xml><?xml version="1.0" encoding="utf-8"?>
+<p:sld xmlns:a="http://schemas.openxmlformats.org/drawingml/2006/main" xmlns:r="http://schemas.openxmlformats.org/officeDocument/2006/relationships" xmlns:p="http://schemas.openxmlformats.org/presentationml/2006/main">
+  <p:cSld>
+    <p:spTree>
+      <p:nvGrpSpPr>
+        <p:cNvPr id="1" name=""/>
+        <p:cNvGrpSpPr/>
+        <p:nvPr/>
+      </p:nvGrpSpPr>
+      <p:grpSpPr>
+        <a:xfrm>
+          <a:off x="0" y="0"/>
+          <a:ext cx="0" cy="0"/>
+          <a:chOff x="0" y="0"/>
+          <a:chExt cx="0" cy="0"/>
+        </a:xfrm>
+      </p:grpSpPr>
       <p:sp>
         <p:nvSpPr>
           <p:cNvPr id="4" name="文本框 3"/>
           <p:cNvSpPr txBox="1"/>
           <p:nvPr>
             <p:custDataLst>
-              <p:tags r:id="rId2"/>
+              <p:tags r:id="rId1"/>
             </p:custDataLst>
           </p:nvPr>
         </p:nvSpPr>
         <p:spPr>
           <a:xfrm>
-            <a:off x="783590" y="5827395"/>
+            <a:off x="783590" y="900000"/>
             <a:ext cx="10133330" cy="829945"/>
           </a:xfrm>
           <a:prstGeom prst="rect">
@@ -6891,7 +7643,23 @@
                 <a:ea typeface="微软雅黑" panose="020B0503020204020204" pitchFamily="34" charset="-122"/>
                 <a:cs typeface="微软雅黑" panose="020B0503020204020204" pitchFamily="34" charset="-122"/>
               </a:rPr>
-              <a:t>的优缺点</a:t>
+              <a:t>的优缺点，嵌入</a:t>
+            </a:r>
+            <a:r>
+              <a:rPr lang="en-US" altLang="zh-CN" sz="2400">
+                <a:latin typeface="微软雅黑" panose="020B0503020204020204" pitchFamily="34" charset="-122"/>
+                <a:ea typeface="微软雅黑" panose="020B0503020204020204" pitchFamily="34" charset="-122"/>
+                <a:cs typeface="微软雅黑" panose="020B0503020204020204" pitchFamily="34" charset="-122"/>
+              </a:rPr>
+              <a:t>Python</a:t>
+            </a:r>
+            <a:r>
+              <a:rPr lang="zh-CN" altLang="en-US" sz="2400">
+                <a:latin typeface="微软雅黑" panose="020B0503020204020204" pitchFamily="34" charset="-122"/>
+                <a:ea typeface="微软雅黑" panose="020B0503020204020204" pitchFamily="34" charset="-122"/>
+                <a:cs typeface="微软雅黑" panose="020B0503020204020204" pitchFamily="34" charset="-122"/>
+              </a:rPr>
+              <a:t>环境</a:t>
             </a:r>
             <a:endParaRPr lang="zh-CN" altLang="en-US" sz="2400">
               <a:latin typeface="微软雅黑" panose="020B0503020204020204" pitchFamily="34" charset="-122"/>
@@ -6917,6 +7685,30 @@
           </a:p>
         </p:txBody>
       </p:sp>
+      <p:pic>
+        <p:nvPicPr>
+          <p:cNvPr id="5" name="图片 4" descr="about-data-work-flow"/>
+          <p:cNvPicPr>
+            <a:picLocks noChangeAspect="1"/>
+          </p:cNvPicPr>
+          <p:nvPr/>
+        </p:nvPicPr>
+        <p:blipFill>
+          <a:blip r:embed="rId2"/>
+          <a:stretch>
+            <a:fillRect/>
+          </a:stretch>
+        </p:blipFill>
+        <p:spPr>
+          <a:xfrm>
+            <a:off x="1929130" y="1729740"/>
+            <a:ext cx="8409305" cy="5019675"/>
+          </a:xfrm>
+          <a:prstGeom prst="rect">
+            <a:avLst/>
+          </a:prstGeom>
+        </p:spPr>
+      </p:pic>
     </p:spTree>
     <p:custDataLst>
       <p:tags r:id="rId3"/>
@@ -6928,7 +7720,7 @@
 </p:sld>
 </file>
 
-<file path=ppt/slides/slide6.xml><?xml version="1.0" encoding="utf-8"?>
+<file path=ppt/slides/slide7.xml><?xml version="1.0" encoding="utf-8"?>
 <p:sld xmlns:a="http://schemas.openxmlformats.org/drawingml/2006/main" xmlns:r="http://schemas.openxmlformats.org/officeDocument/2006/relationships" xmlns:p="http://schemas.openxmlformats.org/presentationml/2006/main">
   <p:cSld>
     <p:spTree>
@@ -7673,180 +8465,6 @@
 </p:sld>
 </file>
 
-<file path=ppt/slides/slide7.xml><?xml version="1.0" encoding="utf-8"?>
-<p:sld xmlns:a="http://schemas.openxmlformats.org/drawingml/2006/main" xmlns:r="http://schemas.openxmlformats.org/officeDocument/2006/relationships" xmlns:p="http://schemas.openxmlformats.org/presentationml/2006/main">
-  <p:cSld>
-    <p:spTree>
-      <p:nvGrpSpPr>
-        <p:cNvPr id="1" name=""/>
-        <p:cNvGrpSpPr/>
-        <p:nvPr/>
-      </p:nvGrpSpPr>
-      <p:grpSpPr>
-        <a:xfrm>
-          <a:off x="0" y="0"/>
-          <a:ext cx="0" cy="0"/>
-          <a:chOff x="0" y="0"/>
-          <a:chExt cx="0" cy="0"/>
-        </a:xfrm>
-      </p:grpSpPr>
-      <p:pic>
-        <p:nvPicPr>
-          <p:cNvPr id="3" name="图片 2" descr="about-data-work-flow"/>
-          <p:cNvPicPr>
-            <a:picLocks noChangeAspect="1"/>
-          </p:cNvPicPr>
-          <p:nvPr/>
-        </p:nvPicPr>
-        <p:blipFill>
-          <a:blip r:embed="rId1"/>
-          <a:stretch>
-            <a:fillRect/>
-          </a:stretch>
-        </p:blipFill>
-        <p:spPr>
-          <a:xfrm>
-            <a:off x="1398270" y="1058545"/>
-            <a:ext cx="9395460" cy="4657725"/>
-          </a:xfrm>
-          <a:prstGeom prst="rect">
-            <a:avLst/>
-          </a:prstGeom>
-        </p:spPr>
-      </p:pic>
-      <p:sp>
-        <p:nvSpPr>
-          <p:cNvPr id="4" name="文本框 3"/>
-          <p:cNvSpPr txBox="1"/>
-          <p:nvPr>
-            <p:custDataLst>
-              <p:tags r:id="rId2"/>
-            </p:custDataLst>
-          </p:nvPr>
-        </p:nvSpPr>
-        <p:spPr>
-          <a:xfrm>
-            <a:off x="783590" y="5827395"/>
-            <a:ext cx="10133330" cy="460375"/>
-          </a:xfrm>
-          <a:prstGeom prst="rect">
-            <a:avLst/>
-          </a:prstGeom>
-          <a:noFill/>
-        </p:spPr>
-        <p:txBody>
-          <a:bodyPr wrap="square" rtlCol="0">
-            <a:spAutoFit/>
-          </a:bodyPr>
-          <a:p>
-            <a:pPr algn="ctr"/>
-            <a:r>
-              <a:rPr lang="zh-CN" sz="2400">
-                <a:latin typeface="微软雅黑" panose="020B0503020204020204" pitchFamily="34" charset="-122"/>
-                <a:ea typeface="微软雅黑" panose="020B0503020204020204" pitchFamily="34" charset="-122"/>
-                <a:cs typeface="微软雅黑" panose="020B0503020204020204" pitchFamily="34" charset="-122"/>
-              </a:rPr>
-              <a:t>把功能分为工作流（</a:t>
-            </a:r>
-            <a:r>
-              <a:rPr lang="en-US" altLang="zh-CN" sz="2400">
-                <a:latin typeface="微软雅黑" panose="020B0503020204020204" pitchFamily="34" charset="-122"/>
-                <a:ea typeface="微软雅黑" panose="020B0503020204020204" pitchFamily="34" charset="-122"/>
-                <a:cs typeface="微软雅黑" panose="020B0503020204020204" pitchFamily="34" charset="-122"/>
-              </a:rPr>
-              <a:t>WorkFlow</a:t>
-            </a:r>
-            <a:r>
-              <a:rPr lang="zh-CN" sz="2400">
-                <a:latin typeface="微软雅黑" panose="020B0503020204020204" pitchFamily="34" charset="-122"/>
-                <a:ea typeface="微软雅黑" panose="020B0503020204020204" pitchFamily="34" charset="-122"/>
-                <a:cs typeface="微软雅黑" panose="020B0503020204020204" pitchFamily="34" charset="-122"/>
-              </a:rPr>
-              <a:t>）</a:t>
-            </a:r>
-            <a:r>
-              <a:rPr lang="en-US" altLang="zh-CN" sz="2400">
-                <a:latin typeface="微软雅黑" panose="020B0503020204020204" pitchFamily="34" charset="-122"/>
-                <a:ea typeface="微软雅黑" panose="020B0503020204020204" pitchFamily="34" charset="-122"/>
-                <a:cs typeface="微软雅黑" panose="020B0503020204020204" pitchFamily="34" charset="-122"/>
-              </a:rPr>
-              <a:t>+</a:t>
-            </a:r>
-            <a:r>
-              <a:rPr lang="zh-CN" altLang="en-US" sz="2400">
-                <a:latin typeface="微软雅黑" panose="020B0503020204020204" pitchFamily="34" charset="-122"/>
-                <a:ea typeface="微软雅黑" panose="020B0503020204020204" pitchFamily="34" charset="-122"/>
-                <a:cs typeface="微软雅黑" panose="020B0503020204020204" pitchFamily="34" charset="-122"/>
-              </a:rPr>
-              <a:t>数据（</a:t>
-            </a:r>
-            <a:r>
-              <a:rPr lang="en-US" altLang="zh-CN" sz="2400">
-                <a:latin typeface="微软雅黑" panose="020B0503020204020204" pitchFamily="34" charset="-122"/>
-                <a:ea typeface="微软雅黑" panose="020B0503020204020204" pitchFamily="34" charset="-122"/>
-                <a:cs typeface="微软雅黑" panose="020B0503020204020204" pitchFamily="34" charset="-122"/>
-              </a:rPr>
-              <a:t>data</a:t>
-            </a:r>
-            <a:r>
-              <a:rPr lang="zh-CN" altLang="en-US" sz="2400">
-                <a:latin typeface="微软雅黑" panose="020B0503020204020204" pitchFamily="34" charset="-122"/>
-                <a:ea typeface="微软雅黑" panose="020B0503020204020204" pitchFamily="34" charset="-122"/>
-                <a:cs typeface="微软雅黑" panose="020B0503020204020204" pitchFamily="34" charset="-122"/>
-              </a:rPr>
-              <a:t>）</a:t>
-            </a:r>
-            <a:r>
-              <a:rPr lang="en-US" altLang="zh-CN" sz="2400">
-                <a:latin typeface="微软雅黑" panose="020B0503020204020204" pitchFamily="34" charset="-122"/>
-                <a:ea typeface="微软雅黑" panose="020B0503020204020204" pitchFamily="34" charset="-122"/>
-                <a:cs typeface="微软雅黑" panose="020B0503020204020204" pitchFamily="34" charset="-122"/>
-              </a:rPr>
-              <a:t>+</a:t>
-            </a:r>
-            <a:r>
-              <a:rPr lang="zh-CN" altLang="en-US" sz="2400">
-                <a:latin typeface="微软雅黑" panose="020B0503020204020204" pitchFamily="34" charset="-122"/>
-                <a:ea typeface="微软雅黑" panose="020B0503020204020204" pitchFamily="34" charset="-122"/>
-                <a:cs typeface="微软雅黑" panose="020B0503020204020204" pitchFamily="34" charset="-122"/>
-              </a:rPr>
-              <a:t>绘图（</a:t>
-            </a:r>
-            <a:r>
-              <a:rPr lang="en-US" altLang="zh-CN" sz="2400">
-                <a:latin typeface="微软雅黑" panose="020B0503020204020204" pitchFamily="34" charset="-122"/>
-                <a:ea typeface="微软雅黑" panose="020B0503020204020204" pitchFamily="34" charset="-122"/>
-                <a:cs typeface="微软雅黑" panose="020B0503020204020204" pitchFamily="34" charset="-122"/>
-              </a:rPr>
-              <a:t>chart</a:t>
-            </a:r>
-            <a:r>
-              <a:rPr lang="zh-CN" altLang="en-US" sz="2400">
-                <a:latin typeface="微软雅黑" panose="020B0503020204020204" pitchFamily="34" charset="-122"/>
-                <a:ea typeface="微软雅黑" panose="020B0503020204020204" pitchFamily="34" charset="-122"/>
-                <a:cs typeface="微软雅黑" panose="020B0503020204020204" pitchFamily="34" charset="-122"/>
-              </a:rPr>
-              <a:t>）</a:t>
-            </a:r>
-            <a:endParaRPr lang="zh-CN" altLang="en-US" sz="2400">
-              <a:latin typeface="微软雅黑" panose="020B0503020204020204" pitchFamily="34" charset="-122"/>
-              <a:ea typeface="微软雅黑" panose="020B0503020204020204" pitchFamily="34" charset="-122"/>
-              <a:cs typeface="微软雅黑" panose="020B0503020204020204" pitchFamily="34" charset="-122"/>
-            </a:endParaRPr>
-          </a:p>
-        </p:txBody>
-      </p:sp>
-    </p:spTree>
-    <p:custDataLst>
-      <p:tags r:id="rId3"/>
-    </p:custDataLst>
-  </p:cSld>
-  <p:clrMapOvr>
-    <a:masterClrMapping/>
-  </p:clrMapOvr>
-</p:sld>
-</file>
-
 <file path=ppt/slides/slide8.xml><?xml version="1.0" encoding="utf-8"?>
 <p:sld xmlns:a="http://schemas.openxmlformats.org/drawingml/2006/main" xmlns:r="http://schemas.openxmlformats.org/officeDocument/2006/relationships" xmlns:p="http://schemas.openxmlformats.org/presentationml/2006/main">
   <p:cSld>
@@ -7864,120 +8482,152 @@
           <a:chExt cx="0" cy="0"/>
         </a:xfrm>
       </p:grpSpPr>
+      <p:sp>
+        <p:nvSpPr>
+          <p:cNvPr id="4" name="文本框 3"/>
+          <p:cNvSpPr txBox="1"/>
+          <p:nvPr>
+            <p:custDataLst>
+              <p:tags r:id="rId1"/>
+            </p:custDataLst>
+          </p:nvPr>
+        </p:nvSpPr>
+        <p:spPr>
+          <a:xfrm>
+            <a:off x="783590" y="900000"/>
+            <a:ext cx="10133330" cy="460375"/>
+          </a:xfrm>
+          <a:prstGeom prst="rect">
+            <a:avLst/>
+          </a:prstGeom>
+          <a:noFill/>
+        </p:spPr>
+        <p:txBody>
+          <a:bodyPr wrap="square" rtlCol="0">
+            <a:spAutoFit/>
+          </a:bodyPr>
+          <a:p>
+            <a:pPr algn="ctr"/>
+            <a:r>
+              <a:rPr lang="zh-CN" sz="2400">
+                <a:latin typeface="微软雅黑" panose="020B0503020204020204" pitchFamily="34" charset="-122"/>
+                <a:ea typeface="微软雅黑" panose="020B0503020204020204" pitchFamily="34" charset="-122"/>
+                <a:cs typeface="微软雅黑" panose="020B0503020204020204" pitchFamily="34" charset="-122"/>
+              </a:rPr>
+              <a:t>把功能分为工作流（</a:t>
+            </a:r>
+            <a:r>
+              <a:rPr lang="en-US" altLang="zh-CN" sz="2400">
+                <a:latin typeface="微软雅黑" panose="020B0503020204020204" pitchFamily="34" charset="-122"/>
+                <a:ea typeface="微软雅黑" panose="020B0503020204020204" pitchFamily="34" charset="-122"/>
+                <a:cs typeface="微软雅黑" panose="020B0503020204020204" pitchFamily="34" charset="-122"/>
+              </a:rPr>
+              <a:t>WorkFlow</a:t>
+            </a:r>
+            <a:r>
+              <a:rPr lang="zh-CN" sz="2400">
+                <a:latin typeface="微软雅黑" panose="020B0503020204020204" pitchFamily="34" charset="-122"/>
+                <a:ea typeface="微软雅黑" panose="020B0503020204020204" pitchFamily="34" charset="-122"/>
+                <a:cs typeface="微软雅黑" panose="020B0503020204020204" pitchFamily="34" charset="-122"/>
+              </a:rPr>
+              <a:t>）</a:t>
+            </a:r>
+            <a:r>
+              <a:rPr lang="en-US" altLang="zh-CN" sz="2400">
+                <a:latin typeface="微软雅黑" panose="020B0503020204020204" pitchFamily="34" charset="-122"/>
+                <a:ea typeface="微软雅黑" panose="020B0503020204020204" pitchFamily="34" charset="-122"/>
+                <a:cs typeface="微软雅黑" panose="020B0503020204020204" pitchFamily="34" charset="-122"/>
+              </a:rPr>
+              <a:t>+</a:t>
+            </a:r>
+            <a:r>
+              <a:rPr lang="zh-CN" altLang="en-US" sz="2400">
+                <a:latin typeface="微软雅黑" panose="020B0503020204020204" pitchFamily="34" charset="-122"/>
+                <a:ea typeface="微软雅黑" panose="020B0503020204020204" pitchFamily="34" charset="-122"/>
+                <a:cs typeface="微软雅黑" panose="020B0503020204020204" pitchFamily="34" charset="-122"/>
+              </a:rPr>
+              <a:t>数据（</a:t>
+            </a:r>
+            <a:r>
+              <a:rPr lang="en-US" altLang="zh-CN" sz="2400">
+                <a:latin typeface="微软雅黑" panose="020B0503020204020204" pitchFamily="34" charset="-122"/>
+                <a:ea typeface="微软雅黑" panose="020B0503020204020204" pitchFamily="34" charset="-122"/>
+                <a:cs typeface="微软雅黑" panose="020B0503020204020204" pitchFamily="34" charset="-122"/>
+              </a:rPr>
+              <a:t>data</a:t>
+            </a:r>
+            <a:r>
+              <a:rPr lang="zh-CN" altLang="en-US" sz="2400">
+                <a:latin typeface="微软雅黑" panose="020B0503020204020204" pitchFamily="34" charset="-122"/>
+                <a:ea typeface="微软雅黑" panose="020B0503020204020204" pitchFamily="34" charset="-122"/>
+                <a:cs typeface="微软雅黑" panose="020B0503020204020204" pitchFamily="34" charset="-122"/>
+              </a:rPr>
+              <a:t>）</a:t>
+            </a:r>
+            <a:r>
+              <a:rPr lang="en-US" altLang="zh-CN" sz="2400">
+                <a:latin typeface="微软雅黑" panose="020B0503020204020204" pitchFamily="34" charset="-122"/>
+                <a:ea typeface="微软雅黑" panose="020B0503020204020204" pitchFamily="34" charset="-122"/>
+                <a:cs typeface="微软雅黑" panose="020B0503020204020204" pitchFamily="34" charset="-122"/>
+              </a:rPr>
+              <a:t>+</a:t>
+            </a:r>
+            <a:r>
+              <a:rPr lang="zh-CN" altLang="en-US" sz="2400">
+                <a:latin typeface="微软雅黑" panose="020B0503020204020204" pitchFamily="34" charset="-122"/>
+                <a:ea typeface="微软雅黑" panose="020B0503020204020204" pitchFamily="34" charset="-122"/>
+                <a:cs typeface="微软雅黑" panose="020B0503020204020204" pitchFamily="34" charset="-122"/>
+              </a:rPr>
+              <a:t>绘图（</a:t>
+            </a:r>
+            <a:r>
+              <a:rPr lang="en-US" altLang="zh-CN" sz="2400">
+                <a:latin typeface="微软雅黑" panose="020B0503020204020204" pitchFamily="34" charset="-122"/>
+                <a:ea typeface="微软雅黑" panose="020B0503020204020204" pitchFamily="34" charset="-122"/>
+                <a:cs typeface="微软雅黑" panose="020B0503020204020204" pitchFamily="34" charset="-122"/>
+              </a:rPr>
+              <a:t>chart</a:t>
+            </a:r>
+            <a:r>
+              <a:rPr lang="zh-CN" altLang="en-US" sz="2400">
+                <a:latin typeface="微软雅黑" panose="020B0503020204020204" pitchFamily="34" charset="-122"/>
+                <a:ea typeface="微软雅黑" panose="020B0503020204020204" pitchFamily="34" charset="-122"/>
+                <a:cs typeface="微软雅黑" panose="020B0503020204020204" pitchFamily="34" charset="-122"/>
+              </a:rPr>
+              <a:t>）</a:t>
+            </a:r>
+            <a:endParaRPr lang="zh-CN" altLang="en-US" sz="2400">
+              <a:latin typeface="微软雅黑" panose="020B0503020204020204" pitchFamily="34" charset="-122"/>
+              <a:ea typeface="微软雅黑" panose="020B0503020204020204" pitchFamily="34" charset="-122"/>
+              <a:cs typeface="微软雅黑" panose="020B0503020204020204" pitchFamily="34" charset="-122"/>
+            </a:endParaRPr>
+          </a:p>
+        </p:txBody>
+      </p:sp>
       <p:pic>
         <p:nvPicPr>
-          <p:cNvPr id="3" name="图片 2" descr="about-data-work-flow"/>
+          <p:cNvPr id="5" name="图片 4" descr="about-data-work-flow"/>
           <p:cNvPicPr>
             <a:picLocks noChangeAspect="1"/>
           </p:cNvPicPr>
           <p:nvPr/>
         </p:nvPicPr>
         <p:blipFill>
-          <a:blip r:embed="rId1"/>
+          <a:blip r:embed="rId2"/>
           <a:stretch>
             <a:fillRect/>
           </a:stretch>
         </p:blipFill>
         <p:spPr>
           <a:xfrm>
-            <a:off x="1398270" y="1058545"/>
-            <a:ext cx="9395460" cy="4657725"/>
+            <a:off x="1929130" y="1729740"/>
+            <a:ext cx="8409305" cy="5019675"/>
           </a:xfrm>
           <a:prstGeom prst="rect">
             <a:avLst/>
           </a:prstGeom>
         </p:spPr>
       </p:pic>
-      <p:sp>
-        <p:nvSpPr>
-          <p:cNvPr id="4" name="文本框 3"/>
-          <p:cNvSpPr txBox="1"/>
-          <p:nvPr>
-            <p:custDataLst>
-              <p:tags r:id="rId2"/>
-            </p:custDataLst>
-          </p:nvPr>
-        </p:nvSpPr>
-        <p:spPr>
-          <a:xfrm>
-            <a:off x="783590" y="5827395"/>
-            <a:ext cx="10133330" cy="829945"/>
-          </a:xfrm>
-          <a:prstGeom prst="rect">
-            <a:avLst/>
-          </a:prstGeom>
-          <a:noFill/>
-        </p:spPr>
-        <p:txBody>
-          <a:bodyPr wrap="square" rtlCol="0">
-            <a:spAutoFit/>
-          </a:bodyPr>
-          <a:p>
-            <a:pPr algn="l"/>
-            <a:r>
-              <a:rPr lang="zh-CN" sz="2400" b="1">
-                <a:latin typeface="微软雅黑" panose="020B0503020204020204" pitchFamily="34" charset="-122"/>
-                <a:ea typeface="微软雅黑" panose="020B0503020204020204" pitchFamily="34" charset="-122"/>
-                <a:cs typeface="微软雅黑" panose="020B0503020204020204" pitchFamily="34" charset="-122"/>
-              </a:rPr>
-              <a:t>工作流（</a:t>
-            </a:r>
-            <a:r>
-              <a:rPr lang="en-US" altLang="zh-CN" sz="2400" b="1">
-                <a:latin typeface="微软雅黑" panose="020B0503020204020204" pitchFamily="34" charset="-122"/>
-                <a:ea typeface="微软雅黑" panose="020B0503020204020204" pitchFamily="34" charset="-122"/>
-                <a:cs typeface="微软雅黑" panose="020B0503020204020204" pitchFamily="34" charset="-122"/>
-              </a:rPr>
-              <a:t>WorkFlow</a:t>
-            </a:r>
-            <a:r>
-              <a:rPr lang="zh-CN" sz="2400" b="1">
-                <a:latin typeface="微软雅黑" panose="020B0503020204020204" pitchFamily="34" charset="-122"/>
-                <a:ea typeface="微软雅黑" panose="020B0503020204020204" pitchFamily="34" charset="-122"/>
-                <a:cs typeface="微软雅黑" panose="020B0503020204020204" pitchFamily="34" charset="-122"/>
-              </a:rPr>
-              <a:t>）</a:t>
-            </a:r>
-            <a:r>
-              <a:rPr lang="en-US" altLang="zh-CN" sz="2400" b="1">
-                <a:latin typeface="微软雅黑" panose="020B0503020204020204" pitchFamily="34" charset="-122"/>
-                <a:ea typeface="微软雅黑" panose="020B0503020204020204" pitchFamily="34" charset="-122"/>
-                <a:cs typeface="微软雅黑" panose="020B0503020204020204" pitchFamily="34" charset="-122"/>
-              </a:rPr>
-              <a:t>——</a:t>
-            </a:r>
-            <a:r>
-              <a:rPr lang="zh-CN" sz="2400" b="1">
-                <a:latin typeface="微软雅黑" panose="020B0503020204020204" pitchFamily="34" charset="-122"/>
-                <a:ea typeface="微软雅黑" panose="020B0503020204020204" pitchFamily="34" charset="-122"/>
-                <a:cs typeface="微软雅黑" panose="020B0503020204020204" pitchFamily="34" charset="-122"/>
-              </a:rPr>
-              <a:t>解决固定性问题</a:t>
-            </a:r>
-            <a:endParaRPr lang="zh-CN" sz="2400" b="1">
-              <a:latin typeface="微软雅黑" panose="020B0503020204020204" pitchFamily="34" charset="-122"/>
-              <a:ea typeface="微软雅黑" panose="020B0503020204020204" pitchFamily="34" charset="-122"/>
-              <a:cs typeface="微软雅黑" panose="020B0503020204020204" pitchFamily="34" charset="-122"/>
-            </a:endParaRPr>
-          </a:p>
-          <a:p>
-            <a:pPr algn="l"/>
-            <a:r>
-              <a:rPr lang="zh-CN" sz="2400">
-                <a:latin typeface="微软雅黑" panose="020B0503020204020204" pitchFamily="34" charset="-122"/>
-                <a:ea typeface="微软雅黑" panose="020B0503020204020204" pitchFamily="34" charset="-122"/>
-                <a:cs typeface="微软雅黑" panose="020B0503020204020204" pitchFamily="34" charset="-122"/>
-              </a:rPr>
-              <a:t>尤其适合大批量的实验数据分析和探索性的数据挖掘</a:t>
-            </a:r>
-            <a:endParaRPr lang="zh-CN" sz="2400">
-              <a:latin typeface="微软雅黑" panose="020B0503020204020204" pitchFamily="34" charset="-122"/>
-              <a:ea typeface="微软雅黑" panose="020B0503020204020204" pitchFamily="34" charset="-122"/>
-              <a:cs typeface="微软雅黑" panose="020B0503020204020204" pitchFamily="34" charset="-122"/>
-            </a:endParaRPr>
-          </a:p>
-        </p:txBody>
-      </p:sp>
     </p:spTree>
     <p:custDataLst>
       <p:tags r:id="rId3"/>
@@ -8006,104 +8656,120 @@
           <a:chExt cx="0" cy="0"/>
         </a:xfrm>
       </p:grpSpPr>
+      <p:sp>
+        <p:nvSpPr>
+          <p:cNvPr id="4" name="文本框 3"/>
+          <p:cNvSpPr txBox="1"/>
+          <p:nvPr>
+            <p:custDataLst>
+              <p:tags r:id="rId1"/>
+            </p:custDataLst>
+          </p:nvPr>
+        </p:nvSpPr>
+        <p:spPr>
+          <a:xfrm>
+            <a:off x="783590" y="900000"/>
+            <a:ext cx="10133330" cy="829945"/>
+          </a:xfrm>
+          <a:prstGeom prst="rect">
+            <a:avLst/>
+          </a:prstGeom>
+          <a:noFill/>
+        </p:spPr>
+        <p:txBody>
+          <a:bodyPr wrap="square" rtlCol="0">
+            <a:spAutoFit/>
+          </a:bodyPr>
+          <a:p>
+            <a:pPr algn="l"/>
+            <a:r>
+              <a:rPr lang="zh-CN" sz="2400" b="1">
+                <a:latin typeface="微软雅黑" panose="020B0503020204020204" pitchFamily="34" charset="-122"/>
+                <a:ea typeface="微软雅黑" panose="020B0503020204020204" pitchFamily="34" charset="-122"/>
+                <a:cs typeface="微软雅黑" panose="020B0503020204020204" pitchFamily="34" charset="-122"/>
+              </a:rPr>
+              <a:t>工作流（</a:t>
+            </a:r>
+            <a:r>
+              <a:rPr lang="en-US" altLang="zh-CN" sz="2400" b="1">
+                <a:latin typeface="微软雅黑" panose="020B0503020204020204" pitchFamily="34" charset="-122"/>
+                <a:ea typeface="微软雅黑" panose="020B0503020204020204" pitchFamily="34" charset="-122"/>
+                <a:cs typeface="微软雅黑" panose="020B0503020204020204" pitchFamily="34" charset="-122"/>
+              </a:rPr>
+              <a:t>WorkFlow</a:t>
+            </a:r>
+            <a:r>
+              <a:rPr lang="zh-CN" sz="2400" b="1">
+                <a:latin typeface="微软雅黑" panose="020B0503020204020204" pitchFamily="34" charset="-122"/>
+                <a:ea typeface="微软雅黑" panose="020B0503020204020204" pitchFamily="34" charset="-122"/>
+                <a:cs typeface="微软雅黑" panose="020B0503020204020204" pitchFamily="34" charset="-122"/>
+              </a:rPr>
+              <a:t>）</a:t>
+            </a:r>
+            <a:r>
+              <a:rPr lang="en-US" altLang="zh-CN" sz="2400" b="1">
+                <a:latin typeface="微软雅黑" panose="020B0503020204020204" pitchFamily="34" charset="-122"/>
+                <a:ea typeface="微软雅黑" panose="020B0503020204020204" pitchFamily="34" charset="-122"/>
+                <a:cs typeface="微软雅黑" panose="020B0503020204020204" pitchFamily="34" charset="-122"/>
+              </a:rPr>
+              <a:t>——</a:t>
+            </a:r>
+            <a:r>
+              <a:rPr lang="zh-CN" sz="2400" b="1">
+                <a:latin typeface="微软雅黑" panose="020B0503020204020204" pitchFamily="34" charset="-122"/>
+                <a:ea typeface="微软雅黑" panose="020B0503020204020204" pitchFamily="34" charset="-122"/>
+                <a:cs typeface="微软雅黑" panose="020B0503020204020204" pitchFamily="34" charset="-122"/>
+              </a:rPr>
+              <a:t>解决固定性问题</a:t>
+            </a:r>
+            <a:endParaRPr lang="zh-CN" sz="2400" b="1">
+              <a:latin typeface="微软雅黑" panose="020B0503020204020204" pitchFamily="34" charset="-122"/>
+              <a:ea typeface="微软雅黑" panose="020B0503020204020204" pitchFamily="34" charset="-122"/>
+              <a:cs typeface="微软雅黑" panose="020B0503020204020204" pitchFamily="34" charset="-122"/>
+            </a:endParaRPr>
+          </a:p>
+          <a:p>
+            <a:pPr algn="l"/>
+            <a:r>
+              <a:rPr lang="zh-CN" sz="2400">
+                <a:latin typeface="微软雅黑" panose="020B0503020204020204" pitchFamily="34" charset="-122"/>
+                <a:ea typeface="微软雅黑" panose="020B0503020204020204" pitchFamily="34" charset="-122"/>
+                <a:cs typeface="微软雅黑" panose="020B0503020204020204" pitchFamily="34" charset="-122"/>
+              </a:rPr>
+              <a:t>尤其适合大批量的实验数据分析和探索性的数据挖掘</a:t>
+            </a:r>
+            <a:endParaRPr lang="zh-CN" sz="2400">
+              <a:latin typeface="微软雅黑" panose="020B0503020204020204" pitchFamily="34" charset="-122"/>
+              <a:ea typeface="微软雅黑" panose="020B0503020204020204" pitchFamily="34" charset="-122"/>
+              <a:cs typeface="微软雅黑" panose="020B0503020204020204" pitchFamily="34" charset="-122"/>
+            </a:endParaRPr>
+          </a:p>
+        </p:txBody>
+      </p:sp>
       <p:pic>
         <p:nvPicPr>
-          <p:cNvPr id="3" name="图片 2" descr="about-data-work-flow"/>
+          <p:cNvPr id="5" name="图片 4" descr="about-data-work-flow"/>
           <p:cNvPicPr>
             <a:picLocks noChangeAspect="1"/>
           </p:cNvPicPr>
           <p:nvPr/>
         </p:nvPicPr>
         <p:blipFill>
-          <a:blip r:embed="rId1"/>
+          <a:blip r:embed="rId2"/>
           <a:stretch>
             <a:fillRect/>
           </a:stretch>
         </p:blipFill>
         <p:spPr>
           <a:xfrm>
-            <a:off x="1398270" y="1058545"/>
-            <a:ext cx="9395460" cy="4657725"/>
+            <a:off x="1929130" y="1729740"/>
+            <a:ext cx="8409305" cy="5019675"/>
           </a:xfrm>
           <a:prstGeom prst="rect">
             <a:avLst/>
           </a:prstGeom>
         </p:spPr>
       </p:pic>
-      <p:sp>
-        <p:nvSpPr>
-          <p:cNvPr id="4" name="文本框 3"/>
-          <p:cNvSpPr txBox="1"/>
-          <p:nvPr>
-            <p:custDataLst>
-              <p:tags r:id="rId2"/>
-            </p:custDataLst>
-          </p:nvPr>
-        </p:nvSpPr>
-        <p:spPr>
-          <a:xfrm>
-            <a:off x="783590" y="5827395"/>
-            <a:ext cx="10133330" cy="829945"/>
-          </a:xfrm>
-          <a:prstGeom prst="rect">
-            <a:avLst/>
-          </a:prstGeom>
-          <a:noFill/>
-        </p:spPr>
-        <p:txBody>
-          <a:bodyPr wrap="square" rtlCol="0">
-            <a:spAutoFit/>
-          </a:bodyPr>
-          <a:p>
-            <a:pPr algn="l"/>
-            <a:r>
-              <a:rPr lang="zh-CN" sz="2400" b="1">
-                <a:latin typeface="微软雅黑" panose="020B0503020204020204" pitchFamily="34" charset="-122"/>
-                <a:ea typeface="微软雅黑" panose="020B0503020204020204" pitchFamily="34" charset="-122"/>
-                <a:cs typeface="微软雅黑" panose="020B0503020204020204" pitchFamily="34" charset="-122"/>
-              </a:rPr>
-              <a:t>数据</a:t>
-            </a:r>
-            <a:r>
-              <a:rPr lang="en-US" altLang="zh-CN" sz="2400" b="1">
-                <a:latin typeface="微软雅黑" panose="020B0503020204020204" pitchFamily="34" charset="-122"/>
-                <a:ea typeface="微软雅黑" panose="020B0503020204020204" pitchFamily="34" charset="-122"/>
-                <a:cs typeface="微软雅黑" panose="020B0503020204020204" pitchFamily="34" charset="-122"/>
-              </a:rPr>
-              <a:t>(Data)——</a:t>
-            </a:r>
-            <a:r>
-              <a:rPr lang="zh-CN" altLang="en-US" sz="2400" b="1">
-                <a:latin typeface="微软雅黑" panose="020B0503020204020204" pitchFamily="34" charset="-122"/>
-                <a:ea typeface="微软雅黑" panose="020B0503020204020204" pitchFamily="34" charset="-122"/>
-                <a:cs typeface="微软雅黑" panose="020B0503020204020204" pitchFamily="34" charset="-122"/>
-              </a:rPr>
-              <a:t>进行精细的数据治理</a:t>
-            </a:r>
-            <a:endParaRPr lang="zh-CN" sz="2400" b="1">
-              <a:latin typeface="微软雅黑" panose="020B0503020204020204" pitchFamily="34" charset="-122"/>
-              <a:ea typeface="微软雅黑" panose="020B0503020204020204" pitchFamily="34" charset="-122"/>
-              <a:cs typeface="微软雅黑" panose="020B0503020204020204" pitchFamily="34" charset="-122"/>
-            </a:endParaRPr>
-          </a:p>
-          <a:p>
-            <a:pPr algn="l"/>
-            <a:r>
-              <a:rPr lang="zh-CN" sz="2400">
-                <a:latin typeface="微软雅黑" panose="020B0503020204020204" pitchFamily="34" charset="-122"/>
-                <a:ea typeface="微软雅黑" panose="020B0503020204020204" pitchFamily="34" charset="-122"/>
-                <a:cs typeface="微软雅黑" panose="020B0503020204020204" pitchFamily="34" charset="-122"/>
-              </a:rPr>
-              <a:t>适合对数据进行精细调整，对行列执行函数等操作</a:t>
-            </a:r>
-            <a:endParaRPr lang="zh-CN" sz="2400">
-              <a:latin typeface="微软雅黑" panose="020B0503020204020204" pitchFamily="34" charset="-122"/>
-              <a:ea typeface="微软雅黑" panose="020B0503020204020204" pitchFamily="34" charset="-122"/>
-              <a:cs typeface="微软雅黑" panose="020B0503020204020204" pitchFamily="34" charset="-122"/>
-            </a:endParaRPr>
-          </a:p>
-        </p:txBody>
-      </p:sp>
     </p:spTree>
     <p:custDataLst>
       <p:tags r:id="rId3"/>
@@ -8216,11 +8882,32 @@
 
 <file path=ppt/tags/tag16.xml><?xml version="1.0" encoding="utf-8"?>
 <p:tagLst xmlns:p="http://schemas.openxmlformats.org/presentationml/2006/main">
+  <p:tag name="KSO_WM_SLIDE_ID" val="diagram20203751_1"/>
+  <p:tag name="KSO_WM_TEMPLATE_SUBCATEGORY" val="0"/>
+  <p:tag name="KSO_WM_TEMPLATE_MASTER_TYPE" val="0"/>
+  <p:tag name="KSO_WM_TEMPLATE_COLOR_TYPE" val="1"/>
+  <p:tag name="KSO_WM_SLIDE_TYPE" val="text"/>
+  <p:tag name="KSO_WM_SLIDE_SUBTYPE" val="pureTxt"/>
+  <p:tag name="KSO_WM_SLIDE_ITEM_CNT" val="0"/>
+  <p:tag name="KSO_WM_SLIDE_INDEX" val="1"/>
+  <p:tag name="KSO_WM_SLIDE_SIZE" val="960*466"/>
+  <p:tag name="KSO_WM_SLIDE_POSITION" val="0*74"/>
+  <p:tag name="KSO_WM_TAG_VERSION" val="1.0"/>
+  <p:tag name="KSO_WM_BEAUTIFY_FLAG" val="#wm#"/>
+  <p:tag name="KSO_WM_TEMPLATE_CATEGORY" val="diagram"/>
+  <p:tag name="KSO_WM_TEMPLATE_INDEX" val="20203751"/>
+  <p:tag name="KSO_WM_SLIDE_LAYOUT" val="f"/>
+  <p:tag name="KSO_WM_SLIDE_LAYOUT_CNT" val="1"/>
+</p:tagLst>
+</file>
+
+<file path=ppt/tags/tag17.xml><?xml version="1.0" encoding="utf-8"?>
+<p:tagLst xmlns:p="http://schemas.openxmlformats.org/presentationml/2006/main">
   <p:tag name="KSO_WM_BEAUTIFY_FLAG" val=""/>
 </p:tagLst>
 </file>
 
-<file path=ppt/tags/tag17.xml><?xml version="1.0" encoding="utf-8"?>
+<file path=ppt/tags/tag18.xml><?xml version="1.0" encoding="utf-8"?>
 <p:tagLst xmlns:p="http://schemas.openxmlformats.org/presentationml/2006/main">
   <p:tag name="KSO_WM_SLIDE_ID" val="diagram20203751_1"/>
   <p:tag name="KSO_WM_TEMPLATE_SUBCATEGORY" val="0"/>
@@ -8241,7 +8928,7 @@
 </p:tagLst>
 </file>
 
-<file path=ppt/tags/tag18.xml><?xml version="1.0" encoding="utf-8"?>
+<file path=ppt/tags/tag19.xml><?xml version="1.0" encoding="utf-8"?>
 <p:tagLst xmlns:p="http://schemas.openxmlformats.org/presentationml/2006/main">
   <p:tag name="KSO_WM_UNIT_HIGHLIGHT" val="0"/>
   <p:tag name="KSO_WM_UNIT_COMPATIBLE" val="0"/>
@@ -8250,23 +8937,6 @@
   <p:tag name="KSO_WM_UNIT_TYPE" val="i"/>
   <p:tag name="KSO_WM_UNIT_INDEX" val="2"/>
   <p:tag name="KSO_WM_UNIT_ID" val="diagram20203751_1*i*2"/>
-  <p:tag name="KSO_WM_TEMPLATE_CATEGORY" val="diagram"/>
-  <p:tag name="KSO_WM_TEMPLATE_INDEX" val="20203751"/>
-  <p:tag name="KSO_WM_UNIT_LAYERLEVEL" val="1"/>
-  <p:tag name="KSO_WM_TAG_VERSION" val="1.0"/>
-  <p:tag name="KSO_WM_BEAUTIFY_FLAG" val="#wm#"/>
-</p:tagLst>
-</file>
-
-<file path=ppt/tags/tag19.xml><?xml version="1.0" encoding="utf-8"?>
-<p:tagLst xmlns:p="http://schemas.openxmlformats.org/presentationml/2006/main">
-  <p:tag name="KSO_WM_UNIT_HIGHLIGHT" val="0"/>
-  <p:tag name="KSO_WM_UNIT_COMPATIBLE" val="0"/>
-  <p:tag name="KSO_WM_UNIT_DIAGRAM_ISNUMVISUAL" val="0"/>
-  <p:tag name="KSO_WM_UNIT_DIAGRAM_ISREFERUNIT" val="0"/>
-  <p:tag name="KSO_WM_UNIT_TYPE" val="i"/>
-  <p:tag name="KSO_WM_UNIT_INDEX" val="3"/>
-  <p:tag name="KSO_WM_UNIT_ID" val="diagram20203751_1*i*3"/>
   <p:tag name="KSO_WM_TEMPLATE_CATEGORY" val="diagram"/>
   <p:tag name="KSO_WM_TEMPLATE_INDEX" val="20203751"/>
   <p:tag name="KSO_WM_UNIT_LAYERLEVEL" val="1"/>
@@ -8299,6 +8969,23 @@
   <p:tag name="KSO_WM_UNIT_DIAGRAM_ISNUMVISUAL" val="0"/>
   <p:tag name="KSO_WM_UNIT_DIAGRAM_ISREFERUNIT" val="0"/>
   <p:tag name="KSO_WM_UNIT_TYPE" val="i"/>
+  <p:tag name="KSO_WM_UNIT_INDEX" val="3"/>
+  <p:tag name="KSO_WM_UNIT_ID" val="diagram20203751_1*i*3"/>
+  <p:tag name="KSO_WM_TEMPLATE_CATEGORY" val="diagram"/>
+  <p:tag name="KSO_WM_TEMPLATE_INDEX" val="20203751"/>
+  <p:tag name="KSO_WM_UNIT_LAYERLEVEL" val="1"/>
+  <p:tag name="KSO_WM_TAG_VERSION" val="1.0"/>
+  <p:tag name="KSO_WM_BEAUTIFY_FLAG" val="#wm#"/>
+</p:tagLst>
+</file>
+
+<file path=ppt/tags/tag21.xml><?xml version="1.0" encoding="utf-8"?>
+<p:tagLst xmlns:p="http://schemas.openxmlformats.org/presentationml/2006/main">
+  <p:tag name="KSO_WM_UNIT_HIGHLIGHT" val="0"/>
+  <p:tag name="KSO_WM_UNIT_COMPATIBLE" val="0"/>
+  <p:tag name="KSO_WM_UNIT_DIAGRAM_ISNUMVISUAL" val="0"/>
+  <p:tag name="KSO_WM_UNIT_DIAGRAM_ISREFERUNIT" val="0"/>
+  <p:tag name="KSO_WM_UNIT_TYPE" val="i"/>
   <p:tag name="KSO_WM_UNIT_INDEX" val="5"/>
   <p:tag name="KSO_WM_UNIT_ID" val="diagram20203751_1*i*5"/>
   <p:tag name="KSO_WM_TEMPLATE_CATEGORY" val="diagram"/>
@@ -8309,7 +8996,7 @@
 </p:tagLst>
 </file>
 
-<file path=ppt/tags/tag21.xml><?xml version="1.0" encoding="utf-8"?>
+<file path=ppt/tags/tag22.xml><?xml version="1.0" encoding="utf-8"?>
 <p:tagLst xmlns:p="http://schemas.openxmlformats.org/presentationml/2006/main">
   <p:tag name="KSO_WM_UNIT_HIGHLIGHT" val="0"/>
   <p:tag name="KSO_WM_UNIT_COMPATIBLE" val="0"/>
@@ -8326,7 +9013,7 @@
 </p:tagLst>
 </file>
 
-<file path=ppt/tags/tag22.xml><?xml version="1.0" encoding="utf-8"?>
+<file path=ppt/tags/tag23.xml><?xml version="1.0" encoding="utf-8"?>
 <p:tagLst xmlns:p="http://schemas.openxmlformats.org/presentationml/2006/main">
   <p:tag name="KSO_WM_UNIT_HIGHLIGHT" val="0"/>
   <p:tag name="KSO_WM_UNIT_COMPATIBLE" val="0"/>
@@ -8343,7 +9030,7 @@
 </p:tagLst>
 </file>
 
-<file path=ppt/tags/tag23.xml><?xml version="1.0" encoding="utf-8"?>
+<file path=ppt/tags/tag24.xml><?xml version="1.0" encoding="utf-8"?>
 <p:tagLst xmlns:p="http://schemas.openxmlformats.org/presentationml/2006/main">
   <p:tag name="KSO_WM_UNIT_HIGHLIGHT" val="0"/>
   <p:tag name="KSO_WM_UNIT_COMPATIBLE" val="0"/>
@@ -8360,7 +9047,7 @@
 </p:tagLst>
 </file>
 
-<file path=ppt/tags/tag24.xml><?xml version="1.0" encoding="utf-8"?>
+<file path=ppt/tags/tag25.xml><?xml version="1.0" encoding="utf-8"?>
 <p:tagLst xmlns:p="http://schemas.openxmlformats.org/presentationml/2006/main">
   <p:tag name="KSO_WM_UNIT_HIGHLIGHT" val="0"/>
   <p:tag name="KSO_WM_UNIT_COMPATIBLE" val="0"/>
@@ -8377,7 +9064,7 @@
 </p:tagLst>
 </file>
 
-<file path=ppt/tags/tag25.xml><?xml version="1.0" encoding="utf-8"?>
+<file path=ppt/tags/tag26.xml><?xml version="1.0" encoding="utf-8"?>
 <p:tagLst xmlns:p="http://schemas.openxmlformats.org/presentationml/2006/main">
   <p:tag name="KSO_WM_UNIT_TEXT_PART_ID_V2" val="a-1-2"/>
   <p:tag name="KSO_WM_UNIT_COLOR_SCHEME_SHAPE_ID" val="16"/>
@@ -8402,7 +9089,7 @@
 </p:tagLst>
 </file>
 
-<file path=ppt/tags/tag26.xml><?xml version="1.0" encoding="utf-8"?>
+<file path=ppt/tags/tag27.xml><?xml version="1.0" encoding="utf-8"?>
 <p:tagLst xmlns:p="http://schemas.openxmlformats.org/presentationml/2006/main">
   <p:tag name="KSO_WM_SLIDE_ID" val="diagram20203751_1"/>
   <p:tag name="KSO_WM_TEMPLATE_SUBCATEGORY" val="0"/>
@@ -8423,13 +9110,13 @@
 </p:tagLst>
 </file>
 
-<file path=ppt/tags/tag27.xml><?xml version="1.0" encoding="utf-8"?>
+<file path=ppt/tags/tag28.xml><?xml version="1.0" encoding="utf-8"?>
 <p:tagLst xmlns:p="http://schemas.openxmlformats.org/presentationml/2006/main">
   <p:tag name="KSO_WM_BEAUTIFY_FLAG" val=""/>
 </p:tagLst>
 </file>
 
-<file path=ppt/tags/tag28.xml><?xml version="1.0" encoding="utf-8"?>
+<file path=ppt/tags/tag29.xml><?xml version="1.0" encoding="utf-8"?>
 <p:tagLst xmlns:p="http://schemas.openxmlformats.org/presentationml/2006/main">
   <p:tag name="KSO_WM_SLIDE_ID" val="diagram20203751_1"/>
   <p:tag name="KSO_WM_TEMPLATE_SUBCATEGORY" val="0"/>
@@ -8447,12 +9134,6 @@
   <p:tag name="KSO_WM_TEMPLATE_INDEX" val="20203751"/>
   <p:tag name="KSO_WM_SLIDE_LAYOUT" val="f"/>
   <p:tag name="KSO_WM_SLIDE_LAYOUT_CNT" val="1"/>
-</p:tagLst>
-</file>
-
-<file path=ppt/tags/tag29.xml><?xml version="1.0" encoding="utf-8"?>
-<p:tagLst xmlns:p="http://schemas.openxmlformats.org/presentationml/2006/main">
-  <p:tag name="KSO_WM_BEAUTIFY_FLAG" val=""/>
 </p:tagLst>
 </file>
 
@@ -8475,32 +9156,11 @@
 
 <file path=ppt/tags/tag30.xml><?xml version="1.0" encoding="utf-8"?>
 <p:tagLst xmlns:p="http://schemas.openxmlformats.org/presentationml/2006/main">
-  <p:tag name="KSO_WM_SLIDE_ID" val="diagram20203751_1"/>
-  <p:tag name="KSO_WM_TEMPLATE_SUBCATEGORY" val="0"/>
-  <p:tag name="KSO_WM_TEMPLATE_MASTER_TYPE" val="0"/>
-  <p:tag name="KSO_WM_TEMPLATE_COLOR_TYPE" val="1"/>
-  <p:tag name="KSO_WM_SLIDE_TYPE" val="text"/>
-  <p:tag name="KSO_WM_SLIDE_SUBTYPE" val="pureTxt"/>
-  <p:tag name="KSO_WM_SLIDE_ITEM_CNT" val="0"/>
-  <p:tag name="KSO_WM_SLIDE_INDEX" val="1"/>
-  <p:tag name="KSO_WM_SLIDE_SIZE" val="960*466"/>
-  <p:tag name="KSO_WM_SLIDE_POSITION" val="0*74"/>
-  <p:tag name="KSO_WM_TAG_VERSION" val="1.0"/>
-  <p:tag name="KSO_WM_BEAUTIFY_FLAG" val="#wm#"/>
-  <p:tag name="KSO_WM_TEMPLATE_CATEGORY" val="diagram"/>
-  <p:tag name="KSO_WM_TEMPLATE_INDEX" val="20203751"/>
-  <p:tag name="KSO_WM_SLIDE_LAYOUT" val="f"/>
-  <p:tag name="KSO_WM_SLIDE_LAYOUT_CNT" val="1"/>
+  <p:tag name="KSO_WM_BEAUTIFY_FLAG" val=""/>
 </p:tagLst>
 </file>
 
 <file path=ppt/tags/tag31.xml><?xml version="1.0" encoding="utf-8"?>
-<p:tagLst xmlns:p="http://schemas.openxmlformats.org/presentationml/2006/main">
-  <p:tag name="KSO_WM_BEAUTIFY_FLAG" val=""/>
-</p:tagLst>
-</file>
-
-<file path=ppt/tags/tag32.xml><?xml version="1.0" encoding="utf-8"?>
 <p:tagLst xmlns:p="http://schemas.openxmlformats.org/presentationml/2006/main">
   <p:tag name="KSO_WM_SLIDE_ID" val="diagram20203751_1"/>
   <p:tag name="KSO_WM_TEMPLATE_SUBCATEGORY" val="0"/>
@@ -8521,13 +9181,13 @@
 </p:tagLst>
 </file>
 
-<file path=ppt/tags/tag33.xml><?xml version="1.0" encoding="utf-8"?>
+<file path=ppt/tags/tag32.xml><?xml version="1.0" encoding="utf-8"?>
 <p:tagLst xmlns:p="http://schemas.openxmlformats.org/presentationml/2006/main">
   <p:tag name="KSO_WM_BEAUTIFY_FLAG" val=""/>
 </p:tagLst>
 </file>
 
-<file path=ppt/tags/tag34.xml><?xml version="1.0" encoding="utf-8"?>
+<file path=ppt/tags/tag33.xml><?xml version="1.0" encoding="utf-8"?>
 <p:tagLst xmlns:p="http://schemas.openxmlformats.org/presentationml/2006/main">
   <p:tag name="KSO_WM_SLIDE_ID" val="diagram20203751_1"/>
   <p:tag name="KSO_WM_TEMPLATE_SUBCATEGORY" val="0"/>
@@ -8548,13 +9208,13 @@
 </p:tagLst>
 </file>
 
-<file path=ppt/tags/tag35.xml><?xml version="1.0" encoding="utf-8"?>
+<file path=ppt/tags/tag34.xml><?xml version="1.0" encoding="utf-8"?>
 <p:tagLst xmlns:p="http://schemas.openxmlformats.org/presentationml/2006/main">
   <p:tag name="KSO_WM_BEAUTIFY_FLAG" val=""/>
 </p:tagLst>
 </file>
 
-<file path=ppt/tags/tag36.xml><?xml version="1.0" encoding="utf-8"?>
+<file path=ppt/tags/tag35.xml><?xml version="1.0" encoding="utf-8"?>
 <p:tagLst xmlns:p="http://schemas.openxmlformats.org/presentationml/2006/main">
   <p:tag name="KSO_WM_SLIDE_ID" val="diagram20203751_1"/>
   <p:tag name="KSO_WM_TEMPLATE_SUBCATEGORY" val="0"/>
@@ -8575,7 +9235,34 @@
 </p:tagLst>
 </file>
 
+<file path=ppt/tags/tag36.xml><?xml version="1.0" encoding="utf-8"?>
+<p:tagLst xmlns:p="http://schemas.openxmlformats.org/presentationml/2006/main">
+  <p:tag name="KSO_WM_BEAUTIFY_FLAG" val=""/>
+</p:tagLst>
+</file>
+
 <file path=ppt/tags/tag37.xml><?xml version="1.0" encoding="utf-8"?>
+<p:tagLst xmlns:p="http://schemas.openxmlformats.org/presentationml/2006/main">
+  <p:tag name="KSO_WM_SLIDE_ID" val="diagram20203751_1"/>
+  <p:tag name="KSO_WM_TEMPLATE_SUBCATEGORY" val="0"/>
+  <p:tag name="KSO_WM_TEMPLATE_MASTER_TYPE" val="0"/>
+  <p:tag name="KSO_WM_TEMPLATE_COLOR_TYPE" val="1"/>
+  <p:tag name="KSO_WM_SLIDE_TYPE" val="text"/>
+  <p:tag name="KSO_WM_SLIDE_SUBTYPE" val="pureTxt"/>
+  <p:tag name="KSO_WM_SLIDE_ITEM_CNT" val="0"/>
+  <p:tag name="KSO_WM_SLIDE_INDEX" val="1"/>
+  <p:tag name="KSO_WM_SLIDE_SIZE" val="960*466"/>
+  <p:tag name="KSO_WM_SLIDE_POSITION" val="0*74"/>
+  <p:tag name="KSO_WM_TAG_VERSION" val="1.0"/>
+  <p:tag name="KSO_WM_BEAUTIFY_FLAG" val="#wm#"/>
+  <p:tag name="KSO_WM_TEMPLATE_CATEGORY" val="diagram"/>
+  <p:tag name="KSO_WM_TEMPLATE_INDEX" val="20203751"/>
+  <p:tag name="KSO_WM_SLIDE_LAYOUT" val="f"/>
+  <p:tag name="KSO_WM_SLIDE_LAYOUT_CNT" val="1"/>
+</p:tagLst>
+</file>
+
+<file path=ppt/tags/tag38.xml><?xml version="1.0" encoding="utf-8"?>
 <p:tagLst xmlns:p="http://schemas.openxmlformats.org/presentationml/2006/main">
   <p:tag name="KSO_WM_UNIT_HIGHLIGHT" val="0"/>
   <p:tag name="KSO_WM_UNIT_COMPATIBLE" val="0"/>
@@ -8592,7 +9279,7 @@
 </p:tagLst>
 </file>
 
-<file path=ppt/tags/tag38.xml><?xml version="1.0" encoding="utf-8"?>
+<file path=ppt/tags/tag39.xml><?xml version="1.0" encoding="utf-8"?>
 <p:tagLst xmlns:p="http://schemas.openxmlformats.org/presentationml/2006/main">
   <p:tag name="KSO_WM_UNIT_HIGHLIGHT" val="0"/>
   <p:tag name="KSO_WM_UNIT_COMPATIBLE" val="0"/>
@@ -8601,23 +9288,6 @@
   <p:tag name="KSO_WM_UNIT_TYPE" val="i"/>
   <p:tag name="KSO_WM_UNIT_INDEX" val="3"/>
   <p:tag name="KSO_WM_UNIT_ID" val="diagram20203751_1*i*3"/>
-  <p:tag name="KSO_WM_TEMPLATE_CATEGORY" val="diagram"/>
-  <p:tag name="KSO_WM_TEMPLATE_INDEX" val="20203751"/>
-  <p:tag name="KSO_WM_UNIT_LAYERLEVEL" val="1"/>
-  <p:tag name="KSO_WM_TAG_VERSION" val="1.0"/>
-  <p:tag name="KSO_WM_BEAUTIFY_FLAG" val="#wm#"/>
-</p:tagLst>
-</file>
-
-<file path=ppt/tags/tag39.xml><?xml version="1.0" encoding="utf-8"?>
-<p:tagLst xmlns:p="http://schemas.openxmlformats.org/presentationml/2006/main">
-  <p:tag name="KSO_WM_UNIT_HIGHLIGHT" val="0"/>
-  <p:tag name="KSO_WM_UNIT_COMPATIBLE" val="0"/>
-  <p:tag name="KSO_WM_UNIT_DIAGRAM_ISNUMVISUAL" val="0"/>
-  <p:tag name="KSO_WM_UNIT_DIAGRAM_ISREFERUNIT" val="0"/>
-  <p:tag name="KSO_WM_UNIT_TYPE" val="i"/>
-  <p:tag name="KSO_WM_UNIT_INDEX" val="5"/>
-  <p:tag name="KSO_WM_UNIT_ID" val="diagram20203751_1*i*5"/>
   <p:tag name="KSO_WM_TEMPLATE_CATEGORY" val="diagram"/>
   <p:tag name="KSO_WM_TEMPLATE_INDEX" val="20203751"/>
   <p:tag name="KSO_WM_UNIT_LAYERLEVEL" val="1"/>
@@ -8650,6 +9320,23 @@
   <p:tag name="KSO_WM_UNIT_DIAGRAM_ISNUMVISUAL" val="0"/>
   <p:tag name="KSO_WM_UNIT_DIAGRAM_ISREFERUNIT" val="0"/>
   <p:tag name="KSO_WM_UNIT_TYPE" val="i"/>
+  <p:tag name="KSO_WM_UNIT_INDEX" val="5"/>
+  <p:tag name="KSO_WM_UNIT_ID" val="diagram20203751_1*i*5"/>
+  <p:tag name="KSO_WM_TEMPLATE_CATEGORY" val="diagram"/>
+  <p:tag name="KSO_WM_TEMPLATE_INDEX" val="20203751"/>
+  <p:tag name="KSO_WM_UNIT_LAYERLEVEL" val="1"/>
+  <p:tag name="KSO_WM_TAG_VERSION" val="1.0"/>
+  <p:tag name="KSO_WM_BEAUTIFY_FLAG" val="#wm#"/>
+</p:tagLst>
+</file>
+
+<file path=ppt/tags/tag41.xml><?xml version="1.0" encoding="utf-8"?>
+<p:tagLst xmlns:p="http://schemas.openxmlformats.org/presentationml/2006/main">
+  <p:tag name="KSO_WM_UNIT_HIGHLIGHT" val="0"/>
+  <p:tag name="KSO_WM_UNIT_COMPATIBLE" val="0"/>
+  <p:tag name="KSO_WM_UNIT_DIAGRAM_ISNUMVISUAL" val="0"/>
+  <p:tag name="KSO_WM_UNIT_DIAGRAM_ISREFERUNIT" val="0"/>
+  <p:tag name="KSO_WM_UNIT_TYPE" val="i"/>
   <p:tag name="KSO_WM_UNIT_INDEX" val="6"/>
   <p:tag name="KSO_WM_UNIT_ID" val="diagram20203751_1*i*6"/>
   <p:tag name="KSO_WM_TEMPLATE_CATEGORY" val="diagram"/>
@@ -8660,7 +9347,7 @@
 </p:tagLst>
 </file>
 
-<file path=ppt/tags/tag41.xml><?xml version="1.0" encoding="utf-8"?>
+<file path=ppt/tags/tag42.xml><?xml version="1.0" encoding="utf-8"?>
 <p:tagLst xmlns:p="http://schemas.openxmlformats.org/presentationml/2006/main">
   <p:tag name="KSO_WM_UNIT_HIGHLIGHT" val="0"/>
   <p:tag name="KSO_WM_UNIT_COMPATIBLE" val="0"/>
@@ -8677,7 +9364,7 @@
 </p:tagLst>
 </file>
 
-<file path=ppt/tags/tag42.xml><?xml version="1.0" encoding="utf-8"?>
+<file path=ppt/tags/tag43.xml><?xml version="1.0" encoding="utf-8"?>
 <p:tagLst xmlns:p="http://schemas.openxmlformats.org/presentationml/2006/main">
   <p:tag name="KSO_WM_UNIT_HIGHLIGHT" val="0"/>
   <p:tag name="KSO_WM_UNIT_COMPATIBLE" val="0"/>
@@ -8694,7 +9381,7 @@
 </p:tagLst>
 </file>
 
-<file path=ppt/tags/tag43.xml><?xml version="1.0" encoding="utf-8"?>
+<file path=ppt/tags/tag44.xml><?xml version="1.0" encoding="utf-8"?>
 <p:tagLst xmlns:p="http://schemas.openxmlformats.org/presentationml/2006/main">
   <p:tag name="KSO_WM_UNIT_HIGHLIGHT" val="0"/>
   <p:tag name="KSO_WM_UNIT_COMPATIBLE" val="0"/>
@@ -8711,7 +9398,7 @@
 </p:tagLst>
 </file>
 
-<file path=ppt/tags/tag44.xml><?xml version="1.0" encoding="utf-8"?>
+<file path=ppt/tags/tag45.xml><?xml version="1.0" encoding="utf-8"?>
 <p:tagLst xmlns:p="http://schemas.openxmlformats.org/presentationml/2006/main">
   <p:tag name="KSO_WM_UNIT_TEXT_PART_ID_V2" val="a-1-2"/>
   <p:tag name="KSO_WM_UNIT_COLOR_SCHEME_SHAPE_ID" val="16"/>
@@ -8733,27 +9420,6 @@
   <p:tag name="KSO_WM_TAG_VERSION" val="1.0"/>
   <p:tag name="KSO_WM_BEAUTIFY_FLAG" val="#wm#"/>
   <p:tag name="KSO_WM_UNIT_SUBTYPE" val="a"/>
-</p:tagLst>
-</file>
-
-<file path=ppt/tags/tag45.xml><?xml version="1.0" encoding="utf-8"?>
-<p:tagLst xmlns:p="http://schemas.openxmlformats.org/presentationml/2006/main">
-  <p:tag name="KSO_WM_SLIDE_ID" val="diagram20203751_1"/>
-  <p:tag name="KSO_WM_TEMPLATE_SUBCATEGORY" val="0"/>
-  <p:tag name="KSO_WM_TEMPLATE_MASTER_TYPE" val="0"/>
-  <p:tag name="KSO_WM_TEMPLATE_COLOR_TYPE" val="1"/>
-  <p:tag name="KSO_WM_SLIDE_TYPE" val="text"/>
-  <p:tag name="KSO_WM_SLIDE_SUBTYPE" val="pureTxt"/>
-  <p:tag name="KSO_WM_SLIDE_ITEM_CNT" val="0"/>
-  <p:tag name="KSO_WM_SLIDE_INDEX" val="1"/>
-  <p:tag name="KSO_WM_SLIDE_SIZE" val="960*466"/>
-  <p:tag name="KSO_WM_SLIDE_POSITION" val="0*74"/>
-  <p:tag name="KSO_WM_TAG_VERSION" val="1.0"/>
-  <p:tag name="KSO_WM_BEAUTIFY_FLAG" val="#wm#"/>
-  <p:tag name="KSO_WM_TEMPLATE_CATEGORY" val="diagram"/>
-  <p:tag name="KSO_WM_TEMPLATE_INDEX" val="20203751"/>
-  <p:tag name="KSO_WM_SLIDE_LAYOUT" val="f"/>
-  <p:tag name="KSO_WM_SLIDE_LAYOUT_CNT" val="1"/>
 </p:tagLst>
 </file>
 
@@ -8780,9 +9446,64 @@
 
 <file path=ppt/tags/tag47.xml><?xml version="1.0" encoding="utf-8"?>
 <p:tagLst xmlns:p="http://schemas.openxmlformats.org/presentationml/2006/main">
-  <p:tag name="KSO_WPP_MARK_KEY" val="6b7c9d6b-4b97-4f00-a853-8e9320180f2c"/>
-  <p:tag name="COMMONDATA" val="eyJoZGlkIjoiZmQyMTI0NmEyZmUyMzcxOWU1NzNmODBlODkwODQ5ZmUifQ=="/>
-  <p:tag name="commondata" val="eyJoZGlkIjoiODMxYjY1MDM5ZWFiOTgzMDQ4OTI0NWZjZTIyZjI4MDYifQ=="/>
+  <p:tag name="KSO_WM_SLIDE_ID" val="diagram20203751_1"/>
+  <p:tag name="KSO_WM_TEMPLATE_SUBCATEGORY" val="0"/>
+  <p:tag name="KSO_WM_TEMPLATE_MASTER_TYPE" val="0"/>
+  <p:tag name="KSO_WM_TEMPLATE_COLOR_TYPE" val="1"/>
+  <p:tag name="KSO_WM_SLIDE_TYPE" val="text"/>
+  <p:tag name="KSO_WM_SLIDE_SUBTYPE" val="pureTxt"/>
+  <p:tag name="KSO_WM_SLIDE_ITEM_CNT" val="0"/>
+  <p:tag name="KSO_WM_SLIDE_INDEX" val="1"/>
+  <p:tag name="KSO_WM_SLIDE_SIZE" val="960*466"/>
+  <p:tag name="KSO_WM_SLIDE_POSITION" val="0*74"/>
+  <p:tag name="KSO_WM_TAG_VERSION" val="1.0"/>
+  <p:tag name="KSO_WM_BEAUTIFY_FLAG" val="#wm#"/>
+  <p:tag name="KSO_WM_TEMPLATE_CATEGORY" val="diagram"/>
+  <p:tag name="KSO_WM_TEMPLATE_INDEX" val="20203751"/>
+  <p:tag name="KSO_WM_SLIDE_LAYOUT" val="f"/>
+  <p:tag name="KSO_WM_SLIDE_LAYOUT_CNT" val="1"/>
+</p:tagLst>
+</file>
+
+<file path=ppt/tags/tag48.xml><?xml version="1.0" encoding="utf-8"?>
+<p:tagLst xmlns:p="http://schemas.openxmlformats.org/presentationml/2006/main">
+  <p:tag name="KSO_WM_SLIDE_ID" val="diagram20203751_1"/>
+  <p:tag name="KSO_WM_TEMPLATE_SUBCATEGORY" val="0"/>
+  <p:tag name="KSO_WM_TEMPLATE_MASTER_TYPE" val="0"/>
+  <p:tag name="KSO_WM_TEMPLATE_COLOR_TYPE" val="1"/>
+  <p:tag name="KSO_WM_SLIDE_TYPE" val="text"/>
+  <p:tag name="KSO_WM_SLIDE_SUBTYPE" val="pureTxt"/>
+  <p:tag name="KSO_WM_SLIDE_ITEM_CNT" val="0"/>
+  <p:tag name="KSO_WM_SLIDE_INDEX" val="1"/>
+  <p:tag name="KSO_WM_SLIDE_SIZE" val="960*466"/>
+  <p:tag name="KSO_WM_SLIDE_POSITION" val="0*74"/>
+  <p:tag name="KSO_WM_TAG_VERSION" val="1.0"/>
+  <p:tag name="KSO_WM_BEAUTIFY_FLAG" val="#wm#"/>
+  <p:tag name="KSO_WM_TEMPLATE_CATEGORY" val="diagram"/>
+  <p:tag name="KSO_WM_TEMPLATE_INDEX" val="20203751"/>
+  <p:tag name="KSO_WM_SLIDE_LAYOUT" val="f"/>
+  <p:tag name="KSO_WM_SLIDE_LAYOUT_CNT" val="1"/>
+</p:tagLst>
+</file>
+
+<file path=ppt/tags/tag49.xml><?xml version="1.0" encoding="utf-8"?>
+<p:tagLst xmlns:p="http://schemas.openxmlformats.org/presentationml/2006/main">
+  <p:tag name="KSO_WM_SLIDE_ID" val="diagram20203751_1"/>
+  <p:tag name="KSO_WM_TEMPLATE_SUBCATEGORY" val="0"/>
+  <p:tag name="KSO_WM_TEMPLATE_MASTER_TYPE" val="0"/>
+  <p:tag name="KSO_WM_TEMPLATE_COLOR_TYPE" val="1"/>
+  <p:tag name="KSO_WM_SLIDE_TYPE" val="text"/>
+  <p:tag name="KSO_WM_SLIDE_SUBTYPE" val="pureTxt"/>
+  <p:tag name="KSO_WM_SLIDE_ITEM_CNT" val="0"/>
+  <p:tag name="KSO_WM_SLIDE_INDEX" val="1"/>
+  <p:tag name="KSO_WM_SLIDE_SIZE" val="960*466"/>
+  <p:tag name="KSO_WM_SLIDE_POSITION" val="0*74"/>
+  <p:tag name="KSO_WM_TAG_VERSION" val="1.0"/>
+  <p:tag name="KSO_WM_BEAUTIFY_FLAG" val="#wm#"/>
+  <p:tag name="KSO_WM_TEMPLATE_CATEGORY" val="diagram"/>
+  <p:tag name="KSO_WM_TEMPLATE_INDEX" val="20203751"/>
+  <p:tag name="KSO_WM_SLIDE_LAYOUT" val="f"/>
+  <p:tag name="KSO_WM_SLIDE_LAYOUT_CNT" val="1"/>
 </p:tagLst>
 </file>
 
@@ -8800,6 +9521,35 @@
   <p:tag name="KSO_WM_UNIT_LAYERLEVEL" val="1"/>
   <p:tag name="KSO_WM_TAG_VERSION" val="1.0"/>
   <p:tag name="KSO_WM_BEAUTIFY_FLAG" val="#wm#"/>
+</p:tagLst>
+</file>
+
+<file path=ppt/tags/tag50.xml><?xml version="1.0" encoding="utf-8"?>
+<p:tagLst xmlns:p="http://schemas.openxmlformats.org/presentationml/2006/main">
+  <p:tag name="KSO_WM_SLIDE_ID" val="diagram20203751_1"/>
+  <p:tag name="KSO_WM_TEMPLATE_SUBCATEGORY" val="0"/>
+  <p:tag name="KSO_WM_TEMPLATE_MASTER_TYPE" val="0"/>
+  <p:tag name="KSO_WM_TEMPLATE_COLOR_TYPE" val="1"/>
+  <p:tag name="KSO_WM_SLIDE_TYPE" val="text"/>
+  <p:tag name="KSO_WM_SLIDE_SUBTYPE" val="pureTxt"/>
+  <p:tag name="KSO_WM_SLIDE_ITEM_CNT" val="0"/>
+  <p:tag name="KSO_WM_SLIDE_INDEX" val="1"/>
+  <p:tag name="KSO_WM_SLIDE_SIZE" val="960*466"/>
+  <p:tag name="KSO_WM_SLIDE_POSITION" val="0*74"/>
+  <p:tag name="KSO_WM_TAG_VERSION" val="1.0"/>
+  <p:tag name="KSO_WM_BEAUTIFY_FLAG" val="#wm#"/>
+  <p:tag name="KSO_WM_TEMPLATE_CATEGORY" val="diagram"/>
+  <p:tag name="KSO_WM_TEMPLATE_INDEX" val="20203751"/>
+  <p:tag name="KSO_WM_SLIDE_LAYOUT" val="f"/>
+  <p:tag name="KSO_WM_SLIDE_LAYOUT_CNT" val="1"/>
+</p:tagLst>
+</file>
+
+<file path=ppt/tags/tag51.xml><?xml version="1.0" encoding="utf-8"?>
+<p:tagLst xmlns:p="http://schemas.openxmlformats.org/presentationml/2006/main">
+  <p:tag name="KSO_WPP_MARK_KEY" val="6b7c9d6b-4b97-4f00-a853-8e9320180f2c"/>
+  <p:tag name="COMMONDATA" val="eyJoZGlkIjoiZmQyMTI0NmEyZmUyMzcxOWU1NzNmODBlODkwODQ5ZmUifQ=="/>
+  <p:tag name="commondata" val="eyJoZGlkIjoiODMxYjY1MDM5ZWFiOTgzMDQ4OTI0NWZjZTIyZjI4MDYifQ=="/>
 </p:tagLst>
 </file>
 
